--- a/mongodb-find-agg-vs-oracle-sql.pptx
+++ b/mongodb-find-agg-vs-oracle-sql.pptx
@@ -5,7 +5,7 @@
     <p:sldMasterId id="2147483700" r:id="rId1"/>
   </p:sldMasterIdLst>
   <p:notesMasterIdLst>
-    <p:notesMasterId r:id="rId21"/>
+    <p:notesMasterId r:id="rId33"/>
   </p:notesMasterIdLst>
   <p:sldIdLst>
     <p:sldId id="294" r:id="rId2"/>
@@ -27,6 +27,18 @@
     <p:sldId id="369" r:id="rId18"/>
     <p:sldId id="370" r:id="rId19"/>
     <p:sldId id="371" r:id="rId20"/>
+    <p:sldId id="379" r:id="rId21"/>
+    <p:sldId id="380" r:id="rId22"/>
+    <p:sldId id="381" r:id="rId23"/>
+    <p:sldId id="382" r:id="rId24"/>
+    <p:sldId id="383" r:id="rId25"/>
+    <p:sldId id="384" r:id="rId26"/>
+    <p:sldId id="372" r:id="rId27"/>
+    <p:sldId id="373" r:id="rId28"/>
+    <p:sldId id="374" r:id="rId29"/>
+    <p:sldId id="375" r:id="rId30"/>
+    <p:sldId id="376" r:id="rId31"/>
+    <p:sldId id="378" r:id="rId32"/>
   </p:sldIdLst>
   <p:sldSz cx="17340263" cy="9753600"/>
   <p:notesSz cx="6858000" cy="9144000"/>
@@ -29407,24 +29419,24 @@
               <a:t>lower_boundary</a:t>
             </a:r>
             <a:r>
-              <a:rPr lang="en-US" sz="1800">
+              <a:rPr lang="en-US" sz="1800" dirty="0">
                 <a:latin typeface="Lucida Console" panose="020B0609040504020204" pitchFamily="49" charset="0"/>
               </a:rPr>
               <a:t> </a:t>
             </a:r>
             <a:r>
-              <a:rPr lang="en-US" sz="1800" smtClean="0">
+              <a:rPr lang="en-US" sz="1800" dirty="0" smtClean="0">
                 <a:latin typeface="Lucida Console" panose="020B0609040504020204" pitchFamily="49" charset="0"/>
               </a:rPr>
               <a:t/>
             </a:r>
             <a:br>
-              <a:rPr lang="en-US" sz="1800" smtClean="0">
+              <a:rPr lang="en-US" sz="1800" dirty="0" smtClean="0">
                 <a:latin typeface="Lucida Console" panose="020B0609040504020204" pitchFamily="49" charset="0"/>
               </a:rPr>
             </a:br>
             <a:r>
-              <a:rPr lang="en-US" sz="1800" smtClean="0">
+              <a:rPr lang="en-US" sz="1800" dirty="0" smtClean="0">
                 <a:latin typeface="Lucida Console" panose="020B0609040504020204" pitchFamily="49" charset="0"/>
               </a:rPr>
               <a:t>                   and </a:t>
@@ -30555,6 +30567,4893 @@
 </p:sld>
 </file>
 
+<file path=ppt/slides/slide20.xml><?xml version="1.0" encoding="utf-8"?>
+<p:sld xmlns:a="http://schemas.openxmlformats.org/drawingml/2006/main" xmlns:r="http://schemas.openxmlformats.org/officeDocument/2006/relationships" xmlns:p="http://schemas.openxmlformats.org/presentationml/2006/main">
+  <p:cSld>
+    <p:spTree>
+      <p:nvGrpSpPr>
+        <p:cNvPr id="1" name=""/>
+        <p:cNvGrpSpPr/>
+        <p:nvPr/>
+      </p:nvGrpSpPr>
+      <p:grpSpPr>
+        <a:xfrm>
+          <a:off x="0" y="0"/>
+          <a:ext cx="0" cy="0"/>
+          <a:chOff x="0" y="0"/>
+          <a:chExt cx="0" cy="0"/>
+        </a:xfrm>
+      </p:grpSpPr>
+      <p:sp>
+        <p:nvSpPr>
+          <p:cNvPr id="2" name="Title 1"/>
+          <p:cNvSpPr>
+            <a:spLocks noGrp="1"/>
+          </p:cNvSpPr>
+          <p:nvPr>
+            <p:ph type="title"/>
+          </p:nvPr>
+        </p:nvSpPr>
+        <p:spPr>
+          <a:xfrm>
+            <a:off x="406400" y="246560"/>
+            <a:ext cx="16725900" cy="1346288"/>
+          </a:xfrm>
+        </p:spPr>
+        <p:txBody>
+          <a:bodyPr/>
+          <a:lstStyle/>
+          <a:p>
+            <a:r>
+              <a:rPr lang="en-US" sz="4000" dirty="0" smtClean="0"/>
+              <a:t>Create materialized collection </a:t>
+            </a:r>
+            <a:r>
+              <a:rPr lang="en-US" sz="4000" dirty="0"/>
+              <a:t>from query</a:t>
+            </a:r>
+            <a:br>
+              <a:rPr lang="en-US" sz="4000" dirty="0"/>
+            </a:br>
+            <a:r>
+              <a:rPr lang="en-US" sz="4000" dirty="0" smtClean="0"/>
+              <a:t>departments </a:t>
+            </a:r>
+            <a:r>
+              <a:rPr lang="en-US" sz="4000" dirty="0"/>
+              <a:t>with </a:t>
+            </a:r>
+            <a:r>
+              <a:rPr lang="en-US" sz="4000" dirty="0" smtClean="0"/>
+              <a:t>nested </a:t>
+            </a:r>
+            <a:r>
+              <a:rPr lang="en-US" sz="4000" dirty="0"/>
+              <a:t>employees</a:t>
+            </a:r>
+            <a:endParaRPr lang="en-US" sz="4000" i="1" dirty="0"/>
+          </a:p>
+        </p:txBody>
+      </p:sp>
+      <p:sp>
+        <p:nvSpPr>
+          <p:cNvPr id="6" name="Rectangle 5"/>
+          <p:cNvSpPr/>
+          <p:nvPr/>
+        </p:nvSpPr>
+        <p:spPr>
+          <a:xfrm>
+            <a:off x="406400" y="1714500"/>
+            <a:ext cx="7912100" cy="7708900"/>
+          </a:xfrm>
+          <a:prstGeom prst="rect">
+            <a:avLst/>
+          </a:prstGeom>
+          <a:solidFill>
+            <a:schemeClr val="bg1">
+              <a:lumMod val="95000"/>
+            </a:schemeClr>
+          </a:solidFill>
+        </p:spPr>
+        <p:style>
+          <a:lnRef idx="1">
+            <a:schemeClr val="dk1"/>
+          </a:lnRef>
+          <a:fillRef idx="2">
+            <a:schemeClr val="dk1"/>
+          </a:fillRef>
+          <a:effectRef idx="1">
+            <a:schemeClr val="dk1"/>
+          </a:effectRef>
+          <a:fontRef idx="minor">
+            <a:schemeClr val="dk1"/>
+          </a:fontRef>
+        </p:style>
+        <p:txBody>
+          <a:bodyPr rtlCol="0" anchor="ctr"/>
+          <a:lstStyle/>
+          <a:p>
+            <a:pPr algn="ctr"/>
+            <a:endParaRPr lang="en-US"/>
+          </a:p>
+        </p:txBody>
+      </p:sp>
+      <p:sp>
+        <p:nvSpPr>
+          <p:cNvPr id="7" name="TextBox 6"/>
+          <p:cNvSpPr txBox="1"/>
+          <p:nvPr/>
+        </p:nvSpPr>
+        <p:spPr>
+          <a:xfrm>
+            <a:off x="508000" y="1727200"/>
+            <a:ext cx="4507965" cy="3693319"/>
+          </a:xfrm>
+          <a:prstGeom prst="rect">
+            <a:avLst/>
+          </a:prstGeom>
+          <a:noFill/>
+        </p:spPr>
+        <p:txBody>
+          <a:bodyPr wrap="none" rtlCol="0">
+            <a:spAutoFit/>
+          </a:bodyPr>
+          <a:lstStyle/>
+          <a:p>
+            <a:r>
+              <a:rPr lang="en-US" sz="1800" dirty="0" err="1">
+                <a:latin typeface="Lucida Console" panose="020B0609040504020204" pitchFamily="49" charset="0"/>
+              </a:rPr>
+              <a:t>db.dept.aggregate</a:t>
+            </a:r>
+            <a:r>
+              <a:rPr lang="en-US" sz="1800" dirty="0">
+                <a:latin typeface="Lucida Console" panose="020B0609040504020204" pitchFamily="49" charset="0"/>
+              </a:rPr>
+              <a:t>(</a:t>
+            </a:r>
+          </a:p>
+          <a:p>
+            <a:r>
+              <a:rPr lang="en-US" sz="1800" dirty="0">
+                <a:latin typeface="Lucida Console" panose="020B0609040504020204" pitchFamily="49" charset="0"/>
+              </a:rPr>
+              <a:t>[  {$lookup:</a:t>
+            </a:r>
+          </a:p>
+          <a:p>
+            <a:r>
+              <a:rPr lang="en-US" sz="1800" dirty="0">
+                <a:latin typeface="Lucida Console" panose="020B0609040504020204" pitchFamily="49" charset="0"/>
+              </a:rPr>
+              <a:t>      {</a:t>
+            </a:r>
+          </a:p>
+          <a:p>
+            <a:r>
+              <a:rPr lang="en-US" sz="1800" dirty="0">
+                <a:latin typeface="Lucida Console" panose="020B0609040504020204" pitchFamily="49" charset="0"/>
+              </a:rPr>
+              <a:t>         from:"</a:t>
+            </a:r>
+            <a:r>
+              <a:rPr lang="en-US" sz="1800" dirty="0" err="1">
+                <a:latin typeface="Lucida Console" panose="020B0609040504020204" pitchFamily="49" charset="0"/>
+              </a:rPr>
+              <a:t>emp</a:t>
+            </a:r>
+            <a:r>
+              <a:rPr lang="en-US" sz="1800" dirty="0">
+                <a:latin typeface="Lucida Console" panose="020B0609040504020204" pitchFamily="49" charset="0"/>
+              </a:rPr>
+              <a:t>",</a:t>
+            </a:r>
+          </a:p>
+          <a:p>
+            <a:r>
+              <a:rPr lang="en-US" sz="1800" dirty="0">
+                <a:latin typeface="Lucida Console" panose="020B0609040504020204" pitchFamily="49" charset="0"/>
+              </a:rPr>
+              <a:t>         </a:t>
+            </a:r>
+            <a:r>
+              <a:rPr lang="en-US" sz="1800" dirty="0" err="1">
+                <a:latin typeface="Lucida Console" panose="020B0609040504020204" pitchFamily="49" charset="0"/>
+              </a:rPr>
+              <a:t>localField</a:t>
+            </a:r>
+            <a:r>
+              <a:rPr lang="en-US" sz="1800" dirty="0">
+                <a:latin typeface="Lucida Console" panose="020B0609040504020204" pitchFamily="49" charset="0"/>
+              </a:rPr>
+              <a:t>:"</a:t>
+            </a:r>
+            <a:r>
+              <a:rPr lang="en-US" sz="1800" dirty="0" err="1">
+                <a:latin typeface="Lucida Console" panose="020B0609040504020204" pitchFamily="49" charset="0"/>
+              </a:rPr>
+              <a:t>deptno</a:t>
+            </a:r>
+            <a:r>
+              <a:rPr lang="en-US" sz="1800" dirty="0">
+                <a:latin typeface="Lucida Console" panose="020B0609040504020204" pitchFamily="49" charset="0"/>
+              </a:rPr>
+              <a:t>",</a:t>
+            </a:r>
+          </a:p>
+          <a:p>
+            <a:r>
+              <a:rPr lang="en-US" sz="1800" dirty="0">
+                <a:latin typeface="Lucida Console" panose="020B0609040504020204" pitchFamily="49" charset="0"/>
+              </a:rPr>
+              <a:t>         </a:t>
+            </a:r>
+            <a:r>
+              <a:rPr lang="en-US" sz="1800" dirty="0" err="1">
+                <a:latin typeface="Lucida Console" panose="020B0609040504020204" pitchFamily="49" charset="0"/>
+              </a:rPr>
+              <a:t>foreignField</a:t>
+            </a:r>
+            <a:r>
+              <a:rPr lang="en-US" sz="1800" dirty="0">
+                <a:latin typeface="Lucida Console" panose="020B0609040504020204" pitchFamily="49" charset="0"/>
+              </a:rPr>
+              <a:t>:"DEPTNO",</a:t>
+            </a:r>
+          </a:p>
+          <a:p>
+            <a:r>
+              <a:rPr lang="en-US" sz="1800" dirty="0">
+                <a:latin typeface="Lucida Console" panose="020B0609040504020204" pitchFamily="49" charset="0"/>
+              </a:rPr>
+              <a:t>         as:"</a:t>
+            </a:r>
+            <a:r>
+              <a:rPr lang="en-US" sz="1800" dirty="0" err="1">
+                <a:latin typeface="Lucida Console" panose="020B0609040504020204" pitchFamily="49" charset="0"/>
+              </a:rPr>
+              <a:t>emps</a:t>
+            </a:r>
+            <a:r>
+              <a:rPr lang="en-US" sz="1800" dirty="0">
+                <a:latin typeface="Lucida Console" panose="020B0609040504020204" pitchFamily="49" charset="0"/>
+              </a:rPr>
+              <a:t>"</a:t>
+            </a:r>
+          </a:p>
+          <a:p>
+            <a:r>
+              <a:rPr lang="en-US" sz="1800" dirty="0">
+                <a:latin typeface="Lucida Console" panose="020B0609040504020204" pitchFamily="49" charset="0"/>
+              </a:rPr>
+              <a:t>     }</a:t>
+            </a:r>
+          </a:p>
+          <a:p>
+            <a:r>
+              <a:rPr lang="en-US" sz="1800" dirty="0">
+                <a:latin typeface="Lucida Console" panose="020B0609040504020204" pitchFamily="49" charset="0"/>
+              </a:rPr>
+              <a:t>   }  </a:t>
+            </a:r>
+          </a:p>
+          <a:p>
+            <a:r>
+              <a:rPr lang="en-US" sz="1800" dirty="0">
+                <a:latin typeface="Lucida Console" panose="020B0609040504020204" pitchFamily="49" charset="0"/>
+              </a:rPr>
+              <a:t>, {$out: "departments" </a:t>
+            </a:r>
+          </a:p>
+          <a:p>
+            <a:r>
+              <a:rPr lang="en-US" sz="1800" dirty="0">
+                <a:latin typeface="Lucida Console" panose="020B0609040504020204" pitchFamily="49" charset="0"/>
+              </a:rPr>
+              <a:t>  }</a:t>
+            </a:r>
+          </a:p>
+          <a:p>
+            <a:r>
+              <a:rPr lang="en-US" sz="1800" dirty="0">
+                <a:latin typeface="Lucida Console" panose="020B0609040504020204" pitchFamily="49" charset="0"/>
+              </a:rPr>
+              <a:t>]</a:t>
+            </a:r>
+          </a:p>
+          <a:p>
+            <a:r>
+              <a:rPr lang="en-US" sz="1800" dirty="0">
+                <a:latin typeface="Lucida Console" panose="020B0609040504020204" pitchFamily="49" charset="0"/>
+              </a:rPr>
+              <a:t>)</a:t>
+            </a:r>
+          </a:p>
+        </p:txBody>
+      </p:sp>
+      <p:sp>
+        <p:nvSpPr>
+          <p:cNvPr id="8" name="Rectangle 7"/>
+          <p:cNvSpPr/>
+          <p:nvPr/>
+        </p:nvSpPr>
+        <p:spPr>
+          <a:xfrm>
+            <a:off x="8686800" y="1714500"/>
+            <a:ext cx="7912100" cy="7708900"/>
+          </a:xfrm>
+          <a:prstGeom prst="rect">
+            <a:avLst/>
+          </a:prstGeom>
+          <a:solidFill>
+            <a:schemeClr val="bg1">
+              <a:lumMod val="95000"/>
+            </a:schemeClr>
+          </a:solidFill>
+        </p:spPr>
+        <p:style>
+          <a:lnRef idx="1">
+            <a:schemeClr val="dk1"/>
+          </a:lnRef>
+          <a:fillRef idx="2">
+            <a:schemeClr val="dk1"/>
+          </a:fillRef>
+          <a:effectRef idx="1">
+            <a:schemeClr val="dk1"/>
+          </a:effectRef>
+          <a:fontRef idx="minor">
+            <a:schemeClr val="dk1"/>
+          </a:fontRef>
+        </p:style>
+        <p:txBody>
+          <a:bodyPr rtlCol="0" anchor="ctr"/>
+          <a:lstStyle/>
+          <a:p>
+            <a:pPr algn="ctr"/>
+            <a:endParaRPr lang="en-US"/>
+          </a:p>
+        </p:txBody>
+      </p:sp>
+      <p:sp>
+        <p:nvSpPr>
+          <p:cNvPr id="9" name="TextBox 8"/>
+          <p:cNvSpPr txBox="1"/>
+          <p:nvPr/>
+        </p:nvSpPr>
+        <p:spPr>
+          <a:xfrm>
+            <a:off x="8798166" y="1727200"/>
+            <a:ext cx="7800734" cy="646331"/>
+          </a:xfrm>
+          <a:prstGeom prst="rect">
+            <a:avLst/>
+          </a:prstGeom>
+          <a:noFill/>
+        </p:spPr>
+        <p:txBody>
+          <a:bodyPr wrap="square" rtlCol="0">
+            <a:spAutoFit/>
+          </a:bodyPr>
+          <a:lstStyle/>
+          <a:p>
+            <a:r>
+              <a:rPr lang="nl-NL" sz="1800" dirty="0" smtClean="0">
+                <a:latin typeface="Lucida Console" panose="020B0609040504020204" pitchFamily="49" charset="0"/>
+              </a:rPr>
+              <a:t>-- </a:t>
+            </a:r>
+            <a:r>
+              <a:rPr lang="nl-NL" sz="1800" dirty="0" err="1" smtClean="0">
+                <a:latin typeface="Lucida Console" panose="020B0609040504020204" pitchFamily="49" charset="0"/>
+              </a:rPr>
+              <a:t>create</a:t>
+            </a:r>
+            <a:r>
+              <a:rPr lang="nl-NL" sz="1800" dirty="0" smtClean="0">
+                <a:latin typeface="Lucida Console" panose="020B0609040504020204" pitchFamily="49" charset="0"/>
+              </a:rPr>
+              <a:t> </a:t>
+            </a:r>
+            <a:r>
+              <a:rPr lang="nl-NL" sz="1800" dirty="0" err="1" smtClean="0">
+                <a:latin typeface="Lucida Console" panose="020B0609040504020204" pitchFamily="49" charset="0"/>
+              </a:rPr>
+              <a:t>materialized</a:t>
+            </a:r>
+            <a:r>
+              <a:rPr lang="nl-NL" sz="1800" dirty="0" smtClean="0">
+                <a:latin typeface="Lucida Console" panose="020B0609040504020204" pitchFamily="49" charset="0"/>
+              </a:rPr>
+              <a:t> view</a:t>
+            </a:r>
+          </a:p>
+          <a:p>
+            <a:r>
+              <a:rPr lang="nl-NL" sz="1800" dirty="0" smtClean="0">
+                <a:latin typeface="Lucida Console" panose="020B0609040504020204" pitchFamily="49" charset="0"/>
+              </a:rPr>
+              <a:t>-- </a:t>
+            </a:r>
+            <a:r>
+              <a:rPr lang="nl-NL" sz="1800" dirty="0" err="1" smtClean="0">
+                <a:latin typeface="Lucida Console" panose="020B0609040504020204" pitchFamily="49" charset="0"/>
+              </a:rPr>
+              <a:t>with</a:t>
+            </a:r>
+            <a:r>
+              <a:rPr lang="nl-NL" sz="1800" dirty="0" smtClean="0">
+                <a:latin typeface="Lucida Console" panose="020B0609040504020204" pitchFamily="49" charset="0"/>
+              </a:rPr>
+              <a:t> </a:t>
+            </a:r>
+            <a:r>
+              <a:rPr lang="nl-NL" sz="1800" dirty="0" err="1" smtClean="0">
+                <a:latin typeface="Lucida Console" panose="020B0609040504020204" pitchFamily="49" charset="0"/>
+              </a:rPr>
+              <a:t>nested</a:t>
+            </a:r>
+            <a:r>
+              <a:rPr lang="nl-NL" sz="1800" dirty="0" smtClean="0">
+                <a:latin typeface="Lucida Console" panose="020B0609040504020204" pitchFamily="49" charset="0"/>
+              </a:rPr>
+              <a:t> cursor? </a:t>
+            </a:r>
+            <a:r>
+              <a:rPr lang="nl-NL" sz="1800" dirty="0" err="1" smtClean="0">
+                <a:latin typeface="Lucida Console" panose="020B0609040504020204" pitchFamily="49" charset="0"/>
+              </a:rPr>
+              <a:t>Nested</a:t>
+            </a:r>
+            <a:r>
+              <a:rPr lang="nl-NL" sz="1800" dirty="0" smtClean="0">
+                <a:latin typeface="Lucida Console" panose="020B0609040504020204" pitchFamily="49" charset="0"/>
+              </a:rPr>
+              <a:t> </a:t>
+            </a:r>
+            <a:r>
+              <a:rPr lang="nl-NL" sz="1800" dirty="0" err="1" smtClean="0">
+                <a:latin typeface="Lucida Console" panose="020B0609040504020204" pitchFamily="49" charset="0"/>
+              </a:rPr>
+              <a:t>table</a:t>
+            </a:r>
+            <a:r>
+              <a:rPr lang="nl-NL" sz="1800" dirty="0" smtClean="0">
+                <a:latin typeface="Lucida Console" panose="020B0609040504020204" pitchFamily="49" charset="0"/>
+              </a:rPr>
+              <a:t>?</a:t>
+            </a:r>
+            <a:endParaRPr lang="en-US" sz="1800" dirty="0">
+              <a:latin typeface="Lucida Console" panose="020B0609040504020204" pitchFamily="49" charset="0"/>
+            </a:endParaRPr>
+          </a:p>
+        </p:txBody>
+      </p:sp>
+    </p:spTree>
+    <p:extLst>
+      <p:ext uri="{BB962C8B-B14F-4D97-AF65-F5344CB8AC3E}">
+        <p14:creationId xmlns:p14="http://schemas.microsoft.com/office/powerpoint/2010/main" val="872675617"/>
+      </p:ext>
+    </p:extLst>
+  </p:cSld>
+  <p:clrMapOvr>
+    <a:masterClrMapping/>
+  </p:clrMapOvr>
+</p:sld>
+</file>
+
+<file path=ppt/slides/slide21.xml><?xml version="1.0" encoding="utf-8"?>
+<p:sld xmlns:a="http://schemas.openxmlformats.org/drawingml/2006/main" xmlns:r="http://schemas.openxmlformats.org/officeDocument/2006/relationships" xmlns:p="http://schemas.openxmlformats.org/presentationml/2006/main">
+  <p:cSld>
+    <p:spTree>
+      <p:nvGrpSpPr>
+        <p:cNvPr id="1" name=""/>
+        <p:cNvGrpSpPr/>
+        <p:nvPr/>
+      </p:nvGrpSpPr>
+      <p:grpSpPr>
+        <a:xfrm>
+          <a:off x="0" y="0"/>
+          <a:ext cx="0" cy="0"/>
+          <a:chOff x="0" y="0"/>
+          <a:chExt cx="0" cy="0"/>
+        </a:xfrm>
+      </p:grpSpPr>
+      <p:sp>
+        <p:nvSpPr>
+          <p:cNvPr id="2" name="Title 1"/>
+          <p:cNvSpPr>
+            <a:spLocks noGrp="1"/>
+          </p:cNvSpPr>
+          <p:nvPr>
+            <p:ph type="title"/>
+          </p:nvPr>
+        </p:nvSpPr>
+        <p:spPr>
+          <a:xfrm>
+            <a:off x="406400" y="246560"/>
+            <a:ext cx="16725900" cy="1346288"/>
+          </a:xfrm>
+        </p:spPr>
+        <p:txBody>
+          <a:bodyPr/>
+          <a:lstStyle/>
+          <a:p>
+            <a:r>
+              <a:rPr lang="en-US" sz="4000" dirty="0"/>
+              <a:t>Find </a:t>
+            </a:r>
+            <a:r>
+              <a:rPr lang="en-US" sz="4000" dirty="0" smtClean="0"/>
+              <a:t>department </a:t>
+            </a:r>
+            <a:r>
+              <a:rPr lang="en-US" sz="4000" dirty="0"/>
+              <a:t>that contains employee named KING</a:t>
+            </a:r>
+            <a:br>
+              <a:rPr lang="en-US" sz="4000" dirty="0"/>
+            </a:br>
+            <a:r>
+              <a:rPr lang="en-US" sz="4000" dirty="0" smtClean="0"/>
+              <a:t>from departments collection with nested </a:t>
+            </a:r>
+            <a:r>
+              <a:rPr lang="en-US" sz="4000" dirty="0"/>
+              <a:t>employees</a:t>
+            </a:r>
+            <a:endParaRPr lang="en-US" sz="4000" i="1" dirty="0"/>
+          </a:p>
+        </p:txBody>
+      </p:sp>
+      <p:sp>
+        <p:nvSpPr>
+          <p:cNvPr id="6" name="Rectangle 5"/>
+          <p:cNvSpPr/>
+          <p:nvPr/>
+        </p:nvSpPr>
+        <p:spPr>
+          <a:xfrm>
+            <a:off x="406400" y="1714500"/>
+            <a:ext cx="7912100" cy="7708900"/>
+          </a:xfrm>
+          <a:prstGeom prst="rect">
+            <a:avLst/>
+          </a:prstGeom>
+          <a:solidFill>
+            <a:schemeClr val="bg1">
+              <a:lumMod val="95000"/>
+            </a:schemeClr>
+          </a:solidFill>
+        </p:spPr>
+        <p:style>
+          <a:lnRef idx="1">
+            <a:schemeClr val="dk1"/>
+          </a:lnRef>
+          <a:fillRef idx="2">
+            <a:schemeClr val="dk1"/>
+          </a:fillRef>
+          <a:effectRef idx="1">
+            <a:schemeClr val="dk1"/>
+          </a:effectRef>
+          <a:fontRef idx="minor">
+            <a:schemeClr val="dk1"/>
+          </a:fontRef>
+        </p:style>
+        <p:txBody>
+          <a:bodyPr rtlCol="0" anchor="ctr"/>
+          <a:lstStyle/>
+          <a:p>
+            <a:pPr algn="ctr"/>
+            <a:endParaRPr lang="en-US"/>
+          </a:p>
+        </p:txBody>
+      </p:sp>
+      <p:sp>
+        <p:nvSpPr>
+          <p:cNvPr id="7" name="TextBox 6"/>
+          <p:cNvSpPr txBox="1"/>
+          <p:nvPr/>
+        </p:nvSpPr>
+        <p:spPr>
+          <a:xfrm>
+            <a:off x="508000" y="1727200"/>
+            <a:ext cx="3392275" cy="923330"/>
+          </a:xfrm>
+          <a:prstGeom prst="rect">
+            <a:avLst/>
+          </a:prstGeom>
+          <a:noFill/>
+        </p:spPr>
+        <p:txBody>
+          <a:bodyPr wrap="none" rtlCol="0">
+            <a:spAutoFit/>
+          </a:bodyPr>
+          <a:lstStyle/>
+          <a:p>
+            <a:r>
+              <a:rPr lang="en-US" sz="1800" dirty="0" err="1" smtClean="0">
+                <a:latin typeface="Lucida Console" panose="020B0609040504020204" pitchFamily="49" charset="0"/>
+              </a:rPr>
+              <a:t>db.departments.find</a:t>
+            </a:r>
+            <a:r>
+              <a:rPr lang="en-US" sz="1800" dirty="0" smtClean="0">
+                <a:latin typeface="Lucida Console" panose="020B0609040504020204" pitchFamily="49" charset="0"/>
+              </a:rPr>
+              <a:t/>
+            </a:r>
+            <a:br>
+              <a:rPr lang="en-US" sz="1800" dirty="0" smtClean="0">
+                <a:latin typeface="Lucida Console" panose="020B0609040504020204" pitchFamily="49" charset="0"/>
+              </a:rPr>
+            </a:br>
+            <a:r>
+              <a:rPr lang="en-US" sz="1800" dirty="0" smtClean="0">
+                <a:latin typeface="Lucida Console" panose="020B0609040504020204" pitchFamily="49" charset="0"/>
+              </a:rPr>
+              <a:t>( </a:t>
+            </a:r>
+            <a:r>
+              <a:rPr lang="en-US" sz="1800" dirty="0">
+                <a:latin typeface="Lucida Console" panose="020B0609040504020204" pitchFamily="49" charset="0"/>
+              </a:rPr>
+              <a:t>{"</a:t>
+            </a:r>
+            <a:r>
+              <a:rPr lang="en-US" sz="1800" dirty="0" err="1">
+                <a:latin typeface="Lucida Console" panose="020B0609040504020204" pitchFamily="49" charset="0"/>
+              </a:rPr>
+              <a:t>emps.ENAME":"KING</a:t>
+            </a:r>
+            <a:r>
+              <a:rPr lang="en-US" sz="1800" dirty="0" smtClean="0">
+                <a:latin typeface="Lucida Console" panose="020B0609040504020204" pitchFamily="49" charset="0"/>
+              </a:rPr>
+              <a:t>"}</a:t>
+            </a:r>
+          </a:p>
+          <a:p>
+            <a:r>
+              <a:rPr lang="en-US" sz="1800" dirty="0" smtClean="0">
+                <a:latin typeface="Lucida Console" panose="020B0609040504020204" pitchFamily="49" charset="0"/>
+              </a:rPr>
+              <a:t>)</a:t>
+            </a:r>
+            <a:endParaRPr lang="en-US" sz="1800" dirty="0">
+              <a:latin typeface="Lucida Console" panose="020B0609040504020204" pitchFamily="49" charset="0"/>
+            </a:endParaRPr>
+          </a:p>
+        </p:txBody>
+      </p:sp>
+      <p:sp>
+        <p:nvSpPr>
+          <p:cNvPr id="8" name="Rectangle 7"/>
+          <p:cNvSpPr/>
+          <p:nvPr/>
+        </p:nvSpPr>
+        <p:spPr>
+          <a:xfrm>
+            <a:off x="8686800" y="1714500"/>
+            <a:ext cx="7912100" cy="7708900"/>
+          </a:xfrm>
+          <a:prstGeom prst="rect">
+            <a:avLst/>
+          </a:prstGeom>
+          <a:solidFill>
+            <a:schemeClr val="bg1">
+              <a:lumMod val="95000"/>
+            </a:schemeClr>
+          </a:solidFill>
+        </p:spPr>
+        <p:style>
+          <a:lnRef idx="1">
+            <a:schemeClr val="dk1"/>
+          </a:lnRef>
+          <a:fillRef idx="2">
+            <a:schemeClr val="dk1"/>
+          </a:fillRef>
+          <a:effectRef idx="1">
+            <a:schemeClr val="dk1"/>
+          </a:effectRef>
+          <a:fontRef idx="minor">
+            <a:schemeClr val="dk1"/>
+          </a:fontRef>
+        </p:style>
+        <p:txBody>
+          <a:bodyPr rtlCol="0" anchor="ctr"/>
+          <a:lstStyle/>
+          <a:p>
+            <a:pPr algn="ctr"/>
+            <a:endParaRPr lang="en-US"/>
+          </a:p>
+        </p:txBody>
+      </p:sp>
+      <p:sp>
+        <p:nvSpPr>
+          <p:cNvPr id="9" name="TextBox 8"/>
+          <p:cNvSpPr txBox="1"/>
+          <p:nvPr/>
+        </p:nvSpPr>
+        <p:spPr>
+          <a:xfrm>
+            <a:off x="8798166" y="1727200"/>
+            <a:ext cx="7800734" cy="646331"/>
+          </a:xfrm>
+          <a:prstGeom prst="rect">
+            <a:avLst/>
+          </a:prstGeom>
+          <a:noFill/>
+        </p:spPr>
+        <p:txBody>
+          <a:bodyPr wrap="square" rtlCol="0">
+            <a:spAutoFit/>
+          </a:bodyPr>
+          <a:lstStyle/>
+          <a:p>
+            <a:r>
+              <a:rPr lang="nl-NL" sz="1800" dirty="0" smtClean="0">
+                <a:latin typeface="Lucida Console" panose="020B0609040504020204" pitchFamily="49" charset="0"/>
+              </a:rPr>
+              <a:t>-- </a:t>
+            </a:r>
+            <a:r>
+              <a:rPr lang="nl-NL" sz="1800" dirty="0" err="1" smtClean="0">
+                <a:latin typeface="Lucida Console" panose="020B0609040504020204" pitchFamily="49" charset="0"/>
+              </a:rPr>
+              <a:t>create</a:t>
+            </a:r>
+            <a:r>
+              <a:rPr lang="nl-NL" sz="1800" dirty="0" smtClean="0">
+                <a:latin typeface="Lucida Console" panose="020B0609040504020204" pitchFamily="49" charset="0"/>
+              </a:rPr>
+              <a:t> </a:t>
+            </a:r>
+            <a:r>
+              <a:rPr lang="nl-NL" sz="1800" dirty="0" err="1" smtClean="0">
+                <a:latin typeface="Lucida Console" panose="020B0609040504020204" pitchFamily="49" charset="0"/>
+              </a:rPr>
+              <a:t>materialized</a:t>
+            </a:r>
+            <a:r>
+              <a:rPr lang="nl-NL" sz="1800" dirty="0" smtClean="0">
+                <a:latin typeface="Lucida Console" panose="020B0609040504020204" pitchFamily="49" charset="0"/>
+              </a:rPr>
+              <a:t> view</a:t>
+            </a:r>
+          </a:p>
+          <a:p>
+            <a:r>
+              <a:rPr lang="nl-NL" sz="1800" dirty="0" smtClean="0">
+                <a:latin typeface="Lucida Console" panose="020B0609040504020204" pitchFamily="49" charset="0"/>
+              </a:rPr>
+              <a:t>-- </a:t>
+            </a:r>
+            <a:r>
+              <a:rPr lang="nl-NL" sz="1800" dirty="0" err="1" smtClean="0">
+                <a:latin typeface="Lucida Console" panose="020B0609040504020204" pitchFamily="49" charset="0"/>
+              </a:rPr>
+              <a:t>with</a:t>
+            </a:r>
+            <a:r>
+              <a:rPr lang="nl-NL" sz="1800" dirty="0" smtClean="0">
+                <a:latin typeface="Lucida Console" panose="020B0609040504020204" pitchFamily="49" charset="0"/>
+              </a:rPr>
+              <a:t> </a:t>
+            </a:r>
+            <a:r>
+              <a:rPr lang="nl-NL" sz="1800" dirty="0" err="1" smtClean="0">
+                <a:latin typeface="Lucida Console" panose="020B0609040504020204" pitchFamily="49" charset="0"/>
+              </a:rPr>
+              <a:t>nested</a:t>
+            </a:r>
+            <a:r>
+              <a:rPr lang="nl-NL" sz="1800" dirty="0" smtClean="0">
+                <a:latin typeface="Lucida Console" panose="020B0609040504020204" pitchFamily="49" charset="0"/>
+              </a:rPr>
+              <a:t> cursor? </a:t>
+            </a:r>
+            <a:r>
+              <a:rPr lang="nl-NL" sz="1800" dirty="0" err="1" smtClean="0">
+                <a:latin typeface="Lucida Console" panose="020B0609040504020204" pitchFamily="49" charset="0"/>
+              </a:rPr>
+              <a:t>Nested</a:t>
+            </a:r>
+            <a:r>
+              <a:rPr lang="nl-NL" sz="1800" dirty="0" smtClean="0">
+                <a:latin typeface="Lucida Console" panose="020B0609040504020204" pitchFamily="49" charset="0"/>
+              </a:rPr>
+              <a:t> </a:t>
+            </a:r>
+            <a:r>
+              <a:rPr lang="nl-NL" sz="1800" dirty="0" err="1" smtClean="0">
+                <a:latin typeface="Lucida Console" panose="020B0609040504020204" pitchFamily="49" charset="0"/>
+              </a:rPr>
+              <a:t>table</a:t>
+            </a:r>
+            <a:r>
+              <a:rPr lang="nl-NL" sz="1800" dirty="0" smtClean="0">
+                <a:latin typeface="Lucida Console" panose="020B0609040504020204" pitchFamily="49" charset="0"/>
+              </a:rPr>
+              <a:t>?</a:t>
+            </a:r>
+            <a:endParaRPr lang="en-US" sz="1800" dirty="0">
+              <a:latin typeface="Lucida Console" panose="020B0609040504020204" pitchFamily="49" charset="0"/>
+            </a:endParaRPr>
+          </a:p>
+        </p:txBody>
+      </p:sp>
+    </p:spTree>
+    <p:extLst>
+      <p:ext uri="{BB962C8B-B14F-4D97-AF65-F5344CB8AC3E}">
+        <p14:creationId xmlns:p14="http://schemas.microsoft.com/office/powerpoint/2010/main" val="2662058075"/>
+      </p:ext>
+    </p:extLst>
+  </p:cSld>
+  <p:clrMapOvr>
+    <a:masterClrMapping/>
+  </p:clrMapOvr>
+</p:sld>
+</file>
+
+<file path=ppt/slides/slide22.xml><?xml version="1.0" encoding="utf-8"?>
+<p:sld xmlns:a="http://schemas.openxmlformats.org/drawingml/2006/main" xmlns:r="http://schemas.openxmlformats.org/officeDocument/2006/relationships" xmlns:p="http://schemas.openxmlformats.org/presentationml/2006/main">
+  <p:cSld>
+    <p:spTree>
+      <p:nvGrpSpPr>
+        <p:cNvPr id="1" name=""/>
+        <p:cNvGrpSpPr/>
+        <p:nvPr/>
+      </p:nvGrpSpPr>
+      <p:grpSpPr>
+        <a:xfrm>
+          <a:off x="0" y="0"/>
+          <a:ext cx="0" cy="0"/>
+          <a:chOff x="0" y="0"/>
+          <a:chExt cx="0" cy="0"/>
+        </a:xfrm>
+      </p:grpSpPr>
+      <p:sp>
+        <p:nvSpPr>
+          <p:cNvPr id="2" name="Title 1"/>
+          <p:cNvSpPr>
+            <a:spLocks noGrp="1"/>
+          </p:cNvSpPr>
+          <p:nvPr>
+            <p:ph type="title"/>
+          </p:nvPr>
+        </p:nvSpPr>
+        <p:spPr>
+          <a:xfrm>
+            <a:off x="406400" y="246560"/>
+            <a:ext cx="16725900" cy="1346288"/>
+          </a:xfrm>
+        </p:spPr>
+        <p:txBody>
+          <a:bodyPr/>
+          <a:lstStyle/>
+          <a:p>
+            <a:r>
+              <a:rPr lang="en-US" sz="4000" dirty="0"/>
+              <a:t>only find </a:t>
+            </a:r>
+            <a:r>
+              <a:rPr lang="en-US" sz="4000" dirty="0" smtClean="0"/>
+              <a:t>Employee KING </a:t>
+            </a:r>
+            <a:r>
+              <a:rPr lang="en-US" sz="4000" dirty="0"/>
+              <a:t>(and not all employees in the department)</a:t>
+            </a:r>
+            <a:br>
+              <a:rPr lang="en-US" sz="4000" dirty="0"/>
+            </a:br>
+            <a:r>
+              <a:rPr lang="en-US" sz="4000" dirty="0" smtClean="0"/>
+              <a:t>from departments collection with nested </a:t>
+            </a:r>
+            <a:r>
+              <a:rPr lang="en-US" sz="4000" dirty="0"/>
+              <a:t>employees</a:t>
+            </a:r>
+            <a:endParaRPr lang="en-US" sz="4000" i="1" dirty="0"/>
+          </a:p>
+        </p:txBody>
+      </p:sp>
+      <p:sp>
+        <p:nvSpPr>
+          <p:cNvPr id="6" name="Rectangle 5"/>
+          <p:cNvSpPr/>
+          <p:nvPr/>
+        </p:nvSpPr>
+        <p:spPr>
+          <a:xfrm>
+            <a:off x="406400" y="1714500"/>
+            <a:ext cx="7912100" cy="7708900"/>
+          </a:xfrm>
+          <a:prstGeom prst="rect">
+            <a:avLst/>
+          </a:prstGeom>
+          <a:solidFill>
+            <a:schemeClr val="bg1">
+              <a:lumMod val="95000"/>
+            </a:schemeClr>
+          </a:solidFill>
+        </p:spPr>
+        <p:style>
+          <a:lnRef idx="1">
+            <a:schemeClr val="dk1"/>
+          </a:lnRef>
+          <a:fillRef idx="2">
+            <a:schemeClr val="dk1"/>
+          </a:fillRef>
+          <a:effectRef idx="1">
+            <a:schemeClr val="dk1"/>
+          </a:effectRef>
+          <a:fontRef idx="minor">
+            <a:schemeClr val="dk1"/>
+          </a:fontRef>
+        </p:style>
+        <p:txBody>
+          <a:bodyPr rtlCol="0" anchor="ctr"/>
+          <a:lstStyle/>
+          <a:p>
+            <a:pPr algn="ctr"/>
+            <a:endParaRPr lang="en-US"/>
+          </a:p>
+        </p:txBody>
+      </p:sp>
+      <p:sp>
+        <p:nvSpPr>
+          <p:cNvPr id="7" name="TextBox 6"/>
+          <p:cNvSpPr txBox="1"/>
+          <p:nvPr/>
+        </p:nvSpPr>
+        <p:spPr>
+          <a:xfrm>
+            <a:off x="508000" y="1727200"/>
+            <a:ext cx="5623655" cy="3970318"/>
+          </a:xfrm>
+          <a:prstGeom prst="rect">
+            <a:avLst/>
+          </a:prstGeom>
+          <a:noFill/>
+        </p:spPr>
+        <p:txBody>
+          <a:bodyPr wrap="none" rtlCol="0">
+            <a:spAutoFit/>
+          </a:bodyPr>
+          <a:lstStyle/>
+          <a:p>
+            <a:r>
+              <a:rPr lang="en-US" sz="1800" dirty="0" err="1">
+                <a:latin typeface="Lucida Console" panose="020B0609040504020204" pitchFamily="49" charset="0"/>
+              </a:rPr>
+              <a:t>db.departments.aggregate</a:t>
+            </a:r>
+            <a:r>
+              <a:rPr lang="en-US" sz="1800" dirty="0">
+                <a:latin typeface="Lucida Console" panose="020B0609040504020204" pitchFamily="49" charset="0"/>
+              </a:rPr>
+              <a:t>(</a:t>
+            </a:r>
+          </a:p>
+          <a:p>
+            <a:r>
+              <a:rPr lang="en-US" sz="1800" dirty="0">
+                <a:latin typeface="Lucida Console" panose="020B0609040504020204" pitchFamily="49" charset="0"/>
+              </a:rPr>
+              <a:t>[</a:t>
+            </a:r>
+          </a:p>
+          <a:p>
+            <a:r>
+              <a:rPr lang="en-US" sz="1800" dirty="0">
+                <a:latin typeface="Lucida Console" panose="020B0609040504020204" pitchFamily="49" charset="0"/>
+              </a:rPr>
+              <a:t>  {$unwind: {path:"$</a:t>
+            </a:r>
+            <a:r>
+              <a:rPr lang="en-US" sz="1800" dirty="0" err="1">
+                <a:latin typeface="Lucida Console" panose="020B0609040504020204" pitchFamily="49" charset="0"/>
+              </a:rPr>
+              <a:t>emps</a:t>
+            </a:r>
+            <a:r>
+              <a:rPr lang="en-US" sz="1800" dirty="0">
+                <a:latin typeface="Lucida Console" panose="020B0609040504020204" pitchFamily="49" charset="0"/>
+              </a:rPr>
+              <a:t>"}}  </a:t>
+            </a:r>
+          </a:p>
+          <a:p>
+            <a:r>
+              <a:rPr lang="en-US" sz="1800" dirty="0">
+                <a:latin typeface="Lucida Console" panose="020B0609040504020204" pitchFamily="49" charset="0"/>
+              </a:rPr>
+              <a:t>, {$match: { "</a:t>
+            </a:r>
+            <a:r>
+              <a:rPr lang="en-US" sz="1800" dirty="0" err="1">
+                <a:latin typeface="Lucida Console" panose="020B0609040504020204" pitchFamily="49" charset="0"/>
+              </a:rPr>
+              <a:t>emps.ENAME</a:t>
+            </a:r>
+            <a:r>
+              <a:rPr lang="en-US" sz="1800" dirty="0">
+                <a:latin typeface="Lucida Console" panose="020B0609040504020204" pitchFamily="49" charset="0"/>
+              </a:rPr>
+              <a:t>": "KING"}}</a:t>
+            </a:r>
+          </a:p>
+          <a:p>
+            <a:r>
+              <a:rPr lang="en-US" sz="1800" dirty="0">
+                <a:latin typeface="Lucida Console" panose="020B0609040504020204" pitchFamily="49" charset="0"/>
+              </a:rPr>
+              <a:t>, {$project: {</a:t>
+            </a:r>
+          </a:p>
+          <a:p>
+            <a:r>
+              <a:rPr lang="en-US" sz="1800" dirty="0">
+                <a:latin typeface="Lucida Console" panose="020B0609040504020204" pitchFamily="49" charset="0"/>
+              </a:rPr>
+              <a:t>        "EMPNO": "$</a:t>
+            </a:r>
+            <a:r>
+              <a:rPr lang="en-US" sz="1800" dirty="0" err="1">
+                <a:latin typeface="Lucida Console" panose="020B0609040504020204" pitchFamily="49" charset="0"/>
+              </a:rPr>
+              <a:t>emps.EMPNO</a:t>
+            </a:r>
+            <a:r>
+              <a:rPr lang="en-US" sz="1800" dirty="0">
+                <a:latin typeface="Lucida Console" panose="020B0609040504020204" pitchFamily="49" charset="0"/>
+              </a:rPr>
+              <a:t>",</a:t>
+            </a:r>
+          </a:p>
+          <a:p>
+            <a:r>
+              <a:rPr lang="en-US" sz="1800" dirty="0">
+                <a:latin typeface="Lucida Console" panose="020B0609040504020204" pitchFamily="49" charset="0"/>
+              </a:rPr>
+              <a:t>        "JOB": "$</a:t>
+            </a:r>
+            <a:r>
+              <a:rPr lang="en-US" sz="1800" dirty="0" err="1">
+                <a:latin typeface="Lucida Console" panose="020B0609040504020204" pitchFamily="49" charset="0"/>
+              </a:rPr>
+              <a:t>emps.JOB</a:t>
+            </a:r>
+            <a:r>
+              <a:rPr lang="en-US" sz="1800" dirty="0">
+                <a:latin typeface="Lucida Console" panose="020B0609040504020204" pitchFamily="49" charset="0"/>
+              </a:rPr>
+              <a:t>",</a:t>
+            </a:r>
+          </a:p>
+          <a:p>
+            <a:r>
+              <a:rPr lang="en-US" sz="1800" dirty="0">
+                <a:latin typeface="Lucida Console" panose="020B0609040504020204" pitchFamily="49" charset="0"/>
+              </a:rPr>
+              <a:t>        "ENAME": "$</a:t>
+            </a:r>
+            <a:r>
+              <a:rPr lang="en-US" sz="1800" dirty="0" err="1">
+                <a:latin typeface="Lucida Console" panose="020B0609040504020204" pitchFamily="49" charset="0"/>
+              </a:rPr>
+              <a:t>emps.ENAME</a:t>
+            </a:r>
+            <a:r>
+              <a:rPr lang="en-US" sz="1800" dirty="0">
+                <a:latin typeface="Lucida Console" panose="020B0609040504020204" pitchFamily="49" charset="0"/>
+              </a:rPr>
+              <a:t>",</a:t>
+            </a:r>
+          </a:p>
+          <a:p>
+            <a:r>
+              <a:rPr lang="en-US" sz="1800" dirty="0">
+                <a:latin typeface="Lucida Console" panose="020B0609040504020204" pitchFamily="49" charset="0"/>
+              </a:rPr>
+              <a:t>        "STARTDATE": "$</a:t>
+            </a:r>
+            <a:r>
+              <a:rPr lang="en-US" sz="1800" dirty="0" err="1">
+                <a:latin typeface="Lucida Console" panose="020B0609040504020204" pitchFamily="49" charset="0"/>
+              </a:rPr>
+              <a:t>emps.startdate</a:t>
+            </a:r>
+            <a:r>
+              <a:rPr lang="en-US" sz="1800" dirty="0">
+                <a:latin typeface="Lucida Console" panose="020B0609040504020204" pitchFamily="49" charset="0"/>
+              </a:rPr>
+              <a:t>",</a:t>
+            </a:r>
+          </a:p>
+          <a:p>
+            <a:r>
+              <a:rPr lang="en-US" sz="1800" dirty="0">
+                <a:latin typeface="Lucida Console" panose="020B0609040504020204" pitchFamily="49" charset="0"/>
+              </a:rPr>
+              <a:t>        "DNAME": 1</a:t>
+            </a:r>
+          </a:p>
+          <a:p>
+            <a:r>
+              <a:rPr lang="en-US" sz="1800" dirty="0">
+                <a:latin typeface="Lucida Console" panose="020B0609040504020204" pitchFamily="49" charset="0"/>
+              </a:rPr>
+              <a:t>    }</a:t>
+            </a:r>
+          </a:p>
+          <a:p>
+            <a:r>
+              <a:rPr lang="en-US" sz="1800" dirty="0">
+                <a:latin typeface="Lucida Console" panose="020B0609040504020204" pitchFamily="49" charset="0"/>
+              </a:rPr>
+              <a:t>   }</a:t>
+            </a:r>
+          </a:p>
+          <a:p>
+            <a:r>
+              <a:rPr lang="en-US" sz="1800" dirty="0">
+                <a:latin typeface="Lucida Console" panose="020B0609040504020204" pitchFamily="49" charset="0"/>
+              </a:rPr>
+              <a:t>]</a:t>
+            </a:r>
+          </a:p>
+          <a:p>
+            <a:r>
+              <a:rPr lang="en-US" sz="1800" dirty="0">
+                <a:latin typeface="Lucida Console" panose="020B0609040504020204" pitchFamily="49" charset="0"/>
+              </a:rPr>
+              <a:t>)</a:t>
+            </a:r>
+            <a:endParaRPr lang="en-US" sz="1800" dirty="0" smtClean="0">
+              <a:latin typeface="Lucida Console" panose="020B0609040504020204" pitchFamily="49" charset="0"/>
+            </a:endParaRPr>
+          </a:p>
+        </p:txBody>
+      </p:sp>
+      <p:sp>
+        <p:nvSpPr>
+          <p:cNvPr id="8" name="Rectangle 7"/>
+          <p:cNvSpPr/>
+          <p:nvPr/>
+        </p:nvSpPr>
+        <p:spPr>
+          <a:xfrm>
+            <a:off x="8686800" y="1714500"/>
+            <a:ext cx="7912100" cy="7708900"/>
+          </a:xfrm>
+          <a:prstGeom prst="rect">
+            <a:avLst/>
+          </a:prstGeom>
+          <a:solidFill>
+            <a:schemeClr val="bg1">
+              <a:lumMod val="95000"/>
+            </a:schemeClr>
+          </a:solidFill>
+        </p:spPr>
+        <p:style>
+          <a:lnRef idx="1">
+            <a:schemeClr val="dk1"/>
+          </a:lnRef>
+          <a:fillRef idx="2">
+            <a:schemeClr val="dk1"/>
+          </a:fillRef>
+          <a:effectRef idx="1">
+            <a:schemeClr val="dk1"/>
+          </a:effectRef>
+          <a:fontRef idx="minor">
+            <a:schemeClr val="dk1"/>
+          </a:fontRef>
+        </p:style>
+        <p:txBody>
+          <a:bodyPr rtlCol="0" anchor="ctr"/>
+          <a:lstStyle/>
+          <a:p>
+            <a:pPr algn="ctr"/>
+            <a:endParaRPr lang="en-US"/>
+          </a:p>
+        </p:txBody>
+      </p:sp>
+      <p:sp>
+        <p:nvSpPr>
+          <p:cNvPr id="9" name="TextBox 8"/>
+          <p:cNvSpPr txBox="1"/>
+          <p:nvPr/>
+        </p:nvSpPr>
+        <p:spPr>
+          <a:xfrm>
+            <a:off x="8798166" y="1727200"/>
+            <a:ext cx="7800734" cy="646331"/>
+          </a:xfrm>
+          <a:prstGeom prst="rect">
+            <a:avLst/>
+          </a:prstGeom>
+          <a:noFill/>
+        </p:spPr>
+        <p:txBody>
+          <a:bodyPr wrap="square" rtlCol="0">
+            <a:spAutoFit/>
+          </a:bodyPr>
+          <a:lstStyle/>
+          <a:p>
+            <a:r>
+              <a:rPr lang="nl-NL" sz="1800" dirty="0" smtClean="0">
+                <a:latin typeface="Lucida Console" panose="020B0609040504020204" pitchFamily="49" charset="0"/>
+              </a:rPr>
+              <a:t>-- </a:t>
+            </a:r>
+            <a:r>
+              <a:rPr lang="nl-NL" sz="1800" dirty="0" err="1" smtClean="0">
+                <a:latin typeface="Lucida Console" panose="020B0609040504020204" pitchFamily="49" charset="0"/>
+              </a:rPr>
+              <a:t>create</a:t>
+            </a:r>
+            <a:r>
+              <a:rPr lang="nl-NL" sz="1800" dirty="0" smtClean="0">
+                <a:latin typeface="Lucida Console" panose="020B0609040504020204" pitchFamily="49" charset="0"/>
+              </a:rPr>
+              <a:t> </a:t>
+            </a:r>
+            <a:r>
+              <a:rPr lang="nl-NL" sz="1800" dirty="0" err="1" smtClean="0">
+                <a:latin typeface="Lucida Console" panose="020B0609040504020204" pitchFamily="49" charset="0"/>
+              </a:rPr>
+              <a:t>materialized</a:t>
+            </a:r>
+            <a:r>
+              <a:rPr lang="nl-NL" sz="1800" dirty="0" smtClean="0">
+                <a:latin typeface="Lucida Console" panose="020B0609040504020204" pitchFamily="49" charset="0"/>
+              </a:rPr>
+              <a:t> view</a:t>
+            </a:r>
+          </a:p>
+          <a:p>
+            <a:r>
+              <a:rPr lang="nl-NL" sz="1800" dirty="0" smtClean="0">
+                <a:latin typeface="Lucida Console" panose="020B0609040504020204" pitchFamily="49" charset="0"/>
+              </a:rPr>
+              <a:t>-- </a:t>
+            </a:r>
+            <a:r>
+              <a:rPr lang="nl-NL" sz="1800" dirty="0" err="1" smtClean="0">
+                <a:latin typeface="Lucida Console" panose="020B0609040504020204" pitchFamily="49" charset="0"/>
+              </a:rPr>
+              <a:t>with</a:t>
+            </a:r>
+            <a:r>
+              <a:rPr lang="nl-NL" sz="1800" dirty="0" smtClean="0">
+                <a:latin typeface="Lucida Console" panose="020B0609040504020204" pitchFamily="49" charset="0"/>
+              </a:rPr>
+              <a:t> </a:t>
+            </a:r>
+            <a:r>
+              <a:rPr lang="nl-NL" sz="1800" dirty="0" err="1" smtClean="0">
+                <a:latin typeface="Lucida Console" panose="020B0609040504020204" pitchFamily="49" charset="0"/>
+              </a:rPr>
+              <a:t>nested</a:t>
+            </a:r>
+            <a:r>
+              <a:rPr lang="nl-NL" sz="1800" dirty="0" smtClean="0">
+                <a:latin typeface="Lucida Console" panose="020B0609040504020204" pitchFamily="49" charset="0"/>
+              </a:rPr>
+              <a:t> cursor? </a:t>
+            </a:r>
+            <a:r>
+              <a:rPr lang="nl-NL" sz="1800" dirty="0" err="1" smtClean="0">
+                <a:latin typeface="Lucida Console" panose="020B0609040504020204" pitchFamily="49" charset="0"/>
+              </a:rPr>
+              <a:t>Nested</a:t>
+            </a:r>
+            <a:r>
+              <a:rPr lang="nl-NL" sz="1800" dirty="0" smtClean="0">
+                <a:latin typeface="Lucida Console" panose="020B0609040504020204" pitchFamily="49" charset="0"/>
+              </a:rPr>
+              <a:t> </a:t>
+            </a:r>
+            <a:r>
+              <a:rPr lang="nl-NL" sz="1800" dirty="0" err="1" smtClean="0">
+                <a:latin typeface="Lucida Console" panose="020B0609040504020204" pitchFamily="49" charset="0"/>
+              </a:rPr>
+              <a:t>table</a:t>
+            </a:r>
+            <a:r>
+              <a:rPr lang="nl-NL" sz="1800" dirty="0" smtClean="0">
+                <a:latin typeface="Lucida Console" panose="020B0609040504020204" pitchFamily="49" charset="0"/>
+              </a:rPr>
+              <a:t>?</a:t>
+            </a:r>
+            <a:endParaRPr lang="en-US" sz="1800" dirty="0">
+              <a:latin typeface="Lucida Console" panose="020B0609040504020204" pitchFamily="49" charset="0"/>
+            </a:endParaRPr>
+          </a:p>
+        </p:txBody>
+      </p:sp>
+    </p:spTree>
+    <p:extLst>
+      <p:ext uri="{BB962C8B-B14F-4D97-AF65-F5344CB8AC3E}">
+        <p14:creationId xmlns:p14="http://schemas.microsoft.com/office/powerpoint/2010/main" val="3514530209"/>
+      </p:ext>
+    </p:extLst>
+  </p:cSld>
+  <p:clrMapOvr>
+    <a:masterClrMapping/>
+  </p:clrMapOvr>
+</p:sld>
+</file>
+
+<file path=ppt/slides/slide23.xml><?xml version="1.0" encoding="utf-8"?>
+<p:sld xmlns:a="http://schemas.openxmlformats.org/drawingml/2006/main" xmlns:r="http://schemas.openxmlformats.org/officeDocument/2006/relationships" xmlns:p="http://schemas.openxmlformats.org/presentationml/2006/main">
+  <p:cSld>
+    <p:spTree>
+      <p:nvGrpSpPr>
+        <p:cNvPr id="1" name=""/>
+        <p:cNvGrpSpPr/>
+        <p:nvPr/>
+      </p:nvGrpSpPr>
+      <p:grpSpPr>
+        <a:xfrm>
+          <a:off x="0" y="0"/>
+          <a:ext cx="0" cy="0"/>
+          <a:chOff x="0" y="0"/>
+          <a:chExt cx="0" cy="0"/>
+        </a:xfrm>
+      </p:grpSpPr>
+      <p:sp>
+        <p:nvSpPr>
+          <p:cNvPr id="2" name="Title 1"/>
+          <p:cNvSpPr>
+            <a:spLocks noGrp="1"/>
+          </p:cNvSpPr>
+          <p:nvPr>
+            <p:ph type="title"/>
+          </p:nvPr>
+        </p:nvSpPr>
+        <p:spPr>
+          <a:xfrm>
+            <a:off x="406400" y="246560"/>
+            <a:ext cx="16725900" cy="1346288"/>
+          </a:xfrm>
+        </p:spPr>
+        <p:txBody>
+          <a:bodyPr/>
+          <a:lstStyle/>
+          <a:p>
+            <a:r>
+              <a:rPr lang="en-US" sz="4000" dirty="0" smtClean="0"/>
+              <a:t>Find names of all managers</a:t>
+            </a:r>
+            <a:r>
+              <a:rPr lang="en-US" sz="4000" dirty="0"/>
+              <a:t/>
+            </a:r>
+            <a:br>
+              <a:rPr lang="en-US" sz="4000" dirty="0"/>
+            </a:br>
+            <a:r>
+              <a:rPr lang="en-US" sz="4000" dirty="0" smtClean="0"/>
+              <a:t>from departments collection with nested </a:t>
+            </a:r>
+            <a:r>
+              <a:rPr lang="en-US" sz="4000" dirty="0"/>
+              <a:t>employees</a:t>
+            </a:r>
+            <a:endParaRPr lang="en-US" sz="4000" i="1" dirty="0"/>
+          </a:p>
+        </p:txBody>
+      </p:sp>
+      <p:sp>
+        <p:nvSpPr>
+          <p:cNvPr id="6" name="Rectangle 5"/>
+          <p:cNvSpPr/>
+          <p:nvPr/>
+        </p:nvSpPr>
+        <p:spPr>
+          <a:xfrm>
+            <a:off x="406400" y="1714500"/>
+            <a:ext cx="7912100" cy="7708900"/>
+          </a:xfrm>
+          <a:prstGeom prst="rect">
+            <a:avLst/>
+          </a:prstGeom>
+          <a:solidFill>
+            <a:schemeClr val="bg1">
+              <a:lumMod val="95000"/>
+            </a:schemeClr>
+          </a:solidFill>
+        </p:spPr>
+        <p:style>
+          <a:lnRef idx="1">
+            <a:schemeClr val="dk1"/>
+          </a:lnRef>
+          <a:fillRef idx="2">
+            <a:schemeClr val="dk1"/>
+          </a:fillRef>
+          <a:effectRef idx="1">
+            <a:schemeClr val="dk1"/>
+          </a:effectRef>
+          <a:fontRef idx="minor">
+            <a:schemeClr val="dk1"/>
+          </a:fontRef>
+        </p:style>
+        <p:txBody>
+          <a:bodyPr rtlCol="0" anchor="ctr"/>
+          <a:lstStyle/>
+          <a:p>
+            <a:pPr algn="ctr"/>
+            <a:endParaRPr lang="en-US"/>
+          </a:p>
+        </p:txBody>
+      </p:sp>
+      <p:sp>
+        <p:nvSpPr>
+          <p:cNvPr id="7" name="TextBox 6"/>
+          <p:cNvSpPr txBox="1"/>
+          <p:nvPr/>
+        </p:nvSpPr>
+        <p:spPr>
+          <a:xfrm>
+            <a:off x="508000" y="1727200"/>
+            <a:ext cx="5205271" cy="2862322"/>
+          </a:xfrm>
+          <a:prstGeom prst="rect">
+            <a:avLst/>
+          </a:prstGeom>
+          <a:noFill/>
+        </p:spPr>
+        <p:txBody>
+          <a:bodyPr wrap="none" rtlCol="0">
+            <a:spAutoFit/>
+          </a:bodyPr>
+          <a:lstStyle/>
+          <a:p>
+            <a:r>
+              <a:rPr lang="en-US" sz="1800" dirty="0" err="1">
+                <a:latin typeface="Lucida Console" panose="020B0609040504020204" pitchFamily="49" charset="0"/>
+              </a:rPr>
+              <a:t>db.departments.aggregate</a:t>
+            </a:r>
+            <a:r>
+              <a:rPr lang="en-US" sz="1800" dirty="0">
+                <a:latin typeface="Lucida Console" panose="020B0609040504020204" pitchFamily="49" charset="0"/>
+              </a:rPr>
+              <a:t>(</a:t>
+            </a:r>
+          </a:p>
+          <a:p>
+            <a:r>
+              <a:rPr lang="en-US" sz="1800" dirty="0">
+                <a:latin typeface="Lucida Console" panose="020B0609040504020204" pitchFamily="49" charset="0"/>
+              </a:rPr>
+              <a:t>[</a:t>
+            </a:r>
+          </a:p>
+          <a:p>
+            <a:r>
+              <a:rPr lang="en-US" sz="1800" dirty="0">
+                <a:latin typeface="Lucida Console" panose="020B0609040504020204" pitchFamily="49" charset="0"/>
+              </a:rPr>
+              <a:t>  {$unwind: {path:"$</a:t>
+            </a:r>
+            <a:r>
+              <a:rPr lang="en-US" sz="1800" dirty="0" err="1">
+                <a:latin typeface="Lucida Console" panose="020B0609040504020204" pitchFamily="49" charset="0"/>
+              </a:rPr>
+              <a:t>emps</a:t>
+            </a:r>
+            <a:r>
+              <a:rPr lang="en-US" sz="1800" dirty="0">
+                <a:latin typeface="Lucida Console" panose="020B0609040504020204" pitchFamily="49" charset="0"/>
+              </a:rPr>
+              <a:t>"}}  </a:t>
+            </a:r>
+          </a:p>
+          <a:p>
+            <a:r>
+              <a:rPr lang="en-US" sz="1800" dirty="0">
+                <a:latin typeface="Lucida Console" panose="020B0609040504020204" pitchFamily="49" charset="0"/>
+              </a:rPr>
+              <a:t>, {$match: { "</a:t>
+            </a:r>
+            <a:r>
+              <a:rPr lang="en-US" sz="1800" dirty="0" err="1">
+                <a:latin typeface="Lucida Console" panose="020B0609040504020204" pitchFamily="49" charset="0"/>
+              </a:rPr>
+              <a:t>emps.JOB</a:t>
+            </a:r>
+            <a:r>
+              <a:rPr lang="en-US" sz="1800" dirty="0">
+                <a:latin typeface="Lucida Console" panose="020B0609040504020204" pitchFamily="49" charset="0"/>
+              </a:rPr>
+              <a:t>": "MANAGER"}}</a:t>
+            </a:r>
+          </a:p>
+          <a:p>
+            <a:r>
+              <a:rPr lang="en-US" sz="1800" dirty="0">
+                <a:latin typeface="Lucida Console" panose="020B0609040504020204" pitchFamily="49" charset="0"/>
+              </a:rPr>
+              <a:t>, {$project: {</a:t>
+            </a:r>
+          </a:p>
+          <a:p>
+            <a:r>
+              <a:rPr lang="en-US" sz="1800" dirty="0">
+                <a:latin typeface="Lucida Console" panose="020B0609040504020204" pitchFamily="49" charset="0"/>
+              </a:rPr>
+              <a:t>        "ENAME": "$</a:t>
+            </a:r>
+            <a:r>
+              <a:rPr lang="en-US" sz="1800" dirty="0" err="1">
+                <a:latin typeface="Lucida Console" panose="020B0609040504020204" pitchFamily="49" charset="0"/>
+              </a:rPr>
+              <a:t>emps.ENAME</a:t>
+            </a:r>
+            <a:r>
+              <a:rPr lang="en-US" sz="1800" dirty="0">
+                <a:latin typeface="Lucida Console" panose="020B0609040504020204" pitchFamily="49" charset="0"/>
+              </a:rPr>
+              <a:t>",</a:t>
+            </a:r>
+          </a:p>
+          <a:p>
+            <a:r>
+              <a:rPr lang="en-US" sz="1800" dirty="0">
+                <a:latin typeface="Lucida Console" panose="020B0609040504020204" pitchFamily="49" charset="0"/>
+              </a:rPr>
+              <a:t>    }</a:t>
+            </a:r>
+          </a:p>
+          <a:p>
+            <a:r>
+              <a:rPr lang="en-US" sz="1800" dirty="0">
+                <a:latin typeface="Lucida Console" panose="020B0609040504020204" pitchFamily="49" charset="0"/>
+              </a:rPr>
+              <a:t>   }</a:t>
+            </a:r>
+          </a:p>
+          <a:p>
+            <a:r>
+              <a:rPr lang="en-US" sz="1800" dirty="0">
+                <a:latin typeface="Lucida Console" panose="020B0609040504020204" pitchFamily="49" charset="0"/>
+              </a:rPr>
+              <a:t>]</a:t>
+            </a:r>
+          </a:p>
+          <a:p>
+            <a:r>
+              <a:rPr lang="en-US" sz="1800" dirty="0">
+                <a:latin typeface="Lucida Console" panose="020B0609040504020204" pitchFamily="49" charset="0"/>
+              </a:rPr>
+              <a:t>)</a:t>
+            </a:r>
+            <a:endParaRPr lang="en-US" sz="1800" dirty="0" smtClean="0">
+              <a:latin typeface="Lucida Console" panose="020B0609040504020204" pitchFamily="49" charset="0"/>
+            </a:endParaRPr>
+          </a:p>
+        </p:txBody>
+      </p:sp>
+      <p:sp>
+        <p:nvSpPr>
+          <p:cNvPr id="8" name="Rectangle 7"/>
+          <p:cNvSpPr/>
+          <p:nvPr/>
+        </p:nvSpPr>
+        <p:spPr>
+          <a:xfrm>
+            <a:off x="8686800" y="1714500"/>
+            <a:ext cx="7912100" cy="7708900"/>
+          </a:xfrm>
+          <a:prstGeom prst="rect">
+            <a:avLst/>
+          </a:prstGeom>
+          <a:solidFill>
+            <a:schemeClr val="bg1">
+              <a:lumMod val="95000"/>
+            </a:schemeClr>
+          </a:solidFill>
+        </p:spPr>
+        <p:style>
+          <a:lnRef idx="1">
+            <a:schemeClr val="dk1"/>
+          </a:lnRef>
+          <a:fillRef idx="2">
+            <a:schemeClr val="dk1"/>
+          </a:fillRef>
+          <a:effectRef idx="1">
+            <a:schemeClr val="dk1"/>
+          </a:effectRef>
+          <a:fontRef idx="minor">
+            <a:schemeClr val="dk1"/>
+          </a:fontRef>
+        </p:style>
+        <p:txBody>
+          <a:bodyPr rtlCol="0" anchor="ctr"/>
+          <a:lstStyle/>
+          <a:p>
+            <a:pPr algn="ctr"/>
+            <a:endParaRPr lang="en-US"/>
+          </a:p>
+        </p:txBody>
+      </p:sp>
+      <p:sp>
+        <p:nvSpPr>
+          <p:cNvPr id="9" name="TextBox 8"/>
+          <p:cNvSpPr txBox="1"/>
+          <p:nvPr/>
+        </p:nvSpPr>
+        <p:spPr>
+          <a:xfrm>
+            <a:off x="8798166" y="1727200"/>
+            <a:ext cx="7800734" cy="646331"/>
+          </a:xfrm>
+          <a:prstGeom prst="rect">
+            <a:avLst/>
+          </a:prstGeom>
+          <a:noFill/>
+        </p:spPr>
+        <p:txBody>
+          <a:bodyPr wrap="square" rtlCol="0">
+            <a:spAutoFit/>
+          </a:bodyPr>
+          <a:lstStyle/>
+          <a:p>
+            <a:r>
+              <a:rPr lang="nl-NL" sz="1800" dirty="0" smtClean="0">
+                <a:latin typeface="Lucida Console" panose="020B0609040504020204" pitchFamily="49" charset="0"/>
+              </a:rPr>
+              <a:t>-- </a:t>
+            </a:r>
+            <a:r>
+              <a:rPr lang="nl-NL" sz="1800" dirty="0" err="1" smtClean="0">
+                <a:latin typeface="Lucida Console" panose="020B0609040504020204" pitchFamily="49" charset="0"/>
+              </a:rPr>
+              <a:t>create</a:t>
+            </a:r>
+            <a:r>
+              <a:rPr lang="nl-NL" sz="1800" dirty="0" smtClean="0">
+                <a:latin typeface="Lucida Console" panose="020B0609040504020204" pitchFamily="49" charset="0"/>
+              </a:rPr>
+              <a:t> </a:t>
+            </a:r>
+            <a:r>
+              <a:rPr lang="nl-NL" sz="1800" dirty="0" err="1" smtClean="0">
+                <a:latin typeface="Lucida Console" panose="020B0609040504020204" pitchFamily="49" charset="0"/>
+              </a:rPr>
+              <a:t>materialized</a:t>
+            </a:r>
+            <a:r>
+              <a:rPr lang="nl-NL" sz="1800" dirty="0" smtClean="0">
+                <a:latin typeface="Lucida Console" panose="020B0609040504020204" pitchFamily="49" charset="0"/>
+              </a:rPr>
+              <a:t> view</a:t>
+            </a:r>
+          </a:p>
+          <a:p>
+            <a:r>
+              <a:rPr lang="nl-NL" sz="1800" dirty="0" smtClean="0">
+                <a:latin typeface="Lucida Console" panose="020B0609040504020204" pitchFamily="49" charset="0"/>
+              </a:rPr>
+              <a:t>-- </a:t>
+            </a:r>
+            <a:r>
+              <a:rPr lang="nl-NL" sz="1800" dirty="0" err="1" smtClean="0">
+                <a:latin typeface="Lucida Console" panose="020B0609040504020204" pitchFamily="49" charset="0"/>
+              </a:rPr>
+              <a:t>with</a:t>
+            </a:r>
+            <a:r>
+              <a:rPr lang="nl-NL" sz="1800" dirty="0" smtClean="0">
+                <a:latin typeface="Lucida Console" panose="020B0609040504020204" pitchFamily="49" charset="0"/>
+              </a:rPr>
+              <a:t> </a:t>
+            </a:r>
+            <a:r>
+              <a:rPr lang="nl-NL" sz="1800" dirty="0" err="1" smtClean="0">
+                <a:latin typeface="Lucida Console" panose="020B0609040504020204" pitchFamily="49" charset="0"/>
+              </a:rPr>
+              <a:t>nested</a:t>
+            </a:r>
+            <a:r>
+              <a:rPr lang="nl-NL" sz="1800" dirty="0" smtClean="0">
+                <a:latin typeface="Lucida Console" panose="020B0609040504020204" pitchFamily="49" charset="0"/>
+              </a:rPr>
+              <a:t> cursor? </a:t>
+            </a:r>
+            <a:r>
+              <a:rPr lang="nl-NL" sz="1800" dirty="0" err="1" smtClean="0">
+                <a:latin typeface="Lucida Console" panose="020B0609040504020204" pitchFamily="49" charset="0"/>
+              </a:rPr>
+              <a:t>Nested</a:t>
+            </a:r>
+            <a:r>
+              <a:rPr lang="nl-NL" sz="1800" dirty="0" smtClean="0">
+                <a:latin typeface="Lucida Console" panose="020B0609040504020204" pitchFamily="49" charset="0"/>
+              </a:rPr>
+              <a:t> </a:t>
+            </a:r>
+            <a:r>
+              <a:rPr lang="nl-NL" sz="1800" dirty="0" err="1" smtClean="0">
+                <a:latin typeface="Lucida Console" panose="020B0609040504020204" pitchFamily="49" charset="0"/>
+              </a:rPr>
+              <a:t>table</a:t>
+            </a:r>
+            <a:r>
+              <a:rPr lang="nl-NL" sz="1800" dirty="0" smtClean="0">
+                <a:latin typeface="Lucida Console" panose="020B0609040504020204" pitchFamily="49" charset="0"/>
+              </a:rPr>
+              <a:t>?</a:t>
+            </a:r>
+            <a:endParaRPr lang="en-US" sz="1800" dirty="0">
+              <a:latin typeface="Lucida Console" panose="020B0609040504020204" pitchFamily="49" charset="0"/>
+            </a:endParaRPr>
+          </a:p>
+        </p:txBody>
+      </p:sp>
+    </p:spTree>
+    <p:extLst>
+      <p:ext uri="{BB962C8B-B14F-4D97-AF65-F5344CB8AC3E}">
+        <p14:creationId xmlns:p14="http://schemas.microsoft.com/office/powerpoint/2010/main" val="2320239345"/>
+      </p:ext>
+    </p:extLst>
+  </p:cSld>
+  <p:clrMapOvr>
+    <a:masterClrMapping/>
+  </p:clrMapOvr>
+</p:sld>
+</file>
+
+<file path=ppt/slides/slide24.xml><?xml version="1.0" encoding="utf-8"?>
+<p:sld xmlns:a="http://schemas.openxmlformats.org/drawingml/2006/main" xmlns:r="http://schemas.openxmlformats.org/officeDocument/2006/relationships" xmlns:p="http://schemas.openxmlformats.org/presentationml/2006/main">
+  <p:cSld>
+    <p:spTree>
+      <p:nvGrpSpPr>
+        <p:cNvPr id="1" name=""/>
+        <p:cNvGrpSpPr/>
+        <p:nvPr/>
+      </p:nvGrpSpPr>
+      <p:grpSpPr>
+        <a:xfrm>
+          <a:off x="0" y="0"/>
+          <a:ext cx="0" cy="0"/>
+          <a:chOff x="0" y="0"/>
+          <a:chExt cx="0" cy="0"/>
+        </a:xfrm>
+      </p:grpSpPr>
+      <p:sp>
+        <p:nvSpPr>
+          <p:cNvPr id="2" name="Title 1"/>
+          <p:cNvSpPr>
+            <a:spLocks noGrp="1"/>
+          </p:cNvSpPr>
+          <p:nvPr>
+            <p:ph type="title"/>
+          </p:nvPr>
+        </p:nvSpPr>
+        <p:spPr>
+          <a:xfrm>
+            <a:off x="406400" y="246560"/>
+            <a:ext cx="16725900" cy="1346288"/>
+          </a:xfrm>
+        </p:spPr>
+        <p:txBody>
+          <a:bodyPr/>
+          <a:lstStyle/>
+          <a:p>
+            <a:r>
+              <a:rPr lang="en-US" sz="4000" dirty="0"/>
+              <a:t>find all employees who are not in department 10, with their name and salary and sorted alphabetically by name</a:t>
+            </a:r>
+            <a:br>
+              <a:rPr lang="en-US" sz="4000" dirty="0"/>
+            </a:br>
+            <a:r>
+              <a:rPr lang="en-US" sz="4000" dirty="0" smtClean="0"/>
+              <a:t>from departments collection with nested </a:t>
+            </a:r>
+            <a:r>
+              <a:rPr lang="en-US" sz="4000" dirty="0"/>
+              <a:t>employees</a:t>
+            </a:r>
+            <a:endParaRPr lang="en-US" sz="4000" i="1" dirty="0"/>
+          </a:p>
+        </p:txBody>
+      </p:sp>
+      <p:sp>
+        <p:nvSpPr>
+          <p:cNvPr id="6" name="Rectangle 5"/>
+          <p:cNvSpPr/>
+          <p:nvPr/>
+        </p:nvSpPr>
+        <p:spPr>
+          <a:xfrm>
+            <a:off x="406400" y="1714500"/>
+            <a:ext cx="7912100" cy="7708900"/>
+          </a:xfrm>
+          <a:prstGeom prst="rect">
+            <a:avLst/>
+          </a:prstGeom>
+          <a:solidFill>
+            <a:schemeClr val="bg1">
+              <a:lumMod val="95000"/>
+            </a:schemeClr>
+          </a:solidFill>
+        </p:spPr>
+        <p:style>
+          <a:lnRef idx="1">
+            <a:schemeClr val="dk1"/>
+          </a:lnRef>
+          <a:fillRef idx="2">
+            <a:schemeClr val="dk1"/>
+          </a:fillRef>
+          <a:effectRef idx="1">
+            <a:schemeClr val="dk1"/>
+          </a:effectRef>
+          <a:fontRef idx="minor">
+            <a:schemeClr val="dk1"/>
+          </a:fontRef>
+        </p:style>
+        <p:txBody>
+          <a:bodyPr rtlCol="0" anchor="ctr"/>
+          <a:lstStyle/>
+          <a:p>
+            <a:pPr algn="ctr"/>
+            <a:endParaRPr lang="en-US"/>
+          </a:p>
+        </p:txBody>
+      </p:sp>
+      <p:sp>
+        <p:nvSpPr>
+          <p:cNvPr id="7" name="TextBox 6"/>
+          <p:cNvSpPr txBox="1"/>
+          <p:nvPr/>
+        </p:nvSpPr>
+        <p:spPr>
+          <a:xfrm>
+            <a:off x="508000" y="1727200"/>
+            <a:ext cx="4926349" cy="3693319"/>
+          </a:xfrm>
+          <a:prstGeom prst="rect">
+            <a:avLst/>
+          </a:prstGeom>
+          <a:noFill/>
+        </p:spPr>
+        <p:txBody>
+          <a:bodyPr wrap="none" rtlCol="0">
+            <a:spAutoFit/>
+          </a:bodyPr>
+          <a:lstStyle/>
+          <a:p>
+            <a:r>
+              <a:rPr lang="en-US" sz="1800" dirty="0" err="1">
+                <a:latin typeface="Lucida Console" panose="020B0609040504020204" pitchFamily="49" charset="0"/>
+              </a:rPr>
+              <a:t>db.departments.aggregate</a:t>
+            </a:r>
+            <a:r>
+              <a:rPr lang="en-US" sz="1800" dirty="0">
+                <a:latin typeface="Lucida Console" panose="020B0609040504020204" pitchFamily="49" charset="0"/>
+              </a:rPr>
+              <a:t>(</a:t>
+            </a:r>
+          </a:p>
+          <a:p>
+            <a:r>
+              <a:rPr lang="en-US" sz="1800" dirty="0">
+                <a:latin typeface="Lucida Console" panose="020B0609040504020204" pitchFamily="49" charset="0"/>
+              </a:rPr>
+              <a:t>[</a:t>
+            </a:r>
+          </a:p>
+          <a:p>
+            <a:r>
+              <a:rPr lang="en-US" sz="1800" dirty="0">
+                <a:latin typeface="Lucida Console" panose="020B0609040504020204" pitchFamily="49" charset="0"/>
+              </a:rPr>
+              <a:t>   {$match: { "DEPTNO": {$ne:10}}}</a:t>
+            </a:r>
+          </a:p>
+          <a:p>
+            <a:r>
+              <a:rPr lang="en-US" sz="1800" dirty="0">
+                <a:latin typeface="Lucida Console" panose="020B0609040504020204" pitchFamily="49" charset="0"/>
+              </a:rPr>
+              <a:t> , {$unwind: {path:"$</a:t>
+            </a:r>
+            <a:r>
+              <a:rPr lang="en-US" sz="1800" dirty="0" err="1">
+                <a:latin typeface="Lucida Console" panose="020B0609040504020204" pitchFamily="49" charset="0"/>
+              </a:rPr>
+              <a:t>emps</a:t>
+            </a:r>
+            <a:r>
+              <a:rPr lang="en-US" sz="1800" dirty="0">
+                <a:latin typeface="Lucida Console" panose="020B0609040504020204" pitchFamily="49" charset="0"/>
+              </a:rPr>
+              <a:t>"}}  </a:t>
+            </a:r>
+          </a:p>
+          <a:p>
+            <a:r>
+              <a:rPr lang="en-US" sz="1800" dirty="0">
+                <a:latin typeface="Lucida Console" panose="020B0609040504020204" pitchFamily="49" charset="0"/>
+              </a:rPr>
+              <a:t> , {$project: {</a:t>
+            </a:r>
+          </a:p>
+          <a:p>
+            <a:r>
+              <a:rPr lang="en-US" sz="1800" dirty="0">
+                <a:latin typeface="Lucida Console" panose="020B0609040504020204" pitchFamily="49" charset="0"/>
+              </a:rPr>
+              <a:t>        "ENAME": "$</a:t>
+            </a:r>
+            <a:r>
+              <a:rPr lang="en-US" sz="1800" dirty="0" err="1">
+                <a:latin typeface="Lucida Console" panose="020B0609040504020204" pitchFamily="49" charset="0"/>
+              </a:rPr>
+              <a:t>emps.ENAME</a:t>
+            </a:r>
+            <a:r>
+              <a:rPr lang="en-US" sz="1800" dirty="0">
+                <a:latin typeface="Lucida Console" panose="020B0609040504020204" pitchFamily="49" charset="0"/>
+              </a:rPr>
+              <a:t>",</a:t>
+            </a:r>
+          </a:p>
+          <a:p>
+            <a:r>
+              <a:rPr lang="en-US" sz="1800" dirty="0">
+                <a:latin typeface="Lucida Console" panose="020B0609040504020204" pitchFamily="49" charset="0"/>
+              </a:rPr>
+              <a:t>        "SAL": "$</a:t>
+            </a:r>
+            <a:r>
+              <a:rPr lang="en-US" sz="1800" dirty="0" err="1">
+                <a:latin typeface="Lucida Console" panose="020B0609040504020204" pitchFamily="49" charset="0"/>
+              </a:rPr>
+              <a:t>emps.SAL</a:t>
+            </a:r>
+            <a:r>
+              <a:rPr lang="en-US" sz="1800" dirty="0">
+                <a:latin typeface="Lucida Console" panose="020B0609040504020204" pitchFamily="49" charset="0"/>
+              </a:rPr>
+              <a:t>",</a:t>
+            </a:r>
+          </a:p>
+          <a:p>
+            <a:r>
+              <a:rPr lang="en-US" sz="1800" dirty="0">
+                <a:latin typeface="Lucida Console" panose="020B0609040504020204" pitchFamily="49" charset="0"/>
+              </a:rPr>
+              <a:t>        "DEPTNO": 1,</a:t>
+            </a:r>
+          </a:p>
+          <a:p>
+            <a:r>
+              <a:rPr lang="en-US" sz="1800" dirty="0">
+                <a:latin typeface="Lucida Console" panose="020B0609040504020204" pitchFamily="49" charset="0"/>
+              </a:rPr>
+              <a:t>    }</a:t>
+            </a:r>
+          </a:p>
+          <a:p>
+            <a:r>
+              <a:rPr lang="en-US" sz="1800" dirty="0">
+                <a:latin typeface="Lucida Console" panose="020B0609040504020204" pitchFamily="49" charset="0"/>
+              </a:rPr>
+              <a:t>   }</a:t>
+            </a:r>
+          </a:p>
+          <a:p>
+            <a:r>
+              <a:rPr lang="en-US" sz="1800" dirty="0">
+                <a:latin typeface="Lucida Console" panose="020B0609040504020204" pitchFamily="49" charset="0"/>
+              </a:rPr>
+              <a:t> , {$sort : {"ENAME":1}}</a:t>
+            </a:r>
+          </a:p>
+          <a:p>
+            <a:r>
+              <a:rPr lang="en-US" sz="1800" dirty="0">
+                <a:latin typeface="Lucida Console" panose="020B0609040504020204" pitchFamily="49" charset="0"/>
+              </a:rPr>
+              <a:t>]</a:t>
+            </a:r>
+          </a:p>
+          <a:p>
+            <a:r>
+              <a:rPr lang="en-US" sz="1800" dirty="0">
+                <a:latin typeface="Lucida Console" panose="020B0609040504020204" pitchFamily="49" charset="0"/>
+              </a:rPr>
+              <a:t>)</a:t>
+            </a:r>
+          </a:p>
+        </p:txBody>
+      </p:sp>
+      <p:sp>
+        <p:nvSpPr>
+          <p:cNvPr id="8" name="Rectangle 7"/>
+          <p:cNvSpPr/>
+          <p:nvPr/>
+        </p:nvSpPr>
+        <p:spPr>
+          <a:xfrm>
+            <a:off x="8686800" y="1714500"/>
+            <a:ext cx="7912100" cy="7708900"/>
+          </a:xfrm>
+          <a:prstGeom prst="rect">
+            <a:avLst/>
+          </a:prstGeom>
+          <a:solidFill>
+            <a:schemeClr val="bg1">
+              <a:lumMod val="95000"/>
+            </a:schemeClr>
+          </a:solidFill>
+        </p:spPr>
+        <p:style>
+          <a:lnRef idx="1">
+            <a:schemeClr val="dk1"/>
+          </a:lnRef>
+          <a:fillRef idx="2">
+            <a:schemeClr val="dk1"/>
+          </a:fillRef>
+          <a:effectRef idx="1">
+            <a:schemeClr val="dk1"/>
+          </a:effectRef>
+          <a:fontRef idx="minor">
+            <a:schemeClr val="dk1"/>
+          </a:fontRef>
+        </p:style>
+        <p:txBody>
+          <a:bodyPr rtlCol="0" anchor="ctr"/>
+          <a:lstStyle/>
+          <a:p>
+            <a:pPr algn="ctr"/>
+            <a:endParaRPr lang="en-US"/>
+          </a:p>
+        </p:txBody>
+      </p:sp>
+      <p:sp>
+        <p:nvSpPr>
+          <p:cNvPr id="9" name="TextBox 8"/>
+          <p:cNvSpPr txBox="1"/>
+          <p:nvPr/>
+        </p:nvSpPr>
+        <p:spPr>
+          <a:xfrm>
+            <a:off x="8798166" y="1727200"/>
+            <a:ext cx="7800734" cy="646331"/>
+          </a:xfrm>
+          <a:prstGeom prst="rect">
+            <a:avLst/>
+          </a:prstGeom>
+          <a:noFill/>
+        </p:spPr>
+        <p:txBody>
+          <a:bodyPr wrap="square" rtlCol="0">
+            <a:spAutoFit/>
+          </a:bodyPr>
+          <a:lstStyle/>
+          <a:p>
+            <a:r>
+              <a:rPr lang="nl-NL" sz="1800" dirty="0" smtClean="0">
+                <a:latin typeface="Lucida Console" panose="020B0609040504020204" pitchFamily="49" charset="0"/>
+              </a:rPr>
+              <a:t>-- </a:t>
+            </a:r>
+            <a:r>
+              <a:rPr lang="nl-NL" sz="1800" dirty="0" err="1" smtClean="0">
+                <a:latin typeface="Lucida Console" panose="020B0609040504020204" pitchFamily="49" charset="0"/>
+              </a:rPr>
+              <a:t>create</a:t>
+            </a:r>
+            <a:r>
+              <a:rPr lang="nl-NL" sz="1800" dirty="0" smtClean="0">
+                <a:latin typeface="Lucida Console" panose="020B0609040504020204" pitchFamily="49" charset="0"/>
+              </a:rPr>
+              <a:t> </a:t>
+            </a:r>
+            <a:r>
+              <a:rPr lang="nl-NL" sz="1800" dirty="0" err="1" smtClean="0">
+                <a:latin typeface="Lucida Console" panose="020B0609040504020204" pitchFamily="49" charset="0"/>
+              </a:rPr>
+              <a:t>materialized</a:t>
+            </a:r>
+            <a:r>
+              <a:rPr lang="nl-NL" sz="1800" dirty="0" smtClean="0">
+                <a:latin typeface="Lucida Console" panose="020B0609040504020204" pitchFamily="49" charset="0"/>
+              </a:rPr>
+              <a:t> view</a:t>
+            </a:r>
+          </a:p>
+          <a:p>
+            <a:r>
+              <a:rPr lang="nl-NL" sz="1800" dirty="0" smtClean="0">
+                <a:latin typeface="Lucida Console" panose="020B0609040504020204" pitchFamily="49" charset="0"/>
+              </a:rPr>
+              <a:t>-- </a:t>
+            </a:r>
+            <a:r>
+              <a:rPr lang="nl-NL" sz="1800" dirty="0" err="1" smtClean="0">
+                <a:latin typeface="Lucida Console" panose="020B0609040504020204" pitchFamily="49" charset="0"/>
+              </a:rPr>
+              <a:t>with</a:t>
+            </a:r>
+            <a:r>
+              <a:rPr lang="nl-NL" sz="1800" dirty="0" smtClean="0">
+                <a:latin typeface="Lucida Console" panose="020B0609040504020204" pitchFamily="49" charset="0"/>
+              </a:rPr>
+              <a:t> </a:t>
+            </a:r>
+            <a:r>
+              <a:rPr lang="nl-NL" sz="1800" dirty="0" err="1" smtClean="0">
+                <a:latin typeface="Lucida Console" panose="020B0609040504020204" pitchFamily="49" charset="0"/>
+              </a:rPr>
+              <a:t>nested</a:t>
+            </a:r>
+            <a:r>
+              <a:rPr lang="nl-NL" sz="1800" dirty="0" smtClean="0">
+                <a:latin typeface="Lucida Console" panose="020B0609040504020204" pitchFamily="49" charset="0"/>
+              </a:rPr>
+              <a:t> cursor? </a:t>
+            </a:r>
+            <a:r>
+              <a:rPr lang="nl-NL" sz="1800" dirty="0" err="1" smtClean="0">
+                <a:latin typeface="Lucida Console" panose="020B0609040504020204" pitchFamily="49" charset="0"/>
+              </a:rPr>
+              <a:t>Nested</a:t>
+            </a:r>
+            <a:r>
+              <a:rPr lang="nl-NL" sz="1800" dirty="0" smtClean="0">
+                <a:latin typeface="Lucida Console" panose="020B0609040504020204" pitchFamily="49" charset="0"/>
+              </a:rPr>
+              <a:t> </a:t>
+            </a:r>
+            <a:r>
+              <a:rPr lang="nl-NL" sz="1800" dirty="0" err="1" smtClean="0">
+                <a:latin typeface="Lucida Console" panose="020B0609040504020204" pitchFamily="49" charset="0"/>
+              </a:rPr>
+              <a:t>table</a:t>
+            </a:r>
+            <a:r>
+              <a:rPr lang="nl-NL" sz="1800" dirty="0" smtClean="0">
+                <a:latin typeface="Lucida Console" panose="020B0609040504020204" pitchFamily="49" charset="0"/>
+              </a:rPr>
+              <a:t>?</a:t>
+            </a:r>
+            <a:endParaRPr lang="en-US" sz="1800" dirty="0">
+              <a:latin typeface="Lucida Console" panose="020B0609040504020204" pitchFamily="49" charset="0"/>
+            </a:endParaRPr>
+          </a:p>
+        </p:txBody>
+      </p:sp>
+    </p:spTree>
+    <p:extLst>
+      <p:ext uri="{BB962C8B-B14F-4D97-AF65-F5344CB8AC3E}">
+        <p14:creationId xmlns:p14="http://schemas.microsoft.com/office/powerpoint/2010/main" val="1244607820"/>
+      </p:ext>
+    </p:extLst>
+  </p:cSld>
+  <p:clrMapOvr>
+    <a:masterClrMapping/>
+  </p:clrMapOvr>
+</p:sld>
+</file>
+
+<file path=ppt/slides/slide25.xml><?xml version="1.0" encoding="utf-8"?>
+<p:sld xmlns:a="http://schemas.openxmlformats.org/drawingml/2006/main" xmlns:r="http://schemas.openxmlformats.org/officeDocument/2006/relationships" xmlns:p="http://schemas.openxmlformats.org/presentationml/2006/main">
+  <p:cSld>
+    <p:spTree>
+      <p:nvGrpSpPr>
+        <p:cNvPr id="1" name=""/>
+        <p:cNvGrpSpPr/>
+        <p:nvPr/>
+      </p:nvGrpSpPr>
+      <p:grpSpPr>
+        <a:xfrm>
+          <a:off x="0" y="0"/>
+          <a:ext cx="0" cy="0"/>
+          <a:chOff x="0" y="0"/>
+          <a:chExt cx="0" cy="0"/>
+        </a:xfrm>
+      </p:grpSpPr>
+      <p:sp>
+        <p:nvSpPr>
+          <p:cNvPr id="2" name="Title 1"/>
+          <p:cNvSpPr>
+            <a:spLocks noGrp="1"/>
+          </p:cNvSpPr>
+          <p:nvPr>
+            <p:ph type="title"/>
+          </p:nvPr>
+        </p:nvSpPr>
+        <p:spPr>
+          <a:xfrm>
+            <a:off x="406400" y="246560"/>
+            <a:ext cx="16725900" cy="1346288"/>
+          </a:xfrm>
+        </p:spPr>
+        <p:txBody>
+          <a:bodyPr/>
+          <a:lstStyle/>
+          <a:p>
+            <a:r>
+              <a:rPr lang="en-US" sz="4000" dirty="0"/>
+              <a:t>total salary sum, total number of employees, the highest salary and the earliest </a:t>
+            </a:r>
+            <a:r>
+              <a:rPr lang="en-US" sz="4000" dirty="0" err="1"/>
+              <a:t>startdate</a:t>
+            </a:r>
+            <a:r>
+              <a:rPr lang="en-US" sz="4000" dirty="0"/>
+              <a:t>, per department</a:t>
+            </a:r>
+            <a:br>
+              <a:rPr lang="en-US" sz="4000" dirty="0"/>
+            </a:br>
+            <a:r>
+              <a:rPr lang="en-US" sz="4000" dirty="0" smtClean="0"/>
+              <a:t>from departments collection with nested </a:t>
+            </a:r>
+            <a:r>
+              <a:rPr lang="en-US" sz="4000" dirty="0"/>
+              <a:t>employees</a:t>
+            </a:r>
+            <a:endParaRPr lang="en-US" sz="4000" i="1" dirty="0"/>
+          </a:p>
+        </p:txBody>
+      </p:sp>
+      <p:sp>
+        <p:nvSpPr>
+          <p:cNvPr id="6" name="Rectangle 5"/>
+          <p:cNvSpPr/>
+          <p:nvPr/>
+        </p:nvSpPr>
+        <p:spPr>
+          <a:xfrm>
+            <a:off x="406400" y="1714500"/>
+            <a:ext cx="7912100" cy="7708900"/>
+          </a:xfrm>
+          <a:prstGeom prst="rect">
+            <a:avLst/>
+          </a:prstGeom>
+          <a:solidFill>
+            <a:schemeClr val="bg1">
+              <a:lumMod val="95000"/>
+            </a:schemeClr>
+          </a:solidFill>
+        </p:spPr>
+        <p:style>
+          <a:lnRef idx="1">
+            <a:schemeClr val="dk1"/>
+          </a:lnRef>
+          <a:fillRef idx="2">
+            <a:schemeClr val="dk1"/>
+          </a:fillRef>
+          <a:effectRef idx="1">
+            <a:schemeClr val="dk1"/>
+          </a:effectRef>
+          <a:fontRef idx="minor">
+            <a:schemeClr val="dk1"/>
+          </a:fontRef>
+        </p:style>
+        <p:txBody>
+          <a:bodyPr rtlCol="0" anchor="ctr"/>
+          <a:lstStyle/>
+          <a:p>
+            <a:pPr algn="ctr"/>
+            <a:endParaRPr lang="en-US"/>
+          </a:p>
+        </p:txBody>
+      </p:sp>
+      <p:sp>
+        <p:nvSpPr>
+          <p:cNvPr id="7" name="TextBox 6"/>
+          <p:cNvSpPr txBox="1"/>
+          <p:nvPr/>
+        </p:nvSpPr>
+        <p:spPr>
+          <a:xfrm>
+            <a:off x="508000" y="1727200"/>
+            <a:ext cx="7715574" cy="3416320"/>
+          </a:xfrm>
+          <a:prstGeom prst="rect">
+            <a:avLst/>
+          </a:prstGeom>
+          <a:noFill/>
+        </p:spPr>
+        <p:txBody>
+          <a:bodyPr wrap="none" rtlCol="0">
+            <a:spAutoFit/>
+          </a:bodyPr>
+          <a:lstStyle/>
+          <a:p>
+            <a:r>
+              <a:rPr lang="en-US" sz="1800" dirty="0" err="1">
+                <a:latin typeface="Lucida Console" panose="020B0609040504020204" pitchFamily="49" charset="0"/>
+              </a:rPr>
+              <a:t>db.departments.aggregate</a:t>
+            </a:r>
+            <a:r>
+              <a:rPr lang="en-US" sz="1800" dirty="0">
+                <a:latin typeface="Lucida Console" panose="020B0609040504020204" pitchFamily="49" charset="0"/>
+              </a:rPr>
+              <a:t>(</a:t>
+            </a:r>
+          </a:p>
+          <a:p>
+            <a:r>
+              <a:rPr lang="en-US" sz="1800" dirty="0">
+                <a:latin typeface="Lucida Console" panose="020B0609040504020204" pitchFamily="49" charset="0"/>
+              </a:rPr>
+              <a:t>[</a:t>
+            </a:r>
+          </a:p>
+          <a:p>
+            <a:r>
+              <a:rPr lang="en-US" sz="1800" dirty="0">
+                <a:latin typeface="Lucida Console" panose="020B0609040504020204" pitchFamily="49" charset="0"/>
+              </a:rPr>
+              <a:t>   {$unwind: {path:"$</a:t>
+            </a:r>
+            <a:r>
+              <a:rPr lang="en-US" sz="1800" dirty="0" err="1">
+                <a:latin typeface="Lucida Console" panose="020B0609040504020204" pitchFamily="49" charset="0"/>
+              </a:rPr>
+              <a:t>emps</a:t>
+            </a:r>
+            <a:r>
+              <a:rPr lang="en-US" sz="1800" dirty="0">
+                <a:latin typeface="Lucida Console" panose="020B0609040504020204" pitchFamily="49" charset="0"/>
+              </a:rPr>
+              <a:t>"}}  </a:t>
+            </a:r>
+          </a:p>
+          <a:p>
+            <a:r>
+              <a:rPr lang="en-US" sz="1800" dirty="0">
+                <a:latin typeface="Lucida Console" panose="020B0609040504020204" pitchFamily="49" charset="0"/>
+              </a:rPr>
+              <a:t>,  {$group:{ _id: '$</a:t>
+            </a:r>
+            <a:r>
+              <a:rPr lang="en-US" sz="1800" dirty="0" err="1">
+                <a:latin typeface="Lucida Console" panose="020B0609040504020204" pitchFamily="49" charset="0"/>
+              </a:rPr>
+              <a:t>deptno</a:t>
+            </a:r>
+            <a:r>
+              <a:rPr lang="en-US" sz="1800" dirty="0">
+                <a:latin typeface="Lucida Console" panose="020B0609040504020204" pitchFamily="49" charset="0"/>
+              </a:rPr>
+              <a:t>'</a:t>
+            </a:r>
+          </a:p>
+          <a:p>
+            <a:r>
+              <a:rPr lang="en-US" sz="1800" dirty="0">
+                <a:latin typeface="Lucida Console" panose="020B0609040504020204" pitchFamily="49" charset="0"/>
+              </a:rPr>
+              <a:t>           , </a:t>
+            </a:r>
+            <a:r>
+              <a:rPr lang="en-US" sz="1800" dirty="0" err="1">
+                <a:latin typeface="Lucida Console" panose="020B0609040504020204" pitchFamily="49" charset="0"/>
+              </a:rPr>
+              <a:t>total_salary_sum</a:t>
+            </a:r>
+            <a:r>
+              <a:rPr lang="en-US" sz="1800" dirty="0">
+                <a:latin typeface="Lucida Console" panose="020B0609040504020204" pitchFamily="49" charset="0"/>
+              </a:rPr>
+              <a:t> : {$sum: "$</a:t>
+            </a:r>
+            <a:r>
+              <a:rPr lang="en-US" sz="1800" dirty="0" err="1">
+                <a:latin typeface="Lucida Console" panose="020B0609040504020204" pitchFamily="49" charset="0"/>
+              </a:rPr>
+              <a:t>emps.SAL</a:t>
+            </a:r>
+            <a:r>
+              <a:rPr lang="en-US" sz="1800" dirty="0">
+                <a:latin typeface="Lucida Console" panose="020B0609040504020204" pitchFamily="49" charset="0"/>
+              </a:rPr>
+              <a:t>"}</a:t>
+            </a:r>
+          </a:p>
+          <a:p>
+            <a:r>
+              <a:rPr lang="en-US" sz="1800" dirty="0">
+                <a:latin typeface="Lucida Console" panose="020B0609040504020204" pitchFamily="49" charset="0"/>
+              </a:rPr>
+              <a:t>           , </a:t>
+            </a:r>
+            <a:r>
+              <a:rPr lang="en-US" sz="1800" dirty="0" err="1">
+                <a:latin typeface="Lucida Console" panose="020B0609040504020204" pitchFamily="49" charset="0"/>
+              </a:rPr>
+              <a:t>total_staff_count</a:t>
+            </a:r>
+            <a:r>
+              <a:rPr lang="en-US" sz="1800" dirty="0">
+                <a:latin typeface="Lucida Console" panose="020B0609040504020204" pitchFamily="49" charset="0"/>
+              </a:rPr>
+              <a:t> : {$sum: 1}</a:t>
+            </a:r>
+          </a:p>
+          <a:p>
+            <a:r>
+              <a:rPr lang="en-US" sz="1800" dirty="0">
+                <a:latin typeface="Lucida Console" panose="020B0609040504020204" pitchFamily="49" charset="0"/>
+              </a:rPr>
+              <a:t>           , </a:t>
+            </a:r>
+            <a:r>
+              <a:rPr lang="en-US" sz="1800" dirty="0" err="1">
+                <a:latin typeface="Lucida Console" panose="020B0609040504020204" pitchFamily="49" charset="0"/>
+              </a:rPr>
+              <a:t>max_sal</a:t>
+            </a:r>
+            <a:r>
+              <a:rPr lang="en-US" sz="1800" dirty="0">
+                <a:latin typeface="Lucida Console" panose="020B0609040504020204" pitchFamily="49" charset="0"/>
+              </a:rPr>
+              <a:t> : {$max: "$</a:t>
+            </a:r>
+            <a:r>
+              <a:rPr lang="en-US" sz="1800" dirty="0" err="1">
+                <a:latin typeface="Lucida Console" panose="020B0609040504020204" pitchFamily="49" charset="0"/>
+              </a:rPr>
+              <a:t>emps.SAL</a:t>
+            </a:r>
+            <a:r>
+              <a:rPr lang="en-US" sz="1800" dirty="0">
+                <a:latin typeface="Lucida Console" panose="020B0609040504020204" pitchFamily="49" charset="0"/>
+              </a:rPr>
+              <a:t>"}</a:t>
+            </a:r>
+          </a:p>
+          <a:p>
+            <a:r>
+              <a:rPr lang="en-US" sz="1800" dirty="0">
+                <a:latin typeface="Lucida Console" panose="020B0609040504020204" pitchFamily="49" charset="0"/>
+              </a:rPr>
+              <a:t>           , </a:t>
+            </a:r>
+            <a:r>
+              <a:rPr lang="en-US" sz="1800" dirty="0" err="1">
+                <a:latin typeface="Lucida Console" panose="020B0609040504020204" pitchFamily="49" charset="0"/>
+              </a:rPr>
+              <a:t>min_startdate</a:t>
+            </a:r>
+            <a:r>
+              <a:rPr lang="en-US" sz="1800" dirty="0">
+                <a:latin typeface="Lucida Console" panose="020B0609040504020204" pitchFamily="49" charset="0"/>
+              </a:rPr>
+              <a:t> : {$min: "$</a:t>
+            </a:r>
+            <a:r>
+              <a:rPr lang="en-US" sz="1800" dirty="0" err="1">
+                <a:latin typeface="Lucida Console" panose="020B0609040504020204" pitchFamily="49" charset="0"/>
+              </a:rPr>
+              <a:t>emps.startdate</a:t>
+            </a:r>
+            <a:r>
+              <a:rPr lang="en-US" sz="1800" dirty="0">
+                <a:latin typeface="Lucida Console" panose="020B0609040504020204" pitchFamily="49" charset="0"/>
+              </a:rPr>
+              <a:t>"}</a:t>
+            </a:r>
+          </a:p>
+          <a:p>
+            <a:r>
+              <a:rPr lang="en-US" sz="1800" dirty="0">
+                <a:latin typeface="Lucida Console" panose="020B0609040504020204" pitchFamily="49" charset="0"/>
+              </a:rPr>
+              <a:t>           }</a:t>
+            </a:r>
+          </a:p>
+          <a:p>
+            <a:r>
+              <a:rPr lang="en-US" sz="1800" dirty="0">
+                <a:latin typeface="Lucida Console" panose="020B0609040504020204" pitchFamily="49" charset="0"/>
+              </a:rPr>
+              <a:t>   }</a:t>
+            </a:r>
+          </a:p>
+          <a:p>
+            <a:r>
+              <a:rPr lang="en-US" sz="1800" dirty="0">
+                <a:latin typeface="Lucida Console" panose="020B0609040504020204" pitchFamily="49" charset="0"/>
+              </a:rPr>
+              <a:t>]</a:t>
+            </a:r>
+          </a:p>
+          <a:p>
+            <a:r>
+              <a:rPr lang="en-US" sz="1800" dirty="0">
+                <a:latin typeface="Lucida Console" panose="020B0609040504020204" pitchFamily="49" charset="0"/>
+              </a:rPr>
+              <a:t>)</a:t>
+            </a:r>
+          </a:p>
+        </p:txBody>
+      </p:sp>
+      <p:sp>
+        <p:nvSpPr>
+          <p:cNvPr id="8" name="Rectangle 7"/>
+          <p:cNvSpPr/>
+          <p:nvPr/>
+        </p:nvSpPr>
+        <p:spPr>
+          <a:xfrm>
+            <a:off x="8686800" y="1714500"/>
+            <a:ext cx="7912100" cy="7708900"/>
+          </a:xfrm>
+          <a:prstGeom prst="rect">
+            <a:avLst/>
+          </a:prstGeom>
+          <a:solidFill>
+            <a:schemeClr val="bg1">
+              <a:lumMod val="95000"/>
+            </a:schemeClr>
+          </a:solidFill>
+        </p:spPr>
+        <p:style>
+          <a:lnRef idx="1">
+            <a:schemeClr val="dk1"/>
+          </a:lnRef>
+          <a:fillRef idx="2">
+            <a:schemeClr val="dk1"/>
+          </a:fillRef>
+          <a:effectRef idx="1">
+            <a:schemeClr val="dk1"/>
+          </a:effectRef>
+          <a:fontRef idx="minor">
+            <a:schemeClr val="dk1"/>
+          </a:fontRef>
+        </p:style>
+        <p:txBody>
+          <a:bodyPr rtlCol="0" anchor="ctr"/>
+          <a:lstStyle/>
+          <a:p>
+            <a:pPr algn="ctr"/>
+            <a:endParaRPr lang="en-US"/>
+          </a:p>
+        </p:txBody>
+      </p:sp>
+      <p:sp>
+        <p:nvSpPr>
+          <p:cNvPr id="9" name="TextBox 8"/>
+          <p:cNvSpPr txBox="1"/>
+          <p:nvPr/>
+        </p:nvSpPr>
+        <p:spPr>
+          <a:xfrm>
+            <a:off x="8798166" y="1727200"/>
+            <a:ext cx="7800734" cy="646331"/>
+          </a:xfrm>
+          <a:prstGeom prst="rect">
+            <a:avLst/>
+          </a:prstGeom>
+          <a:noFill/>
+        </p:spPr>
+        <p:txBody>
+          <a:bodyPr wrap="square" rtlCol="0">
+            <a:spAutoFit/>
+          </a:bodyPr>
+          <a:lstStyle/>
+          <a:p>
+            <a:r>
+              <a:rPr lang="nl-NL" sz="1800" dirty="0" smtClean="0">
+                <a:latin typeface="Lucida Console" panose="020B0609040504020204" pitchFamily="49" charset="0"/>
+              </a:rPr>
+              <a:t>-- </a:t>
+            </a:r>
+            <a:r>
+              <a:rPr lang="nl-NL" sz="1800" dirty="0" err="1" smtClean="0">
+                <a:latin typeface="Lucida Console" panose="020B0609040504020204" pitchFamily="49" charset="0"/>
+              </a:rPr>
+              <a:t>create</a:t>
+            </a:r>
+            <a:r>
+              <a:rPr lang="nl-NL" sz="1800" dirty="0" smtClean="0">
+                <a:latin typeface="Lucida Console" panose="020B0609040504020204" pitchFamily="49" charset="0"/>
+              </a:rPr>
+              <a:t> </a:t>
+            </a:r>
+            <a:r>
+              <a:rPr lang="nl-NL" sz="1800" dirty="0" err="1" smtClean="0">
+                <a:latin typeface="Lucida Console" panose="020B0609040504020204" pitchFamily="49" charset="0"/>
+              </a:rPr>
+              <a:t>materialized</a:t>
+            </a:r>
+            <a:r>
+              <a:rPr lang="nl-NL" sz="1800" dirty="0" smtClean="0">
+                <a:latin typeface="Lucida Console" panose="020B0609040504020204" pitchFamily="49" charset="0"/>
+              </a:rPr>
+              <a:t> view</a:t>
+            </a:r>
+          </a:p>
+          <a:p>
+            <a:r>
+              <a:rPr lang="nl-NL" sz="1800" dirty="0" smtClean="0">
+                <a:latin typeface="Lucida Console" panose="020B0609040504020204" pitchFamily="49" charset="0"/>
+              </a:rPr>
+              <a:t>-- </a:t>
+            </a:r>
+            <a:r>
+              <a:rPr lang="nl-NL" sz="1800" dirty="0" err="1" smtClean="0">
+                <a:latin typeface="Lucida Console" panose="020B0609040504020204" pitchFamily="49" charset="0"/>
+              </a:rPr>
+              <a:t>with</a:t>
+            </a:r>
+            <a:r>
+              <a:rPr lang="nl-NL" sz="1800" dirty="0" smtClean="0">
+                <a:latin typeface="Lucida Console" panose="020B0609040504020204" pitchFamily="49" charset="0"/>
+              </a:rPr>
+              <a:t> </a:t>
+            </a:r>
+            <a:r>
+              <a:rPr lang="nl-NL" sz="1800" dirty="0" err="1" smtClean="0">
+                <a:latin typeface="Lucida Console" panose="020B0609040504020204" pitchFamily="49" charset="0"/>
+              </a:rPr>
+              <a:t>nested</a:t>
+            </a:r>
+            <a:r>
+              <a:rPr lang="nl-NL" sz="1800" dirty="0" smtClean="0">
+                <a:latin typeface="Lucida Console" panose="020B0609040504020204" pitchFamily="49" charset="0"/>
+              </a:rPr>
+              <a:t> cursor? </a:t>
+            </a:r>
+            <a:r>
+              <a:rPr lang="nl-NL" sz="1800" dirty="0" err="1" smtClean="0">
+                <a:latin typeface="Lucida Console" panose="020B0609040504020204" pitchFamily="49" charset="0"/>
+              </a:rPr>
+              <a:t>Nested</a:t>
+            </a:r>
+            <a:r>
+              <a:rPr lang="nl-NL" sz="1800" dirty="0" smtClean="0">
+                <a:latin typeface="Lucida Console" panose="020B0609040504020204" pitchFamily="49" charset="0"/>
+              </a:rPr>
+              <a:t> </a:t>
+            </a:r>
+            <a:r>
+              <a:rPr lang="nl-NL" sz="1800" dirty="0" err="1" smtClean="0">
+                <a:latin typeface="Lucida Console" panose="020B0609040504020204" pitchFamily="49" charset="0"/>
+              </a:rPr>
+              <a:t>table</a:t>
+            </a:r>
+            <a:r>
+              <a:rPr lang="nl-NL" sz="1800" dirty="0" smtClean="0">
+                <a:latin typeface="Lucida Console" panose="020B0609040504020204" pitchFamily="49" charset="0"/>
+              </a:rPr>
+              <a:t>?</a:t>
+            </a:r>
+            <a:endParaRPr lang="en-US" sz="1800" dirty="0">
+              <a:latin typeface="Lucida Console" panose="020B0609040504020204" pitchFamily="49" charset="0"/>
+            </a:endParaRPr>
+          </a:p>
+        </p:txBody>
+      </p:sp>
+    </p:spTree>
+    <p:extLst>
+      <p:ext uri="{BB962C8B-B14F-4D97-AF65-F5344CB8AC3E}">
+        <p14:creationId xmlns:p14="http://schemas.microsoft.com/office/powerpoint/2010/main" val="995788224"/>
+      </p:ext>
+    </p:extLst>
+  </p:cSld>
+  <p:clrMapOvr>
+    <a:masterClrMapping/>
+  </p:clrMapOvr>
+</p:sld>
+</file>
+
+<file path=ppt/slides/slide26.xml><?xml version="1.0" encoding="utf-8"?>
+<p:sld xmlns:a="http://schemas.openxmlformats.org/drawingml/2006/main" xmlns:r="http://schemas.openxmlformats.org/officeDocument/2006/relationships" xmlns:p="http://schemas.openxmlformats.org/presentationml/2006/main">
+  <p:cSld>
+    <p:spTree>
+      <p:nvGrpSpPr>
+        <p:cNvPr id="1" name=""/>
+        <p:cNvGrpSpPr/>
+        <p:nvPr/>
+      </p:nvGrpSpPr>
+      <p:grpSpPr>
+        <a:xfrm>
+          <a:off x="0" y="0"/>
+          <a:ext cx="0" cy="0"/>
+          <a:chOff x="0" y="0"/>
+          <a:chExt cx="0" cy="0"/>
+        </a:xfrm>
+      </p:grpSpPr>
+      <p:sp>
+        <p:nvSpPr>
+          <p:cNvPr id="2" name="Title 1"/>
+          <p:cNvSpPr>
+            <a:spLocks noGrp="1"/>
+          </p:cNvSpPr>
+          <p:nvPr>
+            <p:ph type="title"/>
+          </p:nvPr>
+        </p:nvSpPr>
+        <p:spPr>
+          <a:xfrm>
+            <a:off x="406400" y="246560"/>
+            <a:ext cx="16725900" cy="1346288"/>
+          </a:xfrm>
+        </p:spPr>
+        <p:txBody>
+          <a:bodyPr/>
+          <a:lstStyle/>
+          <a:p>
+            <a:r>
+              <a:rPr lang="en-US" sz="4000" dirty="0" smtClean="0"/>
+              <a:t>Adding geo locations and create geo index</a:t>
+            </a:r>
+            <a:endParaRPr lang="en-US" sz="4000" i="1" dirty="0"/>
+          </a:p>
+        </p:txBody>
+      </p:sp>
+      <p:sp>
+        <p:nvSpPr>
+          <p:cNvPr id="6" name="Rectangle 5"/>
+          <p:cNvSpPr/>
+          <p:nvPr/>
+        </p:nvSpPr>
+        <p:spPr>
+          <a:xfrm>
+            <a:off x="406400" y="1714500"/>
+            <a:ext cx="7912100" cy="7708900"/>
+          </a:xfrm>
+          <a:prstGeom prst="rect">
+            <a:avLst/>
+          </a:prstGeom>
+          <a:solidFill>
+            <a:schemeClr val="bg1">
+              <a:lumMod val="95000"/>
+            </a:schemeClr>
+          </a:solidFill>
+        </p:spPr>
+        <p:style>
+          <a:lnRef idx="1">
+            <a:schemeClr val="dk1"/>
+          </a:lnRef>
+          <a:fillRef idx="2">
+            <a:schemeClr val="dk1"/>
+          </a:fillRef>
+          <a:effectRef idx="1">
+            <a:schemeClr val="dk1"/>
+          </a:effectRef>
+          <a:fontRef idx="minor">
+            <a:schemeClr val="dk1"/>
+          </a:fontRef>
+        </p:style>
+        <p:txBody>
+          <a:bodyPr rtlCol="0" anchor="ctr"/>
+          <a:lstStyle/>
+          <a:p>
+            <a:pPr algn="ctr"/>
+            <a:endParaRPr lang="en-US"/>
+          </a:p>
+        </p:txBody>
+      </p:sp>
+      <p:sp>
+        <p:nvSpPr>
+          <p:cNvPr id="7" name="TextBox 6"/>
+          <p:cNvSpPr txBox="1"/>
+          <p:nvPr/>
+        </p:nvSpPr>
+        <p:spPr>
+          <a:xfrm>
+            <a:off x="508000" y="1727200"/>
+            <a:ext cx="10923183" cy="7725192"/>
+          </a:xfrm>
+          <a:prstGeom prst="rect">
+            <a:avLst/>
+          </a:prstGeom>
+          <a:noFill/>
+        </p:spPr>
+        <p:txBody>
+          <a:bodyPr wrap="none" rtlCol="0">
+            <a:spAutoFit/>
+          </a:bodyPr>
+          <a:lstStyle/>
+          <a:p>
+            <a:r>
+              <a:rPr lang="en-US" sz="1600" dirty="0" err="1">
+                <a:latin typeface="Lucida Console" panose="020B0609040504020204" pitchFamily="49" charset="0"/>
+              </a:rPr>
+              <a:t>db.dept.findAndModify</a:t>
+            </a:r>
+            <a:r>
+              <a:rPr lang="en-US" sz="1600" dirty="0">
+                <a:latin typeface="Lucida Console" panose="020B0609040504020204" pitchFamily="49" charset="0"/>
+              </a:rPr>
+              <a:t>({</a:t>
+            </a:r>
+          </a:p>
+          <a:p>
+            <a:r>
+              <a:rPr lang="en-US" sz="1600" dirty="0">
+                <a:latin typeface="Lucida Console" panose="020B0609040504020204" pitchFamily="49" charset="0"/>
+              </a:rPr>
+              <a:t>    query: { </a:t>
+            </a:r>
+            <a:r>
+              <a:rPr lang="en-US" sz="1600" dirty="0" err="1">
+                <a:latin typeface="Lucida Console" panose="020B0609040504020204" pitchFamily="49" charset="0"/>
+              </a:rPr>
+              <a:t>loc</a:t>
+            </a:r>
+            <a:r>
+              <a:rPr lang="en-US" sz="1600" dirty="0">
+                <a:latin typeface="Lucida Console" panose="020B0609040504020204" pitchFamily="49" charset="0"/>
+              </a:rPr>
+              <a:t>: "NEW YORK" },</a:t>
+            </a:r>
+          </a:p>
+          <a:p>
+            <a:r>
+              <a:rPr lang="en-US" sz="1600" dirty="0">
+                <a:latin typeface="Lucida Console" panose="020B0609040504020204" pitchFamily="49" charset="0"/>
+              </a:rPr>
+              <a:t>    update: { $set: { "location" : {</a:t>
+            </a:r>
+          </a:p>
+          <a:p>
+            <a:r>
+              <a:rPr lang="en-US" sz="1600" dirty="0">
+                <a:latin typeface="Lucida Console" panose="020B0609040504020204" pitchFamily="49" charset="0"/>
+              </a:rPr>
+              <a:t>                         "type" : "Point",</a:t>
+            </a:r>
+          </a:p>
+          <a:p>
+            <a:r>
+              <a:rPr lang="en-US" sz="1600" dirty="0">
+                <a:latin typeface="Lucida Console" panose="020B0609040504020204" pitchFamily="49" charset="0"/>
+              </a:rPr>
+              <a:t>                         "coordinates" : [ -</a:t>
+            </a:r>
+            <a:r>
+              <a:rPr lang="en-US" sz="1600" dirty="0" smtClean="0">
+                <a:latin typeface="Lucida Console" panose="020B0609040504020204" pitchFamily="49" charset="0"/>
+              </a:rPr>
+              <a:t>73.9352, 40.7306 </a:t>
+            </a:r>
+            <a:r>
+              <a:rPr lang="en-US" sz="1600" dirty="0">
+                <a:latin typeface="Lucida Console" panose="020B0609040504020204" pitchFamily="49" charset="0"/>
+              </a:rPr>
+              <a:t>]                         </a:t>
+            </a:r>
+          </a:p>
+          <a:p>
+            <a:r>
+              <a:rPr lang="en-US" sz="1600" dirty="0">
+                <a:latin typeface="Lucida Console" panose="020B0609040504020204" pitchFamily="49" charset="0"/>
+              </a:rPr>
+              <a:t>                         } </a:t>
+            </a:r>
+          </a:p>
+          <a:p>
+            <a:r>
+              <a:rPr lang="en-US" sz="1600" dirty="0">
+                <a:latin typeface="Lucida Console" panose="020B0609040504020204" pitchFamily="49" charset="0"/>
+              </a:rPr>
+              <a:t>             } },</a:t>
+            </a:r>
+          </a:p>
+          <a:p>
+            <a:r>
+              <a:rPr lang="en-US" sz="1600" dirty="0">
+                <a:latin typeface="Lucida Console" panose="020B0609040504020204" pitchFamily="49" charset="0"/>
+              </a:rPr>
+              <a:t>    </a:t>
+            </a:r>
+            <a:r>
+              <a:rPr lang="en-US" sz="1600" dirty="0" err="1">
+                <a:latin typeface="Lucida Console" panose="020B0609040504020204" pitchFamily="49" charset="0"/>
+              </a:rPr>
+              <a:t>upsert</a:t>
+            </a:r>
+            <a:r>
+              <a:rPr lang="en-US" sz="1600" dirty="0">
+                <a:latin typeface="Lucida Console" panose="020B0609040504020204" pitchFamily="49" charset="0"/>
+              </a:rPr>
+              <a:t>: true</a:t>
+            </a:r>
+          </a:p>
+          <a:p>
+            <a:r>
+              <a:rPr lang="en-US" sz="1600" dirty="0">
+                <a:latin typeface="Lucida Console" panose="020B0609040504020204" pitchFamily="49" charset="0"/>
+              </a:rPr>
+              <a:t>})</a:t>
+            </a:r>
+          </a:p>
+          <a:p>
+            <a:r>
+              <a:rPr lang="en-US" sz="1600" dirty="0" err="1" smtClean="0">
+                <a:latin typeface="Lucida Console" panose="020B0609040504020204" pitchFamily="49" charset="0"/>
+              </a:rPr>
+              <a:t>db.dept.findAndModify</a:t>
+            </a:r>
+            <a:r>
+              <a:rPr lang="en-US" sz="1600" dirty="0">
+                <a:latin typeface="Lucida Console" panose="020B0609040504020204" pitchFamily="49" charset="0"/>
+              </a:rPr>
+              <a:t>({</a:t>
+            </a:r>
+          </a:p>
+          <a:p>
+            <a:r>
+              <a:rPr lang="en-US" sz="1600" dirty="0">
+                <a:latin typeface="Lucida Console" panose="020B0609040504020204" pitchFamily="49" charset="0"/>
+              </a:rPr>
+              <a:t>    query: { </a:t>
+            </a:r>
+            <a:r>
+              <a:rPr lang="en-US" sz="1600" dirty="0" err="1">
+                <a:latin typeface="Lucida Console" panose="020B0609040504020204" pitchFamily="49" charset="0"/>
+              </a:rPr>
+              <a:t>loc</a:t>
+            </a:r>
+            <a:r>
+              <a:rPr lang="en-US" sz="1600" dirty="0">
+                <a:latin typeface="Lucida Console" panose="020B0609040504020204" pitchFamily="49" charset="0"/>
+              </a:rPr>
+              <a:t>: "DALLAS" },</a:t>
+            </a:r>
+          </a:p>
+          <a:p>
+            <a:r>
+              <a:rPr lang="en-US" sz="1600" dirty="0">
+                <a:latin typeface="Lucida Console" panose="020B0609040504020204" pitchFamily="49" charset="0"/>
+              </a:rPr>
+              <a:t>    update: { $set: { "location" : {</a:t>
+            </a:r>
+          </a:p>
+          <a:p>
+            <a:r>
+              <a:rPr lang="en-US" sz="1600" dirty="0">
+                <a:latin typeface="Lucida Console" panose="020B0609040504020204" pitchFamily="49" charset="0"/>
+              </a:rPr>
+              <a:t>                         "type" : "Point",</a:t>
+            </a:r>
+          </a:p>
+          <a:p>
+            <a:r>
+              <a:rPr lang="en-US" sz="1600" dirty="0">
+                <a:latin typeface="Lucida Console" panose="020B0609040504020204" pitchFamily="49" charset="0"/>
+              </a:rPr>
+              <a:t>                         "coordinates" : [ -96.8005, 32.7801 ]                         </a:t>
+            </a:r>
+          </a:p>
+          <a:p>
+            <a:r>
+              <a:rPr lang="en-US" sz="1600" dirty="0">
+                <a:latin typeface="Lucida Console" panose="020B0609040504020204" pitchFamily="49" charset="0"/>
+              </a:rPr>
+              <a:t>                         } </a:t>
+            </a:r>
+          </a:p>
+          <a:p>
+            <a:r>
+              <a:rPr lang="en-US" sz="1600" dirty="0">
+                <a:latin typeface="Lucida Console" panose="020B0609040504020204" pitchFamily="49" charset="0"/>
+              </a:rPr>
+              <a:t>             } },</a:t>
+            </a:r>
+          </a:p>
+          <a:p>
+            <a:r>
+              <a:rPr lang="en-US" sz="1600" dirty="0">
+                <a:latin typeface="Lucida Console" panose="020B0609040504020204" pitchFamily="49" charset="0"/>
+              </a:rPr>
+              <a:t>    </a:t>
+            </a:r>
+            <a:r>
+              <a:rPr lang="en-US" sz="1600" dirty="0" err="1">
+                <a:latin typeface="Lucida Console" panose="020B0609040504020204" pitchFamily="49" charset="0"/>
+              </a:rPr>
+              <a:t>upsert</a:t>
+            </a:r>
+            <a:r>
+              <a:rPr lang="en-US" sz="1600" dirty="0">
+                <a:latin typeface="Lucida Console" panose="020B0609040504020204" pitchFamily="49" charset="0"/>
+              </a:rPr>
+              <a:t>: true</a:t>
+            </a:r>
+          </a:p>
+          <a:p>
+            <a:r>
+              <a:rPr lang="en-US" sz="1600" dirty="0">
+                <a:latin typeface="Lucida Console" panose="020B0609040504020204" pitchFamily="49" charset="0"/>
+              </a:rPr>
+              <a:t>})</a:t>
+            </a:r>
+          </a:p>
+          <a:p>
+            <a:r>
+              <a:rPr lang="en-US" sz="1600" dirty="0" err="1" smtClean="0">
+                <a:latin typeface="Lucida Console" panose="020B0609040504020204" pitchFamily="49" charset="0"/>
+              </a:rPr>
+              <a:t>db.dept.findAndModify</a:t>
+            </a:r>
+            <a:r>
+              <a:rPr lang="en-US" sz="1600" dirty="0">
+                <a:latin typeface="Lucida Console" panose="020B0609040504020204" pitchFamily="49" charset="0"/>
+              </a:rPr>
+              <a:t>({</a:t>
+            </a:r>
+          </a:p>
+          <a:p>
+            <a:r>
+              <a:rPr lang="en-US" sz="1600" dirty="0">
+                <a:latin typeface="Lucida Console" panose="020B0609040504020204" pitchFamily="49" charset="0"/>
+              </a:rPr>
+              <a:t>    query: { </a:t>
+            </a:r>
+            <a:r>
+              <a:rPr lang="en-US" sz="1600" dirty="0" err="1">
+                <a:latin typeface="Lucida Console" panose="020B0609040504020204" pitchFamily="49" charset="0"/>
+              </a:rPr>
+              <a:t>loc</a:t>
+            </a:r>
+            <a:r>
+              <a:rPr lang="en-US" sz="1600" dirty="0">
+                <a:latin typeface="Lucida Console" panose="020B0609040504020204" pitchFamily="49" charset="0"/>
+              </a:rPr>
+              <a:t>: "BOSTON" },</a:t>
+            </a:r>
+          </a:p>
+          <a:p>
+            <a:r>
+              <a:rPr lang="en-US" sz="1600" dirty="0">
+                <a:latin typeface="Lucida Console" panose="020B0609040504020204" pitchFamily="49" charset="0"/>
+              </a:rPr>
+              <a:t>    update: { $set: { "location" : {</a:t>
+            </a:r>
+          </a:p>
+          <a:p>
+            <a:r>
+              <a:rPr lang="en-US" sz="1600" dirty="0">
+                <a:latin typeface="Lucida Console" panose="020B0609040504020204" pitchFamily="49" charset="0"/>
+              </a:rPr>
+              <a:t>                         "type" : "Point",</a:t>
+            </a:r>
+          </a:p>
+          <a:p>
+            <a:r>
+              <a:rPr lang="en-US" sz="1600" dirty="0">
+                <a:latin typeface="Lucida Console" panose="020B0609040504020204" pitchFamily="49" charset="0"/>
+              </a:rPr>
+              <a:t>                         "coordinates" : [ -71.0598, 42.3584 ]                         </a:t>
+            </a:r>
+          </a:p>
+          <a:p>
+            <a:r>
+              <a:rPr lang="en-US" sz="1600" dirty="0">
+                <a:latin typeface="Lucida Console" panose="020B0609040504020204" pitchFamily="49" charset="0"/>
+              </a:rPr>
+              <a:t>                         } </a:t>
+            </a:r>
+          </a:p>
+          <a:p>
+            <a:r>
+              <a:rPr lang="en-US" sz="1600" dirty="0">
+                <a:latin typeface="Lucida Console" panose="020B0609040504020204" pitchFamily="49" charset="0"/>
+              </a:rPr>
+              <a:t>             } },</a:t>
+            </a:r>
+          </a:p>
+          <a:p>
+            <a:r>
+              <a:rPr lang="en-US" sz="1600" dirty="0">
+                <a:latin typeface="Lucida Console" panose="020B0609040504020204" pitchFamily="49" charset="0"/>
+              </a:rPr>
+              <a:t>    </a:t>
+            </a:r>
+            <a:r>
+              <a:rPr lang="en-US" sz="1600" dirty="0" err="1">
+                <a:latin typeface="Lucida Console" panose="020B0609040504020204" pitchFamily="49" charset="0"/>
+              </a:rPr>
+              <a:t>upsert</a:t>
+            </a:r>
+            <a:r>
+              <a:rPr lang="en-US" sz="1600" dirty="0">
+                <a:latin typeface="Lucida Console" panose="020B0609040504020204" pitchFamily="49" charset="0"/>
+              </a:rPr>
+              <a:t>: true</a:t>
+            </a:r>
+          </a:p>
+          <a:p>
+            <a:r>
+              <a:rPr lang="en-US" sz="1600" dirty="0" smtClean="0">
+                <a:latin typeface="Lucida Console" panose="020B0609040504020204" pitchFamily="49" charset="0"/>
+              </a:rPr>
+              <a:t>})</a:t>
+            </a:r>
+            <a:r>
+              <a:rPr lang="en-US" sz="1600" dirty="0">
+                <a:latin typeface="Lucida Console" panose="020B0609040504020204" pitchFamily="49" charset="0"/>
+              </a:rPr>
+              <a:t/>
+            </a:r>
+            <a:br>
+              <a:rPr lang="en-US" sz="1600" dirty="0">
+                <a:latin typeface="Lucida Console" panose="020B0609040504020204" pitchFamily="49" charset="0"/>
+              </a:rPr>
+            </a:br>
+            <a:r>
+              <a:rPr lang="en-US" sz="1600" dirty="0">
+                <a:latin typeface="Lucida Console" panose="020B0609040504020204" pitchFamily="49" charset="0"/>
+              </a:rPr>
+              <a:t>...</a:t>
+            </a:r>
+            <a:br>
+              <a:rPr lang="en-US" sz="1600" dirty="0">
+                <a:latin typeface="Lucida Console" panose="020B0609040504020204" pitchFamily="49" charset="0"/>
+              </a:rPr>
+            </a:br>
+            <a:r>
+              <a:rPr lang="en-US" sz="1600" dirty="0">
+                <a:latin typeface="Lucida Console" panose="020B0609040504020204" pitchFamily="49" charset="0"/>
+              </a:rPr>
+              <a:t>-- create index </a:t>
+            </a:r>
+          </a:p>
+          <a:p>
+            <a:r>
+              <a:rPr lang="en-US" sz="1600" dirty="0" err="1">
+                <a:latin typeface="Lucida Console" panose="020B0609040504020204" pitchFamily="49" charset="0"/>
+              </a:rPr>
+              <a:t>db.dept.ensureIndex</a:t>
+            </a:r>
+            <a:r>
+              <a:rPr lang="en-US" sz="1600" dirty="0">
+                <a:latin typeface="Lucida Console" panose="020B0609040504020204" pitchFamily="49" charset="0"/>
+              </a:rPr>
+              <a:t>( { location : "2dsphere" } );</a:t>
+            </a:r>
+          </a:p>
+          <a:p>
+            <a:endParaRPr lang="en-US" sz="1600" dirty="0">
+              <a:latin typeface="Lucida Console" panose="020B0609040504020204" pitchFamily="49" charset="0"/>
+            </a:endParaRPr>
+          </a:p>
+        </p:txBody>
+      </p:sp>
+      <p:sp>
+        <p:nvSpPr>
+          <p:cNvPr id="8" name="Rectangle 7"/>
+          <p:cNvSpPr/>
+          <p:nvPr/>
+        </p:nvSpPr>
+        <p:spPr>
+          <a:xfrm>
+            <a:off x="8686800" y="1714500"/>
+            <a:ext cx="7912100" cy="7708900"/>
+          </a:xfrm>
+          <a:prstGeom prst="rect">
+            <a:avLst/>
+          </a:prstGeom>
+          <a:solidFill>
+            <a:schemeClr val="bg1">
+              <a:lumMod val="95000"/>
+            </a:schemeClr>
+          </a:solidFill>
+        </p:spPr>
+        <p:style>
+          <a:lnRef idx="1">
+            <a:schemeClr val="dk1"/>
+          </a:lnRef>
+          <a:fillRef idx="2">
+            <a:schemeClr val="dk1"/>
+          </a:fillRef>
+          <a:effectRef idx="1">
+            <a:schemeClr val="dk1"/>
+          </a:effectRef>
+          <a:fontRef idx="minor">
+            <a:schemeClr val="dk1"/>
+          </a:fontRef>
+        </p:style>
+        <p:txBody>
+          <a:bodyPr rtlCol="0" anchor="ctr"/>
+          <a:lstStyle/>
+          <a:p>
+            <a:pPr algn="ctr"/>
+            <a:endParaRPr lang="en-US"/>
+          </a:p>
+        </p:txBody>
+      </p:sp>
+      <p:sp>
+        <p:nvSpPr>
+          <p:cNvPr id="9" name="TextBox 8"/>
+          <p:cNvSpPr txBox="1"/>
+          <p:nvPr/>
+        </p:nvSpPr>
+        <p:spPr>
+          <a:xfrm>
+            <a:off x="8798166" y="1727200"/>
+            <a:ext cx="7800734" cy="923330"/>
+          </a:xfrm>
+          <a:prstGeom prst="rect">
+            <a:avLst/>
+          </a:prstGeom>
+          <a:noFill/>
+        </p:spPr>
+        <p:txBody>
+          <a:bodyPr wrap="square" rtlCol="0">
+            <a:spAutoFit/>
+          </a:bodyPr>
+          <a:lstStyle/>
+          <a:p>
+            <a:r>
+              <a:rPr lang="nl-NL" sz="1800" dirty="0" smtClean="0">
+                <a:latin typeface="Lucida Console" panose="020B0609040504020204" pitchFamily="49" charset="0"/>
+              </a:rPr>
+              <a:t>-- </a:t>
+            </a:r>
+            <a:r>
+              <a:rPr lang="nl-NL" sz="1800" dirty="0" err="1" smtClean="0">
+                <a:latin typeface="Lucida Console" panose="020B0609040504020204" pitchFamily="49" charset="0"/>
+              </a:rPr>
+              <a:t>Locator</a:t>
+            </a:r>
+            <a:r>
+              <a:rPr lang="nl-NL" sz="1800" dirty="0" smtClean="0">
+                <a:latin typeface="Lucida Console" panose="020B0609040504020204" pitchFamily="49" charset="0"/>
+              </a:rPr>
+              <a:t> </a:t>
+            </a:r>
+          </a:p>
+          <a:p>
+            <a:r>
+              <a:rPr lang="nl-NL" sz="1800" dirty="0">
+                <a:latin typeface="Lucida Console" panose="020B0609040504020204" pitchFamily="49" charset="0"/>
+              </a:rPr>
+              <a:t>(</a:t>
+            </a:r>
+            <a:r>
+              <a:rPr lang="nl-NL" sz="1800" dirty="0">
+                <a:latin typeface="Lucida Console" panose="020B0609040504020204" pitchFamily="49" charset="0"/>
+                <a:hlinkClick r:id="rId2"/>
+              </a:rPr>
+              <a:t>https://</a:t>
+            </a:r>
+            <a:r>
+              <a:rPr lang="nl-NL" sz="1800" dirty="0" smtClean="0">
+                <a:latin typeface="Lucida Console" panose="020B0609040504020204" pitchFamily="49" charset="0"/>
+                <a:hlinkClick r:id="rId2"/>
+              </a:rPr>
+              <a:t>docs.oracle.com/cd/B25329_01/doc/appdev.102/b28004/xe_locator.htm</a:t>
+            </a:r>
+            <a:r>
+              <a:rPr lang="nl-NL" sz="1800" dirty="0" smtClean="0">
+                <a:latin typeface="Lucida Console" panose="020B0609040504020204" pitchFamily="49" charset="0"/>
+              </a:rPr>
+              <a:t> )</a:t>
+            </a:r>
+            <a:endParaRPr lang="en-US" sz="1800" dirty="0">
+              <a:latin typeface="Lucida Console" panose="020B0609040504020204" pitchFamily="49" charset="0"/>
+            </a:endParaRPr>
+          </a:p>
+        </p:txBody>
+      </p:sp>
+    </p:spTree>
+    <p:extLst>
+      <p:ext uri="{BB962C8B-B14F-4D97-AF65-F5344CB8AC3E}">
+        <p14:creationId xmlns:p14="http://schemas.microsoft.com/office/powerpoint/2010/main" val="1457660135"/>
+      </p:ext>
+    </p:extLst>
+  </p:cSld>
+  <p:clrMapOvr>
+    <a:masterClrMapping/>
+  </p:clrMapOvr>
+</p:sld>
+</file>
+
+<file path=ppt/slides/slide27.xml><?xml version="1.0" encoding="utf-8"?>
+<p:sld xmlns:a="http://schemas.openxmlformats.org/drawingml/2006/main" xmlns:r="http://schemas.openxmlformats.org/officeDocument/2006/relationships" xmlns:p="http://schemas.openxmlformats.org/presentationml/2006/main">
+  <p:cSld>
+    <p:spTree>
+      <p:nvGrpSpPr>
+        <p:cNvPr id="1" name=""/>
+        <p:cNvGrpSpPr/>
+        <p:nvPr/>
+      </p:nvGrpSpPr>
+      <p:grpSpPr>
+        <a:xfrm>
+          <a:off x="0" y="0"/>
+          <a:ext cx="0" cy="0"/>
+          <a:chOff x="0" y="0"/>
+          <a:chExt cx="0" cy="0"/>
+        </a:xfrm>
+      </p:grpSpPr>
+      <p:sp>
+        <p:nvSpPr>
+          <p:cNvPr id="2" name="Title 1"/>
+          <p:cNvSpPr>
+            <a:spLocks noGrp="1"/>
+          </p:cNvSpPr>
+          <p:nvPr>
+            <p:ph type="title"/>
+          </p:nvPr>
+        </p:nvSpPr>
+        <p:spPr>
+          <a:xfrm>
+            <a:off x="406400" y="246560"/>
+            <a:ext cx="16725900" cy="1346288"/>
+          </a:xfrm>
+        </p:spPr>
+        <p:txBody>
+          <a:bodyPr/>
+          <a:lstStyle/>
+          <a:p>
+            <a:r>
+              <a:rPr lang="en-US" sz="4000" dirty="0"/>
+              <a:t>find departments within 500 km from Washington DC </a:t>
+            </a:r>
+            <a:r>
+              <a:rPr lang="en-US" sz="4000" dirty="0" smtClean="0"/>
+              <a:t/>
+            </a:r>
+            <a:br>
+              <a:rPr lang="en-US" sz="4000" dirty="0" smtClean="0"/>
+            </a:br>
+            <a:r>
+              <a:rPr lang="en-US" sz="4000" dirty="0" smtClean="0"/>
+              <a:t>( </a:t>
+            </a:r>
+            <a:r>
+              <a:rPr lang="en-US" sz="4000" dirty="0"/>
+              <a:t>[ -77.0364, 38.8951 ])</a:t>
+            </a:r>
+            <a:endParaRPr lang="en-US" sz="4000" i="1" dirty="0"/>
+          </a:p>
+        </p:txBody>
+      </p:sp>
+      <p:sp>
+        <p:nvSpPr>
+          <p:cNvPr id="6" name="Rectangle 5"/>
+          <p:cNvSpPr/>
+          <p:nvPr/>
+        </p:nvSpPr>
+        <p:spPr>
+          <a:xfrm>
+            <a:off x="406400" y="1714500"/>
+            <a:ext cx="7912100" cy="7708900"/>
+          </a:xfrm>
+          <a:prstGeom prst="rect">
+            <a:avLst/>
+          </a:prstGeom>
+          <a:solidFill>
+            <a:schemeClr val="bg1">
+              <a:lumMod val="95000"/>
+            </a:schemeClr>
+          </a:solidFill>
+        </p:spPr>
+        <p:style>
+          <a:lnRef idx="1">
+            <a:schemeClr val="dk1"/>
+          </a:lnRef>
+          <a:fillRef idx="2">
+            <a:schemeClr val="dk1"/>
+          </a:fillRef>
+          <a:effectRef idx="1">
+            <a:schemeClr val="dk1"/>
+          </a:effectRef>
+          <a:fontRef idx="minor">
+            <a:schemeClr val="dk1"/>
+          </a:fontRef>
+        </p:style>
+        <p:txBody>
+          <a:bodyPr rtlCol="0" anchor="ctr"/>
+          <a:lstStyle/>
+          <a:p>
+            <a:pPr algn="ctr"/>
+            <a:endParaRPr lang="en-US"/>
+          </a:p>
+        </p:txBody>
+      </p:sp>
+      <p:sp>
+        <p:nvSpPr>
+          <p:cNvPr id="7" name="TextBox 6"/>
+          <p:cNvSpPr txBox="1"/>
+          <p:nvPr/>
+        </p:nvSpPr>
+        <p:spPr>
+          <a:xfrm>
+            <a:off x="508000" y="1727200"/>
+            <a:ext cx="6599884" cy="3693319"/>
+          </a:xfrm>
+          <a:prstGeom prst="rect">
+            <a:avLst/>
+          </a:prstGeom>
+          <a:noFill/>
+        </p:spPr>
+        <p:txBody>
+          <a:bodyPr wrap="none" rtlCol="0">
+            <a:spAutoFit/>
+          </a:bodyPr>
+          <a:lstStyle/>
+          <a:p>
+            <a:r>
+              <a:rPr lang="en-US" sz="1800" dirty="0" err="1">
+                <a:latin typeface="Lucida Console" panose="020B0609040504020204" pitchFamily="49" charset="0"/>
+              </a:rPr>
+              <a:t>db.dept.find</a:t>
+            </a:r>
+            <a:r>
+              <a:rPr lang="en-US" sz="1800" dirty="0">
+                <a:latin typeface="Lucida Console" panose="020B0609040504020204" pitchFamily="49" charset="0"/>
+              </a:rPr>
+              <a:t>(</a:t>
+            </a:r>
+          </a:p>
+          <a:p>
+            <a:r>
+              <a:rPr lang="en-US" sz="1800" dirty="0">
+                <a:latin typeface="Lucida Console" panose="020B0609040504020204" pitchFamily="49" charset="0"/>
+              </a:rPr>
+              <a:t>  {</a:t>
+            </a:r>
+          </a:p>
+          <a:p>
+            <a:r>
+              <a:rPr lang="en-US" sz="1800" dirty="0">
+                <a:latin typeface="Lucida Console" panose="020B0609040504020204" pitchFamily="49" charset="0"/>
+              </a:rPr>
+              <a:t>    location : {</a:t>
+            </a:r>
+          </a:p>
+          <a:p>
+            <a:r>
+              <a:rPr lang="en-US" sz="1800" dirty="0">
+                <a:latin typeface="Lucida Console" panose="020B0609040504020204" pitchFamily="49" charset="0"/>
+              </a:rPr>
+              <a:t>      $near : {</a:t>
+            </a:r>
+          </a:p>
+          <a:p>
+            <a:r>
+              <a:rPr lang="en-US" sz="1800" dirty="0">
+                <a:latin typeface="Lucida Console" panose="020B0609040504020204" pitchFamily="49" charset="0"/>
+              </a:rPr>
+              <a:t>        $geometry : { </a:t>
+            </a:r>
+          </a:p>
+          <a:p>
+            <a:r>
+              <a:rPr lang="en-US" sz="1800" dirty="0">
+                <a:latin typeface="Lucida Console" panose="020B0609040504020204" pitchFamily="49" charset="0"/>
+              </a:rPr>
+              <a:t>          type : "Point" , </a:t>
+            </a:r>
+          </a:p>
+          <a:p>
+            <a:r>
+              <a:rPr lang="en-US" sz="1800" dirty="0">
+                <a:latin typeface="Lucida Console" panose="020B0609040504020204" pitchFamily="49" charset="0"/>
+              </a:rPr>
+              <a:t>          coordinates : [ -77.0364, 38.8951 ] </a:t>
+            </a:r>
+          </a:p>
+          <a:p>
+            <a:r>
+              <a:rPr lang="en-US" sz="1800" dirty="0">
+                <a:latin typeface="Lucida Console" panose="020B0609040504020204" pitchFamily="49" charset="0"/>
+              </a:rPr>
+              <a:t>        }, </a:t>
+            </a:r>
+          </a:p>
+          <a:p>
+            <a:r>
+              <a:rPr lang="en-US" sz="1800" dirty="0">
+                <a:latin typeface="Lucida Console" panose="020B0609040504020204" pitchFamily="49" charset="0"/>
+              </a:rPr>
+              <a:t>        $</a:t>
+            </a:r>
+            <a:r>
+              <a:rPr lang="en-US" sz="1800" dirty="0" err="1">
+                <a:latin typeface="Lucida Console" panose="020B0609040504020204" pitchFamily="49" charset="0"/>
+              </a:rPr>
+              <a:t>maxDistance</a:t>
+            </a:r>
+            <a:r>
+              <a:rPr lang="en-US" sz="1800" dirty="0">
+                <a:latin typeface="Lucida Console" panose="020B0609040504020204" pitchFamily="49" charset="0"/>
+              </a:rPr>
+              <a:t> : 500000</a:t>
+            </a:r>
+          </a:p>
+          <a:p>
+            <a:r>
+              <a:rPr lang="en-US" sz="1800" dirty="0">
+                <a:latin typeface="Lucida Console" panose="020B0609040504020204" pitchFamily="49" charset="0"/>
+              </a:rPr>
+              <a:t>      }</a:t>
+            </a:r>
+          </a:p>
+          <a:p>
+            <a:r>
+              <a:rPr lang="en-US" sz="1800" dirty="0">
+                <a:latin typeface="Lucida Console" panose="020B0609040504020204" pitchFamily="49" charset="0"/>
+              </a:rPr>
+              <a:t>    }</a:t>
+            </a:r>
+          </a:p>
+          <a:p>
+            <a:r>
+              <a:rPr lang="en-US" sz="1800" dirty="0">
+                <a:latin typeface="Lucida Console" panose="020B0609040504020204" pitchFamily="49" charset="0"/>
+              </a:rPr>
+              <a:t>  }</a:t>
+            </a:r>
+          </a:p>
+          <a:p>
+            <a:r>
+              <a:rPr lang="en-US" sz="1800" dirty="0">
+                <a:latin typeface="Lucida Console" panose="020B0609040504020204" pitchFamily="49" charset="0"/>
+              </a:rPr>
+              <a:t> ) </a:t>
+            </a:r>
+          </a:p>
+        </p:txBody>
+      </p:sp>
+      <p:sp>
+        <p:nvSpPr>
+          <p:cNvPr id="8" name="Rectangle 7"/>
+          <p:cNvSpPr/>
+          <p:nvPr/>
+        </p:nvSpPr>
+        <p:spPr>
+          <a:xfrm>
+            <a:off x="8686800" y="1714500"/>
+            <a:ext cx="7912100" cy="7708900"/>
+          </a:xfrm>
+          <a:prstGeom prst="rect">
+            <a:avLst/>
+          </a:prstGeom>
+          <a:solidFill>
+            <a:schemeClr val="bg1">
+              <a:lumMod val="95000"/>
+            </a:schemeClr>
+          </a:solidFill>
+        </p:spPr>
+        <p:style>
+          <a:lnRef idx="1">
+            <a:schemeClr val="dk1"/>
+          </a:lnRef>
+          <a:fillRef idx="2">
+            <a:schemeClr val="dk1"/>
+          </a:fillRef>
+          <a:effectRef idx="1">
+            <a:schemeClr val="dk1"/>
+          </a:effectRef>
+          <a:fontRef idx="minor">
+            <a:schemeClr val="dk1"/>
+          </a:fontRef>
+        </p:style>
+        <p:txBody>
+          <a:bodyPr rtlCol="0" anchor="ctr"/>
+          <a:lstStyle/>
+          <a:p>
+            <a:pPr algn="ctr"/>
+            <a:endParaRPr lang="en-US"/>
+          </a:p>
+        </p:txBody>
+      </p:sp>
+      <p:sp>
+        <p:nvSpPr>
+          <p:cNvPr id="9" name="TextBox 8"/>
+          <p:cNvSpPr txBox="1"/>
+          <p:nvPr/>
+        </p:nvSpPr>
+        <p:spPr>
+          <a:xfrm>
+            <a:off x="8798166" y="1727200"/>
+            <a:ext cx="7800734" cy="923330"/>
+          </a:xfrm>
+          <a:prstGeom prst="rect">
+            <a:avLst/>
+          </a:prstGeom>
+          <a:noFill/>
+        </p:spPr>
+        <p:txBody>
+          <a:bodyPr wrap="square" rtlCol="0">
+            <a:spAutoFit/>
+          </a:bodyPr>
+          <a:lstStyle/>
+          <a:p>
+            <a:r>
+              <a:rPr lang="nl-NL" sz="1800" dirty="0" smtClean="0">
+                <a:latin typeface="Lucida Console" panose="020B0609040504020204" pitchFamily="49" charset="0"/>
+              </a:rPr>
+              <a:t>-- </a:t>
+            </a:r>
+            <a:r>
+              <a:rPr lang="nl-NL" sz="1800" dirty="0" err="1" smtClean="0">
+                <a:latin typeface="Lucida Console" panose="020B0609040504020204" pitchFamily="49" charset="0"/>
+              </a:rPr>
+              <a:t>Locator</a:t>
+            </a:r>
+            <a:r>
+              <a:rPr lang="nl-NL" sz="1800" dirty="0" smtClean="0">
+                <a:latin typeface="Lucida Console" panose="020B0609040504020204" pitchFamily="49" charset="0"/>
+              </a:rPr>
+              <a:t> </a:t>
+            </a:r>
+          </a:p>
+          <a:p>
+            <a:r>
+              <a:rPr lang="nl-NL" sz="1800" dirty="0">
+                <a:latin typeface="Lucida Console" panose="020B0609040504020204" pitchFamily="49" charset="0"/>
+              </a:rPr>
+              <a:t>(</a:t>
+            </a:r>
+            <a:r>
+              <a:rPr lang="nl-NL" sz="1800" dirty="0">
+                <a:latin typeface="Lucida Console" panose="020B0609040504020204" pitchFamily="49" charset="0"/>
+                <a:hlinkClick r:id="rId2"/>
+              </a:rPr>
+              <a:t>https://</a:t>
+            </a:r>
+            <a:r>
+              <a:rPr lang="nl-NL" sz="1800" dirty="0" smtClean="0">
+                <a:latin typeface="Lucida Console" panose="020B0609040504020204" pitchFamily="49" charset="0"/>
+                <a:hlinkClick r:id="rId2"/>
+              </a:rPr>
+              <a:t>docs.oracle.com/cd/B25329_01/doc/appdev.102/b28004/xe_locator.htm</a:t>
+            </a:r>
+            <a:r>
+              <a:rPr lang="nl-NL" sz="1800" dirty="0" smtClean="0">
+                <a:latin typeface="Lucida Console" panose="020B0609040504020204" pitchFamily="49" charset="0"/>
+              </a:rPr>
+              <a:t> )</a:t>
+            </a:r>
+            <a:endParaRPr lang="en-US" sz="1800" dirty="0">
+              <a:latin typeface="Lucida Console" panose="020B0609040504020204" pitchFamily="49" charset="0"/>
+            </a:endParaRPr>
+          </a:p>
+        </p:txBody>
+      </p:sp>
+    </p:spTree>
+    <p:extLst>
+      <p:ext uri="{BB962C8B-B14F-4D97-AF65-F5344CB8AC3E}">
+        <p14:creationId xmlns:p14="http://schemas.microsoft.com/office/powerpoint/2010/main" val="1967211783"/>
+      </p:ext>
+    </p:extLst>
+  </p:cSld>
+  <p:clrMapOvr>
+    <a:masterClrMapping/>
+  </p:clrMapOvr>
+</p:sld>
+</file>
+
+<file path=ppt/slides/slide28.xml><?xml version="1.0" encoding="utf-8"?>
+<p:sld xmlns:a="http://schemas.openxmlformats.org/drawingml/2006/main" xmlns:r="http://schemas.openxmlformats.org/officeDocument/2006/relationships" xmlns:p="http://schemas.openxmlformats.org/presentationml/2006/main">
+  <p:cSld>
+    <p:spTree>
+      <p:nvGrpSpPr>
+        <p:cNvPr id="1" name=""/>
+        <p:cNvGrpSpPr/>
+        <p:nvPr/>
+      </p:nvGrpSpPr>
+      <p:grpSpPr>
+        <a:xfrm>
+          <a:off x="0" y="0"/>
+          <a:ext cx="0" cy="0"/>
+          <a:chOff x="0" y="0"/>
+          <a:chExt cx="0" cy="0"/>
+        </a:xfrm>
+      </p:grpSpPr>
+      <p:sp>
+        <p:nvSpPr>
+          <p:cNvPr id="2" name="Title 1"/>
+          <p:cNvSpPr>
+            <a:spLocks noGrp="1"/>
+          </p:cNvSpPr>
+          <p:nvPr>
+            <p:ph type="title"/>
+          </p:nvPr>
+        </p:nvSpPr>
+        <p:spPr>
+          <a:xfrm>
+            <a:off x="406400" y="246560"/>
+            <a:ext cx="16725900" cy="1346288"/>
+          </a:xfrm>
+        </p:spPr>
+        <p:txBody>
+          <a:bodyPr/>
+          <a:lstStyle/>
+          <a:p>
+            <a:r>
+              <a:rPr lang="en-US" sz="4000" dirty="0"/>
+              <a:t>all </a:t>
+            </a:r>
+            <a:r>
+              <a:rPr lang="en-US" sz="4000" dirty="0" smtClean="0"/>
+              <a:t>departments, the </a:t>
+            </a:r>
+            <a:r>
+              <a:rPr lang="en-US" sz="4000" dirty="0"/>
+              <a:t>distance for each department </a:t>
+            </a:r>
+            <a:r>
+              <a:rPr lang="en-US" sz="4000" dirty="0" smtClean="0"/>
+              <a:t>in kilometer from Washington DC, ordered by that distance</a:t>
+            </a:r>
+            <a:endParaRPr lang="en-US" sz="4000" i="1" dirty="0"/>
+          </a:p>
+        </p:txBody>
+      </p:sp>
+      <p:sp>
+        <p:nvSpPr>
+          <p:cNvPr id="6" name="Rectangle 5"/>
+          <p:cNvSpPr/>
+          <p:nvPr/>
+        </p:nvSpPr>
+        <p:spPr>
+          <a:xfrm>
+            <a:off x="406400" y="1714500"/>
+            <a:ext cx="7912100" cy="7708900"/>
+          </a:xfrm>
+          <a:prstGeom prst="rect">
+            <a:avLst/>
+          </a:prstGeom>
+          <a:solidFill>
+            <a:schemeClr val="bg1">
+              <a:lumMod val="95000"/>
+            </a:schemeClr>
+          </a:solidFill>
+        </p:spPr>
+        <p:style>
+          <a:lnRef idx="1">
+            <a:schemeClr val="dk1"/>
+          </a:lnRef>
+          <a:fillRef idx="2">
+            <a:schemeClr val="dk1"/>
+          </a:fillRef>
+          <a:effectRef idx="1">
+            <a:schemeClr val="dk1"/>
+          </a:effectRef>
+          <a:fontRef idx="minor">
+            <a:schemeClr val="dk1"/>
+          </a:fontRef>
+        </p:style>
+        <p:txBody>
+          <a:bodyPr rtlCol="0" anchor="ctr"/>
+          <a:lstStyle/>
+          <a:p>
+            <a:pPr algn="ctr"/>
+            <a:endParaRPr lang="en-US"/>
+          </a:p>
+        </p:txBody>
+      </p:sp>
+      <p:sp>
+        <p:nvSpPr>
+          <p:cNvPr id="7" name="TextBox 6"/>
+          <p:cNvSpPr txBox="1"/>
+          <p:nvPr/>
+        </p:nvSpPr>
+        <p:spPr>
+          <a:xfrm>
+            <a:off x="508000" y="1727200"/>
+            <a:ext cx="7713971" cy="5016758"/>
+          </a:xfrm>
+          <a:prstGeom prst="rect">
+            <a:avLst/>
+          </a:prstGeom>
+          <a:noFill/>
+        </p:spPr>
+        <p:txBody>
+          <a:bodyPr wrap="none" rtlCol="0">
+            <a:spAutoFit/>
+          </a:bodyPr>
+          <a:lstStyle/>
+          <a:p>
+            <a:r>
+              <a:rPr lang="en-US" sz="1600" dirty="0" err="1">
+                <a:latin typeface="Lucida Console" panose="020B0609040504020204" pitchFamily="49" charset="0"/>
+              </a:rPr>
+              <a:t>db.dept.aggregate</a:t>
+            </a:r>
+            <a:r>
+              <a:rPr lang="en-US" sz="1600" dirty="0">
+                <a:latin typeface="Lucida Console" panose="020B0609040504020204" pitchFamily="49" charset="0"/>
+              </a:rPr>
+              <a:t>([</a:t>
+            </a:r>
+          </a:p>
+          <a:p>
+            <a:r>
+              <a:rPr lang="en-US" sz="1600" dirty="0">
+                <a:latin typeface="Lucida Console" panose="020B0609040504020204" pitchFamily="49" charset="0"/>
+              </a:rPr>
+              <a:t>    { "$</a:t>
+            </a:r>
+            <a:r>
+              <a:rPr lang="en-US" sz="1600" dirty="0" err="1">
+                <a:latin typeface="Lucida Console" panose="020B0609040504020204" pitchFamily="49" charset="0"/>
+              </a:rPr>
+              <a:t>geoNear</a:t>
+            </a:r>
+            <a:r>
+              <a:rPr lang="en-US" sz="1600" dirty="0">
+                <a:latin typeface="Lucida Console" panose="020B0609040504020204" pitchFamily="49" charset="0"/>
+              </a:rPr>
+              <a:t>": {</a:t>
+            </a:r>
+          </a:p>
+          <a:p>
+            <a:r>
+              <a:rPr lang="en-US" sz="1600" dirty="0">
+                <a:latin typeface="Lucida Console" panose="020B0609040504020204" pitchFamily="49" charset="0"/>
+              </a:rPr>
+              <a:t>        "near": {</a:t>
+            </a:r>
+          </a:p>
+          <a:p>
+            <a:r>
+              <a:rPr lang="en-US" sz="1600" dirty="0">
+                <a:latin typeface="Lucida Console" panose="020B0609040504020204" pitchFamily="49" charset="0"/>
+              </a:rPr>
+              <a:t>            "type": "Point",</a:t>
+            </a:r>
+          </a:p>
+          <a:p>
+            <a:r>
+              <a:rPr lang="en-US" sz="1600" dirty="0">
+                <a:latin typeface="Lucida Console" panose="020B0609040504020204" pitchFamily="49" charset="0"/>
+              </a:rPr>
+              <a:t>            "coordinates": [ -77.0364, 38.8951 ] </a:t>
+            </a:r>
+          </a:p>
+          <a:p>
+            <a:r>
+              <a:rPr lang="en-US" sz="1600" dirty="0">
+                <a:latin typeface="Lucida Console" panose="020B0609040504020204" pitchFamily="49" charset="0"/>
+              </a:rPr>
+              <a:t>        }, </a:t>
+            </a:r>
+          </a:p>
+          <a:p>
+            <a:r>
+              <a:rPr lang="en-US" sz="1600" dirty="0">
+                <a:latin typeface="Lucida Console" panose="020B0609040504020204" pitchFamily="49" charset="0"/>
+              </a:rPr>
+              <a:t>        "spherical": true,</a:t>
+            </a:r>
+          </a:p>
+          <a:p>
+            <a:r>
+              <a:rPr lang="en-US" sz="1600" dirty="0">
+                <a:latin typeface="Lucida Console" panose="020B0609040504020204" pitchFamily="49" charset="0"/>
+              </a:rPr>
+              <a:t>        "</a:t>
+            </a:r>
+            <a:r>
+              <a:rPr lang="en-US" sz="1600" dirty="0" err="1">
+                <a:latin typeface="Lucida Console" panose="020B0609040504020204" pitchFamily="49" charset="0"/>
+              </a:rPr>
+              <a:t>distanceField</a:t>
+            </a:r>
+            <a:r>
+              <a:rPr lang="en-US" sz="1600" dirty="0">
+                <a:latin typeface="Lucida Console" panose="020B0609040504020204" pitchFamily="49" charset="0"/>
+              </a:rPr>
+              <a:t>": "</a:t>
+            </a:r>
+            <a:r>
+              <a:rPr lang="en-US" sz="1600" dirty="0" err="1">
+                <a:latin typeface="Lucida Console" panose="020B0609040504020204" pitchFamily="49" charset="0"/>
+              </a:rPr>
+              <a:t>distanceFromTarget</a:t>
+            </a:r>
+            <a:r>
+              <a:rPr lang="en-US" sz="1600" dirty="0">
+                <a:latin typeface="Lucida Console" panose="020B0609040504020204" pitchFamily="49" charset="0"/>
+              </a:rPr>
+              <a:t>",     </a:t>
+            </a:r>
+          </a:p>
+          <a:p>
+            <a:r>
+              <a:rPr lang="en-US" sz="1600" dirty="0">
+                <a:latin typeface="Lucida Console" panose="020B0609040504020204" pitchFamily="49" charset="0"/>
+              </a:rPr>
+              <a:t>        "</a:t>
+            </a:r>
+            <a:r>
+              <a:rPr lang="en-US" sz="1600" dirty="0" err="1">
+                <a:latin typeface="Lucida Console" panose="020B0609040504020204" pitchFamily="49" charset="0"/>
+              </a:rPr>
+              <a:t>distanceMultiplier</a:t>
+            </a:r>
+            <a:r>
+              <a:rPr lang="en-US" sz="1600" dirty="0">
+                <a:latin typeface="Lucida Console" panose="020B0609040504020204" pitchFamily="49" charset="0"/>
+              </a:rPr>
+              <a:t>": </a:t>
+            </a:r>
+            <a:r>
+              <a:rPr lang="en-US" sz="1600" dirty="0" smtClean="0">
+                <a:latin typeface="Lucida Console" panose="020B0609040504020204" pitchFamily="49" charset="0"/>
+              </a:rPr>
+              <a:t>0.001 // from meter to km</a:t>
+            </a:r>
+            <a:endParaRPr lang="en-US" sz="1600" dirty="0">
+              <a:latin typeface="Lucida Console" panose="020B0609040504020204" pitchFamily="49" charset="0"/>
+            </a:endParaRPr>
+          </a:p>
+          <a:p>
+            <a:r>
+              <a:rPr lang="en-US" sz="1600" dirty="0">
+                <a:latin typeface="Lucida Console" panose="020B0609040504020204" pitchFamily="49" charset="0"/>
+              </a:rPr>
+              <a:t>     }}</a:t>
+            </a:r>
+          </a:p>
+          <a:p>
+            <a:r>
+              <a:rPr lang="en-US" sz="1600" dirty="0">
+                <a:latin typeface="Lucida Console" panose="020B0609040504020204" pitchFamily="49" charset="0"/>
+              </a:rPr>
+              <a:t> , {$sort : {"distanceFromTarget":1}}</a:t>
+            </a:r>
+          </a:p>
+          <a:p>
+            <a:r>
+              <a:rPr lang="en-US" sz="1600" dirty="0">
+                <a:latin typeface="Lucida Console" panose="020B0609040504020204" pitchFamily="49" charset="0"/>
+              </a:rPr>
+              <a:t>,  {$project: {</a:t>
+            </a:r>
+          </a:p>
+          <a:p>
+            <a:r>
+              <a:rPr lang="en-US" sz="1600" dirty="0">
+                <a:latin typeface="Lucida Console" panose="020B0609040504020204" pitchFamily="49" charset="0"/>
+              </a:rPr>
+              <a:t>        _id: 0,</a:t>
+            </a:r>
+          </a:p>
+          <a:p>
+            <a:r>
+              <a:rPr lang="en-US" sz="1600" dirty="0">
+                <a:latin typeface="Lucida Console" panose="020B0609040504020204" pitchFamily="49" charset="0"/>
+              </a:rPr>
+              <a:t>        </a:t>
+            </a:r>
+            <a:r>
+              <a:rPr lang="en-US" sz="1600" dirty="0" err="1">
+                <a:latin typeface="Lucida Console" panose="020B0609040504020204" pitchFamily="49" charset="0"/>
+              </a:rPr>
+              <a:t>dname</a:t>
+            </a:r>
+            <a:r>
+              <a:rPr lang="en-US" sz="1600" dirty="0">
+                <a:latin typeface="Lucida Console" panose="020B0609040504020204" pitchFamily="49" charset="0"/>
+              </a:rPr>
+              <a:t>: 1,</a:t>
+            </a:r>
+          </a:p>
+          <a:p>
+            <a:r>
+              <a:rPr lang="en-US" sz="1600" dirty="0">
+                <a:latin typeface="Lucida Console" panose="020B0609040504020204" pitchFamily="49" charset="0"/>
+              </a:rPr>
+              <a:t>        </a:t>
+            </a:r>
+            <a:r>
+              <a:rPr lang="en-US" sz="1600" dirty="0" err="1">
+                <a:latin typeface="Lucida Console" panose="020B0609040504020204" pitchFamily="49" charset="0"/>
+              </a:rPr>
+              <a:t>loc</a:t>
+            </a:r>
+            <a:r>
+              <a:rPr lang="en-US" sz="1600" dirty="0">
+                <a:latin typeface="Lucida Console" panose="020B0609040504020204" pitchFamily="49" charset="0"/>
+              </a:rPr>
+              <a:t>: 1,</a:t>
+            </a:r>
+          </a:p>
+          <a:p>
+            <a:r>
+              <a:rPr lang="en-US" sz="1600" dirty="0">
+                <a:latin typeface="Lucida Console" panose="020B0609040504020204" pitchFamily="49" charset="0"/>
+              </a:rPr>
+              <a:t>        "distance from Washington DC": </a:t>
+            </a:r>
+            <a:r>
+              <a:rPr lang="en-US" sz="1600" dirty="0" smtClean="0">
+                <a:latin typeface="Lucida Console" panose="020B0609040504020204" pitchFamily="49" charset="0"/>
+              </a:rPr>
+              <a:t/>
+            </a:r>
+            <a:br>
+              <a:rPr lang="en-US" sz="1600" dirty="0" smtClean="0">
+                <a:latin typeface="Lucida Console" panose="020B0609040504020204" pitchFamily="49" charset="0"/>
+              </a:rPr>
+            </a:br>
+            <a:r>
+              <a:rPr lang="en-US" sz="1600" dirty="0" smtClean="0">
+                <a:latin typeface="Lucida Console" panose="020B0609040504020204" pitchFamily="49" charset="0"/>
+              </a:rPr>
+              <a:t>                           { </a:t>
+            </a:r>
+            <a:r>
+              <a:rPr lang="en-US" sz="1600" dirty="0">
+                <a:latin typeface="Lucida Console" panose="020B0609040504020204" pitchFamily="49" charset="0"/>
+              </a:rPr>
+              <a:t>$</a:t>
+            </a:r>
+            <a:r>
+              <a:rPr lang="en-US" sz="1600" dirty="0" err="1">
+                <a:latin typeface="Lucida Console" panose="020B0609040504020204" pitchFamily="49" charset="0"/>
+              </a:rPr>
+              <a:t>trunc</a:t>
+            </a:r>
+            <a:r>
+              <a:rPr lang="en-US" sz="1600" dirty="0">
+                <a:latin typeface="Lucida Console" panose="020B0609040504020204" pitchFamily="49" charset="0"/>
+              </a:rPr>
+              <a:t> : "$</a:t>
+            </a:r>
+            <a:r>
+              <a:rPr lang="en-US" sz="1600" dirty="0" err="1">
+                <a:latin typeface="Lucida Console" panose="020B0609040504020204" pitchFamily="49" charset="0"/>
+              </a:rPr>
+              <a:t>distanceFromTarget</a:t>
+            </a:r>
+            <a:r>
+              <a:rPr lang="en-US" sz="1600" dirty="0">
+                <a:latin typeface="Lucida Console" panose="020B0609040504020204" pitchFamily="49" charset="0"/>
+              </a:rPr>
+              <a:t>"},</a:t>
+            </a:r>
+          </a:p>
+          <a:p>
+            <a:r>
+              <a:rPr lang="en-US" sz="1600" dirty="0">
+                <a:latin typeface="Lucida Console" panose="020B0609040504020204" pitchFamily="49" charset="0"/>
+              </a:rPr>
+              <a:t>    }</a:t>
+            </a:r>
+          </a:p>
+          <a:p>
+            <a:r>
+              <a:rPr lang="en-US" sz="1600" dirty="0">
+                <a:latin typeface="Lucida Console" panose="020B0609040504020204" pitchFamily="49" charset="0"/>
+              </a:rPr>
+              <a:t>   }</a:t>
+            </a:r>
+          </a:p>
+          <a:p>
+            <a:r>
+              <a:rPr lang="en-US" sz="1600" dirty="0">
+                <a:latin typeface="Lucida Console" panose="020B0609040504020204" pitchFamily="49" charset="0"/>
+              </a:rPr>
+              <a:t>])</a:t>
+            </a:r>
+          </a:p>
+        </p:txBody>
+      </p:sp>
+      <p:sp>
+        <p:nvSpPr>
+          <p:cNvPr id="8" name="Rectangle 7"/>
+          <p:cNvSpPr/>
+          <p:nvPr/>
+        </p:nvSpPr>
+        <p:spPr>
+          <a:xfrm>
+            <a:off x="8686800" y="1714500"/>
+            <a:ext cx="7912100" cy="7708900"/>
+          </a:xfrm>
+          <a:prstGeom prst="rect">
+            <a:avLst/>
+          </a:prstGeom>
+          <a:solidFill>
+            <a:schemeClr val="bg1">
+              <a:lumMod val="95000"/>
+            </a:schemeClr>
+          </a:solidFill>
+        </p:spPr>
+        <p:style>
+          <a:lnRef idx="1">
+            <a:schemeClr val="dk1"/>
+          </a:lnRef>
+          <a:fillRef idx="2">
+            <a:schemeClr val="dk1"/>
+          </a:fillRef>
+          <a:effectRef idx="1">
+            <a:schemeClr val="dk1"/>
+          </a:effectRef>
+          <a:fontRef idx="minor">
+            <a:schemeClr val="dk1"/>
+          </a:fontRef>
+        </p:style>
+        <p:txBody>
+          <a:bodyPr rtlCol="0" anchor="ctr"/>
+          <a:lstStyle/>
+          <a:p>
+            <a:pPr algn="ctr"/>
+            <a:endParaRPr lang="en-US"/>
+          </a:p>
+        </p:txBody>
+      </p:sp>
+      <p:sp>
+        <p:nvSpPr>
+          <p:cNvPr id="9" name="TextBox 8"/>
+          <p:cNvSpPr txBox="1"/>
+          <p:nvPr/>
+        </p:nvSpPr>
+        <p:spPr>
+          <a:xfrm>
+            <a:off x="8798166" y="1727200"/>
+            <a:ext cx="7800734" cy="923330"/>
+          </a:xfrm>
+          <a:prstGeom prst="rect">
+            <a:avLst/>
+          </a:prstGeom>
+          <a:noFill/>
+        </p:spPr>
+        <p:txBody>
+          <a:bodyPr wrap="square" rtlCol="0">
+            <a:spAutoFit/>
+          </a:bodyPr>
+          <a:lstStyle/>
+          <a:p>
+            <a:r>
+              <a:rPr lang="nl-NL" sz="1800" dirty="0" smtClean="0">
+                <a:latin typeface="Lucida Console" panose="020B0609040504020204" pitchFamily="49" charset="0"/>
+              </a:rPr>
+              <a:t>-- </a:t>
+            </a:r>
+            <a:r>
+              <a:rPr lang="nl-NL" sz="1800" dirty="0" err="1" smtClean="0">
+                <a:latin typeface="Lucida Console" panose="020B0609040504020204" pitchFamily="49" charset="0"/>
+              </a:rPr>
+              <a:t>Locator</a:t>
+            </a:r>
+            <a:r>
+              <a:rPr lang="nl-NL" sz="1800" dirty="0" smtClean="0">
+                <a:latin typeface="Lucida Console" panose="020B0609040504020204" pitchFamily="49" charset="0"/>
+              </a:rPr>
+              <a:t> </a:t>
+            </a:r>
+          </a:p>
+          <a:p>
+            <a:r>
+              <a:rPr lang="nl-NL" sz="1800" dirty="0">
+                <a:latin typeface="Lucida Console" panose="020B0609040504020204" pitchFamily="49" charset="0"/>
+              </a:rPr>
+              <a:t>(</a:t>
+            </a:r>
+            <a:r>
+              <a:rPr lang="nl-NL" sz="1800" dirty="0">
+                <a:latin typeface="Lucida Console" panose="020B0609040504020204" pitchFamily="49" charset="0"/>
+                <a:hlinkClick r:id="rId2"/>
+              </a:rPr>
+              <a:t>https://</a:t>
+            </a:r>
+            <a:r>
+              <a:rPr lang="nl-NL" sz="1800" dirty="0" smtClean="0">
+                <a:latin typeface="Lucida Console" panose="020B0609040504020204" pitchFamily="49" charset="0"/>
+                <a:hlinkClick r:id="rId2"/>
+              </a:rPr>
+              <a:t>docs.oracle.com/cd/B25329_01/doc/appdev.102/b28004/xe_locator.htm</a:t>
+            </a:r>
+            <a:r>
+              <a:rPr lang="nl-NL" sz="1800" dirty="0" smtClean="0">
+                <a:latin typeface="Lucida Console" panose="020B0609040504020204" pitchFamily="49" charset="0"/>
+              </a:rPr>
+              <a:t> )</a:t>
+            </a:r>
+            <a:endParaRPr lang="en-US" sz="1800" dirty="0">
+              <a:latin typeface="Lucida Console" panose="020B0609040504020204" pitchFamily="49" charset="0"/>
+            </a:endParaRPr>
+          </a:p>
+        </p:txBody>
+      </p:sp>
+    </p:spTree>
+    <p:extLst>
+      <p:ext uri="{BB962C8B-B14F-4D97-AF65-F5344CB8AC3E}">
+        <p14:creationId xmlns:p14="http://schemas.microsoft.com/office/powerpoint/2010/main" val="2459716421"/>
+      </p:ext>
+    </p:extLst>
+  </p:cSld>
+  <p:clrMapOvr>
+    <a:masterClrMapping/>
+  </p:clrMapOvr>
+</p:sld>
+</file>
+
+<file path=ppt/slides/slide29.xml><?xml version="1.0" encoding="utf-8"?>
+<p:sld xmlns:a="http://schemas.openxmlformats.org/drawingml/2006/main" xmlns:r="http://schemas.openxmlformats.org/officeDocument/2006/relationships" xmlns:p="http://schemas.openxmlformats.org/presentationml/2006/main">
+  <p:cSld>
+    <p:spTree>
+      <p:nvGrpSpPr>
+        <p:cNvPr id="1" name=""/>
+        <p:cNvGrpSpPr/>
+        <p:nvPr/>
+      </p:nvGrpSpPr>
+      <p:grpSpPr>
+        <a:xfrm>
+          <a:off x="0" y="0"/>
+          <a:ext cx="0" cy="0"/>
+          <a:chOff x="0" y="0"/>
+          <a:chExt cx="0" cy="0"/>
+        </a:xfrm>
+      </p:grpSpPr>
+      <p:sp>
+        <p:nvSpPr>
+          <p:cNvPr id="2" name="Title 1"/>
+          <p:cNvSpPr>
+            <a:spLocks noGrp="1"/>
+          </p:cNvSpPr>
+          <p:nvPr>
+            <p:ph type="title"/>
+          </p:nvPr>
+        </p:nvSpPr>
+        <p:spPr>
+          <a:xfrm>
+            <a:off x="406400" y="246560"/>
+            <a:ext cx="16725900" cy="1346288"/>
+          </a:xfrm>
+        </p:spPr>
+        <p:txBody>
+          <a:bodyPr/>
+          <a:lstStyle/>
+          <a:p>
+            <a:r>
+              <a:rPr lang="en-US" sz="4000" dirty="0" smtClean="0"/>
+              <a:t>Add biographies to employees (preparing for text index and search) and create text index</a:t>
+            </a:r>
+            <a:endParaRPr lang="en-US" sz="4000" i="1" dirty="0"/>
+          </a:p>
+        </p:txBody>
+      </p:sp>
+      <p:sp>
+        <p:nvSpPr>
+          <p:cNvPr id="6" name="Rectangle 5"/>
+          <p:cNvSpPr/>
+          <p:nvPr/>
+        </p:nvSpPr>
+        <p:spPr>
+          <a:xfrm>
+            <a:off x="406400" y="1714500"/>
+            <a:ext cx="7912100" cy="7708900"/>
+          </a:xfrm>
+          <a:prstGeom prst="rect">
+            <a:avLst/>
+          </a:prstGeom>
+          <a:solidFill>
+            <a:schemeClr val="bg1">
+              <a:lumMod val="95000"/>
+            </a:schemeClr>
+          </a:solidFill>
+        </p:spPr>
+        <p:style>
+          <a:lnRef idx="1">
+            <a:schemeClr val="dk1"/>
+          </a:lnRef>
+          <a:fillRef idx="2">
+            <a:schemeClr val="dk1"/>
+          </a:fillRef>
+          <a:effectRef idx="1">
+            <a:schemeClr val="dk1"/>
+          </a:effectRef>
+          <a:fontRef idx="minor">
+            <a:schemeClr val="dk1"/>
+          </a:fontRef>
+        </p:style>
+        <p:txBody>
+          <a:bodyPr rtlCol="0" anchor="ctr"/>
+          <a:lstStyle/>
+          <a:p>
+            <a:pPr algn="ctr"/>
+            <a:endParaRPr lang="en-US"/>
+          </a:p>
+        </p:txBody>
+      </p:sp>
+      <p:sp>
+        <p:nvSpPr>
+          <p:cNvPr id="7" name="TextBox 6"/>
+          <p:cNvSpPr txBox="1"/>
+          <p:nvPr/>
+        </p:nvSpPr>
+        <p:spPr>
+          <a:xfrm>
+            <a:off x="508000" y="1727200"/>
+            <a:ext cx="7590539" cy="8463855"/>
+          </a:xfrm>
+          <a:prstGeom prst="rect">
+            <a:avLst/>
+          </a:prstGeom>
+          <a:noFill/>
+        </p:spPr>
+        <p:txBody>
+          <a:bodyPr wrap="none" rtlCol="0">
+            <a:spAutoFit/>
+          </a:bodyPr>
+          <a:lstStyle/>
+          <a:p>
+            <a:r>
+              <a:rPr lang="en-US" sz="1600" dirty="0" err="1">
+                <a:latin typeface="Lucida Console" panose="020B0609040504020204" pitchFamily="49" charset="0"/>
+              </a:rPr>
+              <a:t>db.emp.findAndModify</a:t>
+            </a:r>
+            <a:r>
+              <a:rPr lang="en-US" sz="1600" dirty="0">
+                <a:latin typeface="Lucida Console" panose="020B0609040504020204" pitchFamily="49" charset="0"/>
+              </a:rPr>
+              <a:t>({</a:t>
+            </a:r>
+          </a:p>
+          <a:p>
+            <a:r>
+              <a:rPr lang="en-US" sz="1600" dirty="0">
+                <a:latin typeface="Lucida Console" panose="020B0609040504020204" pitchFamily="49" charset="0"/>
+              </a:rPr>
+              <a:t>    query: { ENAME: "KING" },</a:t>
+            </a:r>
+          </a:p>
+          <a:p>
+            <a:r>
+              <a:rPr lang="en-US" sz="1600" dirty="0">
+                <a:latin typeface="Lucida Console" panose="020B0609040504020204" pitchFamily="49" charset="0"/>
+              </a:rPr>
+              <a:t>    update: { $set: { "bio" : "Gerald Ford was born </a:t>
+            </a:r>
+            <a:r>
+              <a:rPr lang="en-US" sz="1600" dirty="0" smtClean="0">
+                <a:latin typeface="Lucida Console" panose="020B0609040504020204" pitchFamily="49" charset="0"/>
+              </a:rPr>
+              <a:t>...." </a:t>
+            </a:r>
+            <a:r>
+              <a:rPr lang="en-US" sz="1600" dirty="0">
+                <a:latin typeface="Lucida Console" panose="020B0609040504020204" pitchFamily="49" charset="0"/>
+              </a:rPr>
+              <a:t>}</a:t>
+            </a:r>
+          </a:p>
+          <a:p>
+            <a:r>
+              <a:rPr lang="en-US" sz="1600" dirty="0">
+                <a:latin typeface="Lucida Console" panose="020B0609040504020204" pitchFamily="49" charset="0"/>
+              </a:rPr>
+              <a:t>            },</a:t>
+            </a:r>
+          </a:p>
+          <a:p>
+            <a:r>
+              <a:rPr lang="en-US" sz="1600" dirty="0">
+                <a:latin typeface="Lucida Console" panose="020B0609040504020204" pitchFamily="49" charset="0"/>
+              </a:rPr>
+              <a:t>    </a:t>
+            </a:r>
+            <a:r>
+              <a:rPr lang="en-US" sz="1600" dirty="0" err="1">
+                <a:latin typeface="Lucida Console" panose="020B0609040504020204" pitchFamily="49" charset="0"/>
+              </a:rPr>
+              <a:t>upsert</a:t>
+            </a:r>
+            <a:r>
+              <a:rPr lang="en-US" sz="1600" dirty="0">
+                <a:latin typeface="Lucida Console" panose="020B0609040504020204" pitchFamily="49" charset="0"/>
+              </a:rPr>
+              <a:t>: true</a:t>
+            </a:r>
+          </a:p>
+          <a:p>
+            <a:r>
+              <a:rPr lang="en-US" sz="1600" dirty="0" smtClean="0">
+                <a:latin typeface="Lucida Console" panose="020B0609040504020204" pitchFamily="49" charset="0"/>
+              </a:rPr>
+              <a:t>})</a:t>
+            </a:r>
+          </a:p>
+          <a:p>
+            <a:r>
+              <a:rPr lang="en-US" sz="1600" dirty="0" err="1">
+                <a:latin typeface="Lucida Console" panose="020B0609040504020204" pitchFamily="49" charset="0"/>
+              </a:rPr>
+              <a:t>db.emp.findAndModify</a:t>
+            </a:r>
+            <a:r>
+              <a:rPr lang="en-US" sz="1600" dirty="0">
+                <a:latin typeface="Lucida Console" panose="020B0609040504020204" pitchFamily="49" charset="0"/>
+              </a:rPr>
+              <a:t>({</a:t>
+            </a:r>
+          </a:p>
+          <a:p>
+            <a:r>
+              <a:rPr lang="en-US" sz="1600" dirty="0">
+                <a:latin typeface="Lucida Console" panose="020B0609040504020204" pitchFamily="49" charset="0"/>
+              </a:rPr>
+              <a:t>    query: { ENAME: "BLAKE" },</a:t>
+            </a:r>
+          </a:p>
+          <a:p>
+            <a:r>
+              <a:rPr lang="en-US" sz="1600" dirty="0">
+                <a:latin typeface="Lucida Console" panose="020B0609040504020204" pitchFamily="49" charset="0"/>
+              </a:rPr>
+              <a:t>    update: { $set: { "bio" : "Jamaican sprinter Yohan </a:t>
+            </a:r>
+            <a:r>
+              <a:rPr lang="en-US" sz="1600" dirty="0" smtClean="0">
+                <a:latin typeface="Lucida Console" panose="020B0609040504020204" pitchFamily="49" charset="0"/>
+              </a:rPr>
+              <a:t>Blake</a:t>
+            </a:r>
+            <a:br>
+              <a:rPr lang="en-US" sz="1600" dirty="0" smtClean="0">
+                <a:latin typeface="Lucida Console" panose="020B0609040504020204" pitchFamily="49" charset="0"/>
+              </a:rPr>
+            </a:br>
+            <a:r>
+              <a:rPr lang="en-US" sz="1600" dirty="0" smtClean="0">
+                <a:latin typeface="Lucida Console" panose="020B0609040504020204" pitchFamily="49" charset="0"/>
+              </a:rPr>
+              <a:t>                               ..." </a:t>
+            </a:r>
+            <a:r>
+              <a:rPr lang="en-US" sz="1600" dirty="0">
+                <a:latin typeface="Lucida Console" panose="020B0609040504020204" pitchFamily="49" charset="0"/>
+              </a:rPr>
+              <a:t>}</a:t>
+            </a:r>
+          </a:p>
+          <a:p>
+            <a:r>
+              <a:rPr lang="en-US" sz="1600" dirty="0">
+                <a:latin typeface="Lucida Console" panose="020B0609040504020204" pitchFamily="49" charset="0"/>
+              </a:rPr>
+              <a:t>            },</a:t>
+            </a:r>
+          </a:p>
+          <a:p>
+            <a:r>
+              <a:rPr lang="en-US" sz="1600" dirty="0">
+                <a:latin typeface="Lucida Console" panose="020B0609040504020204" pitchFamily="49" charset="0"/>
+              </a:rPr>
+              <a:t>    </a:t>
+            </a:r>
+            <a:r>
+              <a:rPr lang="en-US" sz="1600" dirty="0" err="1">
+                <a:latin typeface="Lucida Console" panose="020B0609040504020204" pitchFamily="49" charset="0"/>
+              </a:rPr>
+              <a:t>upsert</a:t>
+            </a:r>
+            <a:r>
+              <a:rPr lang="en-US" sz="1600" dirty="0">
+                <a:latin typeface="Lucida Console" panose="020B0609040504020204" pitchFamily="49" charset="0"/>
+              </a:rPr>
+              <a:t>: true</a:t>
+            </a:r>
+          </a:p>
+          <a:p>
+            <a:r>
+              <a:rPr lang="en-US" sz="1600" dirty="0" smtClean="0">
+                <a:latin typeface="Lucida Console" panose="020B0609040504020204" pitchFamily="49" charset="0"/>
+              </a:rPr>
+              <a:t>})</a:t>
+            </a:r>
+          </a:p>
+          <a:p>
+            <a:r>
+              <a:rPr lang="en-US" sz="1600" dirty="0" err="1">
+                <a:latin typeface="Lucida Console" panose="020B0609040504020204" pitchFamily="49" charset="0"/>
+              </a:rPr>
+              <a:t>db.emp.findAndModify</a:t>
+            </a:r>
+            <a:r>
+              <a:rPr lang="en-US" sz="1600" dirty="0">
+                <a:latin typeface="Lucida Console" panose="020B0609040504020204" pitchFamily="49" charset="0"/>
+              </a:rPr>
+              <a:t>({</a:t>
+            </a:r>
+          </a:p>
+          <a:p>
+            <a:r>
+              <a:rPr lang="en-US" sz="1600" dirty="0">
+                <a:latin typeface="Lucida Console" panose="020B0609040504020204" pitchFamily="49" charset="0"/>
+              </a:rPr>
+              <a:t>    query: { ENAME: "FORD" },</a:t>
+            </a:r>
+          </a:p>
+          <a:p>
+            <a:r>
+              <a:rPr lang="en-US" sz="1600" dirty="0">
+                <a:latin typeface="Lucida Console" panose="020B0609040504020204" pitchFamily="49" charset="0"/>
+              </a:rPr>
+              <a:t>    update: { $set: { "bio" : "Harrison Ford is one of </a:t>
+            </a:r>
+            <a:r>
+              <a:rPr lang="en-US" sz="1600" dirty="0" smtClean="0">
+                <a:latin typeface="Lucida Console" panose="020B0609040504020204" pitchFamily="49" charset="0"/>
+              </a:rPr>
+              <a:t/>
+            </a:r>
+            <a:br>
+              <a:rPr lang="en-US" sz="1600" dirty="0" smtClean="0">
+                <a:latin typeface="Lucida Console" panose="020B0609040504020204" pitchFamily="49" charset="0"/>
+              </a:rPr>
+            </a:br>
+            <a:r>
+              <a:rPr lang="en-US" sz="1600" dirty="0" smtClean="0">
+                <a:latin typeface="Lucida Console" panose="020B0609040504020204" pitchFamily="49" charset="0"/>
+              </a:rPr>
+              <a:t>                                             ...Han </a:t>
+            </a:r>
+            <a:r>
+              <a:rPr lang="en-US" sz="1600" dirty="0">
+                <a:latin typeface="Lucida Console" panose="020B0609040504020204" pitchFamily="49" charset="0"/>
+              </a:rPr>
+              <a:t>Solo." }</a:t>
+            </a:r>
+          </a:p>
+          <a:p>
+            <a:r>
+              <a:rPr lang="en-US" sz="1600" dirty="0">
+                <a:latin typeface="Lucida Console" panose="020B0609040504020204" pitchFamily="49" charset="0"/>
+              </a:rPr>
+              <a:t>            },</a:t>
+            </a:r>
+          </a:p>
+          <a:p>
+            <a:r>
+              <a:rPr lang="en-US" sz="1600" dirty="0">
+                <a:latin typeface="Lucida Console" panose="020B0609040504020204" pitchFamily="49" charset="0"/>
+              </a:rPr>
+              <a:t>    </a:t>
+            </a:r>
+            <a:r>
+              <a:rPr lang="en-US" sz="1600" dirty="0" err="1">
+                <a:latin typeface="Lucida Console" panose="020B0609040504020204" pitchFamily="49" charset="0"/>
+              </a:rPr>
+              <a:t>upsert</a:t>
+            </a:r>
+            <a:r>
+              <a:rPr lang="en-US" sz="1600" dirty="0">
+                <a:latin typeface="Lucida Console" panose="020B0609040504020204" pitchFamily="49" charset="0"/>
+              </a:rPr>
+              <a:t>: true</a:t>
+            </a:r>
+          </a:p>
+          <a:p>
+            <a:r>
+              <a:rPr lang="en-US" sz="1600" dirty="0" smtClean="0">
+                <a:latin typeface="Lucida Console" panose="020B0609040504020204" pitchFamily="49" charset="0"/>
+              </a:rPr>
+              <a:t>})</a:t>
+            </a:r>
+          </a:p>
+          <a:p>
+            <a:endParaRPr lang="nl-NL" sz="1600" dirty="0" smtClean="0">
+              <a:latin typeface="Lucida Console" panose="020B0609040504020204" pitchFamily="49" charset="0"/>
+            </a:endParaRPr>
+          </a:p>
+          <a:p>
+            <a:r>
+              <a:rPr lang="nl-NL" sz="1600" dirty="0" smtClean="0">
+                <a:latin typeface="Lucida Console" panose="020B0609040504020204" pitchFamily="49" charset="0"/>
+              </a:rPr>
+              <a:t>-- </a:t>
+            </a:r>
+            <a:r>
+              <a:rPr lang="nl-NL" sz="1600" dirty="0" err="1" smtClean="0">
+                <a:latin typeface="Lucida Console" panose="020B0609040504020204" pitchFamily="49" charset="0"/>
+              </a:rPr>
+              <a:t>create</a:t>
+            </a:r>
+            <a:r>
+              <a:rPr lang="nl-NL" sz="1600" dirty="0" smtClean="0">
+                <a:latin typeface="Lucida Console" panose="020B0609040504020204" pitchFamily="49" charset="0"/>
+              </a:rPr>
+              <a:t> </a:t>
+            </a:r>
+            <a:r>
+              <a:rPr lang="nl-NL" sz="1600" dirty="0" err="1" smtClean="0">
+                <a:latin typeface="Lucida Console" panose="020B0609040504020204" pitchFamily="49" charset="0"/>
+              </a:rPr>
+              <a:t>text</a:t>
+            </a:r>
+            <a:r>
+              <a:rPr lang="nl-NL" sz="1600" dirty="0" smtClean="0">
+                <a:latin typeface="Lucida Console" panose="020B0609040504020204" pitchFamily="49" charset="0"/>
+              </a:rPr>
+              <a:t> index, </a:t>
+            </a:r>
+            <a:r>
+              <a:rPr lang="nl-NL" sz="1600" dirty="0" err="1" smtClean="0">
+                <a:latin typeface="Lucida Console" panose="020B0609040504020204" pitchFamily="49" charset="0"/>
+              </a:rPr>
+              <a:t>allowing</a:t>
+            </a:r>
+            <a:r>
+              <a:rPr lang="nl-NL" sz="1600" dirty="0" smtClean="0">
+                <a:latin typeface="Lucida Console" panose="020B0609040504020204" pitchFamily="49" charset="0"/>
+              </a:rPr>
+              <a:t> </a:t>
+            </a:r>
+            <a:r>
+              <a:rPr lang="nl-NL" sz="1600" dirty="0" err="1" smtClean="0">
+                <a:latin typeface="Lucida Console" panose="020B0609040504020204" pitchFamily="49" charset="0"/>
+              </a:rPr>
+              <a:t>use</a:t>
+            </a:r>
+            <a:r>
+              <a:rPr lang="nl-NL" sz="1600" dirty="0" smtClean="0">
+                <a:latin typeface="Lucida Console" panose="020B0609040504020204" pitchFamily="49" charset="0"/>
+              </a:rPr>
+              <a:t> of </a:t>
+            </a:r>
+            <a:r>
+              <a:rPr lang="nl-NL" sz="1600" dirty="0" err="1" smtClean="0">
+                <a:latin typeface="Lucida Console" panose="020B0609040504020204" pitchFamily="49" charset="0"/>
+              </a:rPr>
+              <a:t>text</a:t>
+            </a:r>
+            <a:r>
+              <a:rPr lang="nl-NL" sz="1600" dirty="0" smtClean="0">
+                <a:latin typeface="Lucida Console" panose="020B0609040504020204" pitchFamily="49" charset="0"/>
+              </a:rPr>
+              <a:t> search</a:t>
+            </a:r>
+            <a:endParaRPr lang="nl-NL" sz="1600" dirty="0">
+              <a:latin typeface="Lucida Console" panose="020B0609040504020204" pitchFamily="49" charset="0"/>
+            </a:endParaRPr>
+          </a:p>
+          <a:p>
+            <a:r>
+              <a:rPr lang="en-US" sz="1600" dirty="0" err="1">
+                <a:latin typeface="Lucida Console" panose="020B0609040504020204" pitchFamily="49" charset="0"/>
+              </a:rPr>
+              <a:t>db.emp.createIndex</a:t>
+            </a:r>
+            <a:r>
+              <a:rPr lang="en-US" sz="1600" dirty="0">
+                <a:latin typeface="Lucida Console" panose="020B0609040504020204" pitchFamily="49" charset="0"/>
+              </a:rPr>
+              <a:t>(</a:t>
+            </a:r>
+          </a:p>
+          <a:p>
+            <a:r>
+              <a:rPr lang="en-US" sz="1600" dirty="0">
+                <a:latin typeface="Lucida Console" panose="020B0609040504020204" pitchFamily="49" charset="0"/>
+              </a:rPr>
+              <a:t>{ </a:t>
+            </a:r>
+            <a:r>
+              <a:rPr lang="en-US" sz="1600" dirty="0" err="1">
+                <a:latin typeface="Lucida Console" panose="020B0609040504020204" pitchFamily="49" charset="0"/>
+              </a:rPr>
+              <a:t>ENAME:'text</a:t>
+            </a:r>
+            <a:r>
+              <a:rPr lang="en-US" sz="1600" dirty="0">
+                <a:latin typeface="Lucida Console" panose="020B0609040504020204" pitchFamily="49" charset="0"/>
+              </a:rPr>
+              <a:t>', </a:t>
+            </a:r>
+          </a:p>
+          <a:p>
+            <a:r>
+              <a:rPr lang="en-US" sz="1600" dirty="0">
+                <a:latin typeface="Lucida Console" panose="020B0609040504020204" pitchFamily="49" charset="0"/>
+              </a:rPr>
+              <a:t>  </a:t>
+            </a:r>
+            <a:r>
+              <a:rPr lang="en-US" sz="1600" dirty="0" err="1">
+                <a:latin typeface="Lucida Console" panose="020B0609040504020204" pitchFamily="49" charset="0"/>
+              </a:rPr>
+              <a:t>JOB:'text</a:t>
+            </a:r>
+            <a:r>
+              <a:rPr lang="en-US" sz="1600" dirty="0">
+                <a:latin typeface="Lucida Console" panose="020B0609040504020204" pitchFamily="49" charset="0"/>
+              </a:rPr>
+              <a:t>',</a:t>
+            </a:r>
+          </a:p>
+          <a:p>
+            <a:r>
+              <a:rPr lang="en-US" sz="1600" dirty="0">
+                <a:latin typeface="Lucida Console" panose="020B0609040504020204" pitchFamily="49" charset="0"/>
+              </a:rPr>
+              <a:t>  </a:t>
+            </a:r>
+            <a:r>
+              <a:rPr lang="en-US" sz="1600" dirty="0" err="1">
+                <a:latin typeface="Lucida Console" panose="020B0609040504020204" pitchFamily="49" charset="0"/>
+              </a:rPr>
+              <a:t>BIO:'text</a:t>
+            </a:r>
+            <a:r>
+              <a:rPr lang="en-US" sz="1600" dirty="0">
+                <a:latin typeface="Lucida Console" panose="020B0609040504020204" pitchFamily="49" charset="0"/>
+              </a:rPr>
+              <a:t>',</a:t>
+            </a:r>
+          </a:p>
+          <a:p>
+            <a:r>
+              <a:rPr lang="en-US" sz="1600" dirty="0">
+                <a:latin typeface="Lucida Console" panose="020B0609040504020204" pitchFamily="49" charset="0"/>
+              </a:rPr>
+              <a:t>}</a:t>
+            </a:r>
+          </a:p>
+          <a:p>
+            <a:r>
+              <a:rPr lang="en-US" sz="1600" dirty="0">
+                <a:latin typeface="Lucida Console" panose="020B0609040504020204" pitchFamily="49" charset="0"/>
+              </a:rPr>
+              <a:t>,{  weights: { ENAME:10, JOB:5, bio:1}</a:t>
+            </a:r>
+          </a:p>
+          <a:p>
+            <a:r>
+              <a:rPr lang="en-US" sz="1600" dirty="0">
+                <a:latin typeface="Lucida Console" panose="020B0609040504020204" pitchFamily="49" charset="0"/>
+              </a:rPr>
+              <a:t>  , name: '</a:t>
+            </a:r>
+            <a:r>
+              <a:rPr lang="en-US" sz="1600" dirty="0" err="1">
+                <a:latin typeface="Lucida Console" panose="020B0609040504020204" pitchFamily="49" charset="0"/>
+              </a:rPr>
+              <a:t>employee_text_index</a:t>
+            </a:r>
+            <a:r>
+              <a:rPr lang="en-US" sz="1600" dirty="0">
+                <a:latin typeface="Lucida Console" panose="020B0609040504020204" pitchFamily="49" charset="0"/>
+              </a:rPr>
+              <a:t>'  </a:t>
+            </a:r>
+          </a:p>
+          <a:p>
+            <a:r>
+              <a:rPr lang="en-US" sz="1600" dirty="0">
+                <a:latin typeface="Lucida Console" panose="020B0609040504020204" pitchFamily="49" charset="0"/>
+              </a:rPr>
+              <a:t>}</a:t>
+            </a:r>
+          </a:p>
+          <a:p>
+            <a:r>
+              <a:rPr lang="en-US" sz="1600" dirty="0">
+                <a:latin typeface="Lucida Console" panose="020B0609040504020204" pitchFamily="49" charset="0"/>
+              </a:rPr>
+              <a:t>)</a:t>
+            </a:r>
+          </a:p>
+          <a:p>
+            <a:endParaRPr lang="en-US" sz="1600" dirty="0">
+              <a:latin typeface="Lucida Console" panose="020B0609040504020204" pitchFamily="49" charset="0"/>
+            </a:endParaRPr>
+          </a:p>
+          <a:p>
+            <a:endParaRPr lang="en-US" sz="1600" dirty="0">
+              <a:latin typeface="Lucida Console" panose="020B0609040504020204" pitchFamily="49" charset="0"/>
+            </a:endParaRPr>
+          </a:p>
+          <a:p>
+            <a:endParaRPr lang="en-US" sz="1600" dirty="0">
+              <a:latin typeface="Lucida Console" panose="020B0609040504020204" pitchFamily="49" charset="0"/>
+            </a:endParaRPr>
+          </a:p>
+        </p:txBody>
+      </p:sp>
+      <p:sp>
+        <p:nvSpPr>
+          <p:cNvPr id="8" name="Rectangle 7"/>
+          <p:cNvSpPr/>
+          <p:nvPr/>
+        </p:nvSpPr>
+        <p:spPr>
+          <a:xfrm>
+            <a:off x="8686800" y="1714500"/>
+            <a:ext cx="7912100" cy="7708900"/>
+          </a:xfrm>
+          <a:prstGeom prst="rect">
+            <a:avLst/>
+          </a:prstGeom>
+          <a:solidFill>
+            <a:schemeClr val="bg1">
+              <a:lumMod val="95000"/>
+            </a:schemeClr>
+          </a:solidFill>
+        </p:spPr>
+        <p:style>
+          <a:lnRef idx="1">
+            <a:schemeClr val="dk1"/>
+          </a:lnRef>
+          <a:fillRef idx="2">
+            <a:schemeClr val="dk1"/>
+          </a:fillRef>
+          <a:effectRef idx="1">
+            <a:schemeClr val="dk1"/>
+          </a:effectRef>
+          <a:fontRef idx="minor">
+            <a:schemeClr val="dk1"/>
+          </a:fontRef>
+        </p:style>
+        <p:txBody>
+          <a:bodyPr rtlCol="0" anchor="ctr"/>
+          <a:lstStyle/>
+          <a:p>
+            <a:pPr algn="ctr"/>
+            <a:endParaRPr lang="en-US"/>
+          </a:p>
+        </p:txBody>
+      </p:sp>
+      <p:sp>
+        <p:nvSpPr>
+          <p:cNvPr id="9" name="TextBox 8"/>
+          <p:cNvSpPr txBox="1"/>
+          <p:nvPr/>
+        </p:nvSpPr>
+        <p:spPr>
+          <a:xfrm>
+            <a:off x="8798166" y="1727200"/>
+            <a:ext cx="7800734" cy="369332"/>
+          </a:xfrm>
+          <a:prstGeom prst="rect">
+            <a:avLst/>
+          </a:prstGeom>
+          <a:noFill/>
+        </p:spPr>
+        <p:txBody>
+          <a:bodyPr wrap="square" rtlCol="0">
+            <a:spAutoFit/>
+          </a:bodyPr>
+          <a:lstStyle/>
+          <a:p>
+            <a:r>
+              <a:rPr lang="nl-NL" sz="1800" dirty="0" smtClean="0">
+                <a:latin typeface="Lucida Console" panose="020B0609040504020204" pitchFamily="49" charset="0"/>
+              </a:rPr>
+              <a:t>-- TEXT </a:t>
+            </a:r>
+            <a:endParaRPr lang="en-US" sz="1800" dirty="0">
+              <a:latin typeface="Lucida Console" panose="020B0609040504020204" pitchFamily="49" charset="0"/>
+            </a:endParaRPr>
+          </a:p>
+        </p:txBody>
+      </p:sp>
+    </p:spTree>
+    <p:extLst>
+      <p:ext uri="{BB962C8B-B14F-4D97-AF65-F5344CB8AC3E}">
+        <p14:creationId xmlns:p14="http://schemas.microsoft.com/office/powerpoint/2010/main" val="614353763"/>
+      </p:ext>
+    </p:extLst>
+  </p:cSld>
+  <p:clrMapOvr>
+    <a:masterClrMapping/>
+  </p:clrMapOvr>
+</p:sld>
+</file>
+
 <file path=ppt/slides/slide3.xml><?xml version="1.0" encoding="utf-8"?>
 <p:sld xmlns:a="http://schemas.openxmlformats.org/drawingml/2006/main" xmlns:r="http://schemas.openxmlformats.org/officeDocument/2006/relationships" xmlns:p="http://schemas.openxmlformats.org/presentationml/2006/main">
   <p:cSld>
@@ -30873,6 +35772,685 @@
     <p:extLst>
       <p:ext uri="{BB962C8B-B14F-4D97-AF65-F5344CB8AC3E}">
         <p14:creationId xmlns:p14="http://schemas.microsoft.com/office/powerpoint/2010/main" val="2142037753"/>
+      </p:ext>
+    </p:extLst>
+  </p:cSld>
+  <p:clrMapOvr>
+    <a:masterClrMapping/>
+  </p:clrMapOvr>
+</p:sld>
+</file>
+
+<file path=ppt/slides/slide30.xml><?xml version="1.0" encoding="utf-8"?>
+<p:sld xmlns:a="http://schemas.openxmlformats.org/drawingml/2006/main" xmlns:r="http://schemas.openxmlformats.org/officeDocument/2006/relationships" xmlns:p="http://schemas.openxmlformats.org/presentationml/2006/main">
+  <p:cSld>
+    <p:spTree>
+      <p:nvGrpSpPr>
+        <p:cNvPr id="1" name=""/>
+        <p:cNvGrpSpPr/>
+        <p:nvPr/>
+      </p:nvGrpSpPr>
+      <p:grpSpPr>
+        <a:xfrm>
+          <a:off x="0" y="0"/>
+          <a:ext cx="0" cy="0"/>
+          <a:chOff x="0" y="0"/>
+          <a:chExt cx="0" cy="0"/>
+        </a:xfrm>
+      </p:grpSpPr>
+      <p:sp>
+        <p:nvSpPr>
+          <p:cNvPr id="2" name="Title 1"/>
+          <p:cNvSpPr>
+            <a:spLocks noGrp="1"/>
+          </p:cNvSpPr>
+          <p:nvPr>
+            <p:ph type="title"/>
+          </p:nvPr>
+        </p:nvSpPr>
+        <p:spPr>
+          <a:xfrm>
+            <a:off x="406400" y="246560"/>
+            <a:ext cx="16725900" cy="1346288"/>
+          </a:xfrm>
+        </p:spPr>
+        <p:txBody>
+          <a:bodyPr/>
+          <a:lstStyle/>
+          <a:p>
+            <a:r>
+              <a:rPr lang="en-US" sz="4000" dirty="0"/>
+              <a:t>which employees are found when looking for someone to lead? </a:t>
+            </a:r>
+            <a:endParaRPr lang="en-US" sz="4000" i="1" dirty="0"/>
+          </a:p>
+        </p:txBody>
+      </p:sp>
+      <p:sp>
+        <p:nvSpPr>
+          <p:cNvPr id="6" name="Rectangle 5"/>
+          <p:cNvSpPr/>
+          <p:nvPr/>
+        </p:nvSpPr>
+        <p:spPr>
+          <a:xfrm>
+            <a:off x="406400" y="1714500"/>
+            <a:ext cx="7912100" cy="7708900"/>
+          </a:xfrm>
+          <a:prstGeom prst="rect">
+            <a:avLst/>
+          </a:prstGeom>
+          <a:solidFill>
+            <a:schemeClr val="bg1">
+              <a:lumMod val="95000"/>
+            </a:schemeClr>
+          </a:solidFill>
+        </p:spPr>
+        <p:style>
+          <a:lnRef idx="1">
+            <a:schemeClr val="dk1"/>
+          </a:lnRef>
+          <a:fillRef idx="2">
+            <a:schemeClr val="dk1"/>
+          </a:fillRef>
+          <a:effectRef idx="1">
+            <a:schemeClr val="dk1"/>
+          </a:effectRef>
+          <a:fontRef idx="minor">
+            <a:schemeClr val="dk1"/>
+          </a:fontRef>
+        </p:style>
+        <p:txBody>
+          <a:bodyPr rtlCol="0" anchor="ctr"/>
+          <a:lstStyle/>
+          <a:p>
+            <a:pPr algn="ctr"/>
+            <a:endParaRPr lang="en-US"/>
+          </a:p>
+        </p:txBody>
+      </p:sp>
+      <p:sp>
+        <p:nvSpPr>
+          <p:cNvPr id="7" name="TextBox 6"/>
+          <p:cNvSpPr txBox="1"/>
+          <p:nvPr/>
+        </p:nvSpPr>
+        <p:spPr>
+          <a:xfrm>
+            <a:off x="508000" y="1727200"/>
+            <a:ext cx="3810659" cy="1754326"/>
+          </a:xfrm>
+          <a:prstGeom prst="rect">
+            <a:avLst/>
+          </a:prstGeom>
+          <a:noFill/>
+        </p:spPr>
+        <p:txBody>
+          <a:bodyPr wrap="none" rtlCol="0">
+            <a:spAutoFit/>
+          </a:bodyPr>
+          <a:lstStyle/>
+          <a:p>
+            <a:r>
+              <a:rPr lang="en-US" sz="1800" dirty="0" err="1">
+                <a:latin typeface="Lucida Console" panose="020B0609040504020204" pitchFamily="49" charset="0"/>
+              </a:rPr>
+              <a:t>db.emp.find</a:t>
+            </a:r>
+            <a:r>
+              <a:rPr lang="en-US" sz="1800" dirty="0" smtClean="0">
+                <a:latin typeface="Lucida Console" panose="020B0609040504020204" pitchFamily="49" charset="0"/>
+              </a:rPr>
+              <a:t>(</a:t>
+            </a:r>
+            <a:br>
+              <a:rPr lang="en-US" sz="1800" dirty="0" smtClean="0">
+                <a:latin typeface="Lucida Console" panose="020B0609040504020204" pitchFamily="49" charset="0"/>
+              </a:rPr>
+            </a:br>
+            <a:r>
+              <a:rPr lang="en-US" sz="1800" dirty="0" smtClean="0">
+                <a:latin typeface="Lucida Console" panose="020B0609040504020204" pitchFamily="49" charset="0"/>
+              </a:rPr>
+              <a:t>{$</a:t>
+            </a:r>
+            <a:r>
+              <a:rPr lang="en-US" sz="1800" dirty="0">
+                <a:latin typeface="Lucida Console" panose="020B0609040504020204" pitchFamily="49" charset="0"/>
+              </a:rPr>
+              <a:t>text: {$search: 'lead</a:t>
+            </a:r>
+            <a:r>
+              <a:rPr lang="en-US" sz="1800" dirty="0" smtClean="0">
+                <a:latin typeface="Lucida Console" panose="020B0609040504020204" pitchFamily="49" charset="0"/>
+              </a:rPr>
+              <a:t>'}}</a:t>
+            </a:r>
+            <a:br>
+              <a:rPr lang="en-US" sz="1800" dirty="0" smtClean="0">
+                <a:latin typeface="Lucida Console" panose="020B0609040504020204" pitchFamily="49" charset="0"/>
+              </a:rPr>
+            </a:br>
+            <a:r>
+              <a:rPr lang="en-US" sz="1800" dirty="0" smtClean="0">
+                <a:latin typeface="Lucida Console" panose="020B0609040504020204" pitchFamily="49" charset="0"/>
+              </a:rPr>
+              <a:t>,{</a:t>
+            </a:r>
+            <a:r>
+              <a:rPr lang="en-US" sz="1800" dirty="0">
+                <a:latin typeface="Lucida Console" panose="020B0609040504020204" pitchFamily="49" charset="0"/>
+              </a:rPr>
+              <a:t>ENAME:1</a:t>
+            </a:r>
+            <a:r>
+              <a:rPr lang="en-US" sz="1800" dirty="0" smtClean="0">
+                <a:latin typeface="Lucida Console" panose="020B0609040504020204" pitchFamily="49" charset="0"/>
+              </a:rPr>
+              <a:t>}</a:t>
+            </a:r>
+          </a:p>
+          <a:p>
+            <a:r>
+              <a:rPr lang="en-US" sz="1800" dirty="0" smtClean="0">
+                <a:latin typeface="Lucida Console" panose="020B0609040504020204" pitchFamily="49" charset="0"/>
+              </a:rPr>
+              <a:t>)</a:t>
+            </a:r>
+          </a:p>
+          <a:p>
+            <a:endParaRPr lang="nl-NL" sz="1800" dirty="0" smtClean="0">
+              <a:latin typeface="Lucida Console" panose="020B0609040504020204" pitchFamily="49" charset="0"/>
+            </a:endParaRPr>
+          </a:p>
+          <a:p>
+            <a:endParaRPr lang="en-US" sz="1800" dirty="0">
+              <a:latin typeface="Lucida Console" panose="020B0609040504020204" pitchFamily="49" charset="0"/>
+            </a:endParaRPr>
+          </a:p>
+        </p:txBody>
+      </p:sp>
+      <p:sp>
+        <p:nvSpPr>
+          <p:cNvPr id="8" name="Rectangle 7"/>
+          <p:cNvSpPr/>
+          <p:nvPr/>
+        </p:nvSpPr>
+        <p:spPr>
+          <a:xfrm>
+            <a:off x="8686800" y="1714500"/>
+            <a:ext cx="7912100" cy="7708900"/>
+          </a:xfrm>
+          <a:prstGeom prst="rect">
+            <a:avLst/>
+          </a:prstGeom>
+          <a:solidFill>
+            <a:schemeClr val="bg1">
+              <a:lumMod val="95000"/>
+            </a:schemeClr>
+          </a:solidFill>
+        </p:spPr>
+        <p:style>
+          <a:lnRef idx="1">
+            <a:schemeClr val="dk1"/>
+          </a:lnRef>
+          <a:fillRef idx="2">
+            <a:schemeClr val="dk1"/>
+          </a:fillRef>
+          <a:effectRef idx="1">
+            <a:schemeClr val="dk1"/>
+          </a:effectRef>
+          <a:fontRef idx="minor">
+            <a:schemeClr val="dk1"/>
+          </a:fontRef>
+        </p:style>
+        <p:txBody>
+          <a:bodyPr rtlCol="0" anchor="ctr"/>
+          <a:lstStyle/>
+          <a:p>
+            <a:pPr algn="ctr"/>
+            <a:endParaRPr lang="en-US"/>
+          </a:p>
+        </p:txBody>
+      </p:sp>
+      <p:sp>
+        <p:nvSpPr>
+          <p:cNvPr id="9" name="TextBox 8"/>
+          <p:cNvSpPr txBox="1"/>
+          <p:nvPr/>
+        </p:nvSpPr>
+        <p:spPr>
+          <a:xfrm>
+            <a:off x="8798166" y="1727200"/>
+            <a:ext cx="7800734" cy="369332"/>
+          </a:xfrm>
+          <a:prstGeom prst="rect">
+            <a:avLst/>
+          </a:prstGeom>
+          <a:noFill/>
+        </p:spPr>
+        <p:txBody>
+          <a:bodyPr wrap="square" rtlCol="0">
+            <a:spAutoFit/>
+          </a:bodyPr>
+          <a:lstStyle/>
+          <a:p>
+            <a:r>
+              <a:rPr lang="nl-NL" sz="1800" dirty="0" smtClean="0">
+                <a:latin typeface="Lucida Console" panose="020B0609040504020204" pitchFamily="49" charset="0"/>
+              </a:rPr>
+              <a:t>-- TEXT </a:t>
+            </a:r>
+            <a:endParaRPr lang="en-US" sz="1800" dirty="0">
+              <a:latin typeface="Lucida Console" panose="020B0609040504020204" pitchFamily="49" charset="0"/>
+            </a:endParaRPr>
+          </a:p>
+        </p:txBody>
+      </p:sp>
+    </p:spTree>
+    <p:extLst>
+      <p:ext uri="{BB962C8B-B14F-4D97-AF65-F5344CB8AC3E}">
+        <p14:creationId xmlns:p14="http://schemas.microsoft.com/office/powerpoint/2010/main" val="320694519"/>
+      </p:ext>
+    </p:extLst>
+  </p:cSld>
+  <p:clrMapOvr>
+    <a:masterClrMapping/>
+  </p:clrMapOvr>
+</p:sld>
+</file>
+
+<file path=ppt/slides/slide31.xml><?xml version="1.0" encoding="utf-8"?>
+<p:sld xmlns:a="http://schemas.openxmlformats.org/drawingml/2006/main" xmlns:r="http://schemas.openxmlformats.org/officeDocument/2006/relationships" xmlns:p="http://schemas.openxmlformats.org/presentationml/2006/main">
+  <p:cSld>
+    <p:spTree>
+      <p:nvGrpSpPr>
+        <p:cNvPr id="1" name=""/>
+        <p:cNvGrpSpPr/>
+        <p:nvPr/>
+      </p:nvGrpSpPr>
+      <p:grpSpPr>
+        <a:xfrm>
+          <a:off x="0" y="0"/>
+          <a:ext cx="0" cy="0"/>
+          <a:chOff x="0" y="0"/>
+          <a:chExt cx="0" cy="0"/>
+        </a:xfrm>
+      </p:grpSpPr>
+      <p:sp>
+        <p:nvSpPr>
+          <p:cNvPr id="2" name="Title 1"/>
+          <p:cNvSpPr>
+            <a:spLocks noGrp="1"/>
+          </p:cNvSpPr>
+          <p:nvPr>
+            <p:ph type="title"/>
+          </p:nvPr>
+        </p:nvSpPr>
+        <p:spPr>
+          <a:xfrm>
+            <a:off x="406400" y="246560"/>
+            <a:ext cx="16725900" cy="1346288"/>
+          </a:xfrm>
+        </p:spPr>
+        <p:txBody>
+          <a:bodyPr/>
+          <a:lstStyle/>
+          <a:p>
+            <a:r>
+              <a:rPr lang="en-US" sz="4000" dirty="0" smtClean="0"/>
+              <a:t>Text search including scoring - applying weight and deriving applicability</a:t>
+            </a:r>
+            <a:endParaRPr lang="en-US" sz="4000" i="1" dirty="0"/>
+          </a:p>
+        </p:txBody>
+      </p:sp>
+      <p:sp>
+        <p:nvSpPr>
+          <p:cNvPr id="6" name="Rectangle 5"/>
+          <p:cNvSpPr/>
+          <p:nvPr/>
+        </p:nvSpPr>
+        <p:spPr>
+          <a:xfrm>
+            <a:off x="406400" y="1714500"/>
+            <a:ext cx="7912100" cy="7708900"/>
+          </a:xfrm>
+          <a:prstGeom prst="rect">
+            <a:avLst/>
+          </a:prstGeom>
+          <a:solidFill>
+            <a:schemeClr val="bg1">
+              <a:lumMod val="95000"/>
+            </a:schemeClr>
+          </a:solidFill>
+        </p:spPr>
+        <p:style>
+          <a:lnRef idx="1">
+            <a:schemeClr val="dk1"/>
+          </a:lnRef>
+          <a:fillRef idx="2">
+            <a:schemeClr val="dk1"/>
+          </a:fillRef>
+          <a:effectRef idx="1">
+            <a:schemeClr val="dk1"/>
+          </a:effectRef>
+          <a:fontRef idx="minor">
+            <a:schemeClr val="dk1"/>
+          </a:fontRef>
+        </p:style>
+        <p:txBody>
+          <a:bodyPr rtlCol="0" anchor="ctr"/>
+          <a:lstStyle/>
+          <a:p>
+            <a:pPr algn="ctr"/>
+            <a:endParaRPr lang="en-US"/>
+          </a:p>
+        </p:txBody>
+      </p:sp>
+      <p:sp>
+        <p:nvSpPr>
+          <p:cNvPr id="7" name="TextBox 6"/>
+          <p:cNvSpPr txBox="1"/>
+          <p:nvPr/>
+        </p:nvSpPr>
+        <p:spPr>
+          <a:xfrm>
+            <a:off x="508000" y="1727200"/>
+            <a:ext cx="6739345" cy="3139321"/>
+          </a:xfrm>
+          <a:prstGeom prst="rect">
+            <a:avLst/>
+          </a:prstGeom>
+          <a:noFill/>
+        </p:spPr>
+        <p:txBody>
+          <a:bodyPr wrap="none" rtlCol="0">
+            <a:spAutoFit/>
+          </a:bodyPr>
+          <a:lstStyle/>
+          <a:p>
+            <a:r>
+              <a:rPr lang="en-US" sz="1800" dirty="0" err="1">
+                <a:latin typeface="Lucida Console" panose="020B0609040504020204" pitchFamily="49" charset="0"/>
+              </a:rPr>
+              <a:t>db.emp.aggregate</a:t>
+            </a:r>
+            <a:r>
+              <a:rPr lang="en-US" sz="1800" dirty="0">
+                <a:latin typeface="Lucida Console" panose="020B0609040504020204" pitchFamily="49" charset="0"/>
+              </a:rPr>
+              <a:t>(</a:t>
+            </a:r>
+          </a:p>
+          <a:p>
+            <a:r>
+              <a:rPr lang="en-US" sz="1800" dirty="0" smtClean="0">
+                <a:latin typeface="Lucida Console" panose="020B0609040504020204" pitchFamily="49" charset="0"/>
+              </a:rPr>
+              <a:t>[{ </a:t>
+            </a:r>
+            <a:r>
+              <a:rPr lang="en-US" sz="1800" dirty="0">
+                <a:latin typeface="Lucida Console" panose="020B0609040504020204" pitchFamily="49" charset="0"/>
+              </a:rPr>
+              <a:t>$match: { $text: { $search: 'managing' } } </a:t>
+            </a:r>
+            <a:r>
+              <a:rPr lang="en-US" sz="1800" dirty="0" smtClean="0">
+                <a:latin typeface="Lucida Console" panose="020B0609040504020204" pitchFamily="49" charset="0"/>
+              </a:rPr>
+              <a:t>}</a:t>
+            </a:r>
+            <a:endParaRPr lang="en-US" sz="1800" dirty="0">
+              <a:latin typeface="Lucida Console" panose="020B0609040504020204" pitchFamily="49" charset="0"/>
+            </a:endParaRPr>
+          </a:p>
+          <a:p>
+            <a:r>
+              <a:rPr lang="en-US" sz="1800" dirty="0" smtClean="0">
+                <a:latin typeface="Lucida Console" panose="020B0609040504020204" pitchFamily="49" charset="0"/>
+              </a:rPr>
+              <a:t>,{ </a:t>
+            </a:r>
+            <a:r>
+              <a:rPr lang="en-US" sz="1800" dirty="0">
+                <a:latin typeface="Lucida Console" panose="020B0609040504020204" pitchFamily="49" charset="0"/>
+              </a:rPr>
+              <a:t>$project: </a:t>
+            </a:r>
+            <a:r>
+              <a:rPr lang="en-US" sz="1800" dirty="0" smtClean="0">
+                <a:latin typeface="Lucida Console" panose="020B0609040504020204" pitchFamily="49" charset="0"/>
+              </a:rPr>
+              <a:t>{</a:t>
+            </a:r>
+          </a:p>
+          <a:p>
+            <a:r>
+              <a:rPr lang="en-US" sz="1800" dirty="0">
+                <a:latin typeface="Lucida Console" panose="020B0609040504020204" pitchFamily="49" charset="0"/>
+              </a:rPr>
+              <a:t> </a:t>
+            </a:r>
+            <a:r>
+              <a:rPr lang="en-US" sz="1800" dirty="0" smtClean="0">
+                <a:latin typeface="Lucida Console" panose="020B0609040504020204" pitchFamily="49" charset="0"/>
+              </a:rPr>
+              <a:t>   _</a:t>
+            </a:r>
+            <a:r>
+              <a:rPr lang="en-US" sz="1800" dirty="0">
+                <a:latin typeface="Lucida Console" panose="020B0609040504020204" pitchFamily="49" charset="0"/>
+              </a:rPr>
+              <a:t>id:0</a:t>
+            </a:r>
+            <a:r>
+              <a:rPr lang="en-US" sz="1800" dirty="0" smtClean="0">
+                <a:latin typeface="Lucida Console" panose="020B0609040504020204" pitchFamily="49" charset="0"/>
+              </a:rPr>
+              <a:t>,</a:t>
+            </a:r>
+          </a:p>
+          <a:p>
+            <a:r>
+              <a:rPr lang="en-US" sz="1800" dirty="0">
+                <a:latin typeface="Lucida Console" panose="020B0609040504020204" pitchFamily="49" charset="0"/>
+              </a:rPr>
+              <a:t> </a:t>
+            </a:r>
+            <a:r>
+              <a:rPr lang="en-US" sz="1800" dirty="0" smtClean="0">
+                <a:latin typeface="Lucida Console" panose="020B0609040504020204" pitchFamily="49" charset="0"/>
+              </a:rPr>
+              <a:t>   ENAME</a:t>
+            </a:r>
+            <a:r>
+              <a:rPr lang="en-US" sz="1800" dirty="0">
+                <a:latin typeface="Lucida Console" panose="020B0609040504020204" pitchFamily="49" charset="0"/>
+              </a:rPr>
+              <a:t>: 1, </a:t>
+            </a:r>
+            <a:endParaRPr lang="en-US" sz="1800" dirty="0" smtClean="0">
+              <a:latin typeface="Lucida Console" panose="020B0609040504020204" pitchFamily="49" charset="0"/>
+            </a:endParaRPr>
+          </a:p>
+          <a:p>
+            <a:r>
+              <a:rPr lang="en-US" sz="1800" dirty="0">
+                <a:latin typeface="Lucida Console" panose="020B0609040504020204" pitchFamily="49" charset="0"/>
+              </a:rPr>
+              <a:t> </a:t>
+            </a:r>
+            <a:r>
+              <a:rPr lang="en-US" sz="1800" dirty="0" smtClean="0">
+                <a:latin typeface="Lucida Console" panose="020B0609040504020204" pitchFamily="49" charset="0"/>
+              </a:rPr>
+              <a:t>   score</a:t>
+            </a:r>
+            <a:r>
+              <a:rPr lang="en-US" sz="1800" dirty="0">
+                <a:latin typeface="Lucida Console" panose="020B0609040504020204" pitchFamily="49" charset="0"/>
+              </a:rPr>
+              <a:t>: { $meta: '</a:t>
+            </a:r>
+            <a:r>
+              <a:rPr lang="en-US" sz="1800" dirty="0" err="1">
+                <a:latin typeface="Lucida Console" panose="020B0609040504020204" pitchFamily="49" charset="0"/>
+              </a:rPr>
+              <a:t>textScore</a:t>
+            </a:r>
+            <a:r>
+              <a:rPr lang="en-US" sz="1800" dirty="0">
+                <a:latin typeface="Lucida Console" panose="020B0609040504020204" pitchFamily="49" charset="0"/>
+              </a:rPr>
+              <a:t>' } } </a:t>
+            </a:r>
+            <a:endParaRPr lang="en-US" sz="1800" dirty="0" smtClean="0">
+              <a:latin typeface="Lucida Console" panose="020B0609040504020204" pitchFamily="49" charset="0"/>
+            </a:endParaRPr>
+          </a:p>
+          <a:p>
+            <a:r>
+              <a:rPr lang="en-US" sz="1800" dirty="0">
+                <a:latin typeface="Lucida Console" panose="020B0609040504020204" pitchFamily="49" charset="0"/>
+              </a:rPr>
+              <a:t> </a:t>
+            </a:r>
+            <a:r>
+              <a:rPr lang="en-US" sz="1800" dirty="0" smtClean="0">
+                <a:latin typeface="Lucida Console" panose="020B0609040504020204" pitchFamily="49" charset="0"/>
+              </a:rPr>
+              <a:t>}</a:t>
+            </a:r>
+            <a:endParaRPr lang="en-US" sz="1800" dirty="0">
+              <a:latin typeface="Lucida Console" panose="020B0609040504020204" pitchFamily="49" charset="0"/>
+            </a:endParaRPr>
+          </a:p>
+          <a:p>
+            <a:r>
+              <a:rPr lang="en-US" sz="1800" dirty="0" smtClean="0">
+                <a:latin typeface="Lucida Console" panose="020B0609040504020204" pitchFamily="49" charset="0"/>
+              </a:rPr>
+              <a:t>,{ </a:t>
+            </a:r>
+            <a:r>
+              <a:rPr lang="en-US" sz="1800" dirty="0">
+                <a:latin typeface="Lucida Console" panose="020B0609040504020204" pitchFamily="49" charset="0"/>
+              </a:rPr>
+              <a:t>$sort: {score:-1} }</a:t>
+            </a:r>
+          </a:p>
+          <a:p>
+            <a:r>
+              <a:rPr lang="en-US" sz="1800" dirty="0" smtClean="0">
+                <a:latin typeface="Lucida Console" panose="020B0609040504020204" pitchFamily="49" charset="0"/>
+              </a:rPr>
+              <a:t>]</a:t>
+            </a:r>
+            <a:endParaRPr lang="en-US" sz="1800" dirty="0">
+              <a:latin typeface="Lucida Console" panose="020B0609040504020204" pitchFamily="49" charset="0"/>
+            </a:endParaRPr>
+          </a:p>
+          <a:p>
+            <a:r>
+              <a:rPr lang="en-US" sz="1800" dirty="0" smtClean="0">
+                <a:latin typeface="Lucida Console" panose="020B0609040504020204" pitchFamily="49" charset="0"/>
+              </a:rPr>
+              <a:t>)</a:t>
+            </a:r>
+            <a:endParaRPr lang="en-US" sz="1800" dirty="0">
+              <a:latin typeface="Lucida Console" panose="020B0609040504020204" pitchFamily="49" charset="0"/>
+            </a:endParaRPr>
+          </a:p>
+          <a:p>
+            <a:endParaRPr lang="en-US" sz="1800" dirty="0">
+              <a:latin typeface="Lucida Console" panose="020B0609040504020204" pitchFamily="49" charset="0"/>
+            </a:endParaRPr>
+          </a:p>
+        </p:txBody>
+      </p:sp>
+      <p:sp>
+        <p:nvSpPr>
+          <p:cNvPr id="8" name="Rectangle 7"/>
+          <p:cNvSpPr/>
+          <p:nvPr/>
+        </p:nvSpPr>
+        <p:spPr>
+          <a:xfrm>
+            <a:off x="8686800" y="1714500"/>
+            <a:ext cx="7912100" cy="7708900"/>
+          </a:xfrm>
+          <a:prstGeom prst="rect">
+            <a:avLst/>
+          </a:prstGeom>
+          <a:solidFill>
+            <a:schemeClr val="bg1">
+              <a:lumMod val="95000"/>
+            </a:schemeClr>
+          </a:solidFill>
+        </p:spPr>
+        <p:style>
+          <a:lnRef idx="1">
+            <a:schemeClr val="dk1"/>
+          </a:lnRef>
+          <a:fillRef idx="2">
+            <a:schemeClr val="dk1"/>
+          </a:fillRef>
+          <a:effectRef idx="1">
+            <a:schemeClr val="dk1"/>
+          </a:effectRef>
+          <a:fontRef idx="minor">
+            <a:schemeClr val="dk1"/>
+          </a:fontRef>
+        </p:style>
+        <p:txBody>
+          <a:bodyPr rtlCol="0" anchor="ctr"/>
+          <a:lstStyle/>
+          <a:p>
+            <a:pPr algn="ctr"/>
+            <a:endParaRPr lang="en-US"/>
+          </a:p>
+        </p:txBody>
+      </p:sp>
+      <p:sp>
+        <p:nvSpPr>
+          <p:cNvPr id="9" name="TextBox 8"/>
+          <p:cNvSpPr txBox="1"/>
+          <p:nvPr/>
+        </p:nvSpPr>
+        <p:spPr>
+          <a:xfrm>
+            <a:off x="8798166" y="1727200"/>
+            <a:ext cx="7800734" cy="369332"/>
+          </a:xfrm>
+          <a:prstGeom prst="rect">
+            <a:avLst/>
+          </a:prstGeom>
+          <a:noFill/>
+        </p:spPr>
+        <p:txBody>
+          <a:bodyPr wrap="square" rtlCol="0">
+            <a:spAutoFit/>
+          </a:bodyPr>
+          <a:lstStyle/>
+          <a:p>
+            <a:r>
+              <a:rPr lang="nl-NL" sz="1800" dirty="0" smtClean="0">
+                <a:latin typeface="Lucida Console" panose="020B0609040504020204" pitchFamily="49" charset="0"/>
+              </a:rPr>
+              <a:t>-- TEXT </a:t>
+            </a:r>
+            <a:endParaRPr lang="en-US" sz="1800" dirty="0">
+              <a:latin typeface="Lucida Console" panose="020B0609040504020204" pitchFamily="49" charset="0"/>
+            </a:endParaRPr>
+          </a:p>
+        </p:txBody>
+      </p:sp>
+    </p:spTree>
+    <p:extLst>
+      <p:ext uri="{BB962C8B-B14F-4D97-AF65-F5344CB8AC3E}">
+        <p14:creationId xmlns:p14="http://schemas.microsoft.com/office/powerpoint/2010/main" val="2633127644"/>
       </p:ext>
     </p:extLst>
   </p:cSld>

--- a/mongodb-find-agg-vs-oracle-sql.pptx
+++ b/mongodb-find-agg-vs-oracle-sql.pptx
@@ -139,10 +139,10 @@
   </p:defaultTextStyle>
   <p:extLst>
     <p:ext uri="{EFAFB233-063F-42B5-8137-9DF3F51BA10A}">
-      <p15:sldGuideLst xmlns="" xmlns:p15="http://schemas.microsoft.com/office/powerpoint/2012/main"/>
+      <p15:sldGuideLst xmlns:p15="http://schemas.microsoft.com/office/powerpoint/2012/main" xmlns=""/>
     </p:ext>
     <p:ext uri="{2D200454-40CA-4A62-9FC3-DE9A4176ACB9}">
-      <p15:notesGuideLst xmlns="" xmlns:p15="http://schemas.microsoft.com/office/powerpoint/2012/main"/>
+      <p15:notesGuideLst xmlns:p15="http://schemas.microsoft.com/office/powerpoint/2012/main" xmlns=""/>
     </p:ext>
   </p:extLst>
 </p:presentation>
@@ -230,7 +230,7 @@
           <a:p>
             <a:fld id="{8DBB006A-2783-4486-9514-6DFE1115B29F}" type="datetimeFigureOut">
               <a:rPr lang="en-US" smtClean="0"/>
-              <a:t>2/26/2017</a:t>
+              <a:t>2/28/2017</a:t>
             </a:fld>
             <a:endParaRPr lang="en-US"/>
           </a:p>
@@ -22313,11 +22313,6 @@
               </a:rPr>
               <a:t>O</a:t>
             </a:r>
-            <a:endParaRPr lang="nl-NL" sz="7200" dirty="0">
-              <a:solidFill>
-                <a:srgbClr val="FF0000"/>
-              </a:solidFill>
-            </a:endParaRPr>
           </a:p>
         </p:txBody>
       </p:sp>
@@ -23581,9 +23576,6 @@
               </a:rPr>
               <a:t>)</a:t>
             </a:r>
-            <a:endParaRPr lang="en-US" dirty="0">
-              <a:latin typeface="Lucida Console" panose="020B0609040504020204" pitchFamily="49" charset="0"/>
-            </a:endParaRPr>
           </a:p>
         </p:txBody>
       </p:sp>
@@ -26440,9 +26432,6 @@
               </a:rPr>
               <a:t>)</a:t>
             </a:r>
-            <a:endParaRPr lang="en-US" sz="2000" dirty="0">
-              <a:latin typeface="Lucida Console" panose="020B0609040504020204" pitchFamily="49" charset="0"/>
-            </a:endParaRPr>
           </a:p>
         </p:txBody>
       </p:sp>
@@ -33709,8 +33698,17 @@
               <a:rPr lang="en-US" sz="1600" dirty="0">
                 <a:latin typeface="Lucida Console" panose="020B0609040504020204" pitchFamily="49" charset="0"/>
               </a:rPr>
-              <a:t>-- create index </a:t>
-            </a:r>
+              <a:t>-- create </a:t>
+            </a:r>
+            <a:r>
+              <a:rPr lang="en-US" sz="1600" dirty="0" smtClean="0">
+                <a:latin typeface="Lucida Console" panose="020B0609040504020204" pitchFamily="49" charset="0"/>
+              </a:rPr>
+              <a:t>spatial index </a:t>
+            </a:r>
+            <a:endParaRPr lang="en-US" sz="1600" dirty="0">
+              <a:latin typeface="Lucida Console" panose="020B0609040504020204" pitchFamily="49" charset="0"/>
+            </a:endParaRPr>
           </a:p>
           <a:p>
             <a:r>
@@ -33785,7 +33783,7 @@
         <p:spPr>
           <a:xfrm>
             <a:off x="8798166" y="1727200"/>
-            <a:ext cx="7800734" cy="923330"/>
+            <a:ext cx="7800734" cy="7971413"/>
           </a:xfrm>
           <a:prstGeom prst="rect">
             <a:avLst/>
@@ -33799,52 +33797,635 @@
           <a:lstStyle/>
           <a:p>
             <a:r>
-              <a:rPr lang="nl-NL" sz="1800" dirty="0" smtClean="0">
+              <a:rPr lang="nl-NL" sz="1600" dirty="0" smtClean="0">
                 <a:latin typeface="Lucida Console" panose="020B0609040504020204" pitchFamily="49" charset="0"/>
               </a:rPr>
               <a:t>-- </a:t>
             </a:r>
             <a:r>
-              <a:rPr lang="nl-NL" sz="1800" dirty="0" err="1" smtClean="0">
-                <a:latin typeface="Lucida Console" panose="020B0609040504020204" pitchFamily="49" charset="0"/>
-              </a:rPr>
-              <a:t>Locator</a:t>
-            </a:r>
-            <a:r>
-              <a:rPr lang="nl-NL" sz="1800" dirty="0" smtClean="0">
+              <a:rPr lang="nl-NL" sz="1600" dirty="0" err="1" smtClean="0">
+                <a:latin typeface="Lucida Console" panose="020B0609040504020204" pitchFamily="49" charset="0"/>
+              </a:rPr>
+              <a:t>add</a:t>
+            </a:r>
+            <a:r>
+              <a:rPr lang="nl-NL" sz="1600" dirty="0" smtClean="0">
+                <a:latin typeface="Lucida Console" panose="020B0609040504020204" pitchFamily="49" charset="0"/>
+              </a:rPr>
+              <a:t> column </a:t>
+            </a:r>
+            <a:r>
+              <a:rPr lang="nl-NL" sz="1600" dirty="0" err="1" smtClean="0">
+                <a:latin typeface="Lucida Console" panose="020B0609040504020204" pitchFamily="49" charset="0"/>
+              </a:rPr>
+              <a:t>geo_location</a:t>
+            </a:r>
+            <a:r>
+              <a:rPr lang="nl-NL" sz="1600" dirty="0" smtClean="0">
                 <a:latin typeface="Lucida Console" panose="020B0609040504020204" pitchFamily="49" charset="0"/>
               </a:rPr>
               <a:t> </a:t>
             </a:r>
-          </a:p>
-          <a:p>
-            <a:r>
-              <a:rPr lang="nl-NL" sz="1800" dirty="0">
+            <a:r>
+              <a:rPr lang="nl-NL" sz="1600" dirty="0" err="1" smtClean="0">
+                <a:latin typeface="Lucida Console" panose="020B0609040504020204" pitchFamily="49" charset="0"/>
+              </a:rPr>
+              <a:t>to</a:t>
+            </a:r>
+            <a:r>
+              <a:rPr lang="nl-NL" sz="1600" dirty="0" smtClean="0">
+                <a:latin typeface="Lucida Console" panose="020B0609040504020204" pitchFamily="49" charset="0"/>
+              </a:rPr>
+              <a:t> </a:t>
+            </a:r>
+            <a:r>
+              <a:rPr lang="nl-NL" sz="1600" dirty="0" err="1" smtClean="0">
+                <a:latin typeface="Lucida Console" panose="020B0609040504020204" pitchFamily="49" charset="0"/>
+              </a:rPr>
+              <a:t>hold</a:t>
+            </a:r>
+            <a:r>
+              <a:rPr lang="nl-NL" sz="1600" dirty="0" smtClean="0">
+                <a:latin typeface="Lucida Console" panose="020B0609040504020204" pitchFamily="49" charset="0"/>
+              </a:rPr>
+              <a:t> SDO_GEOMETRY</a:t>
+            </a:r>
+          </a:p>
+          <a:p>
+            <a:r>
+              <a:rPr lang="en-US" sz="1600" dirty="0" smtClean="0">
+                <a:latin typeface="Lucida Console" panose="020B0609040504020204" pitchFamily="49" charset="0"/>
+              </a:rPr>
+              <a:t>alter </a:t>
+            </a:r>
+            <a:r>
+              <a:rPr lang="en-US" sz="1600" dirty="0">
+                <a:latin typeface="Lucida Console" panose="020B0609040504020204" pitchFamily="49" charset="0"/>
+              </a:rPr>
+              <a:t>table </a:t>
+            </a:r>
+            <a:r>
+              <a:rPr lang="en-US" sz="1600" dirty="0" err="1">
+                <a:latin typeface="Lucida Console" panose="020B0609040504020204" pitchFamily="49" charset="0"/>
+              </a:rPr>
+              <a:t>dept</a:t>
+            </a:r>
+            <a:endParaRPr lang="en-US" sz="1600" dirty="0">
+              <a:latin typeface="Lucida Console" panose="020B0609040504020204" pitchFamily="49" charset="0"/>
+            </a:endParaRPr>
+          </a:p>
+          <a:p>
+            <a:r>
+              <a:rPr lang="en-US" sz="1600" dirty="0">
+                <a:latin typeface="Lucida Console" panose="020B0609040504020204" pitchFamily="49" charset="0"/>
+              </a:rPr>
+              <a:t>add (</a:t>
+            </a:r>
+            <a:r>
+              <a:rPr lang="en-US" sz="1600" dirty="0" err="1">
+                <a:latin typeface="Lucida Console" panose="020B0609040504020204" pitchFamily="49" charset="0"/>
+              </a:rPr>
+              <a:t>geo_location</a:t>
+            </a:r>
+            <a:r>
+              <a:rPr lang="en-US" sz="1600" dirty="0">
+                <a:latin typeface="Lucida Console" panose="020B0609040504020204" pitchFamily="49" charset="0"/>
+              </a:rPr>
+              <a:t> SDO_GEOMETRY</a:t>
+            </a:r>
+            <a:r>
+              <a:rPr lang="en-US" sz="1600" dirty="0" smtClean="0">
+                <a:latin typeface="Lucida Console" panose="020B0609040504020204" pitchFamily="49" charset="0"/>
+              </a:rPr>
+              <a:t>)</a:t>
+            </a:r>
+          </a:p>
+          <a:p>
+            <a:endParaRPr lang="nl-NL" sz="1600" dirty="0" smtClean="0">
+              <a:latin typeface="Lucida Console" panose="020B0609040504020204" pitchFamily="49" charset="0"/>
+            </a:endParaRPr>
+          </a:p>
+          <a:p>
+            <a:r>
+              <a:rPr lang="nl-NL" sz="1600" dirty="0" smtClean="0">
+                <a:latin typeface="Lucida Console" panose="020B0609040504020204" pitchFamily="49" charset="0"/>
+              </a:rPr>
+              <a:t>-- </a:t>
+            </a:r>
+            <a:r>
+              <a:rPr lang="nl-NL" sz="1600" dirty="0" err="1" smtClean="0">
+                <a:latin typeface="Lucida Console" panose="020B0609040504020204" pitchFamily="49" charset="0"/>
+              </a:rPr>
+              <a:t>add</a:t>
+            </a:r>
+            <a:r>
+              <a:rPr lang="nl-NL" sz="1600" dirty="0" smtClean="0">
+                <a:latin typeface="Lucida Console" panose="020B0609040504020204" pitchFamily="49" charset="0"/>
+              </a:rPr>
+              <a:t> </a:t>
+            </a:r>
+            <a:r>
+              <a:rPr lang="nl-NL" sz="1600" dirty="0" err="1" smtClean="0">
+                <a:latin typeface="Lucida Console" panose="020B0609040504020204" pitchFamily="49" charset="0"/>
+              </a:rPr>
+              <a:t>geo</a:t>
+            </a:r>
+            <a:r>
+              <a:rPr lang="nl-NL" sz="1600" dirty="0" smtClean="0">
+                <a:latin typeface="Lucida Console" panose="020B0609040504020204" pitchFamily="49" charset="0"/>
+              </a:rPr>
+              <a:t> </a:t>
+            </a:r>
+            <a:r>
+              <a:rPr lang="nl-NL" sz="1600" dirty="0" err="1" smtClean="0">
+                <a:latin typeface="Lucida Console" panose="020B0609040504020204" pitchFamily="49" charset="0"/>
+              </a:rPr>
+              <a:t>location</a:t>
+            </a:r>
+            <a:r>
+              <a:rPr lang="nl-NL" sz="1600" dirty="0" smtClean="0">
+                <a:latin typeface="Lucida Console" panose="020B0609040504020204" pitchFamily="49" charset="0"/>
+              </a:rPr>
+              <a:t> </a:t>
+            </a:r>
+            <a:r>
+              <a:rPr lang="nl-NL" sz="1600" dirty="0" err="1" smtClean="0">
+                <a:latin typeface="Lucida Console" panose="020B0609040504020204" pitchFamily="49" charset="0"/>
+              </a:rPr>
+              <a:t>to</a:t>
+            </a:r>
+            <a:r>
+              <a:rPr lang="nl-NL" sz="1600" dirty="0" smtClean="0">
+                <a:latin typeface="Lucida Console" panose="020B0609040504020204" pitchFamily="49" charset="0"/>
+              </a:rPr>
+              <a:t> </a:t>
+            </a:r>
+            <a:r>
+              <a:rPr lang="nl-NL" sz="1600" dirty="0" err="1" smtClean="0">
+                <a:latin typeface="Lucida Console" panose="020B0609040504020204" pitchFamily="49" charset="0"/>
+              </a:rPr>
+              <a:t>each</a:t>
+            </a:r>
+            <a:r>
+              <a:rPr lang="nl-NL" sz="1600" dirty="0" smtClean="0">
+                <a:latin typeface="Lucida Console" panose="020B0609040504020204" pitchFamily="49" charset="0"/>
+              </a:rPr>
+              <a:t> </a:t>
+            </a:r>
+            <a:r>
+              <a:rPr lang="nl-NL" sz="1600" dirty="0" err="1" smtClean="0">
+                <a:latin typeface="Lucida Console" panose="020B0609040504020204" pitchFamily="49" charset="0"/>
+              </a:rPr>
+              <a:t>department</a:t>
+            </a:r>
+            <a:endParaRPr lang="nl-NL" sz="1600" dirty="0">
+              <a:latin typeface="Lucida Console" panose="020B0609040504020204" pitchFamily="49" charset="0"/>
+            </a:endParaRPr>
+          </a:p>
+          <a:p>
+            <a:r>
+              <a:rPr lang="en-US" sz="1600" dirty="0">
+                <a:latin typeface="Lucida Console" panose="020B0609040504020204" pitchFamily="49" charset="0"/>
+              </a:rPr>
+              <a:t>update </a:t>
+            </a:r>
+            <a:r>
+              <a:rPr lang="en-US" sz="1600" dirty="0" err="1">
+                <a:latin typeface="Lucida Console" panose="020B0609040504020204" pitchFamily="49" charset="0"/>
+              </a:rPr>
+              <a:t>dept</a:t>
+            </a:r>
+            <a:endParaRPr lang="en-US" sz="1600" dirty="0">
+              <a:latin typeface="Lucida Console" panose="020B0609040504020204" pitchFamily="49" charset="0"/>
+            </a:endParaRPr>
+          </a:p>
+          <a:p>
+            <a:r>
+              <a:rPr lang="en-US" sz="1600" dirty="0">
+                <a:latin typeface="Lucida Console" panose="020B0609040504020204" pitchFamily="49" charset="0"/>
+              </a:rPr>
+              <a:t>set    </a:t>
+            </a:r>
+            <a:r>
+              <a:rPr lang="en-US" sz="1600" dirty="0" err="1">
+                <a:latin typeface="Lucida Console" panose="020B0609040504020204" pitchFamily="49" charset="0"/>
+              </a:rPr>
+              <a:t>geo_location</a:t>
+            </a:r>
+            <a:r>
+              <a:rPr lang="en-US" sz="1600" dirty="0">
+                <a:latin typeface="Lucida Console" panose="020B0609040504020204" pitchFamily="49" charset="0"/>
+              </a:rPr>
+              <a:t> = SDO_GEOMETRY(2001, 8307</a:t>
+            </a:r>
+            <a:r>
+              <a:rPr lang="en-US" sz="1600" dirty="0" smtClean="0">
+                <a:latin typeface="Lucida Console" panose="020B0609040504020204" pitchFamily="49" charset="0"/>
+              </a:rPr>
+              <a:t>,</a:t>
+            </a:r>
+            <a:br>
+              <a:rPr lang="en-US" sz="1600" dirty="0" smtClean="0">
+                <a:latin typeface="Lucida Console" panose="020B0609040504020204" pitchFamily="49" charset="0"/>
+              </a:rPr>
+            </a:br>
+            <a:r>
+              <a:rPr lang="en-US" sz="1600" dirty="0" smtClean="0">
+                <a:latin typeface="Lucida Console" panose="020B0609040504020204" pitchFamily="49" charset="0"/>
+              </a:rPr>
+              <a:t>                   SDO_POINT_TYPE </a:t>
+            </a:r>
+            <a:r>
+              <a:rPr lang="en-US" sz="1600" dirty="0">
+                <a:latin typeface="Lucida Console" panose="020B0609040504020204" pitchFamily="49" charset="0"/>
+              </a:rPr>
+              <a:t>(-73.935242, 40.730610,NULL</a:t>
+            </a:r>
+            <a:r>
+              <a:rPr lang="en-US" sz="1600" dirty="0" smtClean="0">
+                <a:latin typeface="Lucida Console" panose="020B0609040504020204" pitchFamily="49" charset="0"/>
+              </a:rPr>
+              <a:t>)</a:t>
+            </a:r>
+            <a:br>
+              <a:rPr lang="en-US" sz="1600" dirty="0" smtClean="0">
+                <a:latin typeface="Lucida Console" panose="020B0609040504020204" pitchFamily="49" charset="0"/>
+              </a:rPr>
+            </a:br>
+            <a:r>
+              <a:rPr lang="en-US" sz="1600" dirty="0" smtClean="0">
+                <a:latin typeface="Lucida Console" panose="020B0609040504020204" pitchFamily="49" charset="0"/>
+              </a:rPr>
+              <a:t>                                  , </a:t>
+            </a:r>
+            <a:r>
+              <a:rPr lang="en-US" sz="1600" dirty="0">
+                <a:latin typeface="Lucida Console" panose="020B0609040504020204" pitchFamily="49" charset="0"/>
+              </a:rPr>
+              <a:t>NULL, NULL)</a:t>
+            </a:r>
+          </a:p>
+          <a:p>
+            <a:r>
+              <a:rPr lang="en-US" sz="1600" dirty="0">
+                <a:latin typeface="Lucida Console" panose="020B0609040504020204" pitchFamily="49" charset="0"/>
+              </a:rPr>
+              <a:t>where  </a:t>
+            </a:r>
+            <a:r>
+              <a:rPr lang="en-US" sz="1600" dirty="0" err="1">
+                <a:latin typeface="Lucida Console" panose="020B0609040504020204" pitchFamily="49" charset="0"/>
+              </a:rPr>
+              <a:t>loc</a:t>
+            </a:r>
+            <a:r>
+              <a:rPr lang="en-US" sz="1600" dirty="0">
+                <a:latin typeface="Lucida Console" panose="020B0609040504020204" pitchFamily="49" charset="0"/>
+              </a:rPr>
+              <a:t> = 'NEW YORK</a:t>
+            </a:r>
+            <a:r>
+              <a:rPr lang="en-US" sz="1600" dirty="0" smtClean="0">
+                <a:latin typeface="Lucida Console" panose="020B0609040504020204" pitchFamily="49" charset="0"/>
+              </a:rPr>
+              <a:t>'</a:t>
+            </a:r>
+          </a:p>
+          <a:p>
+            <a:endParaRPr lang="en-US" sz="1600" dirty="0">
+              <a:latin typeface="Lucida Console" panose="020B0609040504020204" pitchFamily="49" charset="0"/>
+            </a:endParaRPr>
+          </a:p>
+          <a:p>
+            <a:r>
+              <a:rPr lang="en-US" sz="1600" dirty="0" smtClean="0">
+                <a:latin typeface="Lucida Console" panose="020B0609040504020204" pitchFamily="49" charset="0"/>
+              </a:rPr>
+              <a:t>update </a:t>
+            </a:r>
+            <a:r>
+              <a:rPr lang="en-US" sz="1600" dirty="0" err="1">
+                <a:latin typeface="Lucida Console" panose="020B0609040504020204" pitchFamily="49" charset="0"/>
+              </a:rPr>
+              <a:t>dept</a:t>
+            </a:r>
+            <a:endParaRPr lang="en-US" sz="1600" dirty="0">
+              <a:latin typeface="Lucida Console" panose="020B0609040504020204" pitchFamily="49" charset="0"/>
+            </a:endParaRPr>
+          </a:p>
+          <a:p>
+            <a:r>
+              <a:rPr lang="en-US" sz="1600" dirty="0">
+                <a:latin typeface="Lucida Console" panose="020B0609040504020204" pitchFamily="49" charset="0"/>
+              </a:rPr>
+              <a:t>set    </a:t>
+            </a:r>
+            <a:r>
+              <a:rPr lang="en-US" sz="1600" dirty="0" err="1">
+                <a:latin typeface="Lucida Console" panose="020B0609040504020204" pitchFamily="49" charset="0"/>
+              </a:rPr>
+              <a:t>geo_location</a:t>
+            </a:r>
+            <a:r>
+              <a:rPr lang="en-US" sz="1600" dirty="0">
+                <a:latin typeface="Lucida Console" panose="020B0609040504020204" pitchFamily="49" charset="0"/>
+              </a:rPr>
+              <a:t> = SDO_GEOMETRY(2001, 8307</a:t>
+            </a:r>
+            <a:r>
+              <a:rPr lang="en-US" sz="1600" dirty="0" smtClean="0">
+                <a:latin typeface="Lucida Console" panose="020B0609040504020204" pitchFamily="49" charset="0"/>
+              </a:rPr>
+              <a:t>,</a:t>
+            </a:r>
+            <a:br>
+              <a:rPr lang="en-US" sz="1600" dirty="0" smtClean="0">
+                <a:latin typeface="Lucida Console" panose="020B0609040504020204" pitchFamily="49" charset="0"/>
+              </a:rPr>
+            </a:br>
+            <a:r>
+              <a:rPr lang="en-US" sz="1600" dirty="0" smtClean="0">
+                <a:latin typeface="Lucida Console" panose="020B0609040504020204" pitchFamily="49" charset="0"/>
+              </a:rPr>
+              <a:t>          SDO_POINT_TYPE </a:t>
+            </a:r>
+            <a:r>
+              <a:rPr lang="en-US" sz="1600" dirty="0">
+                <a:latin typeface="Lucida Console" panose="020B0609040504020204" pitchFamily="49" charset="0"/>
+              </a:rPr>
+              <a:t>(-96.8005, 32.7801,NULL), NULL, NULL)</a:t>
+            </a:r>
+          </a:p>
+          <a:p>
+            <a:r>
+              <a:rPr lang="en-US" sz="1600" dirty="0">
+                <a:latin typeface="Lucida Console" panose="020B0609040504020204" pitchFamily="49" charset="0"/>
+              </a:rPr>
+              <a:t>where  </a:t>
+            </a:r>
+            <a:r>
+              <a:rPr lang="en-US" sz="1600" dirty="0" err="1">
+                <a:latin typeface="Lucida Console" panose="020B0609040504020204" pitchFamily="49" charset="0"/>
+              </a:rPr>
+              <a:t>loc</a:t>
+            </a:r>
+            <a:r>
+              <a:rPr lang="en-US" sz="1600" dirty="0">
+                <a:latin typeface="Lucida Console" panose="020B0609040504020204" pitchFamily="49" charset="0"/>
+              </a:rPr>
+              <a:t> = 'DALLAS'</a:t>
+            </a:r>
+          </a:p>
+          <a:p>
+            <a:endParaRPr lang="nl-NL" sz="1600" dirty="0" smtClean="0">
+              <a:latin typeface="Lucida Console" panose="020B0609040504020204" pitchFamily="49" charset="0"/>
+            </a:endParaRPr>
+          </a:p>
+          <a:p>
+            <a:r>
+              <a:rPr lang="nl-NL" sz="1600" dirty="0" smtClean="0">
+                <a:latin typeface="Lucida Console" panose="020B0609040504020204" pitchFamily="49" charset="0"/>
+              </a:rPr>
+              <a:t>-- </a:t>
+            </a:r>
+            <a:r>
+              <a:rPr lang="nl-NL" sz="1600" dirty="0" err="1" smtClean="0">
+                <a:latin typeface="Lucida Console" panose="020B0609040504020204" pitchFamily="49" charset="0"/>
+              </a:rPr>
+              <a:t>insert</a:t>
+            </a:r>
+            <a:r>
+              <a:rPr lang="nl-NL" sz="1600" dirty="0" smtClean="0">
+                <a:latin typeface="Lucida Console" panose="020B0609040504020204" pitchFamily="49" charset="0"/>
+              </a:rPr>
+              <a:t> </a:t>
+            </a:r>
+            <a:r>
+              <a:rPr lang="en-US" sz="1600" dirty="0" smtClean="0">
+                <a:latin typeface="Lucida Console" panose="020B0609040504020204" pitchFamily="49" charset="0"/>
+              </a:rPr>
+              <a:t>dimensional meta information </a:t>
+            </a:r>
+            <a:r>
+              <a:rPr lang="en-US" sz="1600" dirty="0">
+                <a:latin typeface="Lucida Console" panose="020B0609040504020204" pitchFamily="49" charset="0"/>
+              </a:rPr>
+              <a:t>for the  spatial column</a:t>
+            </a:r>
+            <a:endParaRPr lang="nl-NL" sz="1600" dirty="0" smtClean="0">
+              <a:latin typeface="Lucida Console" panose="020B0609040504020204" pitchFamily="49" charset="0"/>
+            </a:endParaRPr>
+          </a:p>
+          <a:p>
+            <a:r>
+              <a:rPr lang="en-US" sz="1600" dirty="0">
+                <a:latin typeface="Lucida Console" panose="020B0609040504020204" pitchFamily="49" charset="0"/>
+              </a:rPr>
+              <a:t>INSERT INTO USER_SDO_GEOM_METADATA </a:t>
+            </a:r>
+          </a:p>
+          <a:p>
+            <a:r>
+              <a:rPr lang="en-US" sz="1600" dirty="0">
+                <a:latin typeface="Lucida Console" panose="020B0609040504020204" pitchFamily="49" charset="0"/>
+              </a:rPr>
+              <a:t>(TABLE_NAME, COLUMN_NAME, DIMINFO, SRID) </a:t>
+            </a:r>
+          </a:p>
+          <a:p>
+            <a:r>
+              <a:rPr lang="en-US" sz="1600" dirty="0">
+                <a:latin typeface="Lucida Console" panose="020B0609040504020204" pitchFamily="49" charset="0"/>
+              </a:rPr>
+              <a:t>VALUES ('DEPT', 'GEO_LOCATION', </a:t>
+            </a:r>
+          </a:p>
+          <a:p>
+            <a:r>
+              <a:rPr lang="en-US" sz="1600" dirty="0">
+                <a:latin typeface="Lucida Console" panose="020B0609040504020204" pitchFamily="49" charset="0"/>
+              </a:rPr>
+              <a:t>   SDO_DIM_ARRAY </a:t>
+            </a:r>
+          </a:p>
+          <a:p>
+            <a:r>
+              <a:rPr lang="en-US" sz="1600" dirty="0">
+                <a:latin typeface="Lucida Console" panose="020B0609040504020204" pitchFamily="49" charset="0"/>
+              </a:rPr>
+              <a:t>    </a:t>
+            </a:r>
+            <a:r>
+              <a:rPr lang="en-US" sz="1600" dirty="0" smtClean="0">
                 <a:latin typeface="Lucida Console" panose="020B0609040504020204" pitchFamily="49" charset="0"/>
               </a:rPr>
               <a:t>(</a:t>
             </a:r>
             <a:r>
-              <a:rPr lang="nl-NL" sz="1800" dirty="0">
-                <a:latin typeface="Lucida Console" panose="020B0609040504020204" pitchFamily="49" charset="0"/>
-                <a:hlinkClick r:id="rId2"/>
-              </a:rPr>
-              <a:t>https://</a:t>
-            </a:r>
-            <a:r>
-              <a:rPr lang="nl-NL" sz="1800" dirty="0" smtClean="0">
-                <a:latin typeface="Lucida Console" panose="020B0609040504020204" pitchFamily="49" charset="0"/>
-                <a:hlinkClick r:id="rId2"/>
-              </a:rPr>
-              <a:t>docs.oracle.com/cd/B25329_01/doc/appdev.102/b28004/xe_locator.htm</a:t>
-            </a:r>
-            <a:r>
-              <a:rPr lang="nl-NL" sz="1800" dirty="0" smtClean="0">
-                <a:latin typeface="Lucida Console" panose="020B0609040504020204" pitchFamily="49" charset="0"/>
-              </a:rPr>
-              <a:t> )</a:t>
-            </a:r>
-            <a:endParaRPr lang="en-US" sz="1800" dirty="0">
+              <a:rPr lang="en-US" sz="1600" dirty="0">
+                <a:latin typeface="Lucida Console" panose="020B0609040504020204" pitchFamily="49" charset="0"/>
+              </a:rPr>
+              <a:t>SDO_DIM_ELEMENT('LONG', -180.0, 180.0, 0.5), </a:t>
+            </a:r>
+          </a:p>
+          <a:p>
+            <a:r>
+              <a:rPr lang="en-US" sz="1600" dirty="0">
+                <a:latin typeface="Lucida Console" panose="020B0609040504020204" pitchFamily="49" charset="0"/>
+              </a:rPr>
+              <a:t>     SDO_DIM_ELEMENT('LAT', -90.0, 90.0, 0.5</a:t>
+            </a:r>
+            <a:r>
+              <a:rPr lang="en-US" sz="1600" dirty="0" smtClean="0">
+                <a:latin typeface="Lucida Console" panose="020B0609040504020204" pitchFamily="49" charset="0"/>
+              </a:rPr>
+              <a:t>)</a:t>
+            </a:r>
+          </a:p>
+          <a:p>
+            <a:r>
+              <a:rPr lang="en-US" sz="1600" dirty="0">
+                <a:latin typeface="Lucida Console" panose="020B0609040504020204" pitchFamily="49" charset="0"/>
+              </a:rPr>
+              <a:t> </a:t>
+            </a:r>
+            <a:r>
+              <a:rPr lang="en-US" sz="1600" dirty="0" smtClean="0">
+                <a:latin typeface="Lucida Console" panose="020B0609040504020204" pitchFamily="49" charset="0"/>
+              </a:rPr>
+              <a:t>   ), </a:t>
+            </a:r>
+            <a:endParaRPr lang="en-US" sz="1600" dirty="0">
+              <a:latin typeface="Lucida Console" panose="020B0609040504020204" pitchFamily="49" charset="0"/>
+            </a:endParaRPr>
+          </a:p>
+          <a:p>
+            <a:r>
+              <a:rPr lang="en-US" sz="1600" dirty="0">
+                <a:latin typeface="Lucida Console" panose="020B0609040504020204" pitchFamily="49" charset="0"/>
+              </a:rPr>
+              <a:t>   </a:t>
+            </a:r>
+            <a:r>
+              <a:rPr lang="en-US" sz="1600" dirty="0" smtClean="0">
+                <a:latin typeface="Lucida Console" panose="020B0609040504020204" pitchFamily="49" charset="0"/>
+              </a:rPr>
+              <a:t>  8307</a:t>
+            </a:r>
+          </a:p>
+          <a:p>
+            <a:r>
+              <a:rPr lang="en-US" sz="1600" dirty="0" smtClean="0">
+                <a:latin typeface="Lucida Console" panose="020B0609040504020204" pitchFamily="49" charset="0"/>
+              </a:rPr>
+              <a:t>);</a:t>
+            </a:r>
+            <a:endParaRPr lang="en-US" sz="1600" dirty="0">
+              <a:latin typeface="Lucida Console" panose="020B0609040504020204" pitchFamily="49" charset="0"/>
+            </a:endParaRPr>
+          </a:p>
+          <a:p>
+            <a:endParaRPr lang="en-US" sz="1600" dirty="0">
+              <a:latin typeface="Lucida Console" panose="020B0609040504020204" pitchFamily="49" charset="0"/>
+            </a:endParaRPr>
+          </a:p>
+          <a:p>
+            <a:r>
+              <a:rPr lang="en-US" sz="1600" dirty="0">
+                <a:latin typeface="Lucida Console" panose="020B0609040504020204" pitchFamily="49" charset="0"/>
+              </a:rPr>
+              <a:t>-- create </a:t>
+            </a:r>
+            <a:r>
+              <a:rPr lang="en-US" sz="1600" dirty="0" smtClean="0">
+                <a:latin typeface="Lucida Console" panose="020B0609040504020204" pitchFamily="49" charset="0"/>
+              </a:rPr>
+              <a:t>spatial index </a:t>
+            </a:r>
+            <a:endParaRPr lang="en-US" sz="1600" dirty="0">
+              <a:latin typeface="Lucida Console" panose="020B0609040504020204" pitchFamily="49" charset="0"/>
+            </a:endParaRPr>
+          </a:p>
+          <a:p>
+            <a:r>
+              <a:rPr lang="en-US" sz="1600" dirty="0" smtClean="0">
+                <a:latin typeface="Lucida Console" panose="020B0609040504020204" pitchFamily="49" charset="0"/>
+              </a:rPr>
+              <a:t>CREATE </a:t>
+            </a:r>
+            <a:r>
+              <a:rPr lang="en-US" sz="1600" dirty="0">
+                <a:latin typeface="Lucida Console" panose="020B0609040504020204" pitchFamily="49" charset="0"/>
+              </a:rPr>
+              <a:t>INDEX </a:t>
+            </a:r>
+            <a:r>
+              <a:rPr lang="en-US" sz="1600" dirty="0" err="1">
+                <a:latin typeface="Lucida Console" panose="020B0609040504020204" pitchFamily="49" charset="0"/>
+              </a:rPr>
+              <a:t>dept_spatial_idx</a:t>
+            </a:r>
+            <a:r>
+              <a:rPr lang="en-US" sz="1600" dirty="0">
+                <a:latin typeface="Lucida Console" panose="020B0609040504020204" pitchFamily="49" charset="0"/>
+              </a:rPr>
+              <a:t> </a:t>
+            </a:r>
+          </a:p>
+          <a:p>
+            <a:r>
+              <a:rPr lang="en-US" sz="1600" dirty="0">
+                <a:latin typeface="Lucida Console" panose="020B0609040504020204" pitchFamily="49" charset="0"/>
+              </a:rPr>
+              <a:t>ON </a:t>
+            </a:r>
+            <a:r>
+              <a:rPr lang="en-US" sz="1600" dirty="0" err="1">
+                <a:latin typeface="Lucida Console" panose="020B0609040504020204" pitchFamily="49" charset="0"/>
+              </a:rPr>
+              <a:t>dept</a:t>
+            </a:r>
+            <a:r>
+              <a:rPr lang="en-US" sz="1600" dirty="0">
+                <a:latin typeface="Lucida Console" panose="020B0609040504020204" pitchFamily="49" charset="0"/>
+              </a:rPr>
+              <a:t>(</a:t>
+            </a:r>
+            <a:r>
+              <a:rPr lang="en-US" sz="1600" dirty="0" err="1">
+                <a:latin typeface="Lucida Console" panose="020B0609040504020204" pitchFamily="49" charset="0"/>
+              </a:rPr>
+              <a:t>geo_location</a:t>
+            </a:r>
+            <a:r>
+              <a:rPr lang="en-US" sz="1600" dirty="0">
+                <a:latin typeface="Lucida Console" panose="020B0609040504020204" pitchFamily="49" charset="0"/>
+              </a:rPr>
+              <a:t>)</a:t>
+            </a:r>
+          </a:p>
+          <a:p>
+            <a:r>
+              <a:rPr lang="en-US" sz="1600" dirty="0">
+                <a:latin typeface="Lucida Console" panose="020B0609040504020204" pitchFamily="49" charset="0"/>
+              </a:rPr>
+              <a:t>INDEXTYPE IS </a:t>
+            </a:r>
+            <a:r>
+              <a:rPr lang="en-US" sz="1600" dirty="0" err="1">
+                <a:latin typeface="Lucida Console" panose="020B0609040504020204" pitchFamily="49" charset="0"/>
+              </a:rPr>
+              <a:t>mdsys.spatial_index</a:t>
+            </a:r>
+            <a:r>
+              <a:rPr lang="en-US" sz="1600" dirty="0">
+                <a:latin typeface="Lucida Console" panose="020B0609040504020204" pitchFamily="49" charset="0"/>
+              </a:rPr>
+              <a:t>;</a:t>
+            </a:r>
+          </a:p>
+          <a:p>
+            <a:endParaRPr lang="en-US" sz="1600" dirty="0">
               <a:latin typeface="Lucida Console" panose="020B0609040504020204" pitchFamily="49" charset="0"/>
             </a:endParaRPr>
           </a:p>
@@ -34163,7 +34744,7 @@
         <p:spPr>
           <a:xfrm>
             <a:off x="8798166" y="1727200"/>
-            <a:ext cx="7800734" cy="923330"/>
+            <a:ext cx="7800734" cy="4524315"/>
           </a:xfrm>
           <a:prstGeom prst="rect">
             <a:avLst/>
@@ -34177,54 +34758,254 @@
           <a:lstStyle/>
           <a:p>
             <a:r>
+              <a:rPr lang="nl-NL" sz="1800" dirty="0" err="1">
+                <a:latin typeface="Lucida Console" panose="020B0609040504020204" pitchFamily="49" charset="0"/>
+              </a:rPr>
+              <a:t>with</a:t>
+            </a:r>
+            <a:r>
+              <a:rPr lang="nl-NL" sz="1800" dirty="0">
+                <a:latin typeface="Lucida Console" panose="020B0609040504020204" pitchFamily="49" charset="0"/>
+              </a:rPr>
+              <a:t> d as</a:t>
+            </a:r>
+          </a:p>
+          <a:p>
+            <a:r>
+              <a:rPr lang="nl-NL" sz="1800" dirty="0">
+                <a:latin typeface="Lucida Console" panose="020B0609040504020204" pitchFamily="49" charset="0"/>
+              </a:rPr>
+              <a:t>( SELECT </a:t>
+            </a:r>
+            <a:r>
               <a:rPr lang="nl-NL" sz="1800" dirty="0" smtClean="0">
                 <a:latin typeface="Lucida Console" panose="020B0609040504020204" pitchFamily="49" charset="0"/>
               </a:rPr>
-              <a:t>-- </a:t>
-            </a:r>
-            <a:r>
-              <a:rPr lang="nl-NL" sz="1800" dirty="0" err="1" smtClean="0">
-                <a:latin typeface="Lucida Console" panose="020B0609040504020204" pitchFamily="49" charset="0"/>
-              </a:rPr>
-              <a:t>Locator</a:t>
-            </a:r>
-            <a:r>
-              <a:rPr lang="nl-NL" sz="1800" dirty="0" smtClean="0">
-                <a:latin typeface="Lucida Console" panose="020B0609040504020204" pitchFamily="49" charset="0"/>
-              </a:rPr>
-              <a:t> </a:t>
-            </a:r>
-          </a:p>
-          <a:p>
-            <a:r>
-              <a:rPr lang="nl-NL" sz="1800" dirty="0">
-                <a:latin typeface="Lucida Console" panose="020B0609040504020204" pitchFamily="49" charset="0"/>
-              </a:rPr>
-              <a:t>(</a:t>
-            </a:r>
-            <a:r>
-              <a:rPr lang="nl-NL" sz="1800" dirty="0">
-                <a:latin typeface="Lucida Console" panose="020B0609040504020204" pitchFamily="49" charset="0"/>
-                <a:hlinkClick r:id="rId2"/>
-              </a:rPr>
-              <a:t>https://</a:t>
-            </a:r>
-            <a:r>
-              <a:rPr lang="nl-NL" sz="1800" dirty="0" smtClean="0">
-                <a:latin typeface="Lucida Console" panose="020B0609040504020204" pitchFamily="49" charset="0"/>
-                <a:hlinkClick r:id="rId2"/>
-              </a:rPr>
-              <a:t>docs.oracle.com/cd/B25329_01/doc/appdev.102/b28004/xe_locator.htm</a:t>
-            </a:r>
-            <a:r>
-              <a:rPr lang="nl-NL" sz="1800" dirty="0" smtClean="0">
-                <a:latin typeface="Lucida Console" panose="020B0609040504020204" pitchFamily="49" charset="0"/>
-              </a:rPr>
-              <a:t> )</a:t>
-            </a:r>
-            <a:endParaRPr lang="en-US" sz="1800" dirty="0">
+              <a:t>loc</a:t>
+            </a:r>
+            <a:endParaRPr lang="nl-NL" sz="1800" dirty="0">
               <a:latin typeface="Lucida Console" panose="020B0609040504020204" pitchFamily="49" charset="0"/>
             </a:endParaRPr>
+          </a:p>
+          <a:p>
+            <a:r>
+              <a:rPr lang="nl-NL" sz="1800" dirty="0">
+                <a:latin typeface="Lucida Console" panose="020B0609040504020204" pitchFamily="49" charset="0"/>
+              </a:rPr>
+              <a:t>  ,      SDO_GEOM.SDO_DISTANCE</a:t>
+            </a:r>
+          </a:p>
+          <a:p>
+            <a:r>
+              <a:rPr lang="nl-NL" sz="1800" dirty="0">
+                <a:latin typeface="Lucida Console" panose="020B0609040504020204" pitchFamily="49" charset="0"/>
+              </a:rPr>
+              <a:t>         ( SDO_GEOMETRY(2001, </a:t>
+            </a:r>
+            <a:r>
+              <a:rPr lang="nl-NL" sz="1800" dirty="0" smtClean="0">
+                <a:latin typeface="Lucida Console" panose="020B0609040504020204" pitchFamily="49" charset="0"/>
+              </a:rPr>
+              <a:t>8307</a:t>
+            </a:r>
+            <a:br>
+              <a:rPr lang="nl-NL" sz="1800" dirty="0" smtClean="0">
+                <a:latin typeface="Lucida Console" panose="020B0609040504020204" pitchFamily="49" charset="0"/>
+              </a:rPr>
+            </a:br>
+            <a:r>
+              <a:rPr lang="nl-NL" sz="1800" dirty="0" smtClean="0">
+                <a:latin typeface="Lucida Console" panose="020B0609040504020204" pitchFamily="49" charset="0"/>
+              </a:rPr>
+              <a:t>         , SDO_POINT_TYPE </a:t>
+            </a:r>
+            <a:r>
+              <a:rPr lang="nl-NL" sz="1800" dirty="0">
+                <a:latin typeface="Lucida Console" panose="020B0609040504020204" pitchFamily="49" charset="0"/>
+              </a:rPr>
+              <a:t>( -77.0364, 38.8951,NULL</a:t>
+            </a:r>
+            <a:r>
+              <a:rPr lang="nl-NL" sz="1800" dirty="0" smtClean="0">
+                <a:latin typeface="Lucida Console" panose="020B0609040504020204" pitchFamily="49" charset="0"/>
+              </a:rPr>
+              <a:t>)</a:t>
+            </a:r>
+            <a:br>
+              <a:rPr lang="nl-NL" sz="1800" dirty="0" smtClean="0">
+                <a:latin typeface="Lucida Console" panose="020B0609040504020204" pitchFamily="49" charset="0"/>
+              </a:rPr>
+            </a:br>
+            <a:r>
+              <a:rPr lang="nl-NL" sz="1800" dirty="0" smtClean="0">
+                <a:latin typeface="Lucida Console" panose="020B0609040504020204" pitchFamily="49" charset="0"/>
+              </a:rPr>
+              <a:t>         , </a:t>
+            </a:r>
+            <a:r>
+              <a:rPr lang="nl-NL" sz="1800" dirty="0">
+                <a:latin typeface="Lucida Console" panose="020B0609040504020204" pitchFamily="49" charset="0"/>
+              </a:rPr>
+              <a:t>NULL, </a:t>
+            </a:r>
+            <a:r>
+              <a:rPr lang="nl-NL" sz="1800" dirty="0" smtClean="0">
+                <a:latin typeface="Lucida Console" panose="020B0609040504020204" pitchFamily="49" charset="0"/>
+              </a:rPr>
+              <a:t>NULL</a:t>
+            </a:r>
+            <a:br>
+              <a:rPr lang="nl-NL" sz="1800" dirty="0" smtClean="0">
+                <a:latin typeface="Lucida Console" panose="020B0609040504020204" pitchFamily="49" charset="0"/>
+              </a:rPr>
+            </a:br>
+            <a:r>
+              <a:rPr lang="nl-NL" sz="1800" dirty="0" smtClean="0">
+                <a:latin typeface="Lucida Console" panose="020B0609040504020204" pitchFamily="49" charset="0"/>
+              </a:rPr>
+              <a:t>         )</a:t>
+            </a:r>
+            <a:endParaRPr lang="nl-NL" sz="1800" dirty="0">
+              <a:latin typeface="Lucida Console" panose="020B0609040504020204" pitchFamily="49" charset="0"/>
+            </a:endParaRPr>
+          </a:p>
+          <a:p>
+            <a:r>
+              <a:rPr lang="nl-NL" sz="1800" dirty="0">
+                <a:latin typeface="Lucida Console" panose="020B0609040504020204" pitchFamily="49" charset="0"/>
+              </a:rPr>
+              <a:t>         , </a:t>
+            </a:r>
+            <a:r>
+              <a:rPr lang="nl-NL" sz="1800" dirty="0" err="1" smtClean="0">
+                <a:latin typeface="Lucida Console" panose="020B0609040504020204" pitchFamily="49" charset="0"/>
+              </a:rPr>
+              <a:t>geo_location</a:t>
+            </a:r>
+            <a:endParaRPr lang="nl-NL" sz="1800" dirty="0">
+              <a:latin typeface="Lucida Console" panose="020B0609040504020204" pitchFamily="49" charset="0"/>
+            </a:endParaRPr>
+          </a:p>
+          <a:p>
+            <a:r>
+              <a:rPr lang="nl-NL" sz="1800" dirty="0">
+                <a:latin typeface="Lucida Console" panose="020B0609040504020204" pitchFamily="49" charset="0"/>
+              </a:rPr>
+              <a:t>         , 0.005</a:t>
+            </a:r>
+          </a:p>
+          <a:p>
+            <a:r>
+              <a:rPr lang="nl-NL" sz="1800" dirty="0">
+                <a:latin typeface="Lucida Console" panose="020B0609040504020204" pitchFamily="49" charset="0"/>
+              </a:rPr>
+              <a:t>         , 'unit=KM'</a:t>
+            </a:r>
+          </a:p>
+          <a:p>
+            <a:r>
+              <a:rPr lang="nl-NL" sz="1800" dirty="0">
+                <a:latin typeface="Lucida Console" panose="020B0609040504020204" pitchFamily="49" charset="0"/>
+              </a:rPr>
+              <a:t>         ) </a:t>
+            </a:r>
+            <a:r>
+              <a:rPr lang="nl-NL" sz="1800" dirty="0" err="1">
+                <a:latin typeface="Lucida Console" panose="020B0609040504020204" pitchFamily="49" charset="0"/>
+              </a:rPr>
+              <a:t>distance</a:t>
+            </a:r>
+            <a:endParaRPr lang="nl-NL" sz="1800" dirty="0">
+              <a:latin typeface="Lucida Console" panose="020B0609040504020204" pitchFamily="49" charset="0"/>
+            </a:endParaRPr>
+          </a:p>
+          <a:p>
+            <a:r>
+              <a:rPr lang="nl-NL" sz="1800" dirty="0">
+                <a:latin typeface="Lucida Console" panose="020B0609040504020204" pitchFamily="49" charset="0"/>
+              </a:rPr>
+              <a:t>  </a:t>
+            </a:r>
+            <a:r>
+              <a:rPr lang="nl-NL" sz="1800" dirty="0" err="1">
+                <a:latin typeface="Lucida Console" panose="020B0609040504020204" pitchFamily="49" charset="0"/>
+              </a:rPr>
+              <a:t>from</a:t>
+            </a:r>
+            <a:r>
+              <a:rPr lang="nl-NL" sz="1800" dirty="0">
+                <a:latin typeface="Lucida Console" panose="020B0609040504020204" pitchFamily="49" charset="0"/>
+              </a:rPr>
+              <a:t>   </a:t>
+            </a:r>
+            <a:r>
+              <a:rPr lang="nl-NL" sz="1800" dirty="0" smtClean="0">
+                <a:latin typeface="Lucida Console" panose="020B0609040504020204" pitchFamily="49" charset="0"/>
+              </a:rPr>
+              <a:t>dept</a:t>
+            </a:r>
+            <a:endParaRPr lang="nl-NL" sz="1800" dirty="0">
+              <a:latin typeface="Lucida Console" panose="020B0609040504020204" pitchFamily="49" charset="0"/>
+            </a:endParaRPr>
+          </a:p>
+          <a:p>
+            <a:r>
+              <a:rPr lang="nl-NL" sz="1800" dirty="0" smtClean="0">
+                <a:latin typeface="Lucida Console" panose="020B0609040504020204" pitchFamily="49" charset="0"/>
+              </a:rPr>
+              <a:t>)</a:t>
+            </a:r>
+            <a:endParaRPr lang="nl-NL" sz="1800" dirty="0">
+              <a:latin typeface="Lucida Console" panose="020B0609040504020204" pitchFamily="49" charset="0"/>
+            </a:endParaRPr>
+          </a:p>
+          <a:p>
+            <a:r>
+              <a:rPr lang="nl-NL" sz="1800" dirty="0">
+                <a:latin typeface="Lucida Console" panose="020B0609040504020204" pitchFamily="49" charset="0"/>
+              </a:rPr>
+              <a:t>select d.*</a:t>
+            </a:r>
+          </a:p>
+          <a:p>
+            <a:r>
+              <a:rPr lang="nl-NL" sz="1800" dirty="0" err="1">
+                <a:latin typeface="Lucida Console" panose="020B0609040504020204" pitchFamily="49" charset="0"/>
+              </a:rPr>
+              <a:t>from</a:t>
+            </a:r>
+            <a:r>
+              <a:rPr lang="nl-NL" sz="1800" dirty="0">
+                <a:latin typeface="Lucida Console" panose="020B0609040504020204" pitchFamily="49" charset="0"/>
+              </a:rPr>
+              <a:t>   d</a:t>
+            </a:r>
+          </a:p>
+          <a:p>
+            <a:r>
+              <a:rPr lang="nl-NL" sz="1800" dirty="0" err="1">
+                <a:latin typeface="Lucida Console" panose="020B0609040504020204" pitchFamily="49" charset="0"/>
+              </a:rPr>
+              <a:t>where</a:t>
+            </a:r>
+            <a:r>
+              <a:rPr lang="nl-NL" sz="1800" dirty="0">
+                <a:latin typeface="Lucida Console" panose="020B0609040504020204" pitchFamily="49" charset="0"/>
+              </a:rPr>
+              <a:t>  </a:t>
+            </a:r>
+            <a:r>
+              <a:rPr lang="nl-NL" sz="1800" dirty="0" err="1">
+                <a:latin typeface="Lucida Console" panose="020B0609040504020204" pitchFamily="49" charset="0"/>
+              </a:rPr>
+              <a:t>d.distance</a:t>
+            </a:r>
+            <a:r>
+              <a:rPr lang="nl-NL" sz="1800" dirty="0">
+                <a:latin typeface="Lucida Console" panose="020B0609040504020204" pitchFamily="49" charset="0"/>
+              </a:rPr>
+              <a:t> &lt; 500</a:t>
+            </a:r>
           </a:p>
         </p:txBody>
       </p:sp>
@@ -34702,7 +35483,7 @@
         <p:spPr>
           <a:xfrm>
             <a:off x="8798166" y="1727200"/>
-            <a:ext cx="7800734" cy="923330"/>
+            <a:ext cx="7800734" cy="5632311"/>
           </a:xfrm>
           <a:prstGeom prst="rect">
             <a:avLst/>
@@ -34716,52 +35497,311 @@
           <a:lstStyle/>
           <a:p>
             <a:r>
+              <a:rPr lang="nl-NL" sz="1800" dirty="0" err="1">
+                <a:latin typeface="Lucida Console" panose="020B0609040504020204" pitchFamily="49" charset="0"/>
+              </a:rPr>
+              <a:t>with</a:t>
+            </a:r>
+            <a:r>
+              <a:rPr lang="nl-NL" sz="1800" dirty="0">
+                <a:latin typeface="Lucida Console" panose="020B0609040504020204" pitchFamily="49" charset="0"/>
+              </a:rPr>
+              <a:t> d as</a:t>
+            </a:r>
+          </a:p>
+          <a:p>
+            <a:r>
+              <a:rPr lang="nl-NL" sz="1800" dirty="0">
+                <a:latin typeface="Lucida Console" panose="020B0609040504020204" pitchFamily="49" charset="0"/>
+              </a:rPr>
+              <a:t>( SELECT </a:t>
+            </a:r>
+            <a:r>
               <a:rPr lang="nl-NL" sz="1800" dirty="0" smtClean="0">
                 <a:latin typeface="Lucida Console" panose="020B0609040504020204" pitchFamily="49" charset="0"/>
               </a:rPr>
-              <a:t>-- </a:t>
+              <a:t>loc</a:t>
+            </a:r>
+          </a:p>
+          <a:p>
+            <a:r>
+              <a:rPr lang="nl-NL" sz="1800" dirty="0">
+                <a:latin typeface="Lucida Console" panose="020B0609040504020204" pitchFamily="49" charset="0"/>
+              </a:rPr>
+              <a:t> </a:t>
+            </a:r>
+            <a:r>
+              <a:rPr lang="nl-NL" sz="1800" dirty="0" smtClean="0">
+                <a:latin typeface="Lucida Console" panose="020B0609040504020204" pitchFamily="49" charset="0"/>
+              </a:rPr>
+              <a:t> ,      </a:t>
             </a:r>
             <a:r>
               <a:rPr lang="nl-NL" sz="1800" dirty="0" err="1" smtClean="0">
                 <a:latin typeface="Lucida Console" panose="020B0609040504020204" pitchFamily="49" charset="0"/>
               </a:rPr>
-              <a:t>Locator</a:t>
-            </a:r>
+              <a:t>dname</a:t>
+            </a:r>
+            <a:endParaRPr lang="nl-NL" sz="1800" dirty="0">
+              <a:latin typeface="Lucida Console" panose="020B0609040504020204" pitchFamily="49" charset="0"/>
+            </a:endParaRPr>
+          </a:p>
+          <a:p>
+            <a:r>
+              <a:rPr lang="nl-NL" sz="1800" dirty="0">
+                <a:latin typeface="Lucida Console" panose="020B0609040504020204" pitchFamily="49" charset="0"/>
+              </a:rPr>
+              <a:t>  ,      SDO_GEOM.SDO_DISTANCE</a:t>
+            </a:r>
+          </a:p>
+          <a:p>
+            <a:r>
+              <a:rPr lang="nl-NL" sz="1800" dirty="0">
+                <a:latin typeface="Lucida Console" panose="020B0609040504020204" pitchFamily="49" charset="0"/>
+              </a:rPr>
+              <a:t>         ( SDO_GEOMETRY(2001, 8307</a:t>
+            </a:r>
+            <a:br>
+              <a:rPr lang="nl-NL" sz="1800" dirty="0">
+                <a:latin typeface="Lucida Console" panose="020B0609040504020204" pitchFamily="49" charset="0"/>
+              </a:rPr>
+            </a:br>
+            <a:r>
+              <a:rPr lang="nl-NL" sz="1800" dirty="0">
+                <a:latin typeface="Lucida Console" panose="020B0609040504020204" pitchFamily="49" charset="0"/>
+              </a:rPr>
+              <a:t>         , SDO_POINT_TYPE ( -77.0364, 38.8951,NULL)</a:t>
+            </a:r>
+            <a:br>
+              <a:rPr lang="nl-NL" sz="1800" dirty="0">
+                <a:latin typeface="Lucida Console" panose="020B0609040504020204" pitchFamily="49" charset="0"/>
+              </a:rPr>
+            </a:br>
+            <a:r>
+              <a:rPr lang="nl-NL" sz="1800" dirty="0">
+                <a:latin typeface="Lucida Console" panose="020B0609040504020204" pitchFamily="49" charset="0"/>
+              </a:rPr>
+              <a:t>         , NULL, NULL</a:t>
+            </a:r>
+            <a:br>
+              <a:rPr lang="nl-NL" sz="1800" dirty="0">
+                <a:latin typeface="Lucida Console" panose="020B0609040504020204" pitchFamily="49" charset="0"/>
+              </a:rPr>
+            </a:br>
+            <a:r>
+              <a:rPr lang="nl-NL" sz="1800" dirty="0">
+                <a:latin typeface="Lucida Console" panose="020B0609040504020204" pitchFamily="49" charset="0"/>
+              </a:rPr>
+              <a:t>         )</a:t>
+            </a:r>
+          </a:p>
+          <a:p>
+            <a:r>
+              <a:rPr lang="nl-NL" sz="1800" dirty="0">
+                <a:latin typeface="Lucida Console" panose="020B0609040504020204" pitchFamily="49" charset="0"/>
+              </a:rPr>
+              <a:t>         , </a:t>
+            </a:r>
+            <a:r>
+              <a:rPr lang="nl-NL" sz="1800" dirty="0" err="1">
+                <a:latin typeface="Lucida Console" panose="020B0609040504020204" pitchFamily="49" charset="0"/>
+              </a:rPr>
+              <a:t>geo_location</a:t>
+            </a:r>
+            <a:endParaRPr lang="nl-NL" sz="1800" dirty="0">
+              <a:latin typeface="Lucida Console" panose="020B0609040504020204" pitchFamily="49" charset="0"/>
+            </a:endParaRPr>
+          </a:p>
+          <a:p>
+            <a:r>
+              <a:rPr lang="nl-NL" sz="1800" dirty="0">
+                <a:latin typeface="Lucida Console" panose="020B0609040504020204" pitchFamily="49" charset="0"/>
+              </a:rPr>
+              <a:t>         , 0.005</a:t>
+            </a:r>
+          </a:p>
+          <a:p>
+            <a:r>
+              <a:rPr lang="nl-NL" sz="1800" dirty="0">
+                <a:latin typeface="Lucida Console" panose="020B0609040504020204" pitchFamily="49" charset="0"/>
+              </a:rPr>
+              <a:t>         , 'unit=KM'</a:t>
+            </a:r>
+          </a:p>
+          <a:p>
+            <a:r>
+              <a:rPr lang="nl-NL" sz="1800" dirty="0">
+                <a:latin typeface="Lucida Console" panose="020B0609040504020204" pitchFamily="49" charset="0"/>
+              </a:rPr>
+              <a:t>         ) </a:t>
+            </a:r>
+            <a:r>
+              <a:rPr lang="nl-NL" sz="1800" dirty="0" err="1">
+                <a:latin typeface="Lucida Console" panose="020B0609040504020204" pitchFamily="49" charset="0"/>
+              </a:rPr>
+              <a:t>distance</a:t>
+            </a:r>
+            <a:endParaRPr lang="nl-NL" sz="1800" dirty="0">
+              <a:latin typeface="Lucida Console" panose="020B0609040504020204" pitchFamily="49" charset="0"/>
+            </a:endParaRPr>
+          </a:p>
+          <a:p>
+            <a:r>
+              <a:rPr lang="nl-NL" sz="1800" dirty="0">
+                <a:latin typeface="Lucida Console" panose="020B0609040504020204" pitchFamily="49" charset="0"/>
+              </a:rPr>
+              <a:t>  </a:t>
+            </a:r>
+            <a:r>
+              <a:rPr lang="nl-NL" sz="1800" dirty="0" err="1">
+                <a:latin typeface="Lucida Console" panose="020B0609040504020204" pitchFamily="49" charset="0"/>
+              </a:rPr>
+              <a:t>from</a:t>
+            </a:r>
+            <a:r>
+              <a:rPr lang="nl-NL" sz="1800" dirty="0">
+                <a:latin typeface="Lucida Console" panose="020B0609040504020204" pitchFamily="49" charset="0"/>
+              </a:rPr>
+              <a:t>   dept</a:t>
+            </a:r>
+          </a:p>
+          <a:p>
+            <a:r>
+              <a:rPr lang="nl-NL" sz="1800" dirty="0">
+                <a:latin typeface="Lucida Console" panose="020B0609040504020204" pitchFamily="49" charset="0"/>
+              </a:rPr>
+              <a:t>)</a:t>
+            </a:r>
+          </a:p>
+          <a:p>
+            <a:r>
+              <a:rPr lang="nl-NL" sz="1800" dirty="0">
+                <a:latin typeface="Lucida Console" panose="020B0609040504020204" pitchFamily="49" charset="0"/>
+              </a:rPr>
+              <a:t>select </a:t>
+            </a:r>
+            <a:r>
+              <a:rPr lang="nl-NL" sz="1800" dirty="0" err="1" smtClean="0">
+                <a:latin typeface="Lucida Console" panose="020B0609040504020204" pitchFamily="49" charset="0"/>
+              </a:rPr>
+              <a:t>d.dname</a:t>
+            </a:r>
+            <a:endParaRPr lang="nl-NL" sz="1800" dirty="0" smtClean="0">
+              <a:latin typeface="Lucida Console" panose="020B0609040504020204" pitchFamily="49" charset="0"/>
+            </a:endParaRPr>
+          </a:p>
+          <a:p>
             <a:r>
               <a:rPr lang="nl-NL" sz="1800" dirty="0" smtClean="0">
                 <a:latin typeface="Lucida Console" panose="020B0609040504020204" pitchFamily="49" charset="0"/>
               </a:rPr>
+              <a:t>,      </a:t>
+            </a:r>
+            <a:r>
+              <a:rPr lang="nl-NL" sz="1800" dirty="0" err="1" smtClean="0">
+                <a:latin typeface="Lucida Console" panose="020B0609040504020204" pitchFamily="49" charset="0"/>
+              </a:rPr>
+              <a:t>d.loc</a:t>
+            </a:r>
+            <a:endParaRPr lang="nl-NL" sz="1800" dirty="0" smtClean="0">
+              <a:latin typeface="Lucida Console" panose="020B0609040504020204" pitchFamily="49" charset="0"/>
+            </a:endParaRPr>
+          </a:p>
+          <a:p>
+            <a:r>
+              <a:rPr lang="nl-NL" sz="1800" dirty="0" smtClean="0">
+                <a:latin typeface="Lucida Console" panose="020B0609040504020204" pitchFamily="49" charset="0"/>
+              </a:rPr>
+              <a:t>,      </a:t>
+            </a:r>
+            <a:r>
+              <a:rPr lang="nl-NL" sz="1800" dirty="0" err="1" smtClean="0">
+                <a:latin typeface="Lucida Console" panose="020B0609040504020204" pitchFamily="49" charset="0"/>
+              </a:rPr>
+              <a:t>d.distance</a:t>
+            </a:r>
+            <a:r>
+              <a:rPr lang="nl-NL" sz="1800" dirty="0" smtClean="0">
+                <a:latin typeface="Lucida Console" panose="020B0609040504020204" pitchFamily="49" charset="0"/>
+              </a:rPr>
+              <a:t> “</a:t>
+            </a:r>
+            <a:r>
+              <a:rPr lang="en-US" sz="1800" dirty="0">
+                <a:latin typeface="Lucida Console" panose="020B0609040504020204" pitchFamily="49" charset="0"/>
+              </a:rPr>
+              <a:t>distance from Washington DC</a:t>
+            </a:r>
+            <a:r>
+              <a:rPr lang="nl-NL" sz="1800" dirty="0" smtClean="0">
+                <a:latin typeface="Lucida Console" panose="020B0609040504020204" pitchFamily="49" charset="0"/>
+              </a:rPr>
+              <a:t>”</a:t>
+            </a:r>
+            <a:endParaRPr lang="nl-NL" sz="1800" dirty="0">
+              <a:latin typeface="Lucida Console" panose="020B0609040504020204" pitchFamily="49" charset="0"/>
+            </a:endParaRPr>
+          </a:p>
+          <a:p>
+            <a:r>
+              <a:rPr lang="nl-NL" sz="1800" dirty="0" err="1">
+                <a:latin typeface="Lucida Console" panose="020B0609040504020204" pitchFamily="49" charset="0"/>
+              </a:rPr>
+              <a:t>from</a:t>
+            </a:r>
+            <a:r>
+              <a:rPr lang="nl-NL" sz="1800" dirty="0">
+                <a:latin typeface="Lucida Console" panose="020B0609040504020204" pitchFamily="49" charset="0"/>
+              </a:rPr>
+              <a:t>   </a:t>
+            </a:r>
+            <a:r>
+              <a:rPr lang="nl-NL" sz="1800" dirty="0" smtClean="0">
+                <a:latin typeface="Lucida Console" panose="020B0609040504020204" pitchFamily="49" charset="0"/>
+              </a:rPr>
+              <a:t>d</a:t>
+            </a:r>
+          </a:p>
+          <a:p>
+            <a:r>
+              <a:rPr lang="nl-NL" sz="1800" dirty="0">
+                <a:latin typeface="Lucida Console" panose="020B0609040504020204" pitchFamily="49" charset="0"/>
+              </a:rPr>
+              <a:t>o</a:t>
+            </a:r>
+            <a:r>
+              <a:rPr lang="nl-NL" sz="1800" dirty="0" smtClean="0">
+                <a:latin typeface="Lucida Console" panose="020B0609040504020204" pitchFamily="49" charset="0"/>
+              </a:rPr>
+              <a:t>rder</a:t>
+            </a:r>
+          </a:p>
+          <a:p>
+            <a:r>
+              <a:rPr lang="nl-NL" sz="1800" dirty="0" err="1" smtClean="0">
+                <a:latin typeface="Lucida Console" panose="020B0609040504020204" pitchFamily="49" charset="0"/>
+              </a:rPr>
+              <a:t>by</a:t>
+            </a:r>
+            <a:r>
+              <a:rPr lang="nl-NL" sz="1800" dirty="0" smtClean="0">
+                <a:latin typeface="Lucida Console" panose="020B0609040504020204" pitchFamily="49" charset="0"/>
+              </a:rPr>
+              <a:t>     </a:t>
+            </a:r>
+            <a:r>
+              <a:rPr lang="nl-NL" sz="1800" dirty="0" err="1" smtClean="0">
+                <a:latin typeface="Lucida Console" panose="020B0609040504020204" pitchFamily="49" charset="0"/>
+              </a:rPr>
+              <a:t>d.distance</a:t>
+            </a:r>
+            <a:r>
+              <a:rPr lang="nl-NL" sz="1800" dirty="0" smtClean="0">
+                <a:latin typeface="Lucida Console" panose="020B0609040504020204" pitchFamily="49" charset="0"/>
+              </a:rPr>
               <a:t> </a:t>
             </a:r>
-          </a:p>
-          <a:p>
-            <a:r>
-              <a:rPr lang="nl-NL" sz="1800" dirty="0">
-                <a:latin typeface="Lucida Console" panose="020B0609040504020204" pitchFamily="49" charset="0"/>
-              </a:rPr>
-              <a:t>(</a:t>
-            </a:r>
-            <a:r>
-              <a:rPr lang="nl-NL" sz="1800" dirty="0">
-                <a:latin typeface="Lucida Console" panose="020B0609040504020204" pitchFamily="49" charset="0"/>
-                <a:hlinkClick r:id="rId2"/>
-              </a:rPr>
-              <a:t>https://</a:t>
-            </a:r>
-            <a:r>
-              <a:rPr lang="nl-NL" sz="1800" dirty="0" smtClean="0">
-                <a:latin typeface="Lucida Console" panose="020B0609040504020204" pitchFamily="49" charset="0"/>
-                <a:hlinkClick r:id="rId2"/>
-              </a:rPr>
-              <a:t>docs.oracle.com/cd/B25329_01/doc/appdev.102/b28004/xe_locator.htm</a:t>
-            </a:r>
-            <a:r>
-              <a:rPr lang="nl-NL" sz="1800" dirty="0" smtClean="0">
-                <a:latin typeface="Lucida Console" panose="020B0609040504020204" pitchFamily="49" charset="0"/>
-              </a:rPr>
-              <a:t> )</a:t>
-            </a:r>
-            <a:endParaRPr lang="en-US" sz="1800" dirty="0">
+            <a:endParaRPr lang="nl-NL" sz="1800" dirty="0">
               <a:latin typeface="Lucida Console" panose="020B0609040504020204" pitchFamily="49" charset="0"/>
             </a:endParaRPr>
           </a:p>
@@ -35416,7 +36456,7 @@
         <p:spPr>
           <a:xfrm>
             <a:off x="8798166" y="1727200"/>
-            <a:ext cx="7800734" cy="369332"/>
+            <a:ext cx="7800734" cy="5355312"/>
           </a:xfrm>
           <a:prstGeom prst="rect">
             <a:avLst/>
@@ -35430,11 +36470,387 @@
           <a:lstStyle/>
           <a:p>
             <a:r>
+              <a:rPr lang="en-US" sz="1800" dirty="0">
+                <a:latin typeface="Lucida Console" panose="020B0609040504020204" pitchFamily="49" charset="0"/>
+              </a:rPr>
+              <a:t>update </a:t>
+            </a:r>
+            <a:r>
+              <a:rPr lang="en-US" sz="1800" dirty="0" err="1">
+                <a:latin typeface="Lucida Console" panose="020B0609040504020204" pitchFamily="49" charset="0"/>
+              </a:rPr>
+              <a:t>emp</a:t>
+            </a:r>
+            <a:endParaRPr lang="en-US" sz="1800" dirty="0">
+              <a:latin typeface="Lucida Console" panose="020B0609040504020204" pitchFamily="49" charset="0"/>
+            </a:endParaRPr>
+          </a:p>
+          <a:p>
+            <a:r>
+              <a:rPr lang="en-US" sz="1800" dirty="0">
+                <a:latin typeface="Lucida Console" panose="020B0609040504020204" pitchFamily="49" charset="0"/>
+              </a:rPr>
+              <a:t>set    bio = q'[Gerald Ford was born ... in 2006.]'</a:t>
+            </a:r>
+          </a:p>
+          <a:p>
+            <a:r>
+              <a:rPr lang="en-US" sz="1800" dirty="0">
+                <a:latin typeface="Lucida Console" panose="020B0609040504020204" pitchFamily="49" charset="0"/>
+              </a:rPr>
+              <a:t>where  </a:t>
+            </a:r>
+            <a:r>
+              <a:rPr lang="en-US" sz="1800" dirty="0" err="1">
+                <a:latin typeface="Lucida Console" panose="020B0609040504020204" pitchFamily="49" charset="0"/>
+              </a:rPr>
+              <a:t>ename</a:t>
+            </a:r>
+            <a:r>
+              <a:rPr lang="en-US" sz="1800" dirty="0">
+                <a:latin typeface="Lucida Console" panose="020B0609040504020204" pitchFamily="49" charset="0"/>
+              </a:rPr>
+              <a:t> = </a:t>
+            </a:r>
+            <a:r>
+              <a:rPr lang="en-US" sz="1800" dirty="0" smtClean="0">
+                <a:latin typeface="Lucida Console" panose="020B0609040504020204" pitchFamily="49" charset="0"/>
+              </a:rPr>
+              <a:t>'KING‘</a:t>
+            </a:r>
+          </a:p>
+          <a:p>
+            <a:endParaRPr lang="nl-NL" sz="1800" dirty="0">
+              <a:latin typeface="Lucida Console" panose="020B0609040504020204" pitchFamily="49" charset="0"/>
+            </a:endParaRPr>
+          </a:p>
+          <a:p>
+            <a:r>
+              <a:rPr lang="en-US" sz="1800" dirty="0">
+                <a:latin typeface="Lucida Console" panose="020B0609040504020204" pitchFamily="49" charset="0"/>
+              </a:rPr>
+              <a:t>update </a:t>
+            </a:r>
+            <a:r>
+              <a:rPr lang="en-US" sz="1800" dirty="0" err="1">
+                <a:latin typeface="Lucida Console" panose="020B0609040504020204" pitchFamily="49" charset="0"/>
+              </a:rPr>
+              <a:t>emp</a:t>
+            </a:r>
+            <a:endParaRPr lang="en-US" sz="1800" dirty="0">
+              <a:latin typeface="Lucida Console" panose="020B0609040504020204" pitchFamily="49" charset="0"/>
+            </a:endParaRPr>
+          </a:p>
+          <a:p>
+            <a:r>
+              <a:rPr lang="en-US" sz="1800" dirty="0">
+                <a:latin typeface="Lucida Console" panose="020B0609040504020204" pitchFamily="49" charset="0"/>
+              </a:rPr>
+              <a:t>set    bio = q'[Jamaican sprinter Yohan Blake holds ...]'</a:t>
+            </a:r>
+          </a:p>
+          <a:p>
+            <a:r>
+              <a:rPr lang="en-US" sz="1800" dirty="0">
+                <a:latin typeface="Lucida Console" panose="020B0609040504020204" pitchFamily="49" charset="0"/>
+              </a:rPr>
+              <a:t>where  </a:t>
+            </a:r>
+            <a:r>
+              <a:rPr lang="en-US" sz="1800" dirty="0" err="1">
+                <a:latin typeface="Lucida Console" panose="020B0609040504020204" pitchFamily="49" charset="0"/>
+              </a:rPr>
+              <a:t>ename</a:t>
+            </a:r>
+            <a:r>
+              <a:rPr lang="en-US" sz="1800" dirty="0">
+                <a:latin typeface="Lucida Console" panose="020B0609040504020204" pitchFamily="49" charset="0"/>
+              </a:rPr>
+              <a:t> = 'BLAKE'</a:t>
+            </a:r>
+          </a:p>
+          <a:p>
+            <a:endParaRPr lang="nl-NL" sz="1800" dirty="0" smtClean="0">
+              <a:latin typeface="Lucida Console" panose="020B0609040504020204" pitchFamily="49" charset="0"/>
+            </a:endParaRPr>
+          </a:p>
+          <a:p>
+            <a:r>
               <a:rPr lang="nl-NL" sz="1800" dirty="0" smtClean="0">
                 <a:latin typeface="Lucida Console" panose="020B0609040504020204" pitchFamily="49" charset="0"/>
               </a:rPr>
-              <a:t>-- TEXT </a:t>
-            </a:r>
+              <a:t>-- </a:t>
+            </a:r>
+            <a:r>
+              <a:rPr lang="nl-NL" sz="1800" dirty="0" err="1" smtClean="0">
+                <a:latin typeface="Lucida Console" panose="020B0609040504020204" pitchFamily="49" charset="0"/>
+              </a:rPr>
+              <a:t>create</a:t>
+            </a:r>
+            <a:r>
+              <a:rPr lang="nl-NL" sz="1800" dirty="0" smtClean="0">
+                <a:latin typeface="Lucida Console" panose="020B0609040504020204" pitchFamily="49" charset="0"/>
+              </a:rPr>
+              <a:t> a </a:t>
+            </a:r>
+            <a:r>
+              <a:rPr lang="nl-NL" sz="1800" dirty="0" err="1" smtClean="0">
+                <a:latin typeface="Lucida Console" panose="020B0609040504020204" pitchFamily="49" charset="0"/>
+              </a:rPr>
+              <a:t>multi</a:t>
+            </a:r>
+            <a:r>
+              <a:rPr lang="nl-NL" sz="1800" dirty="0" smtClean="0">
+                <a:latin typeface="Lucida Console" panose="020B0609040504020204" pitchFamily="49" charset="0"/>
+              </a:rPr>
+              <a:t> column </a:t>
+            </a:r>
+            <a:r>
+              <a:rPr lang="nl-NL" sz="1800" dirty="0" err="1" smtClean="0">
+                <a:latin typeface="Lucida Console" panose="020B0609040504020204" pitchFamily="49" charset="0"/>
+              </a:rPr>
+              <a:t>text</a:t>
+            </a:r>
+            <a:r>
+              <a:rPr lang="nl-NL" sz="1800" dirty="0" smtClean="0">
+                <a:latin typeface="Lucida Console" panose="020B0609040504020204" pitchFamily="49" charset="0"/>
+              </a:rPr>
+              <a:t> index</a:t>
+            </a:r>
+            <a:endParaRPr lang="nl-NL" sz="1800" dirty="0">
+              <a:latin typeface="Lucida Console" panose="020B0609040504020204" pitchFamily="49" charset="0"/>
+            </a:endParaRPr>
+          </a:p>
+          <a:p>
+            <a:r>
+              <a:rPr lang="en-US" sz="1800" dirty="0">
+                <a:latin typeface="Lucida Console" panose="020B0609040504020204" pitchFamily="49" charset="0"/>
+              </a:rPr>
+              <a:t>exec </a:t>
+            </a:r>
+            <a:r>
+              <a:rPr lang="en-US" sz="1800" dirty="0" err="1" smtClean="0">
+                <a:latin typeface="Lucida Console" panose="020B0609040504020204" pitchFamily="49" charset="0"/>
+              </a:rPr>
+              <a:t>ctx_ddl.create_preference</a:t>
+            </a:r>
+            <a:r>
+              <a:rPr lang="en-US" sz="1800" dirty="0" smtClean="0">
+                <a:latin typeface="Lucida Console" panose="020B0609040504020204" pitchFamily="49" charset="0"/>
+              </a:rPr>
+              <a:t/>
+            </a:r>
+            <a:br>
+              <a:rPr lang="en-US" sz="1800" dirty="0" smtClean="0">
+                <a:latin typeface="Lucida Console" panose="020B0609040504020204" pitchFamily="49" charset="0"/>
+              </a:rPr>
+            </a:br>
+            <a:r>
+              <a:rPr lang="en-US" sz="1800" dirty="0" smtClean="0">
+                <a:latin typeface="Lucida Console" panose="020B0609040504020204" pitchFamily="49" charset="0"/>
+              </a:rPr>
+              <a:t>     ( </a:t>
+            </a:r>
+            <a:r>
+              <a:rPr lang="en-US" sz="1800" dirty="0">
+                <a:latin typeface="Lucida Console" panose="020B0609040504020204" pitchFamily="49" charset="0"/>
+              </a:rPr>
+              <a:t>'</a:t>
+            </a:r>
+            <a:r>
+              <a:rPr lang="en-US" sz="1800" dirty="0" err="1">
+                <a:latin typeface="Lucida Console" panose="020B0609040504020204" pitchFamily="49" charset="0"/>
+              </a:rPr>
+              <a:t>my_mcds</a:t>
+            </a:r>
+            <a:r>
+              <a:rPr lang="en-US" sz="1800" dirty="0">
+                <a:latin typeface="Lucida Console" panose="020B0609040504020204" pitchFamily="49" charset="0"/>
+              </a:rPr>
+              <a:t>', '</a:t>
+            </a:r>
+            <a:r>
+              <a:rPr lang="en-US" sz="1800" dirty="0" err="1">
+                <a:latin typeface="Lucida Console" panose="020B0609040504020204" pitchFamily="49" charset="0"/>
+              </a:rPr>
+              <a:t>multi_column_datastore</a:t>
+            </a:r>
+            <a:r>
+              <a:rPr lang="en-US" sz="1800" dirty="0">
+                <a:latin typeface="Lucida Console" panose="020B0609040504020204" pitchFamily="49" charset="0"/>
+              </a:rPr>
+              <a:t>' )</a:t>
+            </a:r>
+          </a:p>
+          <a:p>
+            <a:r>
+              <a:rPr lang="en-US" sz="1800" dirty="0">
+                <a:latin typeface="Lucida Console" panose="020B0609040504020204" pitchFamily="49" charset="0"/>
+              </a:rPr>
+              <a:t>exec </a:t>
+            </a:r>
+            <a:r>
+              <a:rPr lang="en-US" sz="1800" dirty="0" err="1" smtClean="0">
+                <a:latin typeface="Lucida Console" panose="020B0609040504020204" pitchFamily="49" charset="0"/>
+              </a:rPr>
+              <a:t>ctx_ddl.set_attribute</a:t>
+            </a:r>
+            <a:r>
+              <a:rPr lang="en-US" sz="1800" dirty="0" smtClean="0">
+                <a:latin typeface="Lucida Console" panose="020B0609040504020204" pitchFamily="49" charset="0"/>
+              </a:rPr>
+              <a:t/>
+            </a:r>
+            <a:br>
+              <a:rPr lang="en-US" sz="1800" dirty="0" smtClean="0">
+                <a:latin typeface="Lucida Console" panose="020B0609040504020204" pitchFamily="49" charset="0"/>
+              </a:rPr>
+            </a:br>
+            <a:r>
+              <a:rPr lang="en-US" sz="1800" dirty="0" smtClean="0">
+                <a:latin typeface="Lucida Console" panose="020B0609040504020204" pitchFamily="49" charset="0"/>
+              </a:rPr>
+              <a:t>     ( '</a:t>
+            </a:r>
+            <a:r>
+              <a:rPr lang="en-US" sz="1800" dirty="0" err="1" smtClean="0">
+                <a:latin typeface="Lucida Console" panose="020B0609040504020204" pitchFamily="49" charset="0"/>
+              </a:rPr>
+              <a:t>my_mcds</a:t>
+            </a:r>
+            <a:r>
+              <a:rPr lang="en-US" sz="1800" dirty="0">
+                <a:latin typeface="Lucida Console" panose="020B0609040504020204" pitchFamily="49" charset="0"/>
+              </a:rPr>
+              <a:t>', 'columns', 'bio, </a:t>
+            </a:r>
+            <a:r>
+              <a:rPr lang="en-US" sz="1800" dirty="0" err="1">
+                <a:latin typeface="Lucida Console" panose="020B0609040504020204" pitchFamily="49" charset="0"/>
+              </a:rPr>
+              <a:t>ename</a:t>
+            </a:r>
+            <a:r>
+              <a:rPr lang="en-US" sz="1800" dirty="0">
+                <a:latin typeface="Lucida Console" panose="020B0609040504020204" pitchFamily="49" charset="0"/>
+              </a:rPr>
+              <a:t>, job' </a:t>
+            </a:r>
+            <a:r>
+              <a:rPr lang="en-US" sz="1800" dirty="0" smtClean="0">
+                <a:latin typeface="Lucida Console" panose="020B0609040504020204" pitchFamily="49" charset="0"/>
+              </a:rPr>
+              <a:t>)</a:t>
+            </a:r>
+            <a:br>
+              <a:rPr lang="en-US" sz="1800" dirty="0" smtClean="0">
+                <a:latin typeface="Lucida Console" panose="020B0609040504020204" pitchFamily="49" charset="0"/>
+              </a:rPr>
+            </a:br>
+            <a:endParaRPr lang="en-US" sz="1800" dirty="0">
+              <a:latin typeface="Lucida Console" panose="020B0609040504020204" pitchFamily="49" charset="0"/>
+            </a:endParaRPr>
+          </a:p>
+          <a:p>
+            <a:r>
+              <a:rPr lang="en-US" sz="1800" dirty="0">
+                <a:latin typeface="Lucida Console" panose="020B0609040504020204" pitchFamily="49" charset="0"/>
+              </a:rPr>
+              <a:t>create index </a:t>
+            </a:r>
+            <a:r>
+              <a:rPr lang="en-US" sz="1800" dirty="0" err="1">
+                <a:latin typeface="Lucida Console" panose="020B0609040504020204" pitchFamily="49" charset="0"/>
+              </a:rPr>
+              <a:t>emp_txt_idx</a:t>
+            </a:r>
+            <a:r>
+              <a:rPr lang="en-US" sz="1800" dirty="0">
+                <a:latin typeface="Lucida Console" panose="020B0609040504020204" pitchFamily="49" charset="0"/>
+              </a:rPr>
+              <a:t> on </a:t>
+            </a:r>
+            <a:r>
+              <a:rPr lang="en-US" sz="1800" dirty="0" err="1">
+                <a:latin typeface="Lucida Console" panose="020B0609040504020204" pitchFamily="49" charset="0"/>
+              </a:rPr>
+              <a:t>emp</a:t>
+            </a:r>
+            <a:r>
+              <a:rPr lang="en-US" sz="1800" dirty="0">
+                <a:latin typeface="Lucida Console" panose="020B0609040504020204" pitchFamily="49" charset="0"/>
+              </a:rPr>
+              <a:t>( </a:t>
+            </a:r>
+            <a:r>
+              <a:rPr lang="en-US" sz="1800" dirty="0" err="1">
+                <a:latin typeface="Lucida Console" panose="020B0609040504020204" pitchFamily="49" charset="0"/>
+              </a:rPr>
+              <a:t>ename</a:t>
+            </a:r>
+            <a:r>
+              <a:rPr lang="en-US" sz="1800" dirty="0">
+                <a:latin typeface="Lucida Console" panose="020B0609040504020204" pitchFamily="49" charset="0"/>
+              </a:rPr>
+              <a:t> )</a:t>
+            </a:r>
+          </a:p>
+          <a:p>
+            <a:r>
+              <a:rPr lang="en-US" sz="1800" dirty="0" err="1">
+                <a:latin typeface="Lucida Console" panose="020B0609040504020204" pitchFamily="49" charset="0"/>
+              </a:rPr>
+              <a:t>indextype</a:t>
+            </a:r>
+            <a:r>
+              <a:rPr lang="en-US" sz="1800" dirty="0">
+                <a:latin typeface="Lucida Console" panose="020B0609040504020204" pitchFamily="49" charset="0"/>
+              </a:rPr>
+              <a:t> is </a:t>
+            </a:r>
+            <a:r>
+              <a:rPr lang="en-US" sz="1800" dirty="0" err="1">
+                <a:latin typeface="Lucida Console" panose="020B0609040504020204" pitchFamily="49" charset="0"/>
+              </a:rPr>
+              <a:t>ctxsys.context</a:t>
+            </a:r>
+            <a:endParaRPr lang="en-US" sz="1800" dirty="0">
+              <a:latin typeface="Lucida Console" panose="020B0609040504020204" pitchFamily="49" charset="0"/>
+            </a:endParaRPr>
+          </a:p>
+          <a:p>
+            <a:r>
+              <a:rPr lang="en-US" sz="1800" dirty="0">
+                <a:latin typeface="Lucida Console" panose="020B0609040504020204" pitchFamily="49" charset="0"/>
+              </a:rPr>
+              <a:t>parameters( '</a:t>
+            </a:r>
+            <a:r>
+              <a:rPr lang="en-US" sz="1800" dirty="0" err="1">
+                <a:latin typeface="Lucida Console" panose="020B0609040504020204" pitchFamily="49" charset="0"/>
+              </a:rPr>
+              <a:t>datastore</a:t>
+            </a:r>
+            <a:r>
+              <a:rPr lang="en-US" sz="1800" dirty="0">
+                <a:latin typeface="Lucida Console" panose="020B0609040504020204" pitchFamily="49" charset="0"/>
+              </a:rPr>
+              <a:t> </a:t>
+            </a:r>
+            <a:r>
+              <a:rPr lang="en-US" sz="1800" dirty="0" err="1">
+                <a:latin typeface="Lucida Console" panose="020B0609040504020204" pitchFamily="49" charset="0"/>
+              </a:rPr>
+              <a:t>my_mcds</a:t>
+            </a:r>
+            <a:r>
+              <a:rPr lang="en-US" sz="1800" dirty="0">
+                <a:latin typeface="Lucida Console" panose="020B0609040504020204" pitchFamily="49" charset="0"/>
+              </a:rPr>
+              <a:t>' )</a:t>
+            </a:r>
+          </a:p>
+          <a:p>
             <a:endParaRPr lang="en-US" sz="1800" dirty="0">
               <a:latin typeface="Lucida Console" panose="020B0609040504020204" pitchFamily="49" charset="0"/>
             </a:endParaRPr>
@@ -35495,7 +36911,6 @@
               <a:rPr lang="en-US" dirty="0"/>
               <a:t>find the names of all managers</a:t>
             </a:r>
-            <a:endParaRPr lang="en-US" dirty="0"/>
           </a:p>
         </p:txBody>
       </p:sp>
@@ -35633,9 +37048,6 @@
               </a:rPr>
               <a:t>)</a:t>
             </a:r>
-            <a:endParaRPr lang="en-US" dirty="0" smtClean="0">
-              <a:latin typeface="Lucida Console" panose="020B0609040504020204" pitchFamily="49" charset="0"/>
-            </a:endParaRPr>
           </a:p>
         </p:txBody>
       </p:sp>
@@ -36022,7 +37434,7 @@
         <p:spPr>
           <a:xfrm>
             <a:off x="8798166" y="1727200"/>
-            <a:ext cx="7800734" cy="369332"/>
+            <a:ext cx="7800734" cy="1754326"/>
           </a:xfrm>
           <a:prstGeom prst="rect">
             <a:avLst/>
@@ -36039,7 +37451,179 @@
               <a:rPr lang="nl-NL" sz="1800" dirty="0" smtClean="0">
                 <a:latin typeface="Lucida Console" panose="020B0609040504020204" pitchFamily="49" charset="0"/>
               </a:rPr>
-              <a:t>-- TEXT </a:t>
+              <a:t>-- </a:t>
+            </a:r>
+            <a:r>
+              <a:rPr lang="nl-NL" sz="1800" dirty="0" err="1" smtClean="0">
+                <a:latin typeface="Lucida Console" panose="020B0609040504020204" pitchFamily="49" charset="0"/>
+              </a:rPr>
+              <a:t>leveraging</a:t>
+            </a:r>
+            <a:r>
+              <a:rPr lang="nl-NL" sz="1800" dirty="0" smtClean="0">
+                <a:latin typeface="Lucida Console" panose="020B0609040504020204" pitchFamily="49" charset="0"/>
+              </a:rPr>
+              <a:t> </a:t>
+            </a:r>
+            <a:r>
+              <a:rPr lang="nl-NL" sz="1800" dirty="0" err="1" smtClean="0">
+                <a:latin typeface="Lucida Console" panose="020B0609040504020204" pitchFamily="49" charset="0"/>
+              </a:rPr>
+              <a:t>the</a:t>
+            </a:r>
+            <a:r>
+              <a:rPr lang="nl-NL" sz="1800" dirty="0" smtClean="0">
+                <a:latin typeface="Lucida Console" panose="020B0609040504020204" pitchFamily="49" charset="0"/>
+              </a:rPr>
+              <a:t> </a:t>
+            </a:r>
+            <a:r>
+              <a:rPr lang="nl-NL" sz="1800" dirty="0" err="1" smtClean="0">
+                <a:latin typeface="Lucida Console" panose="020B0609040504020204" pitchFamily="49" charset="0"/>
+              </a:rPr>
+              <a:t>multicolumn</a:t>
+            </a:r>
+            <a:r>
+              <a:rPr lang="nl-NL" sz="1800" dirty="0" smtClean="0">
+                <a:latin typeface="Lucida Console" panose="020B0609040504020204" pitchFamily="49" charset="0"/>
+              </a:rPr>
+              <a:t> </a:t>
+            </a:r>
+            <a:r>
+              <a:rPr lang="nl-NL" sz="1800" dirty="0" err="1" smtClean="0">
+                <a:latin typeface="Lucida Console" panose="020B0609040504020204" pitchFamily="49" charset="0"/>
+              </a:rPr>
+              <a:t>text</a:t>
+            </a:r>
+            <a:r>
+              <a:rPr lang="nl-NL" sz="1800" dirty="0" smtClean="0">
+                <a:latin typeface="Lucida Console" panose="020B0609040504020204" pitchFamily="49" charset="0"/>
+              </a:rPr>
+              <a:t> index </a:t>
+            </a:r>
+            <a:br>
+              <a:rPr lang="nl-NL" sz="1800" dirty="0" smtClean="0">
+                <a:latin typeface="Lucida Console" panose="020B0609040504020204" pitchFamily="49" charset="0"/>
+              </a:rPr>
+            </a:br>
+            <a:r>
+              <a:rPr lang="nl-NL" sz="1800" dirty="0" smtClean="0">
+                <a:latin typeface="Lucida Console" panose="020B0609040504020204" pitchFamily="49" charset="0"/>
+              </a:rPr>
+              <a:t>-- on </a:t>
+            </a:r>
+            <a:r>
+              <a:rPr lang="nl-NL" sz="1800" dirty="0" err="1" smtClean="0">
+                <a:latin typeface="Lucida Console" panose="020B0609040504020204" pitchFamily="49" charset="0"/>
+              </a:rPr>
+              <a:t>ename</a:t>
+            </a:r>
+            <a:r>
+              <a:rPr lang="nl-NL" sz="1800" dirty="0" smtClean="0">
+                <a:latin typeface="Lucida Console" panose="020B0609040504020204" pitchFamily="49" charset="0"/>
+              </a:rPr>
+              <a:t>, bio </a:t>
+            </a:r>
+            <a:r>
+              <a:rPr lang="nl-NL" sz="1800" dirty="0" err="1" smtClean="0">
+                <a:latin typeface="Lucida Console" panose="020B0609040504020204" pitchFamily="49" charset="0"/>
+              </a:rPr>
+              <a:t>and</a:t>
+            </a:r>
+            <a:r>
+              <a:rPr lang="nl-NL" sz="1800" dirty="0" smtClean="0">
+                <a:latin typeface="Lucida Console" panose="020B0609040504020204" pitchFamily="49" charset="0"/>
+              </a:rPr>
+              <a:t> job</a:t>
+            </a:r>
+          </a:p>
+          <a:p>
+            <a:r>
+              <a:rPr lang="en-US" sz="1800" dirty="0">
+                <a:latin typeface="Lucida Console" panose="020B0609040504020204" pitchFamily="49" charset="0"/>
+              </a:rPr>
+              <a:t>SELECT </a:t>
+            </a:r>
+            <a:r>
+              <a:rPr lang="en-US" sz="1800" dirty="0" err="1" smtClean="0">
+                <a:latin typeface="Lucida Console" panose="020B0609040504020204" pitchFamily="49" charset="0"/>
+              </a:rPr>
+              <a:t>ename</a:t>
+            </a:r>
+            <a:endParaRPr lang="en-US" sz="1800" dirty="0" smtClean="0">
+              <a:latin typeface="Lucida Console" panose="020B0609040504020204" pitchFamily="49" charset="0"/>
+            </a:endParaRPr>
+          </a:p>
+          <a:p>
+            <a:r>
+              <a:rPr lang="en-US" sz="1800" dirty="0" smtClean="0">
+                <a:latin typeface="Lucida Console" panose="020B0609040504020204" pitchFamily="49" charset="0"/>
+              </a:rPr>
+              <a:t>,      SCORE(1</a:t>
+            </a:r>
+            <a:r>
+              <a:rPr lang="en-US" sz="1800" dirty="0">
+                <a:latin typeface="Lucida Console" panose="020B0609040504020204" pitchFamily="49" charset="0"/>
+              </a:rPr>
+              <a:t>)</a:t>
+            </a:r>
+          </a:p>
+          <a:p>
+            <a:r>
+              <a:rPr lang="en-US" sz="1800" dirty="0">
+                <a:latin typeface="Lucida Console" panose="020B0609040504020204" pitchFamily="49" charset="0"/>
+              </a:rPr>
+              <a:t>FROM   </a:t>
+            </a:r>
+            <a:r>
+              <a:rPr lang="en-US" sz="1800" dirty="0" err="1">
+                <a:latin typeface="Lucida Console" panose="020B0609040504020204" pitchFamily="49" charset="0"/>
+              </a:rPr>
+              <a:t>emp</a:t>
+            </a:r>
+            <a:r>
+              <a:rPr lang="en-US" sz="1800" dirty="0">
+                <a:latin typeface="Lucida Console" panose="020B0609040504020204" pitchFamily="49" charset="0"/>
+              </a:rPr>
+              <a:t> </a:t>
+            </a:r>
+          </a:p>
+          <a:p>
+            <a:r>
+              <a:rPr lang="en-US" sz="1800" dirty="0">
+                <a:latin typeface="Lucida Console" panose="020B0609040504020204" pitchFamily="49" charset="0"/>
+              </a:rPr>
+              <a:t>WHERE  </a:t>
+            </a:r>
+            <a:r>
+              <a:rPr lang="en-US" sz="1800" dirty="0" smtClean="0">
+                <a:latin typeface="Lucida Console" panose="020B0609040504020204" pitchFamily="49" charset="0"/>
+              </a:rPr>
+              <a:t>CONTAINS(</a:t>
+            </a:r>
+            <a:r>
+              <a:rPr lang="en-US" sz="1800" dirty="0" err="1" smtClean="0">
+                <a:latin typeface="Lucida Console" panose="020B0609040504020204" pitchFamily="49" charset="0"/>
+              </a:rPr>
+              <a:t>ename</a:t>
+            </a:r>
+            <a:r>
+              <a:rPr lang="en-US" sz="1800" dirty="0" smtClean="0">
+                <a:latin typeface="Lucida Console" panose="020B0609040504020204" pitchFamily="49" charset="0"/>
+              </a:rPr>
+              <a:t>, </a:t>
+            </a:r>
+            <a:r>
+              <a:rPr lang="en-US" sz="1800" dirty="0">
+                <a:latin typeface="Lucida Console" panose="020B0609040504020204" pitchFamily="49" charset="0"/>
+              </a:rPr>
+              <a:t>'lead', 1) &gt; 0</a:t>
+            </a:r>
+            <a:r>
+              <a:rPr lang="nl-NL" sz="1800" dirty="0" smtClean="0">
+                <a:latin typeface="Lucida Console" panose="020B0609040504020204" pitchFamily="49" charset="0"/>
+              </a:rPr>
+              <a:t> </a:t>
             </a:r>
             <a:endParaRPr lang="en-US" sz="1800" dirty="0">
               <a:latin typeface="Lucida Console" panose="020B0609040504020204" pitchFamily="49" charset="0"/>
@@ -36422,7 +38006,7 @@
         <p:spPr>
           <a:xfrm>
             <a:off x="8798166" y="1727200"/>
-            <a:ext cx="7800734" cy="369332"/>
+            <a:ext cx="7800734" cy="2308324"/>
           </a:xfrm>
           <a:prstGeom prst="rect">
             <a:avLst/>
@@ -36436,10 +38020,216 @@
           <a:lstStyle/>
           <a:p>
             <a:r>
+              <a:rPr lang="nl-NL" sz="1800" dirty="0">
+                <a:latin typeface="Lucida Console" panose="020B0609040504020204" pitchFamily="49" charset="0"/>
+              </a:rPr>
+              <a:t>-- </a:t>
+            </a:r>
+            <a:r>
+              <a:rPr lang="nl-NL" sz="1800" dirty="0" err="1">
+                <a:latin typeface="Lucida Console" panose="020B0609040504020204" pitchFamily="49" charset="0"/>
+              </a:rPr>
+              <a:t>leveraging</a:t>
+            </a:r>
+            <a:r>
+              <a:rPr lang="nl-NL" sz="1800" dirty="0">
+                <a:latin typeface="Lucida Console" panose="020B0609040504020204" pitchFamily="49" charset="0"/>
+              </a:rPr>
+              <a:t> </a:t>
+            </a:r>
+            <a:r>
+              <a:rPr lang="nl-NL" sz="1800" dirty="0" err="1">
+                <a:latin typeface="Lucida Console" panose="020B0609040504020204" pitchFamily="49" charset="0"/>
+              </a:rPr>
+              <a:t>the</a:t>
+            </a:r>
+            <a:r>
+              <a:rPr lang="nl-NL" sz="1800" dirty="0">
+                <a:latin typeface="Lucida Console" panose="020B0609040504020204" pitchFamily="49" charset="0"/>
+              </a:rPr>
+              <a:t> </a:t>
+            </a:r>
+            <a:r>
+              <a:rPr lang="nl-NL" sz="1800" dirty="0" err="1">
+                <a:latin typeface="Lucida Console" panose="020B0609040504020204" pitchFamily="49" charset="0"/>
+              </a:rPr>
+              <a:t>multicolumn</a:t>
+            </a:r>
+            <a:r>
+              <a:rPr lang="nl-NL" sz="1800" dirty="0">
+                <a:latin typeface="Lucida Console" panose="020B0609040504020204" pitchFamily="49" charset="0"/>
+              </a:rPr>
+              <a:t> </a:t>
+            </a:r>
+            <a:r>
+              <a:rPr lang="nl-NL" sz="1800" dirty="0" err="1">
+                <a:latin typeface="Lucida Console" panose="020B0609040504020204" pitchFamily="49" charset="0"/>
+              </a:rPr>
+              <a:t>text</a:t>
+            </a:r>
+            <a:r>
+              <a:rPr lang="nl-NL" sz="1800" dirty="0">
+                <a:latin typeface="Lucida Console" panose="020B0609040504020204" pitchFamily="49" charset="0"/>
+              </a:rPr>
+              <a:t> index </a:t>
+            </a:r>
+            <a:br>
+              <a:rPr lang="nl-NL" sz="1800" dirty="0">
+                <a:latin typeface="Lucida Console" panose="020B0609040504020204" pitchFamily="49" charset="0"/>
+              </a:rPr>
+            </a:br>
+            <a:r>
+              <a:rPr lang="nl-NL" sz="1800" dirty="0">
+                <a:latin typeface="Lucida Console" panose="020B0609040504020204" pitchFamily="49" charset="0"/>
+              </a:rPr>
+              <a:t>-- on </a:t>
+            </a:r>
+            <a:r>
+              <a:rPr lang="nl-NL" sz="1800" dirty="0" err="1">
+                <a:latin typeface="Lucida Console" panose="020B0609040504020204" pitchFamily="49" charset="0"/>
+              </a:rPr>
+              <a:t>ename</a:t>
+            </a:r>
+            <a:r>
+              <a:rPr lang="nl-NL" sz="1800" dirty="0">
+                <a:latin typeface="Lucida Console" panose="020B0609040504020204" pitchFamily="49" charset="0"/>
+              </a:rPr>
+              <a:t>, bio </a:t>
+            </a:r>
+            <a:r>
+              <a:rPr lang="nl-NL" sz="1800" dirty="0" err="1">
+                <a:latin typeface="Lucida Console" panose="020B0609040504020204" pitchFamily="49" charset="0"/>
+              </a:rPr>
+              <a:t>and</a:t>
+            </a:r>
+            <a:r>
+              <a:rPr lang="nl-NL" sz="1800" dirty="0">
+                <a:latin typeface="Lucida Console" panose="020B0609040504020204" pitchFamily="49" charset="0"/>
+              </a:rPr>
+              <a:t> job</a:t>
+            </a:r>
+          </a:p>
+          <a:p>
+            <a:r>
+              <a:rPr lang="en-US" sz="1800" dirty="0">
+                <a:latin typeface="Lucida Console" panose="020B0609040504020204" pitchFamily="49" charset="0"/>
+              </a:rPr>
+              <a:t>SELECT </a:t>
+            </a:r>
+            <a:r>
+              <a:rPr lang="en-US" sz="1800" dirty="0" err="1">
+                <a:latin typeface="Lucida Console" panose="020B0609040504020204" pitchFamily="49" charset="0"/>
+              </a:rPr>
+              <a:t>ename</a:t>
+            </a:r>
+            <a:endParaRPr lang="en-US" sz="1800" dirty="0">
+              <a:latin typeface="Lucida Console" panose="020B0609040504020204" pitchFamily="49" charset="0"/>
+            </a:endParaRPr>
+          </a:p>
+          <a:p>
+            <a:r>
+              <a:rPr lang="en-US" sz="1800" dirty="0">
+                <a:latin typeface="Lucida Console" panose="020B0609040504020204" pitchFamily="49" charset="0"/>
+              </a:rPr>
+              <a:t>,      SCORE(1</a:t>
+            </a:r>
+            <a:r>
+              <a:rPr lang="en-US" sz="1800" dirty="0" smtClean="0">
+                <a:latin typeface="Lucida Console" panose="020B0609040504020204" pitchFamily="49" charset="0"/>
+              </a:rPr>
+              <a:t>) score</a:t>
+            </a:r>
+            <a:endParaRPr lang="en-US" sz="1800" dirty="0">
+              <a:latin typeface="Lucida Console" panose="020B0609040504020204" pitchFamily="49" charset="0"/>
+            </a:endParaRPr>
+          </a:p>
+          <a:p>
+            <a:r>
+              <a:rPr lang="en-US" sz="1800" dirty="0">
+                <a:latin typeface="Lucida Console" panose="020B0609040504020204" pitchFamily="49" charset="0"/>
+              </a:rPr>
+              <a:t>FROM   </a:t>
+            </a:r>
+            <a:r>
+              <a:rPr lang="en-US" sz="1800" dirty="0" err="1">
+                <a:latin typeface="Lucida Console" panose="020B0609040504020204" pitchFamily="49" charset="0"/>
+              </a:rPr>
+              <a:t>emp</a:t>
+            </a:r>
+            <a:r>
+              <a:rPr lang="en-US" sz="1800" dirty="0">
+                <a:latin typeface="Lucida Console" panose="020B0609040504020204" pitchFamily="49" charset="0"/>
+              </a:rPr>
+              <a:t> </a:t>
+            </a:r>
+          </a:p>
+          <a:p>
+            <a:r>
+              <a:rPr lang="en-US" sz="1800" dirty="0">
+                <a:latin typeface="Lucida Console" panose="020B0609040504020204" pitchFamily="49" charset="0"/>
+              </a:rPr>
+              <a:t>WHERE  CONTAINS(</a:t>
+            </a:r>
+            <a:r>
+              <a:rPr lang="en-US" sz="1800" dirty="0" err="1">
+                <a:latin typeface="Lucida Console" panose="020B0609040504020204" pitchFamily="49" charset="0"/>
+              </a:rPr>
+              <a:t>ename</a:t>
+            </a:r>
+            <a:r>
+              <a:rPr lang="en-US" sz="1800" dirty="0">
+                <a:latin typeface="Lucida Console" panose="020B0609040504020204" pitchFamily="49" charset="0"/>
+              </a:rPr>
+              <a:t>, </a:t>
+            </a:r>
+            <a:r>
+              <a:rPr lang="en-US" sz="1800" dirty="0" smtClean="0">
+                <a:latin typeface="Lucida Console" panose="020B0609040504020204" pitchFamily="49" charset="0"/>
+              </a:rPr>
+              <a:t>'$manage', </a:t>
+            </a:r>
+            <a:r>
+              <a:rPr lang="en-US" sz="1800" dirty="0">
+                <a:latin typeface="Lucida Console" panose="020B0609040504020204" pitchFamily="49" charset="0"/>
+              </a:rPr>
+              <a:t>1) &gt; 0</a:t>
+            </a:r>
+            <a:r>
+              <a:rPr lang="nl-NL" sz="1800" dirty="0">
+                <a:latin typeface="Lucida Console" panose="020B0609040504020204" pitchFamily="49" charset="0"/>
+              </a:rPr>
+              <a:t> </a:t>
+            </a:r>
+            <a:endParaRPr lang="nl-NL" sz="1800" dirty="0" smtClean="0">
+              <a:latin typeface="Lucida Console" panose="020B0609040504020204" pitchFamily="49" charset="0"/>
+            </a:endParaRPr>
+          </a:p>
+          <a:p>
+            <a:r>
               <a:rPr lang="nl-NL" sz="1800" dirty="0" smtClean="0">
                 <a:latin typeface="Lucida Console" panose="020B0609040504020204" pitchFamily="49" charset="0"/>
               </a:rPr>
-              <a:t>-- TEXT </a:t>
+              <a:t>order</a:t>
+            </a:r>
+          </a:p>
+          <a:p>
+            <a:r>
+              <a:rPr lang="nl-NL" sz="1800" dirty="0" err="1" smtClean="0">
+                <a:latin typeface="Lucida Console" panose="020B0609040504020204" pitchFamily="49" charset="0"/>
+              </a:rPr>
+              <a:t>By</a:t>
+            </a:r>
+            <a:r>
+              <a:rPr lang="nl-NL" sz="1800" dirty="0" smtClean="0">
+                <a:latin typeface="Lucida Console" panose="020B0609040504020204" pitchFamily="49" charset="0"/>
+              </a:rPr>
+              <a:t>     score </a:t>
+            </a:r>
+            <a:r>
+              <a:rPr lang="nl-NL" sz="1800" dirty="0" err="1" smtClean="0">
+                <a:latin typeface="Lucida Console" panose="020B0609040504020204" pitchFamily="49" charset="0"/>
+              </a:rPr>
+              <a:t>desc</a:t>
             </a:r>
             <a:endParaRPr lang="en-US" sz="1800" dirty="0">
               <a:latin typeface="Lucida Console" panose="020B0609040504020204" pitchFamily="49" charset="0"/>
@@ -37144,9 +38934,6 @@
               </a:rPr>
               <a:t>.limit(2)</a:t>
             </a:r>
-            <a:endParaRPr lang="en-US" dirty="0" smtClean="0">
-              <a:latin typeface="Lucida Console" panose="020B0609040504020204" pitchFamily="49" charset="0"/>
-            </a:endParaRPr>
           </a:p>
         </p:txBody>
       </p:sp>
@@ -37612,9 +39399,6 @@
               </a:rPr>
               <a:t>( {'ENAME':1})</a:t>
             </a:r>
-            <a:endParaRPr lang="en-US" dirty="0" smtClean="0">
-              <a:latin typeface="Lucida Console" panose="020B0609040504020204" pitchFamily="49" charset="0"/>
-            </a:endParaRPr>
           </a:p>
         </p:txBody>
       </p:sp>
@@ -37903,7 +39687,6 @@
               <a:rPr lang="en-US" dirty="0"/>
               <a:t>and salary and sorted alphabetically by name</a:t>
             </a:r>
-            <a:endParaRPr lang="en-US" dirty="0"/>
           </a:p>
         </p:txBody>
       </p:sp>
@@ -38084,9 +39867,6 @@
               </a:rPr>
               <a:t>( {'ENAME':1})</a:t>
             </a:r>
-            <a:endParaRPr lang="en-US" dirty="0" smtClean="0">
-              <a:latin typeface="Lucida Console" panose="020B0609040504020204" pitchFamily="49" charset="0"/>
-            </a:endParaRPr>
           </a:p>
         </p:txBody>
       </p:sp>
@@ -38754,9 +40534,6 @@
               </a:rPr>
               <a:t>)</a:t>
             </a:r>
-            <a:endParaRPr lang="en-US" dirty="0" smtClean="0">
-              <a:latin typeface="Lucida Console" panose="020B0609040504020204" pitchFamily="49" charset="0"/>
-            </a:endParaRPr>
           </a:p>
         </p:txBody>
       </p:sp>
@@ -39736,7 +41513,7 @@
   <a:extraClrSchemeLst/>
   <a:extLst>
     <a:ext uri="{05A4C25C-085E-4340-85A3-A5531E510DB2}">
-      <thm15:themeFamily xmlns="" xmlns:thm15="http://schemas.microsoft.com/office/thememl/2012/main" name="AMIS_WIDESCREEN" id="{B3E69953-2F37-46EB-A098-E591A47BCAD3}" vid="{18689EA0-6BAF-404F-B4FD-27D36DF7127D}"/>
+      <thm15:themeFamily xmlns:thm15="http://schemas.microsoft.com/office/thememl/2012/main" xmlns="" name="AMIS_WIDESCREEN" id="{B3E69953-2F37-46EB-A098-E591A47BCAD3}" vid="{18689EA0-6BAF-404F-B4FD-27D36DF7127D}"/>
     </a:ext>
   </a:extLst>
 </a:theme>

--- a/mongodb-find-agg-vs-oracle-sql.pptx
+++ b/mongodb-find-agg-vs-oracle-sql.pptx
@@ -30912,7 +30912,7 @@
         <p:spPr>
           <a:xfrm>
             <a:off x="8798166" y="1727200"/>
-            <a:ext cx="7800734" cy="646331"/>
+            <a:ext cx="7800734" cy="8217634"/>
           </a:xfrm>
           <a:prstGeom prst="rect">
             <a:avLst/>
@@ -30926,9 +30926,150 @@
           <a:lstStyle/>
           <a:p>
             <a:r>
+              <a:rPr lang="en-US" sz="1800" dirty="0">
+                <a:latin typeface="Lucida Console" panose="020B0609040504020204" pitchFamily="49" charset="0"/>
+              </a:rPr>
+              <a:t>create or replace type </a:t>
+            </a:r>
+            <a:r>
+              <a:rPr lang="en-US" sz="1800" dirty="0" err="1">
+                <a:latin typeface="Lucida Console" panose="020B0609040504020204" pitchFamily="49" charset="0"/>
+              </a:rPr>
+              <a:t>emp_t</a:t>
+            </a:r>
+            <a:r>
+              <a:rPr lang="en-US" sz="1800" dirty="0">
+                <a:latin typeface="Lucida Console" panose="020B0609040504020204" pitchFamily="49" charset="0"/>
+              </a:rPr>
+              <a:t> as object</a:t>
+            </a:r>
+          </a:p>
+          <a:p>
+            <a:r>
+              <a:rPr lang="en-US" sz="1800" dirty="0">
+                <a:latin typeface="Lucida Console" panose="020B0609040504020204" pitchFamily="49" charset="0"/>
+              </a:rPr>
+              <a:t>( EMPNO            NUMBER(4)      </a:t>
+            </a:r>
+          </a:p>
+          <a:p>
+            <a:r>
+              <a:rPr lang="en-US" sz="1400" dirty="0">
+                <a:latin typeface="Lucida Console" panose="020B0609040504020204" pitchFamily="49" charset="0"/>
+              </a:rPr>
+              <a:t>, ENAME              VARCHAR2(10)   </a:t>
+            </a:r>
+          </a:p>
+          <a:p>
+            <a:r>
+              <a:rPr lang="en-US" sz="1400" dirty="0">
+                <a:latin typeface="Lucida Console" panose="020B0609040504020204" pitchFamily="49" charset="0"/>
+              </a:rPr>
+              <a:t>, JOB                VARCHAR2(9)    </a:t>
+            </a:r>
+          </a:p>
+          <a:p>
+            <a:r>
+              <a:rPr lang="en-US" sz="1400" dirty="0">
+                <a:latin typeface="Lucida Console" panose="020B0609040504020204" pitchFamily="49" charset="0"/>
+              </a:rPr>
+              <a:t>, MGR                NUMBER(4)      </a:t>
+            </a:r>
+          </a:p>
+          <a:p>
+            <a:r>
+              <a:rPr lang="en-US" sz="1400" dirty="0">
+                <a:latin typeface="Lucida Console" panose="020B0609040504020204" pitchFamily="49" charset="0"/>
+              </a:rPr>
+              <a:t>, SAL                NUMBER(7,2)    </a:t>
+            </a:r>
+          </a:p>
+          <a:p>
+            <a:r>
+              <a:rPr lang="en-US" sz="1400" dirty="0">
+                <a:latin typeface="Lucida Console" panose="020B0609040504020204" pitchFamily="49" charset="0"/>
+              </a:rPr>
+              <a:t>, COMM               NUMBER(7,2)    </a:t>
+            </a:r>
+          </a:p>
+          <a:p>
+            <a:r>
+              <a:rPr lang="en-US" sz="1400" dirty="0">
+                <a:latin typeface="Lucida Console" panose="020B0609040504020204" pitchFamily="49" charset="0"/>
+              </a:rPr>
+              <a:t>, STARTDATE          DATE</a:t>
+            </a:r>
+          </a:p>
+          <a:p>
+            <a:r>
+              <a:rPr lang="en-US" sz="1800" dirty="0">
+                <a:latin typeface="Lucida Console" panose="020B0609040504020204" pitchFamily="49" charset="0"/>
+              </a:rPr>
+              <a:t>)</a:t>
+            </a:r>
+          </a:p>
+          <a:p>
+            <a:endParaRPr lang="en-US" sz="1800" dirty="0">
+              <a:latin typeface="Lucida Console" panose="020B0609040504020204" pitchFamily="49" charset="0"/>
+            </a:endParaRPr>
+          </a:p>
+          <a:p>
+            <a:r>
+              <a:rPr lang="en-US" sz="1800" dirty="0">
+                <a:latin typeface="Lucida Console" panose="020B0609040504020204" pitchFamily="49" charset="0"/>
+              </a:rPr>
+              <a:t>create or replace type </a:t>
+            </a:r>
+            <a:r>
+              <a:rPr lang="en-US" sz="1800" dirty="0" err="1">
+                <a:latin typeface="Lucida Console" panose="020B0609040504020204" pitchFamily="49" charset="0"/>
+              </a:rPr>
+              <a:t>emp_tbl_t</a:t>
+            </a:r>
+            <a:r>
+              <a:rPr lang="en-US" sz="1800" dirty="0">
+                <a:latin typeface="Lucida Console" panose="020B0609040504020204" pitchFamily="49" charset="0"/>
+              </a:rPr>
+              <a:t> as  table of </a:t>
+            </a:r>
+            <a:r>
+              <a:rPr lang="en-US" sz="1800" dirty="0" err="1">
+                <a:latin typeface="Lucida Console" panose="020B0609040504020204" pitchFamily="49" charset="0"/>
+              </a:rPr>
+              <a:t>emp_t</a:t>
+            </a:r>
+            <a:r>
+              <a:rPr lang="en-US" sz="1800" dirty="0">
+                <a:latin typeface="Lucida Console" panose="020B0609040504020204" pitchFamily="49" charset="0"/>
+              </a:rPr>
+              <a:t> </a:t>
+            </a:r>
+            <a:r>
               <a:rPr lang="nl-NL" sz="1800" dirty="0" smtClean="0">
                 <a:latin typeface="Lucida Console" panose="020B0609040504020204" pitchFamily="49" charset="0"/>
               </a:rPr>
+              <a:t/>
+            </a:r>
+            <a:br>
+              <a:rPr lang="nl-NL" sz="1800" dirty="0" smtClean="0">
+                <a:latin typeface="Lucida Console" panose="020B0609040504020204" pitchFamily="49" charset="0"/>
+              </a:rPr>
+            </a:br>
+            <a:r>
+              <a:rPr lang="nl-NL" sz="1800" dirty="0" smtClean="0">
+                <a:latin typeface="Lucida Console" panose="020B0609040504020204" pitchFamily="49" charset="0"/>
+              </a:rPr>
+              <a:t/>
+            </a:r>
+            <a:br>
+              <a:rPr lang="nl-NL" sz="1800" dirty="0" smtClean="0">
+                <a:latin typeface="Lucida Console" panose="020B0609040504020204" pitchFamily="49" charset="0"/>
+              </a:rPr>
+            </a:br>
+            <a:r>
+              <a:rPr lang="nl-NL" sz="1800" dirty="0" smtClean="0">
+                <a:latin typeface="Lucida Console" panose="020B0609040504020204" pitchFamily="49" charset="0"/>
+              </a:rPr>
               <a:t>-- </a:t>
             </a:r>
             <a:r>
@@ -30976,41 +31117,325 @@
               <a:t> </a:t>
             </a:r>
             <a:r>
+              <a:rPr lang="nl-NL" sz="1800" dirty="0" err="1">
+                <a:latin typeface="Lucida Console" panose="020B0609040504020204" pitchFamily="49" charset="0"/>
+              </a:rPr>
+              <a:t>n</a:t>
+            </a:r>
+            <a:r>
               <a:rPr lang="nl-NL" sz="1800" dirty="0" err="1" smtClean="0">
                 <a:latin typeface="Lucida Console" panose="020B0609040504020204" pitchFamily="49" charset="0"/>
               </a:rPr>
-              <a:t>nested</a:t>
+              <a:t>ested</a:t>
             </a:r>
             <a:r>
               <a:rPr lang="nl-NL" sz="1800" dirty="0" smtClean="0">
                 <a:latin typeface="Lucida Console" panose="020B0609040504020204" pitchFamily="49" charset="0"/>
               </a:rPr>
-              <a:t> cursor? </a:t>
+              <a:t> </a:t>
             </a:r>
             <a:r>
               <a:rPr lang="nl-NL" sz="1800" dirty="0" err="1" smtClean="0">
                 <a:latin typeface="Lucida Console" panose="020B0609040504020204" pitchFamily="49" charset="0"/>
               </a:rPr>
-              <a:t>Nested</a:t>
-            </a:r>
-            <a:r>
-              <a:rPr lang="nl-NL" sz="1800" dirty="0" smtClean="0">
-                <a:latin typeface="Lucida Console" panose="020B0609040504020204" pitchFamily="49" charset="0"/>
-              </a:rPr>
-              <a:t> </a:t>
-            </a:r>
-            <a:r>
-              <a:rPr lang="nl-NL" sz="1800" dirty="0" err="1" smtClean="0">
-                <a:latin typeface="Lucida Console" panose="020B0609040504020204" pitchFamily="49" charset="0"/>
-              </a:rPr>
               <a:t>table</a:t>
             </a:r>
-            <a:r>
-              <a:rPr lang="nl-NL" sz="1800" dirty="0" smtClean="0">
-                <a:latin typeface="Lucida Console" panose="020B0609040504020204" pitchFamily="49" charset="0"/>
-              </a:rPr>
-              <a:t>?</a:t>
-            </a:r>
+            <a:endParaRPr lang="nl-NL" sz="1800" dirty="0" smtClean="0">
+              <a:latin typeface="Lucida Console" panose="020B0609040504020204" pitchFamily="49" charset="0"/>
+            </a:endParaRPr>
+          </a:p>
+          <a:p>
+            <a:r>
+              <a:rPr lang="en-US" sz="1800" dirty="0">
+                <a:latin typeface="Lucida Console" panose="020B0609040504020204" pitchFamily="49" charset="0"/>
+              </a:rPr>
+              <a:t>create materialized view departments</a:t>
+            </a:r>
+          </a:p>
+          <a:p>
+            <a:r>
+              <a:rPr lang="en-US" sz="1800" dirty="0">
+                <a:latin typeface="Lucida Console" panose="020B0609040504020204" pitchFamily="49" charset="0"/>
+              </a:rPr>
+              <a:t>BUILD IMMEDIATE </a:t>
+            </a:r>
+          </a:p>
+          <a:p>
+            <a:r>
+              <a:rPr lang="en-US" sz="1800" dirty="0">
+                <a:latin typeface="Lucida Console" panose="020B0609040504020204" pitchFamily="49" charset="0"/>
+              </a:rPr>
+              <a:t>REFRESH FORCE </a:t>
+            </a:r>
+          </a:p>
+          <a:p>
+            <a:r>
+              <a:rPr lang="en-US" sz="1800" dirty="0">
+                <a:latin typeface="Lucida Console" panose="020B0609040504020204" pitchFamily="49" charset="0"/>
+              </a:rPr>
+              <a:t>ON DEMAND </a:t>
+            </a:r>
+          </a:p>
+          <a:p>
+            <a:r>
+              <a:rPr lang="en-US" sz="1800" dirty="0">
+                <a:latin typeface="Lucida Console" panose="020B0609040504020204" pitchFamily="49" charset="0"/>
+              </a:rPr>
+              <a:t>as </a:t>
+            </a:r>
+          </a:p>
+          <a:p>
+            <a:r>
+              <a:rPr lang="en-US" sz="1800" dirty="0">
+                <a:latin typeface="Lucida Console" panose="020B0609040504020204" pitchFamily="49" charset="0"/>
+              </a:rPr>
+              <a:t>select </a:t>
+            </a:r>
+            <a:r>
+              <a:rPr lang="en-US" sz="1800" dirty="0" err="1">
+                <a:latin typeface="Lucida Console" panose="020B0609040504020204" pitchFamily="49" charset="0"/>
+              </a:rPr>
+              <a:t>deptno</a:t>
+            </a:r>
+            <a:endParaRPr lang="en-US" sz="1800" dirty="0">
+              <a:latin typeface="Lucida Console" panose="020B0609040504020204" pitchFamily="49" charset="0"/>
+            </a:endParaRPr>
+          </a:p>
+          <a:p>
+            <a:r>
+              <a:rPr lang="en-US" sz="1800" dirty="0">
+                <a:latin typeface="Lucida Console" panose="020B0609040504020204" pitchFamily="49" charset="0"/>
+              </a:rPr>
+              <a:t>,      </a:t>
+            </a:r>
+            <a:r>
+              <a:rPr lang="en-US" sz="1800" dirty="0" err="1">
+                <a:latin typeface="Lucida Console" panose="020B0609040504020204" pitchFamily="49" charset="0"/>
+              </a:rPr>
+              <a:t>dname</a:t>
+            </a:r>
+            <a:endParaRPr lang="en-US" sz="1800" dirty="0">
+              <a:latin typeface="Lucida Console" panose="020B0609040504020204" pitchFamily="49" charset="0"/>
+            </a:endParaRPr>
+          </a:p>
+          <a:p>
+            <a:r>
+              <a:rPr lang="en-US" sz="1800" dirty="0">
+                <a:latin typeface="Lucida Console" panose="020B0609040504020204" pitchFamily="49" charset="0"/>
+              </a:rPr>
+              <a:t>,      </a:t>
+            </a:r>
+            <a:r>
+              <a:rPr lang="en-US" sz="1800" dirty="0" err="1">
+                <a:latin typeface="Lucida Console" panose="020B0609040504020204" pitchFamily="49" charset="0"/>
+              </a:rPr>
+              <a:t>loc</a:t>
+            </a:r>
+            <a:endParaRPr lang="en-US" sz="1800" dirty="0">
+              <a:latin typeface="Lucida Console" panose="020B0609040504020204" pitchFamily="49" charset="0"/>
+            </a:endParaRPr>
+          </a:p>
+          <a:p>
+            <a:r>
+              <a:rPr lang="en-US" sz="1800" dirty="0">
+                <a:latin typeface="Lucida Console" panose="020B0609040504020204" pitchFamily="49" charset="0"/>
+              </a:rPr>
+              <a:t>,      cast ( multiset ( select </a:t>
+            </a:r>
+            <a:r>
+              <a:rPr lang="en-US" sz="1800" dirty="0" err="1">
+                <a:latin typeface="Lucida Console" panose="020B0609040504020204" pitchFamily="49" charset="0"/>
+              </a:rPr>
+              <a:t>empno</a:t>
+            </a:r>
+            <a:r>
+              <a:rPr lang="en-US" sz="1800" dirty="0">
+                <a:latin typeface="Lucida Console" panose="020B0609040504020204" pitchFamily="49" charset="0"/>
+              </a:rPr>
+              <a:t>, </a:t>
+            </a:r>
+            <a:r>
+              <a:rPr lang="en-US" sz="1800" dirty="0" err="1">
+                <a:latin typeface="Lucida Console" panose="020B0609040504020204" pitchFamily="49" charset="0"/>
+              </a:rPr>
+              <a:t>ename</a:t>
+            </a:r>
+            <a:r>
+              <a:rPr lang="en-US" sz="1800" dirty="0">
+                <a:latin typeface="Lucida Console" panose="020B0609040504020204" pitchFamily="49" charset="0"/>
+              </a:rPr>
+              <a:t>, </a:t>
+            </a:r>
+            <a:r>
+              <a:rPr lang="en-US" sz="1800" dirty="0" smtClean="0">
+                <a:latin typeface="Lucida Console" panose="020B0609040504020204" pitchFamily="49" charset="0"/>
+              </a:rPr>
+              <a:t>job</a:t>
+            </a:r>
+            <a:br>
+              <a:rPr lang="en-US" sz="1800" dirty="0" smtClean="0">
+                <a:latin typeface="Lucida Console" panose="020B0609040504020204" pitchFamily="49" charset="0"/>
+              </a:rPr>
+            </a:br>
+            <a:r>
+              <a:rPr lang="en-US" sz="1800" dirty="0" smtClean="0">
+                <a:latin typeface="Lucida Console" panose="020B0609040504020204" pitchFamily="49" charset="0"/>
+              </a:rPr>
+              <a:t>                         ,    </a:t>
+            </a:r>
+            <a:r>
+              <a:rPr lang="en-US" sz="1800" dirty="0" err="1" smtClean="0">
+                <a:latin typeface="Lucida Console" panose="020B0609040504020204" pitchFamily="49" charset="0"/>
+              </a:rPr>
+              <a:t>mgr</a:t>
+            </a:r>
+            <a:r>
+              <a:rPr lang="en-US" sz="1800" dirty="0">
+                <a:latin typeface="Lucida Console" panose="020B0609040504020204" pitchFamily="49" charset="0"/>
+              </a:rPr>
+              <a:t>, </a:t>
+            </a:r>
+            <a:r>
+              <a:rPr lang="en-US" sz="1800" dirty="0" err="1">
+                <a:latin typeface="Lucida Console" panose="020B0609040504020204" pitchFamily="49" charset="0"/>
+              </a:rPr>
+              <a:t>sal</a:t>
+            </a:r>
+            <a:r>
+              <a:rPr lang="en-US" sz="1800" dirty="0">
+                <a:latin typeface="Lucida Console" panose="020B0609040504020204" pitchFamily="49" charset="0"/>
+              </a:rPr>
+              <a:t>, </a:t>
+            </a:r>
+            <a:r>
+              <a:rPr lang="en-US" sz="1800" dirty="0" err="1">
+                <a:latin typeface="Lucida Console" panose="020B0609040504020204" pitchFamily="49" charset="0"/>
+              </a:rPr>
+              <a:t>comm</a:t>
+            </a:r>
+            <a:r>
+              <a:rPr lang="en-US" sz="1800" dirty="0">
+                <a:latin typeface="Lucida Console" panose="020B0609040504020204" pitchFamily="49" charset="0"/>
+              </a:rPr>
+              <a:t>, </a:t>
+            </a:r>
+            <a:r>
+              <a:rPr lang="en-US" sz="1800" dirty="0" err="1">
+                <a:latin typeface="Lucida Console" panose="020B0609040504020204" pitchFamily="49" charset="0"/>
+              </a:rPr>
+              <a:t>hiredate</a:t>
+            </a:r>
+            <a:endParaRPr lang="en-US" sz="1800" dirty="0">
+              <a:latin typeface="Lucida Console" panose="020B0609040504020204" pitchFamily="49" charset="0"/>
+            </a:endParaRPr>
+          </a:p>
+          <a:p>
+            <a:r>
+              <a:rPr lang="en-US" sz="1800" dirty="0">
+                <a:latin typeface="Lucida Console" panose="020B0609040504020204" pitchFamily="49" charset="0"/>
+              </a:rPr>
+              <a:t>                         from   </a:t>
+            </a:r>
+            <a:r>
+              <a:rPr lang="en-US" sz="1800" dirty="0" err="1">
+                <a:latin typeface="Lucida Console" panose="020B0609040504020204" pitchFamily="49" charset="0"/>
+              </a:rPr>
+              <a:t>emp</a:t>
+            </a:r>
+            <a:r>
+              <a:rPr lang="en-US" sz="1800" dirty="0">
+                <a:latin typeface="Lucida Console" panose="020B0609040504020204" pitchFamily="49" charset="0"/>
+              </a:rPr>
+              <a:t> e</a:t>
+            </a:r>
+          </a:p>
+          <a:p>
+            <a:r>
+              <a:rPr lang="en-US" sz="1800" dirty="0">
+                <a:latin typeface="Lucida Console" panose="020B0609040504020204" pitchFamily="49" charset="0"/>
+              </a:rPr>
+              <a:t>                         where  </a:t>
+            </a:r>
+            <a:r>
+              <a:rPr lang="en-US" sz="1800" dirty="0" err="1">
+                <a:latin typeface="Lucida Console" panose="020B0609040504020204" pitchFamily="49" charset="0"/>
+              </a:rPr>
+              <a:t>e.deptno</a:t>
+            </a:r>
+            <a:r>
+              <a:rPr lang="en-US" sz="1800" dirty="0">
+                <a:latin typeface="Lucida Console" panose="020B0609040504020204" pitchFamily="49" charset="0"/>
+              </a:rPr>
+              <a:t> = </a:t>
+            </a:r>
+            <a:r>
+              <a:rPr lang="en-US" sz="1800" dirty="0" err="1" smtClean="0">
+                <a:latin typeface="Lucida Console" panose="020B0609040504020204" pitchFamily="49" charset="0"/>
+              </a:rPr>
+              <a:t>d.deptno</a:t>
+            </a:r>
+            <a:r>
+              <a:rPr lang="en-US" sz="1800" dirty="0" smtClean="0">
+                <a:latin typeface="Lucida Console" panose="020B0609040504020204" pitchFamily="49" charset="0"/>
+              </a:rPr>
+              <a:t/>
+            </a:r>
+            <a:br>
+              <a:rPr lang="en-US" sz="1800" dirty="0" smtClean="0">
+                <a:latin typeface="Lucida Console" panose="020B0609040504020204" pitchFamily="49" charset="0"/>
+              </a:rPr>
+            </a:br>
+            <a:r>
+              <a:rPr lang="en-US" sz="1800" dirty="0" smtClean="0">
+                <a:latin typeface="Lucida Console" panose="020B0609040504020204" pitchFamily="49" charset="0"/>
+              </a:rPr>
+              <a:t>                       ) </a:t>
+            </a:r>
+            <a:br>
+              <a:rPr lang="en-US" sz="1800" dirty="0" smtClean="0">
+                <a:latin typeface="Lucida Console" panose="020B0609040504020204" pitchFamily="49" charset="0"/>
+              </a:rPr>
+            </a:br>
+            <a:r>
+              <a:rPr lang="en-US" sz="1800" dirty="0" smtClean="0">
+                <a:latin typeface="Lucida Console" panose="020B0609040504020204" pitchFamily="49" charset="0"/>
+              </a:rPr>
+              <a:t>              as </a:t>
+            </a:r>
+            <a:r>
+              <a:rPr lang="en-US" sz="1800" dirty="0" err="1">
+                <a:latin typeface="Lucida Console" panose="020B0609040504020204" pitchFamily="49" charset="0"/>
+              </a:rPr>
+              <a:t>emp_tbl_t</a:t>
+            </a:r>
+            <a:r>
+              <a:rPr lang="en-US" sz="1800" dirty="0">
+                <a:latin typeface="Lucida Console" panose="020B0609040504020204" pitchFamily="49" charset="0"/>
+              </a:rPr>
+              <a:t>) staff</a:t>
+            </a:r>
+          </a:p>
+          <a:p>
+            <a:r>
+              <a:rPr lang="en-US" sz="1800" dirty="0">
+                <a:latin typeface="Lucida Console" panose="020B0609040504020204" pitchFamily="49" charset="0"/>
+              </a:rPr>
+              <a:t>from   </a:t>
+            </a:r>
+            <a:r>
+              <a:rPr lang="en-US" sz="1800" dirty="0" err="1">
+                <a:latin typeface="Lucida Console" panose="020B0609040504020204" pitchFamily="49" charset="0"/>
+              </a:rPr>
+              <a:t>dept</a:t>
+            </a:r>
+            <a:r>
+              <a:rPr lang="en-US" sz="1800" dirty="0">
+                <a:latin typeface="Lucida Console" panose="020B0609040504020204" pitchFamily="49" charset="0"/>
+              </a:rPr>
+              <a:t> d</a:t>
+            </a:r>
+          </a:p>
+          <a:p>
             <a:endParaRPr lang="en-US" sz="1800" dirty="0">
               <a:latin typeface="Lucida Console" panose="020B0609040504020204" pitchFamily="49" charset="0"/>
             </a:endParaRPr>
@@ -31266,7 +31691,7 @@
         <p:spPr>
           <a:xfrm>
             <a:off x="8798166" y="1727200"/>
-            <a:ext cx="7800734" cy="646331"/>
+            <a:ext cx="7800734" cy="2308324"/>
           </a:xfrm>
           <a:prstGeom prst="rect">
             <a:avLst/>
@@ -31280,90 +31705,168 @@
           <a:lstStyle/>
           <a:p>
             <a:r>
-              <a:rPr lang="nl-NL" sz="1800" dirty="0" smtClean="0">
-                <a:latin typeface="Lucida Console" panose="020B0609040504020204" pitchFamily="49" charset="0"/>
-              </a:rPr>
-              <a:t>-- </a:t>
-            </a:r>
-            <a:r>
-              <a:rPr lang="nl-NL" sz="1800" dirty="0" err="1" smtClean="0">
-                <a:latin typeface="Lucida Console" panose="020B0609040504020204" pitchFamily="49" charset="0"/>
-              </a:rPr>
-              <a:t>create</a:t>
-            </a:r>
-            <a:r>
-              <a:rPr lang="nl-NL" sz="1800" dirty="0" smtClean="0">
+              <a:rPr lang="en-US" sz="1800" dirty="0">
+                <a:latin typeface="Lucida Console" panose="020B0609040504020204" pitchFamily="49" charset="0"/>
+              </a:rPr>
+              <a:t>select </a:t>
+            </a:r>
+            <a:r>
+              <a:rPr lang="en-US" sz="1800" dirty="0" err="1">
+                <a:latin typeface="Lucida Console" panose="020B0609040504020204" pitchFamily="49" charset="0"/>
+              </a:rPr>
+              <a:t>d.deptno</a:t>
+            </a:r>
+            <a:endParaRPr lang="en-US" sz="1800" dirty="0">
+              <a:latin typeface="Lucida Console" panose="020B0609040504020204" pitchFamily="49" charset="0"/>
+            </a:endParaRPr>
+          </a:p>
+          <a:p>
+            <a:r>
+              <a:rPr lang="en-US" sz="1800" dirty="0" smtClean="0">
+                <a:latin typeface="Lucida Console" panose="020B0609040504020204" pitchFamily="49" charset="0"/>
+              </a:rPr>
+              <a:t>,      </a:t>
+            </a:r>
+            <a:r>
+              <a:rPr lang="en-US" sz="1800" dirty="0" err="1">
+                <a:latin typeface="Lucida Console" panose="020B0609040504020204" pitchFamily="49" charset="0"/>
+              </a:rPr>
+              <a:t>d.dname</a:t>
+            </a:r>
+            <a:endParaRPr lang="en-US" sz="1800" dirty="0">
+              <a:latin typeface="Lucida Console" panose="020B0609040504020204" pitchFamily="49" charset="0"/>
+            </a:endParaRPr>
+          </a:p>
+          <a:p>
+            <a:r>
+              <a:rPr lang="en-US" sz="1800" dirty="0" smtClean="0">
+                <a:latin typeface="Lucida Console" panose="020B0609040504020204" pitchFamily="49" charset="0"/>
+              </a:rPr>
+              <a:t>,      </a:t>
+            </a:r>
+            <a:r>
+              <a:rPr lang="en-US" sz="1800" dirty="0" err="1">
+                <a:latin typeface="Lucida Console" panose="020B0609040504020204" pitchFamily="49" charset="0"/>
+              </a:rPr>
+              <a:t>d.loc</a:t>
+            </a:r>
+            <a:endParaRPr lang="en-US" sz="1800" dirty="0">
+              <a:latin typeface="Lucida Console" panose="020B0609040504020204" pitchFamily="49" charset="0"/>
+            </a:endParaRPr>
+          </a:p>
+          <a:p>
+            <a:r>
+              <a:rPr lang="en-US" sz="1800" dirty="0" smtClean="0">
+                <a:latin typeface="Lucida Console" panose="020B0609040504020204" pitchFamily="49" charset="0"/>
+              </a:rPr>
+              <a:t>from   </a:t>
+            </a:r>
+            <a:r>
+              <a:rPr lang="en-US" sz="1800" dirty="0">
+                <a:latin typeface="Lucida Console" panose="020B0609040504020204" pitchFamily="49" charset="0"/>
+              </a:rPr>
+              <a:t>departments d</a:t>
+            </a:r>
+          </a:p>
+          <a:p>
+            <a:r>
+              <a:rPr lang="en-US" sz="1800" dirty="0" smtClean="0">
+                <a:latin typeface="Lucida Console" panose="020B0609040504020204" pitchFamily="49" charset="0"/>
+              </a:rPr>
+              <a:t>where  ( </a:t>
+            </a:r>
+            <a:r>
+              <a:rPr lang="en-US" sz="1800" dirty="0">
+                <a:latin typeface="Lucida Console" panose="020B0609040504020204" pitchFamily="49" charset="0"/>
+              </a:rPr>
+              <a:t>select count(*) </a:t>
+            </a:r>
+            <a:r>
+              <a:rPr lang="en-US" sz="1800" dirty="0" smtClean="0">
+                <a:latin typeface="Lucida Console" panose="020B0609040504020204" pitchFamily="49" charset="0"/>
+              </a:rPr>
+              <a:t/>
+            </a:r>
+            <a:br>
+              <a:rPr lang="en-US" sz="1800" dirty="0" smtClean="0">
+                <a:latin typeface="Lucida Console" panose="020B0609040504020204" pitchFamily="49" charset="0"/>
+              </a:rPr>
+            </a:br>
+            <a:r>
+              <a:rPr lang="en-US" sz="1800" dirty="0" smtClean="0">
+                <a:latin typeface="Lucida Console" panose="020B0609040504020204" pitchFamily="49" charset="0"/>
+              </a:rPr>
+              <a:t>         from </a:t>
+            </a:r>
+            <a:r>
+              <a:rPr lang="en-US" sz="1800" dirty="0">
+                <a:latin typeface="Lucida Console" panose="020B0609040504020204" pitchFamily="49" charset="0"/>
+              </a:rPr>
+              <a:t>table(</a:t>
+            </a:r>
+            <a:r>
+              <a:rPr lang="en-US" sz="1800" dirty="0" err="1">
+                <a:latin typeface="Lucida Console" panose="020B0609040504020204" pitchFamily="49" charset="0"/>
+              </a:rPr>
+              <a:t>d.staff</a:t>
+            </a:r>
+            <a:r>
+              <a:rPr lang="en-US" sz="1800" dirty="0">
+                <a:latin typeface="Lucida Console" panose="020B0609040504020204" pitchFamily="49" charset="0"/>
+              </a:rPr>
+              <a:t>) </a:t>
+            </a:r>
+            <a:r>
+              <a:rPr lang="en-US" sz="1800" dirty="0" smtClean="0">
+                <a:latin typeface="Lucida Console" panose="020B0609040504020204" pitchFamily="49" charset="0"/>
+              </a:rPr>
+              <a:t/>
+            </a:r>
+            <a:br>
+              <a:rPr lang="en-US" sz="1800" dirty="0" smtClean="0">
+                <a:latin typeface="Lucida Console" panose="020B0609040504020204" pitchFamily="49" charset="0"/>
+              </a:rPr>
+            </a:br>
+            <a:r>
+              <a:rPr lang="en-US" sz="1800" dirty="0" smtClean="0">
+                <a:latin typeface="Lucida Console" panose="020B0609040504020204" pitchFamily="49" charset="0"/>
+              </a:rPr>
+              <a:t>         where </a:t>
+            </a:r>
+            <a:r>
+              <a:rPr lang="en-US" sz="1800" dirty="0" err="1" smtClean="0">
+                <a:latin typeface="Lucida Console" panose="020B0609040504020204" pitchFamily="49" charset="0"/>
+              </a:rPr>
+              <a:t>ename</a:t>
+            </a:r>
+            <a:r>
+              <a:rPr lang="en-US" sz="1800" dirty="0" smtClean="0">
                 <a:latin typeface="Lucida Console" panose="020B0609040504020204" pitchFamily="49" charset="0"/>
               </a:rPr>
               <a:t> </a:t>
             </a:r>
             <a:r>
-              <a:rPr lang="nl-NL" sz="1800" dirty="0" err="1" smtClean="0">
-                <a:latin typeface="Lucida Console" panose="020B0609040504020204" pitchFamily="49" charset="0"/>
-              </a:rPr>
-              <a:t>materialized</a:t>
-            </a:r>
-            <a:r>
-              <a:rPr lang="nl-NL" sz="1800" dirty="0" smtClean="0">
-                <a:latin typeface="Lucida Console" panose="020B0609040504020204" pitchFamily="49" charset="0"/>
-              </a:rPr>
-              <a:t> view</a:t>
-            </a:r>
-          </a:p>
-          <a:p>
-            <a:r>
-              <a:rPr lang="nl-NL" sz="1800" dirty="0" smtClean="0">
-                <a:latin typeface="Lucida Console" panose="020B0609040504020204" pitchFamily="49" charset="0"/>
-              </a:rPr>
-              <a:t>-- </a:t>
-            </a:r>
-            <a:r>
-              <a:rPr lang="nl-NL" sz="1800" dirty="0" err="1" smtClean="0">
-                <a:latin typeface="Lucida Console" panose="020B0609040504020204" pitchFamily="49" charset="0"/>
-              </a:rPr>
-              <a:t>with</a:t>
-            </a:r>
-            <a:r>
-              <a:rPr lang="nl-NL" sz="1800" dirty="0" smtClean="0">
-                <a:latin typeface="Lucida Console" panose="020B0609040504020204" pitchFamily="49" charset="0"/>
-              </a:rPr>
-              <a:t> </a:t>
-            </a:r>
-            <a:r>
-              <a:rPr lang="nl-NL" sz="1800" dirty="0" err="1" smtClean="0">
-                <a:latin typeface="Lucida Console" panose="020B0609040504020204" pitchFamily="49" charset="0"/>
-              </a:rPr>
-              <a:t>nested</a:t>
-            </a:r>
-            <a:r>
-              <a:rPr lang="nl-NL" sz="1800" dirty="0" smtClean="0">
-                <a:latin typeface="Lucida Console" panose="020B0609040504020204" pitchFamily="49" charset="0"/>
-              </a:rPr>
-              <a:t> cursor? </a:t>
-            </a:r>
-            <a:r>
-              <a:rPr lang="nl-NL" sz="1800" dirty="0" err="1" smtClean="0">
-                <a:latin typeface="Lucida Console" panose="020B0609040504020204" pitchFamily="49" charset="0"/>
-              </a:rPr>
-              <a:t>Nested</a:t>
-            </a:r>
-            <a:r>
-              <a:rPr lang="nl-NL" sz="1800" dirty="0" smtClean="0">
-                <a:latin typeface="Lucida Console" panose="020B0609040504020204" pitchFamily="49" charset="0"/>
-              </a:rPr>
-              <a:t> </a:t>
-            </a:r>
-            <a:r>
-              <a:rPr lang="nl-NL" sz="1800" dirty="0" err="1" smtClean="0">
-                <a:latin typeface="Lucida Console" panose="020B0609040504020204" pitchFamily="49" charset="0"/>
-              </a:rPr>
-              <a:t>table</a:t>
-            </a:r>
-            <a:r>
-              <a:rPr lang="nl-NL" sz="1800" dirty="0" smtClean="0">
-                <a:latin typeface="Lucida Console" panose="020B0609040504020204" pitchFamily="49" charset="0"/>
-              </a:rPr>
-              <a:t>?</a:t>
+              <a:rPr lang="en-US" sz="1800" dirty="0">
+                <a:latin typeface="Lucida Console" panose="020B0609040504020204" pitchFamily="49" charset="0"/>
+              </a:rPr>
+              <a:t>=</a:t>
+            </a:r>
+            <a:r>
+              <a:rPr lang="en-US" sz="1800" dirty="0" smtClean="0">
+                <a:latin typeface="Lucida Console" panose="020B0609040504020204" pitchFamily="49" charset="0"/>
+              </a:rPr>
+              <a:t>'KING'</a:t>
+            </a:r>
+            <a:br>
+              <a:rPr lang="en-US" sz="1800" dirty="0" smtClean="0">
+                <a:latin typeface="Lucida Console" panose="020B0609040504020204" pitchFamily="49" charset="0"/>
+              </a:rPr>
+            </a:br>
+            <a:r>
+              <a:rPr lang="en-US" sz="1800" dirty="0" smtClean="0">
+                <a:latin typeface="Lucida Console" panose="020B0609040504020204" pitchFamily="49" charset="0"/>
+              </a:rPr>
+              <a:t>       ) &gt; 0</a:t>
             </a:r>
             <a:endParaRPr lang="en-US" sz="1800" dirty="0">
               <a:latin typeface="Lucida Console" panose="020B0609040504020204" pitchFamily="49" charset="0"/>
@@ -31759,7 +32262,7 @@
         <p:spPr>
           <a:xfrm>
             <a:off x="8798166" y="1727200"/>
-            <a:ext cx="7800734" cy="646331"/>
+            <a:ext cx="7800734" cy="2031325"/>
           </a:xfrm>
           <a:prstGeom prst="rect">
             <a:avLst/>
@@ -31773,90 +32276,109 @@
           <a:lstStyle/>
           <a:p>
             <a:r>
-              <a:rPr lang="nl-NL" sz="1800" dirty="0" smtClean="0">
-                <a:latin typeface="Lucida Console" panose="020B0609040504020204" pitchFamily="49" charset="0"/>
-              </a:rPr>
-              <a:t>-- </a:t>
-            </a:r>
-            <a:r>
-              <a:rPr lang="nl-NL" sz="1800" dirty="0" err="1" smtClean="0">
-                <a:latin typeface="Lucida Console" panose="020B0609040504020204" pitchFamily="49" charset="0"/>
-              </a:rPr>
-              <a:t>create</a:t>
-            </a:r>
-            <a:r>
-              <a:rPr lang="nl-NL" sz="1800" dirty="0" smtClean="0">
-                <a:latin typeface="Lucida Console" panose="020B0609040504020204" pitchFamily="49" charset="0"/>
-              </a:rPr>
-              <a:t> </a:t>
-            </a:r>
-            <a:r>
-              <a:rPr lang="nl-NL" sz="1800" dirty="0" err="1" smtClean="0">
-                <a:latin typeface="Lucida Console" panose="020B0609040504020204" pitchFamily="49" charset="0"/>
-              </a:rPr>
-              <a:t>materialized</a:t>
-            </a:r>
-            <a:r>
-              <a:rPr lang="nl-NL" sz="1800" dirty="0" smtClean="0">
-                <a:latin typeface="Lucida Console" panose="020B0609040504020204" pitchFamily="49" charset="0"/>
-              </a:rPr>
-              <a:t> view</a:t>
-            </a:r>
-          </a:p>
-          <a:p>
-            <a:r>
-              <a:rPr lang="nl-NL" sz="1800" dirty="0" smtClean="0">
-                <a:latin typeface="Lucida Console" panose="020B0609040504020204" pitchFamily="49" charset="0"/>
-              </a:rPr>
-              <a:t>-- </a:t>
-            </a:r>
-            <a:r>
-              <a:rPr lang="nl-NL" sz="1800" dirty="0" err="1" smtClean="0">
-                <a:latin typeface="Lucida Console" panose="020B0609040504020204" pitchFamily="49" charset="0"/>
-              </a:rPr>
-              <a:t>with</a:t>
-            </a:r>
-            <a:r>
-              <a:rPr lang="nl-NL" sz="1800" dirty="0" smtClean="0">
-                <a:latin typeface="Lucida Console" panose="020B0609040504020204" pitchFamily="49" charset="0"/>
-              </a:rPr>
-              <a:t> </a:t>
-            </a:r>
-            <a:r>
-              <a:rPr lang="nl-NL" sz="1800" dirty="0" err="1" smtClean="0">
-                <a:latin typeface="Lucida Console" panose="020B0609040504020204" pitchFamily="49" charset="0"/>
-              </a:rPr>
-              <a:t>nested</a:t>
-            </a:r>
-            <a:r>
-              <a:rPr lang="nl-NL" sz="1800" dirty="0" smtClean="0">
-                <a:latin typeface="Lucida Console" panose="020B0609040504020204" pitchFamily="49" charset="0"/>
-              </a:rPr>
-              <a:t> cursor? </a:t>
-            </a:r>
-            <a:r>
-              <a:rPr lang="nl-NL" sz="1800" dirty="0" err="1" smtClean="0">
-                <a:latin typeface="Lucida Console" panose="020B0609040504020204" pitchFamily="49" charset="0"/>
-              </a:rPr>
-              <a:t>Nested</a:t>
-            </a:r>
-            <a:r>
-              <a:rPr lang="nl-NL" sz="1800" dirty="0" smtClean="0">
-                <a:latin typeface="Lucida Console" panose="020B0609040504020204" pitchFamily="49" charset="0"/>
-              </a:rPr>
-              <a:t> </a:t>
-            </a:r>
-            <a:r>
-              <a:rPr lang="nl-NL" sz="1800" dirty="0" err="1" smtClean="0">
-                <a:latin typeface="Lucida Console" panose="020B0609040504020204" pitchFamily="49" charset="0"/>
-              </a:rPr>
-              <a:t>table</a:t>
-            </a:r>
-            <a:r>
-              <a:rPr lang="nl-NL" sz="1800" dirty="0" smtClean="0">
-                <a:latin typeface="Lucida Console" panose="020B0609040504020204" pitchFamily="49" charset="0"/>
-              </a:rPr>
-              <a:t>?</a:t>
+              <a:rPr lang="en-US" sz="1800" dirty="0">
+                <a:latin typeface="Lucida Console" panose="020B0609040504020204" pitchFamily="49" charset="0"/>
+              </a:rPr>
+              <a:t>select </a:t>
+            </a:r>
+            <a:r>
+              <a:rPr lang="en-US" sz="1800" dirty="0" err="1">
+                <a:latin typeface="Lucida Console" panose="020B0609040504020204" pitchFamily="49" charset="0"/>
+              </a:rPr>
+              <a:t>d.deptno</a:t>
+            </a:r>
+            <a:endParaRPr lang="en-US" sz="1800" dirty="0">
+              <a:latin typeface="Lucida Console" panose="020B0609040504020204" pitchFamily="49" charset="0"/>
+            </a:endParaRPr>
+          </a:p>
+          <a:p>
+            <a:r>
+              <a:rPr lang="en-US" sz="1800" dirty="0">
+                <a:latin typeface="Lucida Console" panose="020B0609040504020204" pitchFamily="49" charset="0"/>
+              </a:rPr>
+              <a:t>,      </a:t>
+            </a:r>
+            <a:r>
+              <a:rPr lang="en-US" sz="1800" dirty="0" err="1">
+                <a:latin typeface="Lucida Console" panose="020B0609040504020204" pitchFamily="49" charset="0"/>
+              </a:rPr>
+              <a:t>d.dname</a:t>
+            </a:r>
+            <a:endParaRPr lang="en-US" sz="1800" dirty="0">
+              <a:latin typeface="Lucida Console" panose="020B0609040504020204" pitchFamily="49" charset="0"/>
+            </a:endParaRPr>
+          </a:p>
+          <a:p>
+            <a:r>
+              <a:rPr lang="en-US" sz="1800" dirty="0">
+                <a:latin typeface="Lucida Console" panose="020B0609040504020204" pitchFamily="49" charset="0"/>
+              </a:rPr>
+              <a:t>,      </a:t>
+            </a:r>
+            <a:r>
+              <a:rPr lang="en-US" sz="1800" dirty="0" err="1">
+                <a:latin typeface="Lucida Console" panose="020B0609040504020204" pitchFamily="49" charset="0"/>
+              </a:rPr>
+              <a:t>d.loc</a:t>
+            </a:r>
+            <a:endParaRPr lang="en-US" sz="1800" dirty="0">
+              <a:latin typeface="Lucida Console" panose="020B0609040504020204" pitchFamily="49" charset="0"/>
+            </a:endParaRPr>
+          </a:p>
+          <a:p>
+            <a:r>
+              <a:rPr lang="en-US" sz="1800" dirty="0">
+                <a:latin typeface="Lucida Console" panose="020B0609040504020204" pitchFamily="49" charset="0"/>
+              </a:rPr>
+              <a:t>,      staff.*</a:t>
+            </a:r>
+          </a:p>
+          <a:p>
+            <a:r>
+              <a:rPr lang="en-US" sz="1800" dirty="0">
+                <a:latin typeface="Lucida Console" panose="020B0609040504020204" pitchFamily="49" charset="0"/>
+              </a:rPr>
+              <a:t>from   departments d</a:t>
+            </a:r>
+          </a:p>
+          <a:p>
+            <a:r>
+              <a:rPr lang="en-US" sz="1800" dirty="0">
+                <a:latin typeface="Lucida Console" panose="020B0609040504020204" pitchFamily="49" charset="0"/>
+              </a:rPr>
+              <a:t>,      table(</a:t>
+            </a:r>
+            <a:r>
+              <a:rPr lang="en-US" sz="1800" dirty="0" err="1">
+                <a:latin typeface="Lucida Console" panose="020B0609040504020204" pitchFamily="49" charset="0"/>
+              </a:rPr>
+              <a:t>d.staff</a:t>
+            </a:r>
+            <a:r>
+              <a:rPr lang="en-US" sz="1800" dirty="0">
+                <a:latin typeface="Lucida Console" panose="020B0609040504020204" pitchFamily="49" charset="0"/>
+              </a:rPr>
+              <a:t>) staff</a:t>
+            </a:r>
+          </a:p>
+          <a:p>
+            <a:r>
+              <a:rPr lang="en-US" sz="1800" dirty="0">
+                <a:latin typeface="Lucida Console" panose="020B0609040504020204" pitchFamily="49" charset="0"/>
+              </a:rPr>
+              <a:t>where  </a:t>
+            </a:r>
+            <a:r>
+              <a:rPr lang="en-US" sz="1800" dirty="0" err="1">
+                <a:latin typeface="Lucida Console" panose="020B0609040504020204" pitchFamily="49" charset="0"/>
+              </a:rPr>
+              <a:t>staff.ename</a:t>
+            </a:r>
+            <a:r>
+              <a:rPr lang="en-US" sz="1800" dirty="0">
+                <a:latin typeface="Lucida Console" panose="020B0609040504020204" pitchFamily="49" charset="0"/>
+              </a:rPr>
+              <a:t> = 'KING'</a:t>
             </a:r>
             <a:endParaRPr lang="en-US" sz="1800" dirty="0">
               <a:latin typeface="Lucida Console" panose="020B0609040504020204" pitchFamily="49" charset="0"/>
@@ -32180,7 +32702,7 @@
         <p:spPr>
           <a:xfrm>
             <a:off x="8798166" y="1727200"/>
-            <a:ext cx="7800734" cy="646331"/>
+            <a:ext cx="7800734" cy="1200329"/>
           </a:xfrm>
           <a:prstGeom prst="rect">
             <a:avLst/>
@@ -32194,90 +32716,67 @@
           <a:lstStyle/>
           <a:p>
             <a:r>
-              <a:rPr lang="nl-NL" sz="1800" dirty="0" smtClean="0">
-                <a:latin typeface="Lucida Console" panose="020B0609040504020204" pitchFamily="49" charset="0"/>
-              </a:rPr>
-              <a:t>-- </a:t>
-            </a:r>
-            <a:r>
-              <a:rPr lang="nl-NL" sz="1800" dirty="0" err="1" smtClean="0">
-                <a:latin typeface="Lucida Console" panose="020B0609040504020204" pitchFamily="49" charset="0"/>
-              </a:rPr>
-              <a:t>create</a:t>
-            </a:r>
-            <a:r>
-              <a:rPr lang="nl-NL" sz="1800" dirty="0" smtClean="0">
-                <a:latin typeface="Lucida Console" panose="020B0609040504020204" pitchFamily="49" charset="0"/>
-              </a:rPr>
-              <a:t> </a:t>
-            </a:r>
-            <a:r>
-              <a:rPr lang="nl-NL" sz="1800" dirty="0" err="1" smtClean="0">
-                <a:latin typeface="Lucida Console" panose="020B0609040504020204" pitchFamily="49" charset="0"/>
-              </a:rPr>
-              <a:t>materialized</a:t>
-            </a:r>
-            <a:r>
-              <a:rPr lang="nl-NL" sz="1800" dirty="0" smtClean="0">
-                <a:latin typeface="Lucida Console" panose="020B0609040504020204" pitchFamily="49" charset="0"/>
-              </a:rPr>
-              <a:t> view</a:t>
-            </a:r>
-          </a:p>
-          <a:p>
-            <a:r>
-              <a:rPr lang="nl-NL" sz="1800" dirty="0" smtClean="0">
-                <a:latin typeface="Lucida Console" panose="020B0609040504020204" pitchFamily="49" charset="0"/>
-              </a:rPr>
-              <a:t>-- </a:t>
-            </a:r>
-            <a:r>
-              <a:rPr lang="nl-NL" sz="1800" dirty="0" err="1" smtClean="0">
-                <a:latin typeface="Lucida Console" panose="020B0609040504020204" pitchFamily="49" charset="0"/>
-              </a:rPr>
-              <a:t>with</a:t>
-            </a:r>
-            <a:r>
-              <a:rPr lang="nl-NL" sz="1800" dirty="0" smtClean="0">
-                <a:latin typeface="Lucida Console" panose="020B0609040504020204" pitchFamily="49" charset="0"/>
-              </a:rPr>
-              <a:t> </a:t>
-            </a:r>
-            <a:r>
-              <a:rPr lang="nl-NL" sz="1800" dirty="0" err="1" smtClean="0">
-                <a:latin typeface="Lucida Console" panose="020B0609040504020204" pitchFamily="49" charset="0"/>
-              </a:rPr>
-              <a:t>nested</a:t>
-            </a:r>
-            <a:r>
-              <a:rPr lang="nl-NL" sz="1800" dirty="0" smtClean="0">
-                <a:latin typeface="Lucida Console" panose="020B0609040504020204" pitchFamily="49" charset="0"/>
-              </a:rPr>
-              <a:t> cursor? </a:t>
-            </a:r>
-            <a:r>
-              <a:rPr lang="nl-NL" sz="1800" dirty="0" err="1" smtClean="0">
-                <a:latin typeface="Lucida Console" panose="020B0609040504020204" pitchFamily="49" charset="0"/>
-              </a:rPr>
-              <a:t>Nested</a:t>
-            </a:r>
-            <a:r>
-              <a:rPr lang="nl-NL" sz="1800" dirty="0" smtClean="0">
-                <a:latin typeface="Lucida Console" panose="020B0609040504020204" pitchFamily="49" charset="0"/>
-              </a:rPr>
-              <a:t> </a:t>
-            </a:r>
-            <a:r>
-              <a:rPr lang="nl-NL" sz="1800" dirty="0" err="1" smtClean="0">
-                <a:latin typeface="Lucida Console" panose="020B0609040504020204" pitchFamily="49" charset="0"/>
-              </a:rPr>
-              <a:t>table</a:t>
-            </a:r>
-            <a:r>
-              <a:rPr lang="nl-NL" sz="1800" dirty="0" smtClean="0">
-                <a:latin typeface="Lucida Console" panose="020B0609040504020204" pitchFamily="49" charset="0"/>
-              </a:rPr>
-              <a:t>?</a:t>
+              <a:rPr lang="en-US" sz="1800" dirty="0">
+                <a:latin typeface="Lucida Console" panose="020B0609040504020204" pitchFamily="49" charset="0"/>
+              </a:rPr>
+              <a:t>select </a:t>
+            </a:r>
+            <a:r>
+              <a:rPr lang="en-US" sz="1800" dirty="0" err="1">
+                <a:latin typeface="Lucida Console" panose="020B0609040504020204" pitchFamily="49" charset="0"/>
+              </a:rPr>
+              <a:t>staff.ename</a:t>
+            </a:r>
+            <a:endParaRPr lang="en-US" sz="1800" dirty="0">
+              <a:latin typeface="Lucida Console" panose="020B0609040504020204" pitchFamily="49" charset="0"/>
+            </a:endParaRPr>
+          </a:p>
+          <a:p>
+            <a:r>
+              <a:rPr lang="en-US" sz="1800" dirty="0">
+                <a:latin typeface="Lucida Console" panose="020B0609040504020204" pitchFamily="49" charset="0"/>
+              </a:rPr>
+              <a:t>from   departments d</a:t>
+            </a:r>
+          </a:p>
+          <a:p>
+            <a:r>
+              <a:rPr lang="en-US" sz="1800" dirty="0">
+                <a:latin typeface="Lucida Console" panose="020B0609040504020204" pitchFamily="49" charset="0"/>
+              </a:rPr>
+              <a:t>,      table(</a:t>
+            </a:r>
+            <a:r>
+              <a:rPr lang="en-US" sz="1800" dirty="0" err="1">
+                <a:latin typeface="Lucida Console" panose="020B0609040504020204" pitchFamily="49" charset="0"/>
+              </a:rPr>
+              <a:t>d.staff</a:t>
+            </a:r>
+            <a:r>
+              <a:rPr lang="en-US" sz="1800" dirty="0">
+                <a:latin typeface="Lucida Console" panose="020B0609040504020204" pitchFamily="49" charset="0"/>
+              </a:rPr>
+              <a:t>) staff</a:t>
+            </a:r>
+          </a:p>
+          <a:p>
+            <a:r>
+              <a:rPr lang="en-US" sz="1800" dirty="0">
+                <a:latin typeface="Lucida Console" panose="020B0609040504020204" pitchFamily="49" charset="0"/>
+              </a:rPr>
+              <a:t>where  </a:t>
+            </a:r>
+            <a:r>
+              <a:rPr lang="en-US" sz="1800" dirty="0" err="1">
+                <a:latin typeface="Lucida Console" panose="020B0609040504020204" pitchFamily="49" charset="0"/>
+              </a:rPr>
+              <a:t>staff.job</a:t>
+            </a:r>
+            <a:r>
+              <a:rPr lang="en-US" sz="1800" dirty="0">
+                <a:latin typeface="Lucida Console" panose="020B0609040504020204" pitchFamily="49" charset="0"/>
+              </a:rPr>
+              <a:t> = 'MANAGER'</a:t>
             </a:r>
             <a:endParaRPr lang="en-US" sz="1800" dirty="0">
               <a:latin typeface="Lucida Console" panose="020B0609040504020204" pitchFamily="49" charset="0"/>
@@ -32618,7 +33117,7 @@
         <p:spPr>
           <a:xfrm>
             <a:off x="8798166" y="1727200"/>
-            <a:ext cx="7800734" cy="646331"/>
+            <a:ext cx="7800734" cy="2308324"/>
           </a:xfrm>
           <a:prstGeom prst="rect">
             <a:avLst/>
@@ -32632,90 +33131,123 @@
           <a:lstStyle/>
           <a:p>
             <a:r>
-              <a:rPr lang="nl-NL" sz="1800" dirty="0" smtClean="0">
-                <a:latin typeface="Lucida Console" panose="020B0609040504020204" pitchFamily="49" charset="0"/>
-              </a:rPr>
-              <a:t>-- </a:t>
-            </a:r>
-            <a:r>
-              <a:rPr lang="nl-NL" sz="1800" dirty="0" err="1" smtClean="0">
-                <a:latin typeface="Lucida Console" panose="020B0609040504020204" pitchFamily="49" charset="0"/>
-              </a:rPr>
-              <a:t>create</a:t>
-            </a:r>
-            <a:r>
-              <a:rPr lang="nl-NL" sz="1800" dirty="0" smtClean="0">
-                <a:latin typeface="Lucida Console" panose="020B0609040504020204" pitchFamily="49" charset="0"/>
-              </a:rPr>
-              <a:t> </a:t>
-            </a:r>
-            <a:r>
-              <a:rPr lang="nl-NL" sz="1800" dirty="0" err="1" smtClean="0">
-                <a:latin typeface="Lucida Console" panose="020B0609040504020204" pitchFamily="49" charset="0"/>
-              </a:rPr>
-              <a:t>materialized</a:t>
-            </a:r>
-            <a:r>
-              <a:rPr lang="nl-NL" sz="1800" dirty="0" smtClean="0">
-                <a:latin typeface="Lucida Console" panose="020B0609040504020204" pitchFamily="49" charset="0"/>
-              </a:rPr>
-              <a:t> view</a:t>
-            </a:r>
-          </a:p>
-          <a:p>
-            <a:r>
-              <a:rPr lang="nl-NL" sz="1800" dirty="0" smtClean="0">
-                <a:latin typeface="Lucida Console" panose="020B0609040504020204" pitchFamily="49" charset="0"/>
-              </a:rPr>
-              <a:t>-- </a:t>
-            </a:r>
-            <a:r>
-              <a:rPr lang="nl-NL" sz="1800" dirty="0" err="1" smtClean="0">
-                <a:latin typeface="Lucida Console" panose="020B0609040504020204" pitchFamily="49" charset="0"/>
-              </a:rPr>
-              <a:t>with</a:t>
-            </a:r>
-            <a:r>
-              <a:rPr lang="nl-NL" sz="1800" dirty="0" smtClean="0">
-                <a:latin typeface="Lucida Console" panose="020B0609040504020204" pitchFamily="49" charset="0"/>
-              </a:rPr>
-              <a:t> </a:t>
-            </a:r>
-            <a:r>
-              <a:rPr lang="nl-NL" sz="1800" dirty="0" err="1" smtClean="0">
-                <a:latin typeface="Lucida Console" panose="020B0609040504020204" pitchFamily="49" charset="0"/>
-              </a:rPr>
-              <a:t>nested</a:t>
-            </a:r>
-            <a:r>
-              <a:rPr lang="nl-NL" sz="1800" dirty="0" smtClean="0">
-                <a:latin typeface="Lucida Console" panose="020B0609040504020204" pitchFamily="49" charset="0"/>
-              </a:rPr>
-              <a:t> cursor? </a:t>
-            </a:r>
-            <a:r>
-              <a:rPr lang="nl-NL" sz="1800" dirty="0" err="1" smtClean="0">
-                <a:latin typeface="Lucida Console" panose="020B0609040504020204" pitchFamily="49" charset="0"/>
-              </a:rPr>
-              <a:t>Nested</a:t>
-            </a:r>
-            <a:r>
-              <a:rPr lang="nl-NL" sz="1800" dirty="0" smtClean="0">
-                <a:latin typeface="Lucida Console" panose="020B0609040504020204" pitchFamily="49" charset="0"/>
-              </a:rPr>
-              <a:t> </a:t>
-            </a:r>
-            <a:r>
-              <a:rPr lang="nl-NL" sz="1800" dirty="0" err="1" smtClean="0">
-                <a:latin typeface="Lucida Console" panose="020B0609040504020204" pitchFamily="49" charset="0"/>
-              </a:rPr>
-              <a:t>table</a:t>
-            </a:r>
-            <a:r>
-              <a:rPr lang="nl-NL" sz="1800" dirty="0" smtClean="0">
-                <a:latin typeface="Lucida Console" panose="020B0609040504020204" pitchFamily="49" charset="0"/>
-              </a:rPr>
-              <a:t>?</a:t>
+              <a:rPr lang="en-US" sz="1800" dirty="0">
+                <a:latin typeface="Lucida Console" panose="020B0609040504020204" pitchFamily="49" charset="0"/>
+              </a:rPr>
+              <a:t>select </a:t>
+            </a:r>
+            <a:r>
+              <a:rPr lang="en-US" sz="1800" dirty="0" err="1">
+                <a:latin typeface="Lucida Console" panose="020B0609040504020204" pitchFamily="49" charset="0"/>
+              </a:rPr>
+              <a:t>staff.ename</a:t>
+            </a:r>
+            <a:endParaRPr lang="en-US" sz="1800" dirty="0">
+              <a:latin typeface="Lucida Console" panose="020B0609040504020204" pitchFamily="49" charset="0"/>
+            </a:endParaRPr>
+          </a:p>
+          <a:p>
+            <a:r>
+              <a:rPr lang="en-US" sz="1800" dirty="0">
+                <a:latin typeface="Lucida Console" panose="020B0609040504020204" pitchFamily="49" charset="0"/>
+              </a:rPr>
+              <a:t>,      </a:t>
+            </a:r>
+            <a:r>
+              <a:rPr lang="en-US" sz="1800" dirty="0" err="1">
+                <a:latin typeface="Lucida Console" panose="020B0609040504020204" pitchFamily="49" charset="0"/>
+              </a:rPr>
+              <a:t>staff.sal</a:t>
+            </a:r>
+            <a:endParaRPr lang="en-US" sz="1800" dirty="0">
+              <a:latin typeface="Lucida Console" panose="020B0609040504020204" pitchFamily="49" charset="0"/>
+            </a:endParaRPr>
+          </a:p>
+          <a:p>
+            <a:r>
+              <a:rPr lang="en-US" sz="1800" dirty="0">
+                <a:latin typeface="Lucida Console" panose="020B0609040504020204" pitchFamily="49" charset="0"/>
+              </a:rPr>
+              <a:t>,      </a:t>
+            </a:r>
+            <a:r>
+              <a:rPr lang="en-US" sz="1800" dirty="0" err="1">
+                <a:latin typeface="Lucida Console" panose="020B0609040504020204" pitchFamily="49" charset="0"/>
+              </a:rPr>
+              <a:t>d.deptno</a:t>
+            </a:r>
+            <a:endParaRPr lang="en-US" sz="1800" dirty="0">
+              <a:latin typeface="Lucida Console" panose="020B0609040504020204" pitchFamily="49" charset="0"/>
+            </a:endParaRPr>
+          </a:p>
+          <a:p>
+            <a:r>
+              <a:rPr lang="en-US" sz="1800" dirty="0">
+                <a:latin typeface="Lucida Console" panose="020B0609040504020204" pitchFamily="49" charset="0"/>
+              </a:rPr>
+              <a:t>from   departments d</a:t>
+            </a:r>
+          </a:p>
+          <a:p>
+            <a:r>
+              <a:rPr lang="en-US" sz="1800" dirty="0">
+                <a:latin typeface="Lucida Console" panose="020B0609040504020204" pitchFamily="49" charset="0"/>
+              </a:rPr>
+              <a:t>,      table(</a:t>
+            </a:r>
+            <a:r>
+              <a:rPr lang="en-US" sz="1800" dirty="0" err="1">
+                <a:latin typeface="Lucida Console" panose="020B0609040504020204" pitchFamily="49" charset="0"/>
+              </a:rPr>
+              <a:t>d.staff</a:t>
+            </a:r>
+            <a:r>
+              <a:rPr lang="en-US" sz="1800" dirty="0">
+                <a:latin typeface="Lucida Console" panose="020B0609040504020204" pitchFamily="49" charset="0"/>
+              </a:rPr>
+              <a:t>) staff</a:t>
+            </a:r>
+          </a:p>
+          <a:p>
+            <a:r>
+              <a:rPr lang="en-US" sz="1800" dirty="0">
+                <a:latin typeface="Lucida Console" panose="020B0609040504020204" pitchFamily="49" charset="0"/>
+              </a:rPr>
+              <a:t>where  </a:t>
+            </a:r>
+            <a:r>
+              <a:rPr lang="en-US" sz="1800" dirty="0" err="1">
+                <a:latin typeface="Lucida Console" panose="020B0609040504020204" pitchFamily="49" charset="0"/>
+              </a:rPr>
+              <a:t>d.deptno</a:t>
+            </a:r>
+            <a:r>
+              <a:rPr lang="en-US" sz="1800" dirty="0">
+                <a:latin typeface="Lucida Console" panose="020B0609040504020204" pitchFamily="49" charset="0"/>
+              </a:rPr>
+              <a:t> != 10</a:t>
+            </a:r>
+          </a:p>
+          <a:p>
+            <a:r>
+              <a:rPr lang="en-US" sz="1800" dirty="0">
+                <a:latin typeface="Lucida Console" panose="020B0609040504020204" pitchFamily="49" charset="0"/>
+              </a:rPr>
+              <a:t>order</a:t>
+            </a:r>
+          </a:p>
+          <a:p>
+            <a:r>
+              <a:rPr lang="en-US" sz="1800" dirty="0">
+                <a:latin typeface="Lucida Console" panose="020B0609040504020204" pitchFamily="49" charset="0"/>
+              </a:rPr>
+              <a:t>by     </a:t>
+            </a:r>
+            <a:r>
+              <a:rPr lang="en-US" sz="1800" dirty="0" err="1">
+                <a:latin typeface="Lucida Console" panose="020B0609040504020204" pitchFamily="49" charset="0"/>
+              </a:rPr>
+              <a:t>staff.ename</a:t>
             </a:r>
             <a:endParaRPr lang="en-US" sz="1800" dirty="0">
               <a:latin typeface="Lucida Console" panose="020B0609040504020204" pitchFamily="49" charset="0"/>
@@ -33128,7 +33660,7 @@
         <p:spPr>
           <a:xfrm>
             <a:off x="8798166" y="1727200"/>
-            <a:ext cx="7800734" cy="646331"/>
+            <a:ext cx="7800734" cy="2585323"/>
           </a:xfrm>
           <a:prstGeom prst="rect">
             <a:avLst/>
@@ -33142,90 +33674,257 @@
           <a:lstStyle/>
           <a:p>
             <a:r>
-              <a:rPr lang="nl-NL" sz="1800" dirty="0" smtClean="0">
-                <a:latin typeface="Lucida Console" panose="020B0609040504020204" pitchFamily="49" charset="0"/>
-              </a:rPr>
-              <a:t>-- </a:t>
-            </a:r>
-            <a:r>
-              <a:rPr lang="nl-NL" sz="1800" dirty="0" err="1" smtClean="0">
-                <a:latin typeface="Lucida Console" panose="020B0609040504020204" pitchFamily="49" charset="0"/>
-              </a:rPr>
-              <a:t>create</a:t>
-            </a:r>
-            <a:r>
-              <a:rPr lang="nl-NL" sz="1800" dirty="0" smtClean="0">
-                <a:latin typeface="Lucida Console" panose="020B0609040504020204" pitchFamily="49" charset="0"/>
-              </a:rPr>
-              <a:t> </a:t>
-            </a:r>
-            <a:r>
-              <a:rPr lang="nl-NL" sz="1800" dirty="0" err="1" smtClean="0">
-                <a:latin typeface="Lucida Console" panose="020B0609040504020204" pitchFamily="49" charset="0"/>
-              </a:rPr>
-              <a:t>materialized</a:t>
-            </a:r>
-            <a:r>
-              <a:rPr lang="nl-NL" sz="1800" dirty="0" smtClean="0">
-                <a:latin typeface="Lucida Console" panose="020B0609040504020204" pitchFamily="49" charset="0"/>
-              </a:rPr>
-              <a:t> view</a:t>
-            </a:r>
-          </a:p>
-          <a:p>
-            <a:r>
-              <a:rPr lang="nl-NL" sz="1800" dirty="0" smtClean="0">
-                <a:latin typeface="Lucida Console" panose="020B0609040504020204" pitchFamily="49" charset="0"/>
-              </a:rPr>
-              <a:t>-- </a:t>
-            </a:r>
-            <a:r>
-              <a:rPr lang="nl-NL" sz="1800" dirty="0" err="1" smtClean="0">
-                <a:latin typeface="Lucida Console" panose="020B0609040504020204" pitchFamily="49" charset="0"/>
-              </a:rPr>
-              <a:t>with</a:t>
-            </a:r>
-            <a:r>
-              <a:rPr lang="nl-NL" sz="1800" dirty="0" smtClean="0">
-                <a:latin typeface="Lucida Console" panose="020B0609040504020204" pitchFamily="49" charset="0"/>
-              </a:rPr>
-              <a:t> </a:t>
-            </a:r>
-            <a:r>
-              <a:rPr lang="nl-NL" sz="1800" dirty="0" err="1" smtClean="0">
-                <a:latin typeface="Lucida Console" panose="020B0609040504020204" pitchFamily="49" charset="0"/>
-              </a:rPr>
-              <a:t>nested</a:t>
-            </a:r>
-            <a:r>
-              <a:rPr lang="nl-NL" sz="1800" dirty="0" smtClean="0">
-                <a:latin typeface="Lucida Console" panose="020B0609040504020204" pitchFamily="49" charset="0"/>
-              </a:rPr>
-              <a:t> cursor? </a:t>
-            </a:r>
-            <a:r>
-              <a:rPr lang="nl-NL" sz="1800" dirty="0" err="1" smtClean="0">
-                <a:latin typeface="Lucida Console" panose="020B0609040504020204" pitchFamily="49" charset="0"/>
-              </a:rPr>
-              <a:t>Nested</a:t>
-            </a:r>
-            <a:r>
-              <a:rPr lang="nl-NL" sz="1800" dirty="0" smtClean="0">
-                <a:latin typeface="Lucida Console" panose="020B0609040504020204" pitchFamily="49" charset="0"/>
-              </a:rPr>
-              <a:t> </a:t>
-            </a:r>
-            <a:r>
-              <a:rPr lang="nl-NL" sz="1800" dirty="0" err="1" smtClean="0">
+              <a:rPr lang="nl-NL" sz="1800" dirty="0">
+                <a:latin typeface="Lucida Console" panose="020B0609040504020204" pitchFamily="49" charset="0"/>
+              </a:rPr>
+              <a:t>select </a:t>
+            </a:r>
+            <a:r>
+              <a:rPr lang="nl-NL" sz="1800" dirty="0" err="1">
+                <a:latin typeface="Lucida Console" panose="020B0609040504020204" pitchFamily="49" charset="0"/>
+              </a:rPr>
+              <a:t>d.deptno</a:t>
+            </a:r>
+            <a:endParaRPr lang="nl-NL" sz="1800" dirty="0">
+              <a:latin typeface="Lucida Console" panose="020B0609040504020204" pitchFamily="49" charset="0"/>
+            </a:endParaRPr>
+          </a:p>
+          <a:p>
+            <a:r>
+              <a:rPr lang="nl-NL" sz="1800" dirty="0">
+                <a:latin typeface="Lucida Console" panose="020B0609040504020204" pitchFamily="49" charset="0"/>
+              </a:rPr>
+              <a:t>,      </a:t>
+            </a:r>
+            <a:r>
+              <a:rPr lang="nl-NL" sz="1800" dirty="0" err="1">
+                <a:latin typeface="Lucida Console" panose="020B0609040504020204" pitchFamily="49" charset="0"/>
+              </a:rPr>
+              <a:t>sum</a:t>
+            </a:r>
+            <a:r>
+              <a:rPr lang="nl-NL" sz="1800" dirty="0">
+                <a:latin typeface="Lucida Console" panose="020B0609040504020204" pitchFamily="49" charset="0"/>
+              </a:rPr>
+              <a:t>(</a:t>
+            </a:r>
+            <a:r>
+              <a:rPr lang="nl-NL" sz="1800" dirty="0" err="1">
+                <a:latin typeface="Lucida Console" panose="020B0609040504020204" pitchFamily="49" charset="0"/>
+              </a:rPr>
+              <a:t>staff.sal</a:t>
+            </a:r>
+            <a:r>
+              <a:rPr lang="nl-NL" sz="1800" dirty="0">
+                <a:latin typeface="Lucida Console" panose="020B0609040504020204" pitchFamily="49" charset="0"/>
+              </a:rPr>
+              <a:t>) </a:t>
+            </a:r>
+            <a:r>
+              <a:rPr lang="nl-NL" sz="1800" dirty="0" err="1">
+                <a:latin typeface="Lucida Console" panose="020B0609040504020204" pitchFamily="49" charset="0"/>
+              </a:rPr>
+              <a:t>total_salary_sum</a:t>
+            </a:r>
+            <a:endParaRPr lang="nl-NL" sz="1800" dirty="0">
+              <a:latin typeface="Lucida Console" panose="020B0609040504020204" pitchFamily="49" charset="0"/>
+            </a:endParaRPr>
+          </a:p>
+          <a:p>
+            <a:r>
+              <a:rPr lang="nl-NL" sz="1800" dirty="0">
+                <a:latin typeface="Lucida Console" panose="020B0609040504020204" pitchFamily="49" charset="0"/>
+              </a:rPr>
+              <a:t>,      </a:t>
+            </a:r>
+            <a:r>
+              <a:rPr lang="nl-NL" sz="1800" dirty="0" err="1">
+                <a:latin typeface="Lucida Console" panose="020B0609040504020204" pitchFamily="49" charset="0"/>
+              </a:rPr>
+              <a:t>count</a:t>
+            </a:r>
+            <a:r>
+              <a:rPr lang="nl-NL" sz="1800" dirty="0">
+                <a:latin typeface="Lucida Console" panose="020B0609040504020204" pitchFamily="49" charset="0"/>
+              </a:rPr>
+              <a:t>(</a:t>
+            </a:r>
+            <a:r>
+              <a:rPr lang="nl-NL" sz="1800" dirty="0" err="1">
+                <a:latin typeface="Lucida Console" panose="020B0609040504020204" pitchFamily="49" charset="0"/>
+              </a:rPr>
+              <a:t>staff.empno</a:t>
+            </a:r>
+            <a:r>
+              <a:rPr lang="nl-NL" sz="1800" dirty="0">
+                <a:latin typeface="Lucida Console" panose="020B0609040504020204" pitchFamily="49" charset="0"/>
+              </a:rPr>
+              <a:t>) </a:t>
+            </a:r>
+            <a:r>
+              <a:rPr lang="nl-NL" sz="1800" dirty="0" err="1">
+                <a:latin typeface="Lucida Console" panose="020B0609040504020204" pitchFamily="49" charset="0"/>
+              </a:rPr>
+              <a:t>total_staff_count</a:t>
+            </a:r>
+            <a:endParaRPr lang="nl-NL" sz="1800" dirty="0">
+              <a:latin typeface="Lucida Console" panose="020B0609040504020204" pitchFamily="49" charset="0"/>
+            </a:endParaRPr>
+          </a:p>
+          <a:p>
+            <a:r>
+              <a:rPr lang="nl-NL" sz="1800" dirty="0">
+                <a:latin typeface="Lucida Console" panose="020B0609040504020204" pitchFamily="49" charset="0"/>
+              </a:rPr>
+              <a:t>,      max(</a:t>
+            </a:r>
+            <a:r>
+              <a:rPr lang="nl-NL" sz="1800" dirty="0" err="1">
+                <a:latin typeface="Lucida Console" panose="020B0609040504020204" pitchFamily="49" charset="0"/>
+              </a:rPr>
+              <a:t>staff.sal</a:t>
+            </a:r>
+            <a:r>
+              <a:rPr lang="nl-NL" sz="1800" dirty="0">
+                <a:latin typeface="Lucida Console" panose="020B0609040504020204" pitchFamily="49" charset="0"/>
+              </a:rPr>
+              <a:t>) </a:t>
+            </a:r>
+            <a:r>
+              <a:rPr lang="nl-NL" sz="1800" dirty="0" err="1">
+                <a:latin typeface="Lucida Console" panose="020B0609040504020204" pitchFamily="49" charset="0"/>
+              </a:rPr>
+              <a:t>max_sal</a:t>
+            </a:r>
+            <a:endParaRPr lang="nl-NL" sz="1800" dirty="0">
+              <a:latin typeface="Lucida Console" panose="020B0609040504020204" pitchFamily="49" charset="0"/>
+            </a:endParaRPr>
+          </a:p>
+          <a:p>
+            <a:r>
+              <a:rPr lang="nl-NL" sz="1800" dirty="0">
+                <a:latin typeface="Lucida Console" panose="020B0609040504020204" pitchFamily="49" charset="0"/>
+              </a:rPr>
+              <a:t>,      min(</a:t>
+            </a:r>
+            <a:r>
+              <a:rPr lang="nl-NL" sz="1800" dirty="0" err="1">
+                <a:latin typeface="Lucida Console" panose="020B0609040504020204" pitchFamily="49" charset="0"/>
+              </a:rPr>
+              <a:t>staff.startdate</a:t>
+            </a:r>
+            <a:r>
+              <a:rPr lang="nl-NL" sz="1800" dirty="0">
+                <a:latin typeface="Lucida Console" panose="020B0609040504020204" pitchFamily="49" charset="0"/>
+              </a:rPr>
+              <a:t>) </a:t>
+            </a:r>
+            <a:r>
+              <a:rPr lang="nl-NL" sz="1800" dirty="0" err="1">
+                <a:latin typeface="Lucida Console" panose="020B0609040504020204" pitchFamily="49" charset="0"/>
+              </a:rPr>
+              <a:t>min_startdate</a:t>
+            </a:r>
+            <a:endParaRPr lang="nl-NL" sz="1800" dirty="0">
+              <a:latin typeface="Lucida Console" panose="020B0609040504020204" pitchFamily="49" charset="0"/>
+            </a:endParaRPr>
+          </a:p>
+          <a:p>
+            <a:r>
+              <a:rPr lang="nl-NL" sz="1800" dirty="0" err="1">
+                <a:latin typeface="Lucida Console" panose="020B0609040504020204" pitchFamily="49" charset="0"/>
+              </a:rPr>
+              <a:t>from</a:t>
+            </a:r>
+            <a:r>
+              <a:rPr lang="nl-NL" sz="1800" dirty="0">
+                <a:latin typeface="Lucida Console" panose="020B0609040504020204" pitchFamily="49" charset="0"/>
+              </a:rPr>
+              <a:t>   </a:t>
+            </a:r>
+            <a:r>
+              <a:rPr lang="nl-NL" sz="1800" dirty="0" err="1">
+                <a:latin typeface="Lucida Console" panose="020B0609040504020204" pitchFamily="49" charset="0"/>
+              </a:rPr>
+              <a:t>departments</a:t>
+            </a:r>
+            <a:r>
+              <a:rPr lang="nl-NL" sz="1800" dirty="0">
+                <a:latin typeface="Lucida Console" panose="020B0609040504020204" pitchFamily="49" charset="0"/>
+              </a:rPr>
+              <a:t> d</a:t>
+            </a:r>
+          </a:p>
+          <a:p>
+            <a:r>
+              <a:rPr lang="nl-NL" sz="1800" dirty="0">
+                <a:latin typeface="Lucida Console" panose="020B0609040504020204" pitchFamily="49" charset="0"/>
+              </a:rPr>
+              <a:t>,      </a:t>
+            </a:r>
+            <a:r>
+              <a:rPr lang="nl-NL" sz="1800" dirty="0" err="1">
                 <a:latin typeface="Lucida Console" panose="020B0609040504020204" pitchFamily="49" charset="0"/>
               </a:rPr>
               <a:t>table</a:t>
             </a:r>
             <a:r>
-              <a:rPr lang="nl-NL" sz="1800" dirty="0" smtClean="0">
-                <a:latin typeface="Lucida Console" panose="020B0609040504020204" pitchFamily="49" charset="0"/>
-              </a:rPr>
-              <a:t>?</a:t>
+              <a:rPr lang="nl-NL" sz="1800" dirty="0">
+                <a:latin typeface="Lucida Console" panose="020B0609040504020204" pitchFamily="49" charset="0"/>
+              </a:rPr>
+              <a:t>(</a:t>
+            </a:r>
+            <a:r>
+              <a:rPr lang="nl-NL" sz="1800" dirty="0" err="1">
+                <a:latin typeface="Lucida Console" panose="020B0609040504020204" pitchFamily="49" charset="0"/>
+              </a:rPr>
+              <a:t>d.staff</a:t>
+            </a:r>
+            <a:r>
+              <a:rPr lang="nl-NL" sz="1800" dirty="0">
+                <a:latin typeface="Lucida Console" panose="020B0609040504020204" pitchFamily="49" charset="0"/>
+              </a:rPr>
+              <a:t>) </a:t>
+            </a:r>
+            <a:r>
+              <a:rPr lang="nl-NL" sz="1800" dirty="0" err="1">
+                <a:latin typeface="Lucida Console" panose="020B0609040504020204" pitchFamily="49" charset="0"/>
+              </a:rPr>
+              <a:t>staff</a:t>
+            </a:r>
+            <a:endParaRPr lang="nl-NL" sz="1800" dirty="0">
+              <a:latin typeface="Lucida Console" panose="020B0609040504020204" pitchFamily="49" charset="0"/>
+            </a:endParaRPr>
+          </a:p>
+          <a:p>
+            <a:r>
+              <a:rPr lang="nl-NL" sz="1800" dirty="0" err="1">
+                <a:latin typeface="Lucida Console" panose="020B0609040504020204" pitchFamily="49" charset="0"/>
+              </a:rPr>
+              <a:t>group</a:t>
+            </a:r>
+            <a:endParaRPr lang="nl-NL" sz="1800" dirty="0">
+              <a:latin typeface="Lucida Console" panose="020B0609040504020204" pitchFamily="49" charset="0"/>
+            </a:endParaRPr>
+          </a:p>
+          <a:p>
+            <a:r>
+              <a:rPr lang="nl-NL" sz="1800" dirty="0" err="1">
+                <a:latin typeface="Lucida Console" panose="020B0609040504020204" pitchFamily="49" charset="0"/>
+              </a:rPr>
+              <a:t>by</a:t>
+            </a:r>
+            <a:r>
+              <a:rPr lang="nl-NL" sz="1800" dirty="0">
+                <a:latin typeface="Lucida Console" panose="020B0609040504020204" pitchFamily="49" charset="0"/>
+              </a:rPr>
+              <a:t>     </a:t>
+            </a:r>
+            <a:r>
+              <a:rPr lang="nl-NL" sz="1800">
+                <a:latin typeface="Lucida Console" panose="020B0609040504020204" pitchFamily="49" charset="0"/>
+              </a:rPr>
+              <a:t>d.deptno</a:t>
             </a:r>
             <a:endParaRPr lang="en-US" sz="1800" dirty="0">
               <a:latin typeface="Lucida Console" panose="020B0609040504020204" pitchFamily="49" charset="0"/>
@@ -36456,7 +37155,7 @@
         <p:spPr>
           <a:xfrm>
             <a:off x="8798166" y="1727200"/>
-            <a:ext cx="7800734" cy="5355312"/>
+            <a:ext cx="7800734" cy="8125301"/>
           </a:xfrm>
           <a:prstGeom prst="rect">
             <a:avLst/>
@@ -36742,11 +37441,279 @@
               </a:rPr>
               <a:t>)</a:t>
             </a:r>
+          </a:p>
+          <a:p>
+            <a:r>
+              <a:rPr lang="en-US" sz="1800" dirty="0">
+                <a:latin typeface="Lucida Console" panose="020B0609040504020204" pitchFamily="49" charset="0"/>
+              </a:rPr>
+              <a:t>-- to support stemming </a:t>
+            </a:r>
+          </a:p>
+          <a:p>
+            <a:r>
+              <a:rPr lang="en-US" sz="1800" dirty="0" smtClean="0">
+                <a:latin typeface="Lucida Console" panose="020B0609040504020204" pitchFamily="49" charset="0"/>
+              </a:rPr>
+              <a:t>exec </a:t>
+            </a:r>
+            <a:r>
+              <a:rPr lang="en-US" sz="1800" dirty="0" err="1" smtClean="0">
+                <a:latin typeface="Lucida Console" panose="020B0609040504020204" pitchFamily="49" charset="0"/>
+              </a:rPr>
+              <a:t>ctxsys.ctx_ddl.create_preference</a:t>
+            </a:r>
+            <a:r>
+              <a:rPr lang="en-US" sz="1800" dirty="0" smtClean="0">
+                <a:latin typeface="Lucida Console" panose="020B0609040504020204" pitchFamily="49" charset="0"/>
+              </a:rPr>
+              <a:t/>
+            </a:r>
             <a:br>
               <a:rPr lang="en-US" sz="1800" dirty="0" smtClean="0">
                 <a:latin typeface="Lucida Console" panose="020B0609040504020204" pitchFamily="49" charset="0"/>
               </a:rPr>
             </a:br>
+            <a:r>
+              <a:rPr lang="en-US" sz="1800" dirty="0" smtClean="0">
+                <a:latin typeface="Lucida Console" panose="020B0609040504020204" pitchFamily="49" charset="0"/>
+              </a:rPr>
+              <a:t>     (</a:t>
+            </a:r>
+            <a:r>
+              <a:rPr lang="en-US" sz="1800" dirty="0">
+                <a:latin typeface="Lucida Console" panose="020B0609040504020204" pitchFamily="49" charset="0"/>
+              </a:rPr>
+              <a:t>'my_</a:t>
+            </a:r>
+            <a:r>
+              <a:rPr lang="en-US" sz="1800" dirty="0" err="1">
+                <a:latin typeface="Lucida Console" panose="020B0609040504020204" pitchFamily="49" charset="0"/>
+              </a:rPr>
+              <a:t>lexer</a:t>
+            </a:r>
+            <a:r>
+              <a:rPr lang="en-US" sz="1800" dirty="0">
+                <a:latin typeface="Lucida Console" panose="020B0609040504020204" pitchFamily="49" charset="0"/>
+              </a:rPr>
+              <a:t>','BASIC_LEXER');</a:t>
+            </a:r>
+          </a:p>
+          <a:p>
+            <a:r>
+              <a:rPr lang="en-US" sz="1800" dirty="0" smtClean="0">
+                <a:latin typeface="Lucida Console" panose="020B0609040504020204" pitchFamily="49" charset="0"/>
+              </a:rPr>
+              <a:t>exec </a:t>
+            </a:r>
+            <a:r>
+              <a:rPr lang="en-US" sz="1800" dirty="0" err="1" smtClean="0">
+                <a:latin typeface="Lucida Console" panose="020B0609040504020204" pitchFamily="49" charset="0"/>
+              </a:rPr>
+              <a:t>ctxsys.ctx_ddl.set_attribute</a:t>
+            </a:r>
+            <a:r>
+              <a:rPr lang="en-US" sz="1800" dirty="0" smtClean="0">
+                <a:latin typeface="Lucida Console" panose="020B0609040504020204" pitchFamily="49" charset="0"/>
+              </a:rPr>
+              <a:t/>
+            </a:r>
+            <a:br>
+              <a:rPr lang="en-US" sz="1800" dirty="0" smtClean="0">
+                <a:latin typeface="Lucida Console" panose="020B0609040504020204" pitchFamily="49" charset="0"/>
+              </a:rPr>
+            </a:br>
+            <a:r>
+              <a:rPr lang="en-US" sz="1800" dirty="0" smtClean="0">
+                <a:latin typeface="Lucida Console" panose="020B0609040504020204" pitchFamily="49" charset="0"/>
+              </a:rPr>
+              <a:t>     (</a:t>
+            </a:r>
+            <a:r>
+              <a:rPr lang="en-US" sz="1800" dirty="0">
+                <a:latin typeface="Lucida Console" panose="020B0609040504020204" pitchFamily="49" charset="0"/>
+              </a:rPr>
+              <a:t>'my_lexer','index_stems','1');</a:t>
+            </a:r>
+          </a:p>
+          <a:p>
+            <a:r>
+              <a:rPr lang="en-US" sz="1800" dirty="0" smtClean="0">
+                <a:latin typeface="Lucida Console" panose="020B0609040504020204" pitchFamily="49" charset="0"/>
+              </a:rPr>
+              <a:t>exec </a:t>
+            </a:r>
+            <a:r>
+              <a:rPr lang="en-US" sz="1800" dirty="0" err="1" smtClean="0">
+                <a:latin typeface="Lucida Console" panose="020B0609040504020204" pitchFamily="49" charset="0"/>
+              </a:rPr>
+              <a:t>ctxsys.ctx_ddl.create_preference</a:t>
+            </a:r>
+            <a:r>
+              <a:rPr lang="en-US" sz="1800" dirty="0" smtClean="0">
+                <a:latin typeface="Lucida Console" panose="020B0609040504020204" pitchFamily="49" charset="0"/>
+              </a:rPr>
+              <a:t/>
+            </a:r>
+            <a:br>
+              <a:rPr lang="en-US" sz="1800" dirty="0" smtClean="0">
+                <a:latin typeface="Lucida Console" panose="020B0609040504020204" pitchFamily="49" charset="0"/>
+              </a:rPr>
+            </a:br>
+            <a:r>
+              <a:rPr lang="en-US" sz="1800" dirty="0" smtClean="0">
+                <a:latin typeface="Lucida Console" panose="020B0609040504020204" pitchFamily="49" charset="0"/>
+              </a:rPr>
+              <a:t>     (</a:t>
+            </a:r>
+            <a:r>
+              <a:rPr lang="en-US" sz="1800" dirty="0">
+                <a:latin typeface="Lucida Console" panose="020B0609040504020204" pitchFamily="49" charset="0"/>
+              </a:rPr>
+              <a:t>'</a:t>
+            </a:r>
+            <a:r>
+              <a:rPr lang="en-US" sz="1800" dirty="0" err="1">
+                <a:latin typeface="Lucida Console" panose="020B0609040504020204" pitchFamily="49" charset="0"/>
+              </a:rPr>
+              <a:t>my_wordlist','BASIC_WORDLIST</a:t>
+            </a:r>
+            <a:r>
+              <a:rPr lang="en-US" sz="1800" dirty="0">
+                <a:latin typeface="Lucida Console" panose="020B0609040504020204" pitchFamily="49" charset="0"/>
+              </a:rPr>
+              <a:t>');</a:t>
+            </a:r>
+          </a:p>
+          <a:p>
+            <a:r>
+              <a:rPr lang="en-US" sz="1800" dirty="0" smtClean="0">
+                <a:latin typeface="Lucida Console" panose="020B0609040504020204" pitchFamily="49" charset="0"/>
+              </a:rPr>
+              <a:t>exec </a:t>
+            </a:r>
+            <a:r>
+              <a:rPr lang="en-US" sz="1800" dirty="0" err="1" smtClean="0">
+                <a:latin typeface="Lucida Console" panose="020B0609040504020204" pitchFamily="49" charset="0"/>
+              </a:rPr>
+              <a:t>ctxsys.ctx_ddl.set_attribute</a:t>
+            </a:r>
+            <a:r>
+              <a:rPr lang="en-US" sz="1800" dirty="0" smtClean="0">
+                <a:latin typeface="Lucida Console" panose="020B0609040504020204" pitchFamily="49" charset="0"/>
+              </a:rPr>
+              <a:t/>
+            </a:r>
+            <a:br>
+              <a:rPr lang="en-US" sz="1800" dirty="0" smtClean="0">
+                <a:latin typeface="Lucida Console" panose="020B0609040504020204" pitchFamily="49" charset="0"/>
+              </a:rPr>
+            </a:br>
+            <a:r>
+              <a:rPr lang="en-US" sz="1800" dirty="0" smtClean="0">
+                <a:latin typeface="Lucida Console" panose="020B0609040504020204" pitchFamily="49" charset="0"/>
+              </a:rPr>
+              <a:t>     (</a:t>
+            </a:r>
+            <a:r>
+              <a:rPr lang="en-US" sz="1800" dirty="0">
+                <a:latin typeface="Lucida Console" panose="020B0609040504020204" pitchFamily="49" charset="0"/>
+              </a:rPr>
+              <a:t>'</a:t>
+            </a:r>
+            <a:r>
+              <a:rPr lang="en-US" sz="1800" dirty="0" err="1">
+                <a:latin typeface="Lucida Console" panose="020B0609040504020204" pitchFamily="49" charset="0"/>
+              </a:rPr>
+              <a:t>my_wordlist','stemmer','ENGLISH</a:t>
+            </a:r>
+            <a:r>
+              <a:rPr lang="en-US" sz="1800" dirty="0">
+                <a:latin typeface="Lucida Console" panose="020B0609040504020204" pitchFamily="49" charset="0"/>
+              </a:rPr>
+              <a:t>');</a:t>
+            </a:r>
+          </a:p>
+          <a:p>
+            <a:r>
+              <a:rPr lang="en-US" sz="1800" dirty="0" smtClean="0">
+                <a:latin typeface="Lucida Console" panose="020B0609040504020204" pitchFamily="49" charset="0"/>
+              </a:rPr>
+              <a:t/>
+            </a:r>
+            <a:br>
+              <a:rPr lang="en-US" sz="1800" dirty="0" smtClean="0">
+                <a:latin typeface="Lucida Console" panose="020B0609040504020204" pitchFamily="49" charset="0"/>
+              </a:rPr>
+            </a:br>
+            <a:r>
+              <a:rPr lang="en-US" sz="1800" dirty="0" smtClean="0">
+                <a:latin typeface="Lucida Console" panose="020B0609040504020204" pitchFamily="49" charset="0"/>
+              </a:rPr>
+              <a:t>create </a:t>
+            </a:r>
+            <a:r>
+              <a:rPr lang="en-US" sz="1800" dirty="0">
+                <a:latin typeface="Lucida Console" panose="020B0609040504020204" pitchFamily="49" charset="0"/>
+              </a:rPr>
+              <a:t>index </a:t>
+            </a:r>
+            <a:r>
+              <a:rPr lang="en-US" sz="1800" dirty="0" err="1">
+                <a:latin typeface="Lucida Console" panose="020B0609040504020204" pitchFamily="49" charset="0"/>
+              </a:rPr>
+              <a:t>emp_txt_idx</a:t>
+            </a:r>
+            <a:r>
+              <a:rPr lang="en-US" sz="1800" dirty="0">
+                <a:latin typeface="Lucida Console" panose="020B0609040504020204" pitchFamily="49" charset="0"/>
+              </a:rPr>
+              <a:t> on </a:t>
+            </a:r>
+            <a:r>
+              <a:rPr lang="en-US" sz="1800" dirty="0" err="1">
+                <a:latin typeface="Lucida Console" panose="020B0609040504020204" pitchFamily="49" charset="0"/>
+              </a:rPr>
+              <a:t>emp</a:t>
+            </a:r>
+            <a:r>
+              <a:rPr lang="en-US" sz="1800" dirty="0">
+                <a:latin typeface="Lucida Console" panose="020B0609040504020204" pitchFamily="49" charset="0"/>
+              </a:rPr>
+              <a:t>( </a:t>
+            </a:r>
+            <a:r>
+              <a:rPr lang="en-US" sz="1800" dirty="0" err="1">
+                <a:latin typeface="Lucida Console" panose="020B0609040504020204" pitchFamily="49" charset="0"/>
+              </a:rPr>
+              <a:t>ename</a:t>
+            </a:r>
+            <a:r>
+              <a:rPr lang="en-US" sz="1800" dirty="0">
+                <a:latin typeface="Lucida Console" panose="020B0609040504020204" pitchFamily="49" charset="0"/>
+              </a:rPr>
+              <a:t> )</a:t>
+            </a:r>
+          </a:p>
+          <a:p>
+            <a:r>
+              <a:rPr lang="en-US" sz="1800" dirty="0" err="1">
+                <a:latin typeface="Lucida Console" panose="020B0609040504020204" pitchFamily="49" charset="0"/>
+              </a:rPr>
+              <a:t>indextype</a:t>
+            </a:r>
+            <a:r>
+              <a:rPr lang="en-US" sz="1800" dirty="0">
+                <a:latin typeface="Lucida Console" panose="020B0609040504020204" pitchFamily="49" charset="0"/>
+              </a:rPr>
+              <a:t> is </a:t>
+            </a:r>
+            <a:r>
+              <a:rPr lang="en-US" sz="1800" dirty="0" err="1">
+                <a:latin typeface="Lucida Console" panose="020B0609040504020204" pitchFamily="49" charset="0"/>
+              </a:rPr>
+              <a:t>ctxsys.context</a:t>
+            </a:r>
             <a:endParaRPr lang="en-US" sz="1800" dirty="0">
               <a:latin typeface="Lucida Console" panose="020B0609040504020204" pitchFamily="49" charset="0"/>
             </a:endParaRPr>
@@ -36756,92 +37723,49 @@
               <a:rPr lang="en-US" sz="1800" dirty="0">
                 <a:latin typeface="Lucida Console" panose="020B0609040504020204" pitchFamily="49" charset="0"/>
               </a:rPr>
-              <a:t>create index </a:t>
+              <a:t>parameters( '</a:t>
             </a:r>
             <a:r>
               <a:rPr lang="en-US" sz="1800" dirty="0" err="1">
                 <a:latin typeface="Lucida Console" panose="020B0609040504020204" pitchFamily="49" charset="0"/>
               </a:rPr>
-              <a:t>emp_txt_idx</a:t>
+              <a:t>datastore</a:t>
             </a:r>
             <a:r>
               <a:rPr lang="en-US" sz="1800" dirty="0">
                 <a:latin typeface="Lucida Console" panose="020B0609040504020204" pitchFamily="49" charset="0"/>
               </a:rPr>
-              <a:t> on </a:t>
+              <a:t> </a:t>
             </a:r>
             <a:r>
               <a:rPr lang="en-US" sz="1800" dirty="0" err="1">
                 <a:latin typeface="Lucida Console" panose="020B0609040504020204" pitchFamily="49" charset="0"/>
               </a:rPr>
-              <a:t>emp</a:t>
+              <a:t>my_mcds</a:t>
             </a:r>
             <a:r>
               <a:rPr lang="en-US" sz="1800" dirty="0">
                 <a:latin typeface="Lucida Console" panose="020B0609040504020204" pitchFamily="49" charset="0"/>
               </a:rPr>
-              <a:t>( </a:t>
+              <a:t> WORDLIST </a:t>
             </a:r>
             <a:r>
               <a:rPr lang="en-US" sz="1800" dirty="0" err="1">
                 <a:latin typeface="Lucida Console" panose="020B0609040504020204" pitchFamily="49" charset="0"/>
               </a:rPr>
-              <a:t>ename</a:t>
+              <a:t>my_wordlist</a:t>
             </a:r>
             <a:r>
               <a:rPr lang="en-US" sz="1800" dirty="0">
                 <a:latin typeface="Lucida Console" panose="020B0609040504020204" pitchFamily="49" charset="0"/>
               </a:rPr>
-              <a:t> )</a:t>
-            </a:r>
-          </a:p>
-          <a:p>
+              <a:t> LEXER </a:t>
+            </a:r>
             <a:r>
               <a:rPr lang="en-US" sz="1800" dirty="0" err="1">
                 <a:latin typeface="Lucida Console" panose="020B0609040504020204" pitchFamily="49" charset="0"/>
               </a:rPr>
-              <a:t>indextype</a:t>
-            </a:r>
-            <a:r>
-              <a:rPr lang="en-US" sz="1800" dirty="0">
-                <a:latin typeface="Lucida Console" panose="020B0609040504020204" pitchFamily="49" charset="0"/>
-              </a:rPr>
-              <a:t> is </a:t>
-            </a:r>
-            <a:r>
-              <a:rPr lang="en-US" sz="1800" dirty="0" err="1">
-                <a:latin typeface="Lucida Console" panose="020B0609040504020204" pitchFamily="49" charset="0"/>
-              </a:rPr>
-              <a:t>ctxsys.context</a:t>
-            </a:r>
-            <a:endParaRPr lang="en-US" sz="1800" dirty="0">
-              <a:latin typeface="Lucida Console" panose="020B0609040504020204" pitchFamily="49" charset="0"/>
-            </a:endParaRPr>
-          </a:p>
-          <a:p>
-            <a:r>
-              <a:rPr lang="en-US" sz="1800" dirty="0">
-                <a:latin typeface="Lucida Console" panose="020B0609040504020204" pitchFamily="49" charset="0"/>
-              </a:rPr>
-              <a:t>parameters( '</a:t>
-            </a:r>
-            <a:r>
-              <a:rPr lang="en-US" sz="1800" dirty="0" err="1">
-                <a:latin typeface="Lucida Console" panose="020B0609040504020204" pitchFamily="49" charset="0"/>
-              </a:rPr>
-              <a:t>datastore</a:t>
-            </a:r>
-            <a:r>
-              <a:rPr lang="en-US" sz="1800" dirty="0">
-                <a:latin typeface="Lucida Console" panose="020B0609040504020204" pitchFamily="49" charset="0"/>
-              </a:rPr>
-              <a:t> </a:t>
-            </a:r>
-            <a:r>
-              <a:rPr lang="en-US" sz="1800" dirty="0" err="1">
-                <a:latin typeface="Lucida Console" panose="020B0609040504020204" pitchFamily="49" charset="0"/>
-              </a:rPr>
-              <a:t>my_mcds</a:t>
+              <a:t>my_lexer</a:t>
             </a:r>
             <a:r>
               <a:rPr lang="en-US" sz="1800" dirty="0">
@@ -38038,13 +38962,31 @@
               <a:t> </a:t>
             </a:r>
             <a:r>
-              <a:rPr lang="nl-NL" sz="1800" dirty="0" err="1">
+              <a:rPr lang="nl-NL" sz="1800" dirty="0" smtClean="0">
+                <a:latin typeface="Lucida Console" panose="020B0609040504020204" pitchFamily="49" charset="0"/>
+              </a:rPr>
+              <a:t>stemming </a:t>
+            </a:r>
+            <a:r>
+              <a:rPr lang="nl-NL" sz="1800" dirty="0" err="1" smtClean="0">
+                <a:latin typeface="Lucida Console" panose="020B0609040504020204" pitchFamily="49" charset="0"/>
+              </a:rPr>
+              <a:t>and</a:t>
+            </a:r>
+            <a:r>
+              <a:rPr lang="nl-NL" sz="1800" dirty="0" smtClean="0">
+                <a:latin typeface="Lucida Console" panose="020B0609040504020204" pitchFamily="49" charset="0"/>
+              </a:rPr>
+              <a:t> </a:t>
+            </a:r>
+            <a:r>
+              <a:rPr lang="nl-NL" sz="1800" dirty="0" err="1" smtClean="0">
                 <a:latin typeface="Lucida Console" panose="020B0609040504020204" pitchFamily="49" charset="0"/>
               </a:rPr>
               <a:t>the</a:t>
             </a:r>
             <a:r>
-              <a:rPr lang="nl-NL" sz="1800" dirty="0">
+              <a:rPr lang="nl-NL" sz="1800" dirty="0" smtClean="0">
                 <a:latin typeface="Lucida Console" panose="020B0609040504020204" pitchFamily="49" charset="0"/>
               </a:rPr>
               <a:t> </a:t>
@@ -38106,8 +39048,17 @@
               <a:rPr lang="nl-NL" sz="1800" dirty="0">
                 <a:latin typeface="Lucida Console" panose="020B0609040504020204" pitchFamily="49" charset="0"/>
               </a:rPr>
-              <a:t> job</a:t>
-            </a:r>
+              <a:t> </a:t>
+            </a:r>
+            <a:r>
+              <a:rPr lang="nl-NL" sz="1800" dirty="0" smtClean="0">
+                <a:latin typeface="Lucida Console" panose="020B0609040504020204" pitchFamily="49" charset="0"/>
+              </a:rPr>
+              <a:t>job</a:t>
+            </a:r>
+            <a:endParaRPr lang="nl-NL" sz="1800" dirty="0">
+              <a:latin typeface="Lucida Console" panose="020B0609040504020204" pitchFamily="49" charset="0"/>
+            </a:endParaRPr>
           </a:p>
           <a:p>
             <a:r>

--- a/mongodb-find-agg-vs-oracle-sql.pptx
+++ b/mongodb-find-agg-vs-oracle-sql.pptx
@@ -33921,7 +33921,7 @@
               <a:t>     </a:t>
             </a:r>
             <a:r>
-              <a:rPr lang="nl-NL" sz="1800">
+              <a:rPr lang="nl-NL" sz="1800" dirty="0" err="1">
                 <a:latin typeface="Lucida Console" panose="020B0609040504020204" pitchFamily="49" charset="0"/>
               </a:rPr>
               <a:t>d.deptno</a:t>
